--- a/2ª Fase/Aprsentação_Fase2.pptx
+++ b/2ª Fase/Aprsentação_Fase2.pptx
@@ -5,10 +5,10 @@
     <p:sldMasterId id="2147483768" r:id="rId1"/>
   </p:sldMasterIdLst>
   <p:notesMasterIdLst>
-    <p:notesMasterId r:id="rId15"/>
+    <p:notesMasterId r:id="rId20"/>
   </p:notesMasterIdLst>
   <p:handoutMasterIdLst>
-    <p:handoutMasterId r:id="rId16"/>
+    <p:handoutMasterId r:id="rId21"/>
   </p:handoutMasterIdLst>
   <p:sldIdLst>
     <p:sldId id="256" r:id="rId2"/>
@@ -24,6 +24,11 @@
     <p:sldId id="266" r:id="rId12"/>
     <p:sldId id="267" r:id="rId13"/>
     <p:sldId id="268" r:id="rId14"/>
+    <p:sldId id="270" r:id="rId15"/>
+    <p:sldId id="269" r:id="rId16"/>
+    <p:sldId id="273" r:id="rId17"/>
+    <p:sldId id="274" r:id="rId18"/>
+    <p:sldId id="272" r:id="rId19"/>
   </p:sldIdLst>
   <p:sldSz cx="9144000" cy="6858000" type="screen4x3"/>
   <p:notesSz cx="6858000" cy="9144000"/>
@@ -839,6 +844,925 @@
     <dgm:fillClrLst meth="repeat">
       <a:schemeClr val="accent1">
         <a:tint val="60000"/>
+      </a:schemeClr>
+    </dgm:fillClrLst>
+    <dgm:linClrLst meth="repeat">
+      <a:schemeClr val="lt1"/>
+    </dgm:linClrLst>
+    <dgm:effectClrLst/>
+    <dgm:txLinClrLst/>
+    <dgm:txFillClrLst meth="repeat">
+      <a:schemeClr val="dk1"/>
+    </dgm:txFillClrLst>
+    <dgm:txEffectClrLst/>
+  </dgm:styleLbl>
+  <dgm:styleLbl name="revTx">
+    <dgm:fillClrLst meth="repeat">
+      <a:schemeClr val="lt1">
+        <a:alpha val="0"/>
+      </a:schemeClr>
+    </dgm:fillClrLst>
+    <dgm:linClrLst meth="repeat">
+      <a:schemeClr val="dk1">
+        <a:alpha val="0"/>
+      </a:schemeClr>
+    </dgm:linClrLst>
+    <dgm:effectClrLst/>
+    <dgm:txLinClrLst/>
+    <dgm:txFillClrLst meth="repeat">
+      <a:schemeClr val="tx1"/>
+    </dgm:txFillClrLst>
+    <dgm:txEffectClrLst/>
+  </dgm:styleLbl>
+</dgm:colorsDef>
+</file>
+
+<file path=ppt/diagrams/colors2.xml><?xml version="1.0" encoding="utf-8"?>
+<dgm:colorsDef xmlns:dgm="http://schemas.openxmlformats.org/drawingml/2006/diagram" xmlns:a="http://schemas.openxmlformats.org/drawingml/2006/main" uniqueId="urn:microsoft.com/office/officeart/2005/8/colors/colorful1">
+  <dgm:title val=""/>
+  <dgm:desc val=""/>
+  <dgm:catLst>
+    <dgm:cat type="colorful" pri="10100"/>
+  </dgm:catLst>
+  <dgm:styleLbl name="node0">
+    <dgm:fillClrLst meth="repeat">
+      <a:schemeClr val="accent1"/>
+    </dgm:fillClrLst>
+    <dgm:linClrLst meth="repeat">
+      <a:schemeClr val="lt1"/>
+    </dgm:linClrLst>
+    <dgm:effectClrLst/>
+    <dgm:txLinClrLst/>
+    <dgm:txFillClrLst/>
+    <dgm:txEffectClrLst/>
+  </dgm:styleLbl>
+  <dgm:styleLbl name="node1">
+    <dgm:fillClrLst meth="repeat">
+      <a:schemeClr val="accent2"/>
+      <a:schemeClr val="accent3"/>
+      <a:schemeClr val="accent4"/>
+      <a:schemeClr val="accent5"/>
+      <a:schemeClr val="accent6"/>
+    </dgm:fillClrLst>
+    <dgm:linClrLst meth="repeat">
+      <a:schemeClr val="lt1"/>
+    </dgm:linClrLst>
+    <dgm:effectClrLst/>
+    <dgm:txLinClrLst/>
+    <dgm:txFillClrLst/>
+    <dgm:txEffectClrLst/>
+  </dgm:styleLbl>
+  <dgm:styleLbl name="alignNode1">
+    <dgm:fillClrLst meth="repeat">
+      <a:schemeClr val="accent2"/>
+      <a:schemeClr val="accent3"/>
+      <a:schemeClr val="accent4"/>
+      <a:schemeClr val="accent5"/>
+      <a:schemeClr val="accent6"/>
+    </dgm:fillClrLst>
+    <dgm:linClrLst meth="repeat">
+      <a:schemeClr val="accent2"/>
+      <a:schemeClr val="accent3"/>
+      <a:schemeClr val="accent4"/>
+      <a:schemeClr val="accent5"/>
+      <a:schemeClr val="accent6"/>
+    </dgm:linClrLst>
+    <dgm:effectClrLst/>
+    <dgm:txLinClrLst/>
+    <dgm:txFillClrLst/>
+    <dgm:txEffectClrLst/>
+  </dgm:styleLbl>
+  <dgm:styleLbl name="lnNode1">
+    <dgm:fillClrLst meth="repeat">
+      <a:schemeClr val="accent2"/>
+      <a:schemeClr val="accent3"/>
+      <a:schemeClr val="accent4"/>
+      <a:schemeClr val="accent5"/>
+      <a:schemeClr val="accent6"/>
+    </dgm:fillClrLst>
+    <dgm:linClrLst meth="repeat">
+      <a:schemeClr val="lt1"/>
+    </dgm:linClrLst>
+    <dgm:effectClrLst/>
+    <dgm:txLinClrLst/>
+    <dgm:txFillClrLst/>
+    <dgm:txEffectClrLst/>
+  </dgm:styleLbl>
+  <dgm:styleLbl name="vennNode1">
+    <dgm:fillClrLst meth="repeat">
+      <a:schemeClr val="accent2">
+        <a:alpha val="50000"/>
+      </a:schemeClr>
+      <a:schemeClr val="accent3">
+        <a:alpha val="50000"/>
+      </a:schemeClr>
+      <a:schemeClr val="accent4">
+        <a:alpha val="50000"/>
+      </a:schemeClr>
+      <a:schemeClr val="accent5">
+        <a:alpha val="50000"/>
+      </a:schemeClr>
+      <a:schemeClr val="accent6">
+        <a:alpha val="50000"/>
+      </a:schemeClr>
+    </dgm:fillClrLst>
+    <dgm:linClrLst meth="repeat">
+      <a:schemeClr val="lt1"/>
+    </dgm:linClrLst>
+    <dgm:effectClrLst/>
+    <dgm:txLinClrLst/>
+    <dgm:txFillClrLst/>
+    <dgm:txEffectClrLst/>
+  </dgm:styleLbl>
+  <dgm:styleLbl name="node2">
+    <dgm:fillClrLst>
+      <a:schemeClr val="accent2"/>
+    </dgm:fillClrLst>
+    <dgm:linClrLst meth="repeat">
+      <a:schemeClr val="lt1"/>
+    </dgm:linClrLst>
+    <dgm:effectClrLst/>
+    <dgm:txLinClrLst/>
+    <dgm:txFillClrLst/>
+    <dgm:txEffectClrLst/>
+  </dgm:styleLbl>
+  <dgm:styleLbl name="node3">
+    <dgm:fillClrLst>
+      <a:schemeClr val="accent3"/>
+    </dgm:fillClrLst>
+    <dgm:linClrLst meth="repeat">
+      <a:schemeClr val="lt1"/>
+    </dgm:linClrLst>
+    <dgm:effectClrLst/>
+    <dgm:txLinClrLst/>
+    <dgm:txFillClrLst/>
+    <dgm:txEffectClrLst/>
+  </dgm:styleLbl>
+  <dgm:styleLbl name="node4">
+    <dgm:fillClrLst>
+      <a:schemeClr val="accent4"/>
+    </dgm:fillClrLst>
+    <dgm:linClrLst meth="repeat">
+      <a:schemeClr val="lt1"/>
+    </dgm:linClrLst>
+    <dgm:effectClrLst/>
+    <dgm:txLinClrLst/>
+    <dgm:txFillClrLst/>
+    <dgm:txEffectClrLst/>
+  </dgm:styleLbl>
+  <dgm:styleLbl name="fgImgPlace1">
+    <dgm:fillClrLst meth="repeat">
+      <a:schemeClr val="accent2">
+        <a:tint val="50000"/>
+      </a:schemeClr>
+      <a:schemeClr val="accent3">
+        <a:tint val="50000"/>
+      </a:schemeClr>
+      <a:schemeClr val="accent4">
+        <a:tint val="50000"/>
+      </a:schemeClr>
+      <a:schemeClr val="accent5">
+        <a:tint val="50000"/>
+      </a:schemeClr>
+      <a:schemeClr val="accent6">
+        <a:tint val="50000"/>
+      </a:schemeClr>
+    </dgm:fillClrLst>
+    <dgm:linClrLst meth="repeat">
+      <a:schemeClr val="lt1"/>
+    </dgm:linClrLst>
+    <dgm:effectClrLst/>
+    <dgm:txLinClrLst/>
+    <dgm:txFillClrLst meth="repeat">
+      <a:schemeClr val="lt1"/>
+    </dgm:txFillClrLst>
+    <dgm:txEffectClrLst/>
+  </dgm:styleLbl>
+  <dgm:styleLbl name="alignImgPlace1">
+    <dgm:fillClrLst>
+      <a:schemeClr val="accent1">
+        <a:tint val="50000"/>
+      </a:schemeClr>
+      <a:schemeClr val="accent2">
+        <a:tint val="20000"/>
+      </a:schemeClr>
+    </dgm:fillClrLst>
+    <dgm:linClrLst meth="repeat">
+      <a:schemeClr val="lt1"/>
+    </dgm:linClrLst>
+    <dgm:effectClrLst/>
+    <dgm:txLinClrLst/>
+    <dgm:txFillClrLst meth="repeat">
+      <a:schemeClr val="lt1"/>
+    </dgm:txFillClrLst>
+    <dgm:txEffectClrLst/>
+  </dgm:styleLbl>
+  <dgm:styleLbl name="bgImgPlace1">
+    <dgm:fillClrLst>
+      <a:schemeClr val="accent1">
+        <a:tint val="50000"/>
+      </a:schemeClr>
+      <a:schemeClr val="accent2">
+        <a:tint val="20000"/>
+      </a:schemeClr>
+    </dgm:fillClrLst>
+    <dgm:linClrLst meth="repeat">
+      <a:schemeClr val="lt1"/>
+    </dgm:linClrLst>
+    <dgm:effectClrLst/>
+    <dgm:txLinClrLst/>
+    <dgm:txFillClrLst meth="repeat">
+      <a:schemeClr val="lt1"/>
+    </dgm:txFillClrLst>
+    <dgm:txEffectClrLst/>
+  </dgm:styleLbl>
+  <dgm:styleLbl name="sibTrans2D1">
+    <dgm:fillClrLst meth="repeat">
+      <a:schemeClr val="accent2"/>
+      <a:schemeClr val="accent3"/>
+      <a:schemeClr val="accent4"/>
+      <a:schemeClr val="accent5"/>
+      <a:schemeClr val="accent6"/>
+    </dgm:fillClrLst>
+    <dgm:linClrLst meth="cycle">
+      <a:schemeClr val="lt1"/>
+    </dgm:linClrLst>
+    <dgm:effectClrLst/>
+    <dgm:txLinClrLst/>
+    <dgm:txFillClrLst/>
+    <dgm:txEffectClrLst/>
+  </dgm:styleLbl>
+  <dgm:styleLbl name="fgSibTrans2D1">
+    <dgm:fillClrLst meth="repeat">
+      <a:schemeClr val="accent2"/>
+      <a:schemeClr val="accent3"/>
+      <a:schemeClr val="accent4"/>
+      <a:schemeClr val="accent5"/>
+      <a:schemeClr val="accent6"/>
+    </dgm:fillClrLst>
+    <dgm:linClrLst meth="cycle">
+      <a:schemeClr val="lt1"/>
+    </dgm:linClrLst>
+    <dgm:effectClrLst/>
+    <dgm:txLinClrLst/>
+    <dgm:txFillClrLst meth="repeat">
+      <a:schemeClr val="lt1"/>
+    </dgm:txFillClrLst>
+    <dgm:txEffectClrLst/>
+  </dgm:styleLbl>
+  <dgm:styleLbl name="bgSibTrans2D1">
+    <dgm:fillClrLst meth="repeat">
+      <a:schemeClr val="accent2"/>
+      <a:schemeClr val="accent3"/>
+      <a:schemeClr val="accent4"/>
+      <a:schemeClr val="accent5"/>
+      <a:schemeClr val="accent6"/>
+    </dgm:fillClrLst>
+    <dgm:linClrLst meth="cycle">
+      <a:schemeClr val="lt1"/>
+    </dgm:linClrLst>
+    <dgm:effectClrLst/>
+    <dgm:txLinClrLst/>
+    <dgm:txFillClrLst meth="repeat">
+      <a:schemeClr val="lt1"/>
+    </dgm:txFillClrLst>
+    <dgm:txEffectClrLst/>
+  </dgm:styleLbl>
+  <dgm:styleLbl name="sibTrans1D1">
+    <dgm:fillClrLst meth="repeat">
+      <a:schemeClr val="accent2"/>
+      <a:schemeClr val="accent3"/>
+      <a:schemeClr val="accent4"/>
+      <a:schemeClr val="accent5"/>
+      <a:schemeClr val="accent6"/>
+    </dgm:fillClrLst>
+    <dgm:linClrLst meth="repeat">
+      <a:schemeClr val="accent2"/>
+      <a:schemeClr val="accent3"/>
+      <a:schemeClr val="accent4"/>
+      <a:schemeClr val="accent5"/>
+      <a:schemeClr val="accent6"/>
+    </dgm:linClrLst>
+    <dgm:effectClrLst/>
+    <dgm:txLinClrLst/>
+    <dgm:txFillClrLst meth="repeat">
+      <a:schemeClr val="tx1"/>
+    </dgm:txFillClrLst>
+    <dgm:txEffectClrLst/>
+  </dgm:styleLbl>
+  <dgm:styleLbl name="callout">
+    <dgm:fillClrLst meth="repeat">
+      <a:schemeClr val="accent2"/>
+    </dgm:fillClrLst>
+    <dgm:linClrLst meth="repeat">
+      <a:schemeClr val="accent2">
+        <a:tint val="50000"/>
+      </a:schemeClr>
+    </dgm:linClrLst>
+    <dgm:effectClrLst/>
+    <dgm:txLinClrLst/>
+    <dgm:txFillClrLst meth="repeat">
+      <a:schemeClr val="tx1"/>
+    </dgm:txFillClrLst>
+    <dgm:txEffectClrLst/>
+  </dgm:styleLbl>
+  <dgm:styleLbl name="asst0">
+    <dgm:fillClrLst meth="repeat">
+      <a:schemeClr val="accent1"/>
+    </dgm:fillClrLst>
+    <dgm:linClrLst meth="repeat">
+      <a:schemeClr val="lt1"/>
+    </dgm:linClrLst>
+    <dgm:effectClrLst/>
+    <dgm:txLinClrLst/>
+    <dgm:txFillClrLst/>
+    <dgm:txEffectClrLst/>
+  </dgm:styleLbl>
+  <dgm:styleLbl name="asst1">
+    <dgm:fillClrLst meth="repeat">
+      <a:schemeClr val="accent2"/>
+    </dgm:fillClrLst>
+    <dgm:linClrLst meth="repeat">
+      <a:schemeClr val="lt1"/>
+    </dgm:linClrLst>
+    <dgm:effectClrLst/>
+    <dgm:txLinClrLst/>
+    <dgm:txFillClrLst/>
+    <dgm:txEffectClrLst/>
+  </dgm:styleLbl>
+  <dgm:styleLbl name="asst2">
+    <dgm:fillClrLst>
+      <a:schemeClr val="accent3"/>
+    </dgm:fillClrLst>
+    <dgm:linClrLst meth="repeat">
+      <a:schemeClr val="lt1"/>
+    </dgm:linClrLst>
+    <dgm:effectClrLst/>
+    <dgm:txLinClrLst/>
+    <dgm:txFillClrLst/>
+    <dgm:txEffectClrLst/>
+  </dgm:styleLbl>
+  <dgm:styleLbl name="asst3">
+    <dgm:fillClrLst>
+      <a:schemeClr val="accent4"/>
+    </dgm:fillClrLst>
+    <dgm:linClrLst meth="repeat">
+      <a:schemeClr val="lt1"/>
+    </dgm:linClrLst>
+    <dgm:effectClrLst/>
+    <dgm:txLinClrLst/>
+    <dgm:txFillClrLst/>
+    <dgm:txEffectClrLst/>
+  </dgm:styleLbl>
+  <dgm:styleLbl name="asst4">
+    <dgm:fillClrLst>
+      <a:schemeClr val="accent5"/>
+    </dgm:fillClrLst>
+    <dgm:linClrLst meth="repeat">
+      <a:schemeClr val="lt1"/>
+    </dgm:linClrLst>
+    <dgm:effectClrLst/>
+    <dgm:txLinClrLst/>
+    <dgm:txFillClrLst/>
+    <dgm:txEffectClrLst/>
+  </dgm:styleLbl>
+  <dgm:styleLbl name="parChTrans2D1">
+    <dgm:fillClrLst meth="repeat">
+      <a:schemeClr val="accent2"/>
+    </dgm:fillClrLst>
+    <dgm:linClrLst meth="repeat">
+      <a:schemeClr val="lt1"/>
+    </dgm:linClrLst>
+    <dgm:effectClrLst/>
+    <dgm:txLinClrLst/>
+    <dgm:txFillClrLst meth="repeat">
+      <a:schemeClr val="lt1"/>
+    </dgm:txFillClrLst>
+    <dgm:txEffectClrLst/>
+  </dgm:styleLbl>
+  <dgm:styleLbl name="parChTrans2D2">
+    <dgm:fillClrLst meth="repeat">
+      <a:schemeClr val="accent3"/>
+    </dgm:fillClrLst>
+    <dgm:linClrLst meth="repeat">
+      <a:schemeClr val="lt1"/>
+    </dgm:linClrLst>
+    <dgm:effectClrLst/>
+    <dgm:txLinClrLst/>
+    <dgm:txFillClrLst/>
+    <dgm:txEffectClrLst/>
+  </dgm:styleLbl>
+  <dgm:styleLbl name="parChTrans2D3">
+    <dgm:fillClrLst meth="repeat">
+      <a:schemeClr val="accent4"/>
+    </dgm:fillClrLst>
+    <dgm:linClrLst meth="repeat">
+      <a:schemeClr val="lt1"/>
+    </dgm:linClrLst>
+    <dgm:effectClrLst/>
+    <dgm:txLinClrLst/>
+    <dgm:txFillClrLst/>
+    <dgm:txEffectClrLst/>
+  </dgm:styleLbl>
+  <dgm:styleLbl name="parChTrans2D4">
+    <dgm:fillClrLst meth="repeat">
+      <a:schemeClr val="accent5"/>
+    </dgm:fillClrLst>
+    <dgm:linClrLst meth="repeat">
+      <a:schemeClr val="lt1"/>
+    </dgm:linClrLst>
+    <dgm:effectClrLst/>
+    <dgm:txLinClrLst/>
+    <dgm:txFillClrLst meth="repeat">
+      <a:schemeClr val="lt1"/>
+    </dgm:txFillClrLst>
+    <dgm:txEffectClrLst/>
+  </dgm:styleLbl>
+  <dgm:styleLbl name="parChTrans1D1">
+    <dgm:fillClrLst meth="repeat">
+      <a:schemeClr val="accent2"/>
+    </dgm:fillClrLst>
+    <dgm:linClrLst meth="repeat">
+      <a:schemeClr val="accent1"/>
+    </dgm:linClrLst>
+    <dgm:effectClrLst/>
+    <dgm:txLinClrLst/>
+    <dgm:txFillClrLst meth="repeat">
+      <a:schemeClr val="tx1"/>
+    </dgm:txFillClrLst>
+    <dgm:txEffectClrLst/>
+  </dgm:styleLbl>
+  <dgm:styleLbl name="parChTrans1D2">
+    <dgm:fillClrLst meth="repeat">
+      <a:schemeClr val="accent3">
+        <a:tint val="90000"/>
+      </a:schemeClr>
+    </dgm:fillClrLst>
+    <dgm:linClrLst meth="repeat">
+      <a:schemeClr val="accent2"/>
+    </dgm:linClrLst>
+    <dgm:effectClrLst/>
+    <dgm:txLinClrLst/>
+    <dgm:txFillClrLst meth="repeat">
+      <a:schemeClr val="tx1"/>
+    </dgm:txFillClrLst>
+    <dgm:txEffectClrLst/>
+  </dgm:styleLbl>
+  <dgm:styleLbl name="parChTrans1D3">
+    <dgm:fillClrLst meth="repeat">
+      <a:schemeClr val="accent4">
+        <a:tint val="70000"/>
+      </a:schemeClr>
+    </dgm:fillClrLst>
+    <dgm:linClrLst meth="repeat">
+      <a:schemeClr val="accent3"/>
+    </dgm:linClrLst>
+    <dgm:effectClrLst/>
+    <dgm:txLinClrLst/>
+    <dgm:txFillClrLst meth="repeat">
+      <a:schemeClr val="tx1"/>
+    </dgm:txFillClrLst>
+    <dgm:txEffectClrLst/>
+  </dgm:styleLbl>
+  <dgm:styleLbl name="parChTrans1D4">
+    <dgm:fillClrLst meth="repeat">
+      <a:schemeClr val="accent5">
+        <a:tint val="50000"/>
+      </a:schemeClr>
+    </dgm:fillClrLst>
+    <dgm:linClrLst meth="repeat">
+      <a:schemeClr val="accent4"/>
+    </dgm:linClrLst>
+    <dgm:effectClrLst/>
+    <dgm:txLinClrLst/>
+    <dgm:txFillClrLst meth="repeat">
+      <a:schemeClr val="tx1"/>
+    </dgm:txFillClrLst>
+    <dgm:txEffectClrLst/>
+  </dgm:styleLbl>
+  <dgm:styleLbl name="fgAcc1">
+    <dgm:fillClrLst meth="repeat">
+      <a:schemeClr val="lt1">
+        <a:alpha val="90000"/>
+      </a:schemeClr>
+    </dgm:fillClrLst>
+    <dgm:linClrLst meth="repeat">
+      <a:schemeClr val="accent2"/>
+      <a:schemeClr val="accent3"/>
+      <a:schemeClr val="accent4"/>
+      <a:schemeClr val="accent5"/>
+      <a:schemeClr val="accent6"/>
+    </dgm:linClrLst>
+    <dgm:effectClrLst/>
+    <dgm:txLinClrLst/>
+    <dgm:txFillClrLst meth="repeat">
+      <a:schemeClr val="dk1"/>
+    </dgm:txFillClrLst>
+    <dgm:txEffectClrLst/>
+  </dgm:styleLbl>
+  <dgm:styleLbl name="conFgAcc1">
+    <dgm:fillClrLst meth="repeat">
+      <a:schemeClr val="lt1">
+        <a:alpha val="90000"/>
+      </a:schemeClr>
+    </dgm:fillClrLst>
+    <dgm:linClrLst meth="repeat">
+      <a:schemeClr val="accent2"/>
+      <a:schemeClr val="accent3"/>
+      <a:schemeClr val="accent4"/>
+      <a:schemeClr val="accent5"/>
+      <a:schemeClr val="accent6"/>
+    </dgm:linClrLst>
+    <dgm:effectClrLst/>
+    <dgm:txLinClrLst/>
+    <dgm:txFillClrLst meth="repeat">
+      <a:schemeClr val="dk1"/>
+    </dgm:txFillClrLst>
+    <dgm:txEffectClrLst/>
+  </dgm:styleLbl>
+  <dgm:styleLbl name="alignAcc1">
+    <dgm:fillClrLst meth="repeat">
+      <a:schemeClr val="lt1">
+        <a:alpha val="90000"/>
+      </a:schemeClr>
+    </dgm:fillClrLst>
+    <dgm:linClrLst meth="repeat">
+      <a:schemeClr val="accent2"/>
+      <a:schemeClr val="accent3"/>
+      <a:schemeClr val="accent4"/>
+      <a:schemeClr val="accent5"/>
+      <a:schemeClr val="accent6"/>
+    </dgm:linClrLst>
+    <dgm:effectClrLst/>
+    <dgm:txLinClrLst/>
+    <dgm:txFillClrLst meth="repeat">
+      <a:schemeClr val="dk1"/>
+    </dgm:txFillClrLst>
+    <dgm:txEffectClrLst/>
+  </dgm:styleLbl>
+  <dgm:styleLbl name="trAlignAcc1">
+    <dgm:fillClrLst meth="repeat">
+      <a:schemeClr val="lt1">
+        <a:alpha val="40000"/>
+      </a:schemeClr>
+    </dgm:fillClrLst>
+    <dgm:linClrLst meth="repeat">
+      <a:schemeClr val="accent1"/>
+    </dgm:linClrLst>
+    <dgm:effectClrLst/>
+    <dgm:txLinClrLst/>
+    <dgm:txFillClrLst meth="repeat">
+      <a:schemeClr val="dk1"/>
+    </dgm:txFillClrLst>
+    <dgm:txEffectClrLst/>
+  </dgm:styleLbl>
+  <dgm:styleLbl name="bgAcc1">
+    <dgm:fillClrLst meth="repeat">
+      <a:schemeClr val="lt1">
+        <a:alpha val="90000"/>
+      </a:schemeClr>
+    </dgm:fillClrLst>
+    <dgm:linClrLst meth="repeat">
+      <a:schemeClr val="accent2"/>
+      <a:schemeClr val="accent3"/>
+      <a:schemeClr val="accent4"/>
+      <a:schemeClr val="accent5"/>
+      <a:schemeClr val="accent6"/>
+    </dgm:linClrLst>
+    <dgm:effectClrLst/>
+    <dgm:txLinClrLst/>
+    <dgm:txFillClrLst meth="repeat">
+      <a:schemeClr val="dk1"/>
+    </dgm:txFillClrLst>
+    <dgm:txEffectClrLst/>
+  </dgm:styleLbl>
+  <dgm:styleLbl name="solidFgAcc1">
+    <dgm:fillClrLst meth="repeat">
+      <a:schemeClr val="lt1"/>
+    </dgm:fillClrLst>
+    <dgm:linClrLst meth="repeat">
+      <a:schemeClr val="accent2"/>
+      <a:schemeClr val="accent3"/>
+      <a:schemeClr val="accent4"/>
+      <a:schemeClr val="accent5"/>
+      <a:schemeClr val="accent6"/>
+    </dgm:linClrLst>
+    <dgm:effectClrLst/>
+    <dgm:txLinClrLst/>
+    <dgm:txFillClrLst meth="repeat">
+      <a:schemeClr val="dk1"/>
+    </dgm:txFillClrLst>
+    <dgm:txEffectClrLst/>
+  </dgm:styleLbl>
+  <dgm:styleLbl name="solidAlignAcc1">
+    <dgm:fillClrLst meth="repeat">
+      <a:schemeClr val="lt1"/>
+    </dgm:fillClrLst>
+    <dgm:linClrLst meth="repeat">
+      <a:schemeClr val="accent2"/>
+      <a:schemeClr val="accent3"/>
+      <a:schemeClr val="accent4"/>
+      <a:schemeClr val="accent5"/>
+      <a:schemeClr val="accent6"/>
+    </dgm:linClrLst>
+    <dgm:effectClrLst/>
+    <dgm:txLinClrLst/>
+    <dgm:txFillClrLst meth="repeat">
+      <a:schemeClr val="dk1"/>
+    </dgm:txFillClrLst>
+    <dgm:txEffectClrLst/>
+  </dgm:styleLbl>
+  <dgm:styleLbl name="solidBgAcc1">
+    <dgm:fillClrLst meth="repeat">
+      <a:schemeClr val="lt1"/>
+    </dgm:fillClrLst>
+    <dgm:linClrLst meth="repeat">
+      <a:schemeClr val="accent2"/>
+      <a:schemeClr val="accent3"/>
+      <a:schemeClr val="accent4"/>
+      <a:schemeClr val="accent5"/>
+      <a:schemeClr val="accent6"/>
+    </dgm:linClrLst>
+    <dgm:effectClrLst/>
+    <dgm:txLinClrLst/>
+    <dgm:txFillClrLst meth="repeat">
+      <a:schemeClr val="dk1"/>
+    </dgm:txFillClrLst>
+    <dgm:txEffectClrLst/>
+  </dgm:styleLbl>
+  <dgm:styleLbl name="fgAccFollowNode1">
+    <dgm:fillClrLst meth="repeat">
+      <a:schemeClr val="accent2">
+        <a:tint val="40000"/>
+        <a:alpha val="90000"/>
+      </a:schemeClr>
+      <a:schemeClr val="accent3">
+        <a:tint val="40000"/>
+        <a:alpha val="90000"/>
+      </a:schemeClr>
+      <a:schemeClr val="accent4">
+        <a:tint val="40000"/>
+        <a:alpha val="90000"/>
+      </a:schemeClr>
+      <a:schemeClr val="accent5">
+        <a:tint val="40000"/>
+        <a:alpha val="90000"/>
+      </a:schemeClr>
+      <a:schemeClr val="accent6">
+        <a:tint val="40000"/>
+        <a:alpha val="90000"/>
+      </a:schemeClr>
+    </dgm:fillClrLst>
+    <dgm:linClrLst meth="repeat">
+      <a:schemeClr val="accent2">
+        <a:tint val="40000"/>
+        <a:alpha val="90000"/>
+      </a:schemeClr>
+      <a:schemeClr val="accent3">
+        <a:tint val="40000"/>
+        <a:alpha val="90000"/>
+      </a:schemeClr>
+      <a:schemeClr val="accent4">
+        <a:tint val="40000"/>
+        <a:alpha val="90000"/>
+      </a:schemeClr>
+      <a:schemeClr val="accent5">
+        <a:tint val="40000"/>
+        <a:alpha val="90000"/>
+      </a:schemeClr>
+      <a:schemeClr val="accent6">
+        <a:tint val="40000"/>
+        <a:alpha val="90000"/>
+      </a:schemeClr>
+    </dgm:linClrLst>
+    <dgm:effectClrLst/>
+    <dgm:txLinClrLst/>
+    <dgm:txFillClrLst meth="repeat">
+      <a:schemeClr val="dk1"/>
+    </dgm:txFillClrLst>
+    <dgm:txEffectClrLst/>
+  </dgm:styleLbl>
+  <dgm:styleLbl name="alignAccFollowNode1">
+    <dgm:fillClrLst meth="repeat">
+      <a:schemeClr val="accent2">
+        <a:tint val="40000"/>
+        <a:alpha val="90000"/>
+      </a:schemeClr>
+      <a:schemeClr val="accent3">
+        <a:tint val="40000"/>
+        <a:alpha val="90000"/>
+      </a:schemeClr>
+      <a:schemeClr val="accent4">
+        <a:tint val="40000"/>
+        <a:alpha val="90000"/>
+      </a:schemeClr>
+      <a:schemeClr val="accent5">
+        <a:tint val="40000"/>
+        <a:alpha val="90000"/>
+      </a:schemeClr>
+      <a:schemeClr val="accent6">
+        <a:tint val="40000"/>
+        <a:alpha val="90000"/>
+      </a:schemeClr>
+    </dgm:fillClrLst>
+    <dgm:linClrLst meth="repeat">
+      <a:schemeClr val="accent2">
+        <a:tint val="40000"/>
+        <a:alpha val="90000"/>
+      </a:schemeClr>
+      <a:schemeClr val="accent3">
+        <a:tint val="40000"/>
+        <a:alpha val="90000"/>
+      </a:schemeClr>
+      <a:schemeClr val="accent4">
+        <a:tint val="40000"/>
+        <a:alpha val="90000"/>
+      </a:schemeClr>
+      <a:schemeClr val="accent5">
+        <a:tint val="40000"/>
+        <a:alpha val="90000"/>
+      </a:schemeClr>
+      <a:schemeClr val="accent6">
+        <a:tint val="40000"/>
+        <a:alpha val="90000"/>
+      </a:schemeClr>
+    </dgm:linClrLst>
+    <dgm:effectClrLst/>
+    <dgm:txLinClrLst/>
+    <dgm:txFillClrLst meth="repeat">
+      <a:schemeClr val="dk1"/>
+    </dgm:txFillClrLst>
+    <dgm:txEffectClrLst/>
+  </dgm:styleLbl>
+  <dgm:styleLbl name="bgAccFollowNode1">
+    <dgm:fillClrLst meth="repeat">
+      <a:schemeClr val="accent2">
+        <a:tint val="40000"/>
+        <a:alpha val="90000"/>
+      </a:schemeClr>
+      <a:schemeClr val="accent3">
+        <a:tint val="40000"/>
+        <a:alpha val="90000"/>
+      </a:schemeClr>
+      <a:schemeClr val="accent4">
+        <a:tint val="40000"/>
+        <a:alpha val="90000"/>
+      </a:schemeClr>
+      <a:schemeClr val="accent5">
+        <a:tint val="40000"/>
+        <a:alpha val="90000"/>
+      </a:schemeClr>
+      <a:schemeClr val="accent6">
+        <a:tint val="40000"/>
+        <a:alpha val="90000"/>
+      </a:schemeClr>
+    </dgm:fillClrLst>
+    <dgm:linClrLst meth="repeat">
+      <a:schemeClr val="accent2">
+        <a:tint val="40000"/>
+        <a:alpha val="90000"/>
+      </a:schemeClr>
+      <a:schemeClr val="accent3">
+        <a:tint val="40000"/>
+        <a:alpha val="90000"/>
+      </a:schemeClr>
+      <a:schemeClr val="accent4">
+        <a:tint val="40000"/>
+        <a:alpha val="90000"/>
+      </a:schemeClr>
+      <a:schemeClr val="accent5">
+        <a:tint val="40000"/>
+        <a:alpha val="90000"/>
+      </a:schemeClr>
+      <a:schemeClr val="accent6">
+        <a:tint val="40000"/>
+        <a:alpha val="90000"/>
+      </a:schemeClr>
+    </dgm:linClrLst>
+    <dgm:effectClrLst/>
+    <dgm:txLinClrLst/>
+    <dgm:txFillClrLst meth="repeat">
+      <a:schemeClr val="dk1"/>
+    </dgm:txFillClrLst>
+    <dgm:txEffectClrLst/>
+  </dgm:styleLbl>
+  <dgm:styleLbl name="fgAcc0">
+    <dgm:fillClrLst meth="repeat">
+      <a:schemeClr val="lt1">
+        <a:alpha val="90000"/>
+      </a:schemeClr>
+    </dgm:fillClrLst>
+    <dgm:linClrLst>
+      <a:schemeClr val="accent1"/>
+    </dgm:linClrLst>
+    <dgm:effectClrLst/>
+    <dgm:txLinClrLst/>
+    <dgm:txFillClrLst meth="repeat">
+      <a:schemeClr val="dk1"/>
+    </dgm:txFillClrLst>
+    <dgm:txEffectClrLst/>
+  </dgm:styleLbl>
+  <dgm:styleLbl name="fgAcc2">
+    <dgm:fillClrLst meth="repeat">
+      <a:schemeClr val="lt1">
+        <a:alpha val="90000"/>
+      </a:schemeClr>
+    </dgm:fillClrLst>
+    <dgm:linClrLst>
+      <a:schemeClr val="accent2"/>
+    </dgm:linClrLst>
+    <dgm:effectClrLst/>
+    <dgm:txLinClrLst/>
+    <dgm:txFillClrLst meth="repeat">
+      <a:schemeClr val="dk1"/>
+    </dgm:txFillClrLst>
+    <dgm:txEffectClrLst/>
+  </dgm:styleLbl>
+  <dgm:styleLbl name="fgAcc3">
+    <dgm:fillClrLst meth="repeat">
+      <a:schemeClr val="lt1">
+        <a:alpha val="90000"/>
+      </a:schemeClr>
+    </dgm:fillClrLst>
+    <dgm:linClrLst>
+      <a:schemeClr val="accent3"/>
+    </dgm:linClrLst>
+    <dgm:effectClrLst/>
+    <dgm:txLinClrLst/>
+    <dgm:txFillClrLst meth="repeat">
+      <a:schemeClr val="dk1"/>
+    </dgm:txFillClrLst>
+    <dgm:txEffectClrLst/>
+  </dgm:styleLbl>
+  <dgm:styleLbl name="fgAcc4">
+    <dgm:fillClrLst meth="repeat">
+      <a:schemeClr val="lt1">
+        <a:alpha val="90000"/>
+      </a:schemeClr>
+    </dgm:fillClrLst>
+    <dgm:linClrLst>
+      <a:schemeClr val="accent4"/>
+    </dgm:linClrLst>
+    <dgm:effectClrLst/>
+    <dgm:txLinClrLst/>
+    <dgm:txFillClrLst meth="repeat">
+      <a:schemeClr val="dk1"/>
+    </dgm:txFillClrLst>
+    <dgm:txEffectClrLst/>
+  </dgm:styleLbl>
+  <dgm:styleLbl name="bgShp">
+    <dgm:fillClrLst meth="repeat">
+      <a:schemeClr val="accent2">
+        <a:tint val="40000"/>
+      </a:schemeClr>
+    </dgm:fillClrLst>
+    <dgm:linClrLst meth="repeat">
+      <a:schemeClr val="dk1"/>
+    </dgm:linClrLst>
+    <dgm:effectClrLst/>
+    <dgm:txLinClrLst/>
+    <dgm:txFillClrLst meth="repeat">
+      <a:schemeClr val="dk1"/>
+    </dgm:txFillClrLst>
+    <dgm:txEffectClrLst/>
+  </dgm:styleLbl>
+  <dgm:styleLbl name="dkBgShp">
+    <dgm:fillClrLst meth="repeat">
+      <a:schemeClr val="accent2">
+        <a:shade val="90000"/>
+      </a:schemeClr>
+    </dgm:fillClrLst>
+    <dgm:linClrLst meth="repeat">
+      <a:schemeClr val="dk1"/>
+    </dgm:linClrLst>
+    <dgm:effectClrLst/>
+    <dgm:txLinClrLst/>
+    <dgm:txFillClrLst meth="repeat">
+      <a:schemeClr val="lt1"/>
+    </dgm:txFillClrLst>
+    <dgm:txEffectClrLst/>
+  </dgm:styleLbl>
+  <dgm:styleLbl name="trBgShp">
+    <dgm:fillClrLst meth="repeat">
+      <a:schemeClr val="accent1">
+        <a:tint val="50000"/>
+        <a:alpha val="40000"/>
+      </a:schemeClr>
+    </dgm:fillClrLst>
+    <dgm:linClrLst meth="repeat">
+      <a:schemeClr val="accent2"/>
+    </dgm:linClrLst>
+    <dgm:effectClrLst/>
+    <dgm:txLinClrLst/>
+    <dgm:txFillClrLst meth="repeat">
+      <a:schemeClr val="lt1"/>
+    </dgm:txFillClrLst>
+    <dgm:txEffectClrLst/>
+  </dgm:styleLbl>
+  <dgm:styleLbl name="fgShp">
+    <dgm:fillClrLst meth="repeat">
+      <a:schemeClr val="accent2">
+        <a:tint val="40000"/>
       </a:schemeClr>
     </dgm:fillClrLst>
     <dgm:linClrLst meth="repeat">
@@ -1107,6 +2031,719 @@
     <dgm:cxn modelId="{3493A00A-C025-4697-8E0B-E50779638DDA}" type="presParOf" srcId="{63CCBF24-56FA-4B77-8FDA-C1ABCA52A626}" destId="{618309A1-C5AF-4AFC-B76B-6288ADED121E}" srcOrd="1" destOrd="0" presId="urn:microsoft.com/office/officeart/2005/8/layout/equation2"/>
     <dgm:cxn modelId="{D7D29074-DD04-41C7-8A11-7C046E3B785E}" type="presParOf" srcId="{618309A1-C5AF-4AFC-B76B-6288ADED121E}" destId="{6E6EF322-E95C-4C59-BD4F-64B7883364DC}" srcOrd="0" destOrd="0" presId="urn:microsoft.com/office/officeart/2005/8/layout/equation2"/>
     <dgm:cxn modelId="{3181FA50-2694-4465-9066-EA3E41AC26AF}" type="presParOf" srcId="{63CCBF24-56FA-4B77-8FDA-C1ABCA52A626}" destId="{5702D7B9-96A6-4AF2-B2AD-A3CA75E6F90B}" srcOrd="2" destOrd="0" presId="urn:microsoft.com/office/officeart/2005/8/layout/equation2"/>
+  </dgm:cxnLst>
+  <dgm:bg/>
+  <dgm:whole/>
+  <dgm:extLst>
+    <a:ext uri="http://schemas.microsoft.com/office/drawing/2008/diagram">
+      <dsp:dataModelExt xmlns:dsp="http://schemas.microsoft.com/office/drawing/2008/diagram" relId="rId6" minVer="http://schemas.openxmlformats.org/drawingml/2006/diagram"/>
+    </a:ext>
+  </dgm:extLst>
+</dgm:dataModel>
+</file>
+
+<file path=ppt/diagrams/data2.xml><?xml version="1.0" encoding="utf-8"?>
+<dgm:dataModel xmlns:dgm="http://schemas.openxmlformats.org/drawingml/2006/diagram" xmlns:a="http://schemas.openxmlformats.org/drawingml/2006/main">
+  <dgm:ptLst>
+    <dgm:pt modelId="{57A30B05-819E-42FB-9075-8748989474B5}" type="doc">
+      <dgm:prSet loTypeId="urn:microsoft.com/office/officeart/2005/8/layout/default" loCatId="list" qsTypeId="urn:microsoft.com/office/officeart/2005/8/quickstyle/simple1" qsCatId="simple" csTypeId="urn:microsoft.com/office/officeart/2005/8/colors/colorful1" csCatId="colorful" phldr="1"/>
+      <dgm:spPr/>
+      <dgm:t>
+        <a:bodyPr/>
+        <a:lstStyle/>
+        <a:p>
+          <a:endParaRPr lang="pt-PT"/>
+        </a:p>
+      </dgm:t>
+    </dgm:pt>
+    <dgm:pt modelId="{02E248D5-1033-463E-862C-B56C55B0ED9E}">
+      <dgm:prSet phldrT="[Texto]"/>
+      <dgm:spPr>
+        <a:solidFill>
+          <a:srgbClr val="00B0F0"/>
+        </a:solidFill>
+      </dgm:spPr>
+      <dgm:t>
+        <a:bodyPr/>
+        <a:lstStyle/>
+        <a:p>
+          <a:r>
+            <a:rPr lang="pt-PT" b="0" cap="none" spc="0" dirty="0" smtClean="0">
+              <a:ln w="18415" cmpd="sng">
+                <a:solidFill>
+                  <a:srgbClr val="FFFFFF"/>
+                </a:solidFill>
+                <a:prstDash val="solid"/>
+              </a:ln>
+              <a:solidFill>
+                <a:srgbClr val="FFFFFF"/>
+              </a:solidFill>
+              <a:effectLst>
+                <a:outerShdw blurRad="63500" dir="3600000" algn="tl" rotWithShape="0">
+                  <a:srgbClr val="000000">
+                    <a:alpha val="70000"/>
+                  </a:srgbClr>
+                </a:outerShdw>
+              </a:effectLst>
+            </a:rPr>
+            <a:t>Utilizador</a:t>
+          </a:r>
+          <a:endParaRPr lang="pt-PT" b="0" cap="none" spc="0" dirty="0">
+            <a:ln w="18415" cmpd="sng">
+              <a:solidFill>
+                <a:srgbClr val="FFFFFF"/>
+              </a:solidFill>
+              <a:prstDash val="solid"/>
+            </a:ln>
+            <a:solidFill>
+              <a:srgbClr val="FFFFFF"/>
+            </a:solidFill>
+            <a:effectLst>
+              <a:outerShdw blurRad="63500" dir="3600000" algn="tl" rotWithShape="0">
+                <a:srgbClr val="000000">
+                  <a:alpha val="70000"/>
+                </a:srgbClr>
+              </a:outerShdw>
+            </a:effectLst>
+          </a:endParaRPr>
+        </a:p>
+      </dgm:t>
+    </dgm:pt>
+    <dgm:pt modelId="{8129707C-C810-4F44-9746-C1FF76E0FB6E}" type="parTrans" cxnId="{2B67BE3D-1050-4F85-B953-477183A78953}">
+      <dgm:prSet/>
+      <dgm:spPr/>
+      <dgm:t>
+        <a:bodyPr/>
+        <a:lstStyle/>
+        <a:p>
+          <a:endParaRPr lang="pt-PT"/>
+        </a:p>
+      </dgm:t>
+    </dgm:pt>
+    <dgm:pt modelId="{06F7E183-1050-46E9-8310-CEE99E8371A7}" type="sibTrans" cxnId="{2B67BE3D-1050-4F85-B953-477183A78953}">
+      <dgm:prSet/>
+      <dgm:spPr/>
+      <dgm:t>
+        <a:bodyPr/>
+        <a:lstStyle/>
+        <a:p>
+          <a:endParaRPr lang="pt-PT"/>
+        </a:p>
+      </dgm:t>
+    </dgm:pt>
+    <dgm:pt modelId="{1DE293BF-7A16-42A4-835E-341175DD013E}">
+      <dgm:prSet phldrT="[Texto]"/>
+      <dgm:spPr>
+        <a:solidFill>
+          <a:srgbClr val="FFFF00"/>
+        </a:solidFill>
+      </dgm:spPr>
+      <dgm:t>
+        <a:bodyPr/>
+        <a:lstStyle/>
+        <a:p>
+          <a:r>
+            <a:rPr lang="pt-PT" b="0" cap="none" spc="0" dirty="0" smtClean="0">
+              <a:ln w="18415" cmpd="sng">
+                <a:solidFill>
+                  <a:srgbClr val="FFFFFF"/>
+                </a:solidFill>
+                <a:prstDash val="solid"/>
+              </a:ln>
+              <a:solidFill>
+                <a:srgbClr val="FFFFFF"/>
+              </a:solidFill>
+              <a:effectLst>
+                <a:outerShdw blurRad="63500" dir="3600000" algn="tl" rotWithShape="0">
+                  <a:srgbClr val="000000">
+                    <a:alpha val="70000"/>
+                  </a:srgbClr>
+                </a:outerShdw>
+              </a:effectLst>
+            </a:rPr>
+            <a:t>Teste</a:t>
+          </a:r>
+          <a:endParaRPr lang="pt-PT" b="0" cap="none" spc="0" dirty="0">
+            <a:ln w="18415" cmpd="sng">
+              <a:solidFill>
+                <a:srgbClr val="FFFFFF"/>
+              </a:solidFill>
+              <a:prstDash val="solid"/>
+            </a:ln>
+            <a:solidFill>
+              <a:srgbClr val="FFFFFF"/>
+            </a:solidFill>
+            <a:effectLst>
+              <a:outerShdw blurRad="63500" dir="3600000" algn="tl" rotWithShape="0">
+                <a:srgbClr val="000000">
+                  <a:alpha val="70000"/>
+                </a:srgbClr>
+              </a:outerShdw>
+            </a:effectLst>
+          </a:endParaRPr>
+        </a:p>
+      </dgm:t>
+    </dgm:pt>
+    <dgm:pt modelId="{8E9BEE8E-7B72-4326-A12A-94CF2539B44A}" type="parTrans" cxnId="{17CB3C93-91C0-4319-9FF0-507048326D1D}">
+      <dgm:prSet/>
+      <dgm:spPr/>
+      <dgm:t>
+        <a:bodyPr/>
+        <a:lstStyle/>
+        <a:p>
+          <a:endParaRPr lang="pt-PT"/>
+        </a:p>
+      </dgm:t>
+    </dgm:pt>
+    <dgm:pt modelId="{A63EA56D-2232-492F-AFB8-148641FA8A64}" type="sibTrans" cxnId="{17CB3C93-91C0-4319-9FF0-507048326D1D}">
+      <dgm:prSet/>
+      <dgm:spPr/>
+      <dgm:t>
+        <a:bodyPr/>
+        <a:lstStyle/>
+        <a:p>
+          <a:endParaRPr lang="pt-PT"/>
+        </a:p>
+      </dgm:t>
+    </dgm:pt>
+    <dgm:pt modelId="{713F1905-FB0A-4EBA-88CC-5CF383204160}">
+      <dgm:prSet phldrT="[Texto]"/>
+      <dgm:spPr>
+        <a:solidFill>
+          <a:schemeClr val="bg2"/>
+        </a:solidFill>
+      </dgm:spPr>
+      <dgm:t>
+        <a:bodyPr/>
+        <a:lstStyle/>
+        <a:p>
+          <a:r>
+            <a:rPr lang="pt-PT" b="0" cap="none" spc="0" dirty="0" smtClean="0">
+              <a:ln w="18415" cmpd="sng">
+                <a:solidFill>
+                  <a:srgbClr val="FFFFFF"/>
+                </a:solidFill>
+                <a:prstDash val="solid"/>
+              </a:ln>
+              <a:solidFill>
+                <a:srgbClr val="FFFFFF"/>
+              </a:solidFill>
+              <a:effectLst>
+                <a:outerShdw blurRad="63500" dir="3600000" algn="tl" rotWithShape="0">
+                  <a:srgbClr val="000000">
+                    <a:alpha val="70000"/>
+                  </a:srgbClr>
+                </a:outerShdw>
+              </a:effectLst>
+            </a:rPr>
+            <a:t>Exercício</a:t>
+          </a:r>
+          <a:endParaRPr lang="pt-PT" dirty="0"/>
+        </a:p>
+      </dgm:t>
+    </dgm:pt>
+    <dgm:pt modelId="{A1BE0018-8BD5-4437-8F29-51F54854FF1B}" type="parTrans" cxnId="{A3EFEAC6-7CF9-413D-B013-9D800C3368DE}">
+      <dgm:prSet/>
+      <dgm:spPr/>
+      <dgm:t>
+        <a:bodyPr/>
+        <a:lstStyle/>
+        <a:p>
+          <a:endParaRPr lang="pt-PT"/>
+        </a:p>
+      </dgm:t>
+    </dgm:pt>
+    <dgm:pt modelId="{BF06CC03-E967-49C8-9A15-78FA0640BB13}" type="sibTrans" cxnId="{A3EFEAC6-7CF9-413D-B013-9D800C3368DE}">
+      <dgm:prSet/>
+      <dgm:spPr/>
+      <dgm:t>
+        <a:bodyPr/>
+        <a:lstStyle/>
+        <a:p>
+          <a:endParaRPr lang="pt-PT"/>
+        </a:p>
+      </dgm:t>
+    </dgm:pt>
+    <dgm:pt modelId="{8DF31643-B7D9-4D83-81AB-A58494AD31D0}">
+      <dgm:prSet phldrT="[Texto]"/>
+      <dgm:spPr>
+        <a:solidFill>
+          <a:srgbClr val="FFFF00"/>
+        </a:solidFill>
+      </dgm:spPr>
+      <dgm:t>
+        <a:bodyPr/>
+        <a:lstStyle/>
+        <a:p>
+          <a:r>
+            <a:rPr lang="pt-PT" b="0" cap="none" spc="0" dirty="0" smtClean="0">
+              <a:ln w="18415" cmpd="sng">
+                <a:solidFill>
+                  <a:srgbClr val="FFFFFF"/>
+                </a:solidFill>
+                <a:prstDash val="solid"/>
+              </a:ln>
+              <a:solidFill>
+                <a:srgbClr val="FFFFFF"/>
+              </a:solidFill>
+              <a:effectLst>
+                <a:outerShdw blurRad="63500" dir="3600000" algn="tl" rotWithShape="0">
+                  <a:srgbClr val="000000">
+                    <a:alpha val="70000"/>
+                  </a:srgbClr>
+                </a:outerShdw>
+              </a:effectLst>
+            </a:rPr>
+            <a:t>Sessão de Estudo</a:t>
+          </a:r>
+          <a:endParaRPr lang="pt-PT" b="0" cap="none" spc="0" dirty="0">
+            <a:ln w="18415" cmpd="sng">
+              <a:solidFill>
+                <a:srgbClr val="FFFFFF"/>
+              </a:solidFill>
+              <a:prstDash val="solid"/>
+            </a:ln>
+            <a:solidFill>
+              <a:srgbClr val="FFFFFF"/>
+            </a:solidFill>
+            <a:effectLst>
+              <a:outerShdw blurRad="63500" dir="3600000" algn="tl" rotWithShape="0">
+                <a:srgbClr val="000000">
+                  <a:alpha val="70000"/>
+                </a:srgbClr>
+              </a:outerShdw>
+            </a:effectLst>
+          </a:endParaRPr>
+        </a:p>
+      </dgm:t>
+    </dgm:pt>
+    <dgm:pt modelId="{01CF10E8-AA5E-4138-9C6D-25696A243F3D}" type="parTrans" cxnId="{925EBC34-51ED-4700-9FD6-2A12D544F556}">
+      <dgm:prSet/>
+      <dgm:spPr/>
+      <dgm:t>
+        <a:bodyPr/>
+        <a:lstStyle/>
+        <a:p>
+          <a:endParaRPr lang="pt-PT"/>
+        </a:p>
+      </dgm:t>
+    </dgm:pt>
+    <dgm:pt modelId="{967257AC-CF7F-460F-B0ED-4CB34C962704}" type="sibTrans" cxnId="{925EBC34-51ED-4700-9FD6-2A12D544F556}">
+      <dgm:prSet/>
+      <dgm:spPr/>
+      <dgm:t>
+        <a:bodyPr/>
+        <a:lstStyle/>
+        <a:p>
+          <a:endParaRPr lang="pt-PT"/>
+        </a:p>
+      </dgm:t>
+    </dgm:pt>
+    <dgm:pt modelId="{A2733880-91C3-4D5B-BF5A-F62D5B947DCE}">
+      <dgm:prSet phldrT="[Texto]"/>
+      <dgm:spPr>
+        <a:solidFill>
+          <a:schemeClr val="bg2"/>
+        </a:solidFill>
+      </dgm:spPr>
+      <dgm:t>
+        <a:bodyPr/>
+        <a:lstStyle/>
+        <a:p>
+          <a:r>
+            <a:rPr lang="pt-PT" b="0" cap="none" spc="0" dirty="0" smtClean="0">
+              <a:ln w="18415" cmpd="sng">
+                <a:solidFill>
+                  <a:srgbClr val="FFFFFF"/>
+                </a:solidFill>
+                <a:prstDash val="solid"/>
+              </a:ln>
+              <a:solidFill>
+                <a:srgbClr val="FFFFFF"/>
+              </a:solidFill>
+              <a:effectLst>
+                <a:outerShdw blurRad="63500" dir="3600000" algn="tl" rotWithShape="0">
+                  <a:srgbClr val="000000">
+                    <a:alpha val="70000"/>
+                  </a:srgbClr>
+                </a:outerShdw>
+              </a:effectLst>
+            </a:rPr>
+            <a:t>Dúvida</a:t>
+          </a:r>
+          <a:endParaRPr lang="pt-PT" dirty="0"/>
+        </a:p>
+      </dgm:t>
+    </dgm:pt>
+    <dgm:pt modelId="{982B0466-DBEE-48C8-894F-BE0EA7401360}" type="parTrans" cxnId="{36727B74-05F6-495F-A3AF-91ACC1B22BAB}">
+      <dgm:prSet/>
+      <dgm:spPr/>
+      <dgm:t>
+        <a:bodyPr/>
+        <a:lstStyle/>
+        <a:p>
+          <a:endParaRPr lang="pt-PT"/>
+        </a:p>
+      </dgm:t>
+    </dgm:pt>
+    <dgm:pt modelId="{39B1093B-2446-4246-8E26-DE978742E51A}" type="sibTrans" cxnId="{36727B74-05F6-495F-A3AF-91ACC1B22BAB}">
+      <dgm:prSet/>
+      <dgm:spPr/>
+      <dgm:t>
+        <a:bodyPr/>
+        <a:lstStyle/>
+        <a:p>
+          <a:endParaRPr lang="pt-PT"/>
+        </a:p>
+      </dgm:t>
+    </dgm:pt>
+    <dgm:pt modelId="{C1C7E653-850B-4A42-88E0-8CB6FC128223}">
+      <dgm:prSet phldrT="[Texto]"/>
+      <dgm:spPr>
+        <a:solidFill>
+          <a:srgbClr val="0099CC"/>
+        </a:solidFill>
+      </dgm:spPr>
+      <dgm:t>
+        <a:bodyPr/>
+        <a:lstStyle/>
+        <a:p>
+          <a:r>
+            <a:rPr lang="pt-PT" b="0" cap="none" spc="0" dirty="0" smtClean="0">
+              <a:ln w="18415" cmpd="sng">
+                <a:solidFill>
+                  <a:srgbClr val="FFFFFF"/>
+                </a:solidFill>
+                <a:prstDash val="solid"/>
+              </a:ln>
+              <a:solidFill>
+                <a:srgbClr val="FFFFFF"/>
+              </a:solidFill>
+              <a:effectLst>
+                <a:outerShdw blurRad="63500" dir="3600000" algn="tl" rotWithShape="0">
+                  <a:srgbClr val="000000">
+                    <a:alpha val="70000"/>
+                  </a:srgbClr>
+                </a:outerShdw>
+              </a:effectLst>
+            </a:rPr>
+            <a:t>Pergunta</a:t>
+          </a:r>
+          <a:endParaRPr lang="pt-PT" dirty="0"/>
+        </a:p>
+      </dgm:t>
+    </dgm:pt>
+    <dgm:pt modelId="{307C8895-503A-415D-A045-17B658E7F05E}" type="parTrans" cxnId="{60E28634-135E-44C4-9D08-443A5DCE8B2F}">
+      <dgm:prSet/>
+      <dgm:spPr/>
+      <dgm:t>
+        <a:bodyPr/>
+        <a:lstStyle/>
+        <a:p>
+          <a:endParaRPr lang="pt-PT"/>
+        </a:p>
+      </dgm:t>
+    </dgm:pt>
+    <dgm:pt modelId="{A415AC53-89BC-44D1-AC52-77E649311709}" type="sibTrans" cxnId="{60E28634-135E-44C4-9D08-443A5DCE8B2F}">
+      <dgm:prSet/>
+      <dgm:spPr/>
+      <dgm:t>
+        <a:bodyPr/>
+        <a:lstStyle/>
+        <a:p>
+          <a:endParaRPr lang="pt-PT"/>
+        </a:p>
+      </dgm:t>
+    </dgm:pt>
+    <dgm:pt modelId="{EC669E21-6F4C-4D8A-AF33-4773F8B366FA}">
+      <dgm:prSet phldrT="[Texto]"/>
+      <dgm:spPr>
+        <a:solidFill>
+          <a:srgbClr val="0099CC"/>
+        </a:solidFill>
+      </dgm:spPr>
+      <dgm:t>
+        <a:bodyPr/>
+        <a:lstStyle/>
+        <a:p>
+          <a:r>
+            <a:rPr lang="pt-PT" b="0" cap="none" spc="0" dirty="0" smtClean="0">
+              <a:ln w="18415" cmpd="sng">
+                <a:solidFill>
+                  <a:srgbClr val="FFFFFF"/>
+                </a:solidFill>
+                <a:prstDash val="solid"/>
+              </a:ln>
+              <a:solidFill>
+                <a:srgbClr val="FFFFFF"/>
+              </a:solidFill>
+              <a:effectLst>
+                <a:outerShdw blurRad="63500" dir="3600000" algn="tl" rotWithShape="0">
+                  <a:srgbClr val="000000">
+                    <a:alpha val="70000"/>
+                  </a:srgbClr>
+                </a:outerShdw>
+              </a:effectLst>
+            </a:rPr>
+            <a:t>Resposta</a:t>
+          </a:r>
+          <a:endParaRPr lang="pt-PT" dirty="0"/>
+        </a:p>
+      </dgm:t>
+    </dgm:pt>
+    <dgm:pt modelId="{1DB07055-E980-48F6-8FB2-63B23C9E1880}" type="parTrans" cxnId="{8F771DE9-E08A-4E34-9457-4159DACAEABD}">
+      <dgm:prSet/>
+      <dgm:spPr/>
+      <dgm:t>
+        <a:bodyPr/>
+        <a:lstStyle/>
+        <a:p>
+          <a:endParaRPr lang="pt-PT"/>
+        </a:p>
+      </dgm:t>
+    </dgm:pt>
+    <dgm:pt modelId="{61EC778B-275B-4434-899E-808EFBF4286B}" type="sibTrans" cxnId="{8F771DE9-E08A-4E34-9457-4159DACAEABD}">
+      <dgm:prSet/>
+      <dgm:spPr/>
+      <dgm:t>
+        <a:bodyPr/>
+        <a:lstStyle/>
+        <a:p>
+          <a:endParaRPr lang="pt-PT"/>
+        </a:p>
+      </dgm:t>
+    </dgm:pt>
+    <dgm:pt modelId="{8AFBD454-0403-4752-A7C8-06CB75FE935B}">
+      <dgm:prSet phldrT="[Texto]"/>
+      <dgm:spPr>
+        <a:solidFill>
+          <a:srgbClr val="FFFF00"/>
+        </a:solidFill>
+      </dgm:spPr>
+      <dgm:t>
+        <a:bodyPr/>
+        <a:lstStyle/>
+        <a:p>
+          <a:r>
+            <a:rPr lang="pt-PT" b="0" cap="none" spc="0" dirty="0" smtClean="0">
+              <a:ln w="18415" cmpd="sng">
+                <a:solidFill>
+                  <a:srgbClr val="FFFFFF"/>
+                </a:solidFill>
+                <a:prstDash val="solid"/>
+              </a:ln>
+              <a:solidFill>
+                <a:srgbClr val="FFFFFF"/>
+              </a:solidFill>
+              <a:effectLst>
+                <a:outerShdw blurRad="63500" dir="3600000" algn="tl" rotWithShape="0">
+                  <a:srgbClr val="000000">
+                    <a:alpha val="70000"/>
+                  </a:srgbClr>
+                </a:outerShdw>
+              </a:effectLst>
+            </a:rPr>
+            <a:t>Aula</a:t>
+          </a:r>
+          <a:endParaRPr lang="pt-PT" b="0" cap="none" spc="0" dirty="0">
+            <a:ln w="18415" cmpd="sng">
+              <a:solidFill>
+                <a:srgbClr val="FFFFFF"/>
+              </a:solidFill>
+              <a:prstDash val="solid"/>
+            </a:ln>
+            <a:solidFill>
+              <a:srgbClr val="FFFFFF"/>
+            </a:solidFill>
+            <a:effectLst>
+              <a:outerShdw blurRad="63500" dir="3600000" algn="tl" rotWithShape="0">
+                <a:srgbClr val="000000">
+                  <a:alpha val="70000"/>
+                </a:srgbClr>
+              </a:outerShdw>
+            </a:effectLst>
+          </a:endParaRPr>
+        </a:p>
+      </dgm:t>
+    </dgm:pt>
+    <dgm:pt modelId="{E5D0263A-60C3-4B03-8DAC-31B91B22E4EB}" type="parTrans" cxnId="{400AD2CF-1438-4A17-8B18-EAD541D9C531}">
+      <dgm:prSet/>
+      <dgm:spPr/>
+      <dgm:t>
+        <a:bodyPr/>
+        <a:lstStyle/>
+        <a:p>
+          <a:endParaRPr lang="pt-PT"/>
+        </a:p>
+      </dgm:t>
+    </dgm:pt>
+    <dgm:pt modelId="{561DD7FF-CF4F-4529-B5D7-87DCAF57E116}" type="sibTrans" cxnId="{400AD2CF-1438-4A17-8B18-EAD541D9C531}">
+      <dgm:prSet/>
+      <dgm:spPr/>
+      <dgm:t>
+        <a:bodyPr/>
+        <a:lstStyle/>
+        <a:p>
+          <a:endParaRPr lang="pt-PT"/>
+        </a:p>
+      </dgm:t>
+    </dgm:pt>
+    <dgm:pt modelId="{B8A9142E-4150-4B7B-903E-789F3651E3DC}" type="pres">
+      <dgm:prSet presAssocID="{57A30B05-819E-42FB-9075-8748989474B5}" presName="diagram" presStyleCnt="0">
+        <dgm:presLayoutVars>
+          <dgm:dir/>
+          <dgm:resizeHandles val="exact"/>
+        </dgm:presLayoutVars>
+      </dgm:prSet>
+      <dgm:spPr/>
+    </dgm:pt>
+    <dgm:pt modelId="{72921B44-C122-4FB0-AF23-164722155AAB}" type="pres">
+      <dgm:prSet presAssocID="{02E248D5-1033-463E-862C-B56C55B0ED9E}" presName="node" presStyleLbl="node1" presStyleIdx="0" presStyleCnt="8">
+        <dgm:presLayoutVars>
+          <dgm:bulletEnabled val="1"/>
+        </dgm:presLayoutVars>
+      </dgm:prSet>
+      <dgm:spPr/>
+    </dgm:pt>
+    <dgm:pt modelId="{E5D4F305-6E8B-41E6-B605-077464B2CFE6}" type="pres">
+      <dgm:prSet presAssocID="{06F7E183-1050-46E9-8310-CEE99E8371A7}" presName="sibTrans" presStyleCnt="0"/>
+      <dgm:spPr/>
+    </dgm:pt>
+    <dgm:pt modelId="{35DB88A1-046A-49F6-8182-1C089F01A971}" type="pres">
+      <dgm:prSet presAssocID="{1DE293BF-7A16-42A4-835E-341175DD013E}" presName="node" presStyleLbl="node1" presStyleIdx="1" presStyleCnt="8">
+        <dgm:presLayoutVars>
+          <dgm:bulletEnabled val="1"/>
+        </dgm:presLayoutVars>
+      </dgm:prSet>
+      <dgm:spPr/>
+    </dgm:pt>
+    <dgm:pt modelId="{E807C103-ED6E-412B-8445-3FC131DADD52}" type="pres">
+      <dgm:prSet presAssocID="{A63EA56D-2232-492F-AFB8-148641FA8A64}" presName="sibTrans" presStyleCnt="0"/>
+      <dgm:spPr/>
+    </dgm:pt>
+    <dgm:pt modelId="{2FBD7721-A974-4C7C-A2F4-510F5A7A8FA4}" type="pres">
+      <dgm:prSet presAssocID="{713F1905-FB0A-4EBA-88CC-5CF383204160}" presName="node" presStyleLbl="node1" presStyleIdx="2" presStyleCnt="8">
+        <dgm:presLayoutVars>
+          <dgm:bulletEnabled val="1"/>
+        </dgm:presLayoutVars>
+      </dgm:prSet>
+      <dgm:spPr/>
+    </dgm:pt>
+    <dgm:pt modelId="{C8FD7FCF-267C-4285-B96D-B1C736E8FBDF}" type="pres">
+      <dgm:prSet presAssocID="{BF06CC03-E967-49C8-9A15-78FA0640BB13}" presName="sibTrans" presStyleCnt="0"/>
+      <dgm:spPr/>
+    </dgm:pt>
+    <dgm:pt modelId="{E89EBE4D-FFE5-44AE-87D0-17893DC0E394}" type="pres">
+      <dgm:prSet presAssocID="{8DF31643-B7D9-4D83-81AB-A58494AD31D0}" presName="node" presStyleLbl="node1" presStyleIdx="3" presStyleCnt="8">
+        <dgm:presLayoutVars>
+          <dgm:bulletEnabled val="1"/>
+        </dgm:presLayoutVars>
+      </dgm:prSet>
+      <dgm:spPr/>
+    </dgm:pt>
+    <dgm:pt modelId="{E083C137-C7F7-4CA3-AA42-809070BCAAA9}" type="pres">
+      <dgm:prSet presAssocID="{967257AC-CF7F-460F-B0ED-4CB34C962704}" presName="sibTrans" presStyleCnt="0"/>
+      <dgm:spPr/>
+    </dgm:pt>
+    <dgm:pt modelId="{69E19E09-A397-47EC-84F2-F61890A9293F}" type="pres">
+      <dgm:prSet presAssocID="{A2733880-91C3-4D5B-BF5A-F62D5B947DCE}" presName="node" presStyleLbl="node1" presStyleIdx="4" presStyleCnt="8">
+        <dgm:presLayoutVars>
+          <dgm:bulletEnabled val="1"/>
+        </dgm:presLayoutVars>
+      </dgm:prSet>
+      <dgm:spPr/>
+      <dgm:t>
+        <a:bodyPr/>
+        <a:lstStyle/>
+        <a:p>
+          <a:endParaRPr lang="pt-PT"/>
+        </a:p>
+      </dgm:t>
+    </dgm:pt>
+    <dgm:pt modelId="{396A7E32-A893-4763-836F-4EAF9F79ACEC}" type="pres">
+      <dgm:prSet presAssocID="{39B1093B-2446-4246-8E26-DE978742E51A}" presName="sibTrans" presStyleCnt="0"/>
+      <dgm:spPr/>
+    </dgm:pt>
+    <dgm:pt modelId="{016DC74D-6D1A-4925-A09E-17955F250449}" type="pres">
+      <dgm:prSet presAssocID="{C1C7E653-850B-4A42-88E0-8CB6FC128223}" presName="node" presStyleLbl="node1" presStyleIdx="5" presStyleCnt="8">
+        <dgm:presLayoutVars>
+          <dgm:bulletEnabled val="1"/>
+        </dgm:presLayoutVars>
+      </dgm:prSet>
+      <dgm:spPr/>
+      <dgm:t>
+        <a:bodyPr/>
+        <a:lstStyle/>
+        <a:p>
+          <a:endParaRPr lang="pt-PT"/>
+        </a:p>
+      </dgm:t>
+    </dgm:pt>
+    <dgm:pt modelId="{4C0DEB29-C4F8-4979-9E2C-92B9E42CD8EC}" type="pres">
+      <dgm:prSet presAssocID="{A415AC53-89BC-44D1-AC52-77E649311709}" presName="sibTrans" presStyleCnt="0"/>
+      <dgm:spPr/>
+    </dgm:pt>
+    <dgm:pt modelId="{53B5A08C-1A0B-44EE-985A-1518E15FF12C}" type="pres">
+      <dgm:prSet presAssocID="{EC669E21-6F4C-4D8A-AF33-4773F8B366FA}" presName="node" presStyleLbl="node1" presStyleIdx="6" presStyleCnt="8">
+        <dgm:presLayoutVars>
+          <dgm:bulletEnabled val="1"/>
+        </dgm:presLayoutVars>
+      </dgm:prSet>
+      <dgm:spPr/>
+      <dgm:t>
+        <a:bodyPr/>
+        <a:lstStyle/>
+        <a:p>
+          <a:endParaRPr lang="pt-PT"/>
+        </a:p>
+      </dgm:t>
+    </dgm:pt>
+    <dgm:pt modelId="{93E83C1E-CD51-406F-B84C-B489FF32BECC}" type="pres">
+      <dgm:prSet presAssocID="{61EC778B-275B-4434-899E-808EFBF4286B}" presName="sibTrans" presStyleCnt="0"/>
+      <dgm:spPr/>
+    </dgm:pt>
+    <dgm:pt modelId="{BEA7A456-EED5-4A3E-AC16-0A01F996D051}" type="pres">
+      <dgm:prSet presAssocID="{8AFBD454-0403-4752-A7C8-06CB75FE935B}" presName="node" presStyleLbl="node1" presStyleIdx="7" presStyleCnt="8">
+        <dgm:presLayoutVars>
+          <dgm:bulletEnabled val="1"/>
+        </dgm:presLayoutVars>
+      </dgm:prSet>
+      <dgm:spPr/>
+    </dgm:pt>
+  </dgm:ptLst>
+  <dgm:cxnLst>
+    <dgm:cxn modelId="{DC7F3D29-767B-4957-BB98-C4910D39FCC1}" type="presOf" srcId="{57A30B05-819E-42FB-9075-8748989474B5}" destId="{B8A9142E-4150-4B7B-903E-789F3651E3DC}" srcOrd="0" destOrd="0" presId="urn:microsoft.com/office/officeart/2005/8/layout/default"/>
+    <dgm:cxn modelId="{925EBC34-51ED-4700-9FD6-2A12D544F556}" srcId="{57A30B05-819E-42FB-9075-8748989474B5}" destId="{8DF31643-B7D9-4D83-81AB-A58494AD31D0}" srcOrd="3" destOrd="0" parTransId="{01CF10E8-AA5E-4138-9C6D-25696A243F3D}" sibTransId="{967257AC-CF7F-460F-B0ED-4CB34C962704}"/>
+    <dgm:cxn modelId="{400AD2CF-1438-4A17-8B18-EAD541D9C531}" srcId="{57A30B05-819E-42FB-9075-8748989474B5}" destId="{8AFBD454-0403-4752-A7C8-06CB75FE935B}" srcOrd="7" destOrd="0" parTransId="{E5D0263A-60C3-4B03-8DAC-31B91B22E4EB}" sibTransId="{561DD7FF-CF4F-4529-B5D7-87DCAF57E116}"/>
+    <dgm:cxn modelId="{60E28634-135E-44C4-9D08-443A5DCE8B2F}" srcId="{57A30B05-819E-42FB-9075-8748989474B5}" destId="{C1C7E653-850B-4A42-88E0-8CB6FC128223}" srcOrd="5" destOrd="0" parTransId="{307C8895-503A-415D-A045-17B658E7F05E}" sibTransId="{A415AC53-89BC-44D1-AC52-77E649311709}"/>
+    <dgm:cxn modelId="{2B67BE3D-1050-4F85-B953-477183A78953}" srcId="{57A30B05-819E-42FB-9075-8748989474B5}" destId="{02E248D5-1033-463E-862C-B56C55B0ED9E}" srcOrd="0" destOrd="0" parTransId="{8129707C-C810-4F44-9746-C1FF76E0FB6E}" sibTransId="{06F7E183-1050-46E9-8310-CEE99E8371A7}"/>
+    <dgm:cxn modelId="{E495BF45-CAB8-4333-9F4F-1B4FD948EC85}" type="presOf" srcId="{A2733880-91C3-4D5B-BF5A-F62D5B947DCE}" destId="{69E19E09-A397-47EC-84F2-F61890A9293F}" srcOrd="0" destOrd="0" presId="urn:microsoft.com/office/officeart/2005/8/layout/default"/>
+    <dgm:cxn modelId="{CD187062-651F-4EFC-9EA8-279BF183193D}" type="presOf" srcId="{8DF31643-B7D9-4D83-81AB-A58494AD31D0}" destId="{E89EBE4D-FFE5-44AE-87D0-17893DC0E394}" srcOrd="0" destOrd="0" presId="urn:microsoft.com/office/officeart/2005/8/layout/default"/>
+    <dgm:cxn modelId="{17CB3C93-91C0-4319-9FF0-507048326D1D}" srcId="{57A30B05-819E-42FB-9075-8748989474B5}" destId="{1DE293BF-7A16-42A4-835E-341175DD013E}" srcOrd="1" destOrd="0" parTransId="{8E9BEE8E-7B72-4326-A12A-94CF2539B44A}" sibTransId="{A63EA56D-2232-492F-AFB8-148641FA8A64}"/>
+    <dgm:cxn modelId="{E7FC17D2-5C07-4C2B-AB92-4EE9DCF72E28}" type="presOf" srcId="{1DE293BF-7A16-42A4-835E-341175DD013E}" destId="{35DB88A1-046A-49F6-8182-1C089F01A971}" srcOrd="0" destOrd="0" presId="urn:microsoft.com/office/officeart/2005/8/layout/default"/>
+    <dgm:cxn modelId="{7C87EC78-74F7-4852-851D-C3C881411006}" type="presOf" srcId="{713F1905-FB0A-4EBA-88CC-5CF383204160}" destId="{2FBD7721-A974-4C7C-A2F4-510F5A7A8FA4}" srcOrd="0" destOrd="0" presId="urn:microsoft.com/office/officeart/2005/8/layout/default"/>
+    <dgm:cxn modelId="{36727B74-05F6-495F-A3AF-91ACC1B22BAB}" srcId="{57A30B05-819E-42FB-9075-8748989474B5}" destId="{A2733880-91C3-4D5B-BF5A-F62D5B947DCE}" srcOrd="4" destOrd="0" parTransId="{982B0466-DBEE-48C8-894F-BE0EA7401360}" sibTransId="{39B1093B-2446-4246-8E26-DE978742E51A}"/>
+    <dgm:cxn modelId="{8F771DE9-E08A-4E34-9457-4159DACAEABD}" srcId="{57A30B05-819E-42FB-9075-8748989474B5}" destId="{EC669E21-6F4C-4D8A-AF33-4773F8B366FA}" srcOrd="6" destOrd="0" parTransId="{1DB07055-E980-48F6-8FB2-63B23C9E1880}" sibTransId="{61EC778B-275B-4434-899E-808EFBF4286B}"/>
+    <dgm:cxn modelId="{D2DDF4E9-A956-4FD4-BEF2-2EEF5733C3AB}" type="presOf" srcId="{EC669E21-6F4C-4D8A-AF33-4773F8B366FA}" destId="{53B5A08C-1A0B-44EE-985A-1518E15FF12C}" srcOrd="0" destOrd="0" presId="urn:microsoft.com/office/officeart/2005/8/layout/default"/>
+    <dgm:cxn modelId="{A3EFEAC6-7CF9-413D-B013-9D800C3368DE}" srcId="{57A30B05-819E-42FB-9075-8748989474B5}" destId="{713F1905-FB0A-4EBA-88CC-5CF383204160}" srcOrd="2" destOrd="0" parTransId="{A1BE0018-8BD5-4437-8F29-51F54854FF1B}" sibTransId="{BF06CC03-E967-49C8-9A15-78FA0640BB13}"/>
+    <dgm:cxn modelId="{9AE37472-E7D4-4262-A42A-475090AA6EEB}" type="presOf" srcId="{C1C7E653-850B-4A42-88E0-8CB6FC128223}" destId="{016DC74D-6D1A-4925-A09E-17955F250449}" srcOrd="0" destOrd="0" presId="urn:microsoft.com/office/officeart/2005/8/layout/default"/>
+    <dgm:cxn modelId="{61AC2440-E8D3-425F-89F7-71561FB40C93}" type="presOf" srcId="{02E248D5-1033-463E-862C-B56C55B0ED9E}" destId="{72921B44-C122-4FB0-AF23-164722155AAB}" srcOrd="0" destOrd="0" presId="urn:microsoft.com/office/officeart/2005/8/layout/default"/>
+    <dgm:cxn modelId="{309C8C77-EB10-40F0-920C-B848DD448E9D}" type="presOf" srcId="{8AFBD454-0403-4752-A7C8-06CB75FE935B}" destId="{BEA7A456-EED5-4A3E-AC16-0A01F996D051}" srcOrd="0" destOrd="0" presId="urn:microsoft.com/office/officeart/2005/8/layout/default"/>
+    <dgm:cxn modelId="{B7422F21-B851-4EDB-953F-3C2426C626D1}" type="presParOf" srcId="{B8A9142E-4150-4B7B-903E-789F3651E3DC}" destId="{72921B44-C122-4FB0-AF23-164722155AAB}" srcOrd="0" destOrd="0" presId="urn:microsoft.com/office/officeart/2005/8/layout/default"/>
+    <dgm:cxn modelId="{D4B54AE1-E39A-4627-9E8E-004ED07344A2}" type="presParOf" srcId="{B8A9142E-4150-4B7B-903E-789F3651E3DC}" destId="{E5D4F305-6E8B-41E6-B605-077464B2CFE6}" srcOrd="1" destOrd="0" presId="urn:microsoft.com/office/officeart/2005/8/layout/default"/>
+    <dgm:cxn modelId="{E8C4E8FC-7ADD-4A15-A3E1-5A81F076741C}" type="presParOf" srcId="{B8A9142E-4150-4B7B-903E-789F3651E3DC}" destId="{35DB88A1-046A-49F6-8182-1C089F01A971}" srcOrd="2" destOrd="0" presId="urn:microsoft.com/office/officeart/2005/8/layout/default"/>
+    <dgm:cxn modelId="{E052A67B-0CE6-40FD-8E93-2F1F29483D45}" type="presParOf" srcId="{B8A9142E-4150-4B7B-903E-789F3651E3DC}" destId="{E807C103-ED6E-412B-8445-3FC131DADD52}" srcOrd="3" destOrd="0" presId="urn:microsoft.com/office/officeart/2005/8/layout/default"/>
+    <dgm:cxn modelId="{16BE9C66-FC93-4BFC-9921-EDDCA797E04B}" type="presParOf" srcId="{B8A9142E-4150-4B7B-903E-789F3651E3DC}" destId="{2FBD7721-A974-4C7C-A2F4-510F5A7A8FA4}" srcOrd="4" destOrd="0" presId="urn:microsoft.com/office/officeart/2005/8/layout/default"/>
+    <dgm:cxn modelId="{E61ACA5D-F5F6-48E0-9324-279D6B06084C}" type="presParOf" srcId="{B8A9142E-4150-4B7B-903E-789F3651E3DC}" destId="{C8FD7FCF-267C-4285-B96D-B1C736E8FBDF}" srcOrd="5" destOrd="0" presId="urn:microsoft.com/office/officeart/2005/8/layout/default"/>
+    <dgm:cxn modelId="{CF4DCBAF-92C0-4A4A-A88E-6829A2158CE9}" type="presParOf" srcId="{B8A9142E-4150-4B7B-903E-789F3651E3DC}" destId="{E89EBE4D-FFE5-44AE-87D0-17893DC0E394}" srcOrd="6" destOrd="0" presId="urn:microsoft.com/office/officeart/2005/8/layout/default"/>
+    <dgm:cxn modelId="{E8673052-3789-4F46-98B4-EB7402941D6A}" type="presParOf" srcId="{B8A9142E-4150-4B7B-903E-789F3651E3DC}" destId="{E083C137-C7F7-4CA3-AA42-809070BCAAA9}" srcOrd="7" destOrd="0" presId="urn:microsoft.com/office/officeart/2005/8/layout/default"/>
+    <dgm:cxn modelId="{1154C8B6-BA13-4FA4-AFC8-E6BD46E0AAE8}" type="presParOf" srcId="{B8A9142E-4150-4B7B-903E-789F3651E3DC}" destId="{69E19E09-A397-47EC-84F2-F61890A9293F}" srcOrd="8" destOrd="0" presId="urn:microsoft.com/office/officeart/2005/8/layout/default"/>
+    <dgm:cxn modelId="{FDF49FE1-3990-445A-A5BB-B65E34B3115E}" type="presParOf" srcId="{B8A9142E-4150-4B7B-903E-789F3651E3DC}" destId="{396A7E32-A893-4763-836F-4EAF9F79ACEC}" srcOrd="9" destOrd="0" presId="urn:microsoft.com/office/officeart/2005/8/layout/default"/>
+    <dgm:cxn modelId="{9022E522-30B5-4CFD-BC79-3557BB1C7CBB}" type="presParOf" srcId="{B8A9142E-4150-4B7B-903E-789F3651E3DC}" destId="{016DC74D-6D1A-4925-A09E-17955F250449}" srcOrd="10" destOrd="0" presId="urn:microsoft.com/office/officeart/2005/8/layout/default"/>
+    <dgm:cxn modelId="{B1A83596-9CF1-4474-8003-6C2DF5F6E5D0}" type="presParOf" srcId="{B8A9142E-4150-4B7B-903E-789F3651E3DC}" destId="{4C0DEB29-C4F8-4979-9E2C-92B9E42CD8EC}" srcOrd="11" destOrd="0" presId="urn:microsoft.com/office/officeart/2005/8/layout/default"/>
+    <dgm:cxn modelId="{1CB00A3E-6CD7-40DF-945B-C6D14A6BE556}" type="presParOf" srcId="{B8A9142E-4150-4B7B-903E-789F3651E3DC}" destId="{53B5A08C-1A0B-44EE-985A-1518E15FF12C}" srcOrd="12" destOrd="0" presId="urn:microsoft.com/office/officeart/2005/8/layout/default"/>
+    <dgm:cxn modelId="{61E18360-95DC-4D7A-B9D7-3983737E2C0B}" type="presParOf" srcId="{B8A9142E-4150-4B7B-903E-789F3651E3DC}" destId="{93E83C1E-CD51-406F-B84C-B489FF32BECC}" srcOrd="13" destOrd="0" presId="urn:microsoft.com/office/officeart/2005/8/layout/default"/>
+    <dgm:cxn modelId="{E79CB0EA-A0CF-4273-852A-A903ABFA1C3B}" type="presParOf" srcId="{B8A9142E-4150-4B7B-903E-789F3651E3DC}" destId="{BEA7A456-EED5-4A3E-AC16-0A01F996D051}" srcOrd="14" destOrd="0" presId="urn:microsoft.com/office/officeart/2005/8/layout/default"/>
   </dgm:cxnLst>
   <dgm:bg/>
   <dgm:whole/>
@@ -1595,6 +3232,798 @@
 </dsp:drawing>
 </file>
 
+<file path=ppt/diagrams/drawing2.xml><?xml version="1.0" encoding="utf-8"?>
+<dsp:drawing xmlns:dgm="http://schemas.openxmlformats.org/drawingml/2006/diagram" xmlns:dsp="http://schemas.microsoft.com/office/drawing/2008/diagram" xmlns:a="http://schemas.openxmlformats.org/drawingml/2006/main">
+  <dsp:spTree>
+    <dsp:nvGrpSpPr>
+      <dsp:cNvPr id="0" name=""/>
+      <dsp:cNvGrpSpPr/>
+    </dsp:nvGrpSpPr>
+    <dsp:grpSpPr/>
+    <dsp:sp modelId="{72921B44-C122-4FB0-AF23-164722155AAB}">
+      <dsp:nvSpPr>
+        <dsp:cNvPr id="0" name=""/>
+        <dsp:cNvSpPr/>
+      </dsp:nvSpPr>
+      <dsp:spPr>
+        <a:xfrm>
+          <a:off x="1035129" y="49"/>
+          <a:ext cx="1924794" cy="1154876"/>
+        </a:xfrm>
+        <a:prstGeom prst="rect">
+          <a:avLst/>
+        </a:prstGeom>
+        <a:solidFill>
+          <a:srgbClr val="00B0F0"/>
+        </a:solidFill>
+        <a:ln w="25400" cap="flat" cmpd="sng" algn="ctr">
+          <a:solidFill>
+            <a:schemeClr val="lt1">
+              <a:hueOff val="0"/>
+              <a:satOff val="0"/>
+              <a:lumOff val="0"/>
+              <a:alphaOff val="0"/>
+            </a:schemeClr>
+          </a:solidFill>
+          <a:prstDash val="solid"/>
+        </a:ln>
+        <a:effectLst/>
+      </dsp:spPr>
+      <dsp:style>
+        <a:lnRef idx="2">
+          <a:scrgbClr r="0" g="0" b="0"/>
+        </a:lnRef>
+        <a:fillRef idx="1">
+          <a:scrgbClr r="0" g="0" b="0"/>
+        </a:fillRef>
+        <a:effectRef idx="0">
+          <a:scrgbClr r="0" g="0" b="0"/>
+        </a:effectRef>
+        <a:fontRef idx="minor">
+          <a:schemeClr val="lt1"/>
+        </a:fontRef>
+      </dsp:style>
+      <dsp:txBody>
+        <a:bodyPr spcFirstLastPara="0" vert="horz" wrap="square" lIns="121920" tIns="121920" rIns="121920" bIns="121920" numCol="1" spcCol="1270" anchor="ctr" anchorCtr="0">
+          <a:noAutofit/>
+        </a:bodyPr>
+        <a:lstStyle/>
+        <a:p>
+          <a:pPr lvl="0" algn="ctr" defTabSz="1422400">
+            <a:lnSpc>
+              <a:spcPct val="90000"/>
+            </a:lnSpc>
+            <a:spcBef>
+              <a:spcPct val="0"/>
+            </a:spcBef>
+            <a:spcAft>
+              <a:spcPct val="35000"/>
+            </a:spcAft>
+          </a:pPr>
+          <a:r>
+            <a:rPr lang="pt-PT" sz="3200" b="0" kern="1200" cap="none" spc="0" dirty="0" smtClean="0">
+              <a:ln w="18415" cmpd="sng">
+                <a:solidFill>
+                  <a:srgbClr val="FFFFFF"/>
+                </a:solidFill>
+                <a:prstDash val="solid"/>
+              </a:ln>
+              <a:solidFill>
+                <a:srgbClr val="FFFFFF"/>
+              </a:solidFill>
+              <a:effectLst>
+                <a:outerShdw blurRad="63500" dir="3600000" algn="tl" rotWithShape="0">
+                  <a:srgbClr val="000000">
+                    <a:alpha val="70000"/>
+                  </a:srgbClr>
+                </a:outerShdw>
+              </a:effectLst>
+            </a:rPr>
+            <a:t>Utilizador</a:t>
+          </a:r>
+          <a:endParaRPr lang="pt-PT" sz="3200" b="0" kern="1200" cap="none" spc="0" dirty="0">
+            <a:ln w="18415" cmpd="sng">
+              <a:solidFill>
+                <a:srgbClr val="FFFFFF"/>
+              </a:solidFill>
+              <a:prstDash val="solid"/>
+            </a:ln>
+            <a:solidFill>
+              <a:srgbClr val="FFFFFF"/>
+            </a:solidFill>
+            <a:effectLst>
+              <a:outerShdw blurRad="63500" dir="3600000" algn="tl" rotWithShape="0">
+                <a:srgbClr val="000000">
+                  <a:alpha val="70000"/>
+                </a:srgbClr>
+              </a:outerShdw>
+            </a:effectLst>
+          </a:endParaRPr>
+        </a:p>
+      </dsp:txBody>
+      <dsp:txXfrm>
+        <a:off x="1035129" y="49"/>
+        <a:ext cx="1924794" cy="1154876"/>
+      </dsp:txXfrm>
+    </dsp:sp>
+    <dsp:sp modelId="{35DB88A1-046A-49F6-8182-1C089F01A971}">
+      <dsp:nvSpPr>
+        <dsp:cNvPr id="0" name=""/>
+        <dsp:cNvSpPr/>
+      </dsp:nvSpPr>
+      <dsp:spPr>
+        <a:xfrm>
+          <a:off x="3152402" y="49"/>
+          <a:ext cx="1924794" cy="1154876"/>
+        </a:xfrm>
+        <a:prstGeom prst="rect">
+          <a:avLst/>
+        </a:prstGeom>
+        <a:solidFill>
+          <a:srgbClr val="FFFF00"/>
+        </a:solidFill>
+        <a:ln w="25400" cap="flat" cmpd="sng" algn="ctr">
+          <a:solidFill>
+            <a:schemeClr val="lt1">
+              <a:hueOff val="0"/>
+              <a:satOff val="0"/>
+              <a:lumOff val="0"/>
+              <a:alphaOff val="0"/>
+            </a:schemeClr>
+          </a:solidFill>
+          <a:prstDash val="solid"/>
+        </a:ln>
+        <a:effectLst/>
+      </dsp:spPr>
+      <dsp:style>
+        <a:lnRef idx="2">
+          <a:scrgbClr r="0" g="0" b="0"/>
+        </a:lnRef>
+        <a:fillRef idx="1">
+          <a:scrgbClr r="0" g="0" b="0"/>
+        </a:fillRef>
+        <a:effectRef idx="0">
+          <a:scrgbClr r="0" g="0" b="0"/>
+        </a:effectRef>
+        <a:fontRef idx="minor">
+          <a:schemeClr val="lt1"/>
+        </a:fontRef>
+      </dsp:style>
+      <dsp:txBody>
+        <a:bodyPr spcFirstLastPara="0" vert="horz" wrap="square" lIns="121920" tIns="121920" rIns="121920" bIns="121920" numCol="1" spcCol="1270" anchor="ctr" anchorCtr="0">
+          <a:noAutofit/>
+        </a:bodyPr>
+        <a:lstStyle/>
+        <a:p>
+          <a:pPr lvl="0" algn="ctr" defTabSz="1422400">
+            <a:lnSpc>
+              <a:spcPct val="90000"/>
+            </a:lnSpc>
+            <a:spcBef>
+              <a:spcPct val="0"/>
+            </a:spcBef>
+            <a:spcAft>
+              <a:spcPct val="35000"/>
+            </a:spcAft>
+          </a:pPr>
+          <a:r>
+            <a:rPr lang="pt-PT" sz="3200" b="0" kern="1200" cap="none" spc="0" dirty="0" smtClean="0">
+              <a:ln w="18415" cmpd="sng">
+                <a:solidFill>
+                  <a:srgbClr val="FFFFFF"/>
+                </a:solidFill>
+                <a:prstDash val="solid"/>
+              </a:ln>
+              <a:solidFill>
+                <a:srgbClr val="FFFFFF"/>
+              </a:solidFill>
+              <a:effectLst>
+                <a:outerShdw blurRad="63500" dir="3600000" algn="tl" rotWithShape="0">
+                  <a:srgbClr val="000000">
+                    <a:alpha val="70000"/>
+                  </a:srgbClr>
+                </a:outerShdw>
+              </a:effectLst>
+            </a:rPr>
+            <a:t>Teste</a:t>
+          </a:r>
+          <a:endParaRPr lang="pt-PT" sz="3200" b="0" kern="1200" cap="none" spc="0" dirty="0">
+            <a:ln w="18415" cmpd="sng">
+              <a:solidFill>
+                <a:srgbClr val="FFFFFF"/>
+              </a:solidFill>
+              <a:prstDash val="solid"/>
+            </a:ln>
+            <a:solidFill>
+              <a:srgbClr val="FFFFFF"/>
+            </a:solidFill>
+            <a:effectLst>
+              <a:outerShdw blurRad="63500" dir="3600000" algn="tl" rotWithShape="0">
+                <a:srgbClr val="000000">
+                  <a:alpha val="70000"/>
+                </a:srgbClr>
+              </a:outerShdw>
+            </a:effectLst>
+          </a:endParaRPr>
+        </a:p>
+      </dsp:txBody>
+      <dsp:txXfrm>
+        <a:off x="3152402" y="49"/>
+        <a:ext cx="1924794" cy="1154876"/>
+      </dsp:txXfrm>
+    </dsp:sp>
+    <dsp:sp modelId="{2FBD7721-A974-4C7C-A2F4-510F5A7A8FA4}">
+      <dsp:nvSpPr>
+        <dsp:cNvPr id="0" name=""/>
+        <dsp:cNvSpPr/>
+      </dsp:nvSpPr>
+      <dsp:spPr>
+        <a:xfrm>
+          <a:off x="5269676" y="49"/>
+          <a:ext cx="1924794" cy="1154876"/>
+        </a:xfrm>
+        <a:prstGeom prst="rect">
+          <a:avLst/>
+        </a:prstGeom>
+        <a:solidFill>
+          <a:schemeClr val="bg2"/>
+        </a:solidFill>
+        <a:ln w="25400" cap="flat" cmpd="sng" algn="ctr">
+          <a:solidFill>
+            <a:schemeClr val="lt1">
+              <a:hueOff val="0"/>
+              <a:satOff val="0"/>
+              <a:lumOff val="0"/>
+              <a:alphaOff val="0"/>
+            </a:schemeClr>
+          </a:solidFill>
+          <a:prstDash val="solid"/>
+        </a:ln>
+        <a:effectLst/>
+      </dsp:spPr>
+      <dsp:style>
+        <a:lnRef idx="2">
+          <a:scrgbClr r="0" g="0" b="0"/>
+        </a:lnRef>
+        <a:fillRef idx="1">
+          <a:scrgbClr r="0" g="0" b="0"/>
+        </a:fillRef>
+        <a:effectRef idx="0">
+          <a:scrgbClr r="0" g="0" b="0"/>
+        </a:effectRef>
+        <a:fontRef idx="minor">
+          <a:schemeClr val="lt1"/>
+        </a:fontRef>
+      </dsp:style>
+      <dsp:txBody>
+        <a:bodyPr spcFirstLastPara="0" vert="horz" wrap="square" lIns="121920" tIns="121920" rIns="121920" bIns="121920" numCol="1" spcCol="1270" anchor="ctr" anchorCtr="0">
+          <a:noAutofit/>
+        </a:bodyPr>
+        <a:lstStyle/>
+        <a:p>
+          <a:pPr lvl="0" algn="ctr" defTabSz="1422400">
+            <a:lnSpc>
+              <a:spcPct val="90000"/>
+            </a:lnSpc>
+            <a:spcBef>
+              <a:spcPct val="0"/>
+            </a:spcBef>
+            <a:spcAft>
+              <a:spcPct val="35000"/>
+            </a:spcAft>
+          </a:pPr>
+          <a:r>
+            <a:rPr lang="pt-PT" sz="3200" b="0" kern="1200" cap="none" spc="0" dirty="0" smtClean="0">
+              <a:ln w="18415" cmpd="sng">
+                <a:solidFill>
+                  <a:srgbClr val="FFFFFF"/>
+                </a:solidFill>
+                <a:prstDash val="solid"/>
+              </a:ln>
+              <a:solidFill>
+                <a:srgbClr val="FFFFFF"/>
+              </a:solidFill>
+              <a:effectLst>
+                <a:outerShdw blurRad="63500" dir="3600000" algn="tl" rotWithShape="0">
+                  <a:srgbClr val="000000">
+                    <a:alpha val="70000"/>
+                  </a:srgbClr>
+                </a:outerShdw>
+              </a:effectLst>
+            </a:rPr>
+            <a:t>Exercício</a:t>
+          </a:r>
+          <a:endParaRPr lang="pt-PT" sz="3200" kern="1200" dirty="0"/>
+        </a:p>
+      </dsp:txBody>
+      <dsp:txXfrm>
+        <a:off x="5269676" y="49"/>
+        <a:ext cx="1924794" cy="1154876"/>
+      </dsp:txXfrm>
+    </dsp:sp>
+    <dsp:sp modelId="{E89EBE4D-FFE5-44AE-87D0-17893DC0E394}">
+      <dsp:nvSpPr>
+        <dsp:cNvPr id="0" name=""/>
+        <dsp:cNvSpPr/>
+      </dsp:nvSpPr>
+      <dsp:spPr>
+        <a:xfrm>
+          <a:off x="1035129" y="1347405"/>
+          <a:ext cx="1924794" cy="1154876"/>
+        </a:xfrm>
+        <a:prstGeom prst="rect">
+          <a:avLst/>
+        </a:prstGeom>
+        <a:solidFill>
+          <a:srgbClr val="FFFF00"/>
+        </a:solidFill>
+        <a:ln w="25400" cap="flat" cmpd="sng" algn="ctr">
+          <a:solidFill>
+            <a:schemeClr val="lt1">
+              <a:hueOff val="0"/>
+              <a:satOff val="0"/>
+              <a:lumOff val="0"/>
+              <a:alphaOff val="0"/>
+            </a:schemeClr>
+          </a:solidFill>
+          <a:prstDash val="solid"/>
+        </a:ln>
+        <a:effectLst/>
+      </dsp:spPr>
+      <dsp:style>
+        <a:lnRef idx="2">
+          <a:scrgbClr r="0" g="0" b="0"/>
+        </a:lnRef>
+        <a:fillRef idx="1">
+          <a:scrgbClr r="0" g="0" b="0"/>
+        </a:fillRef>
+        <a:effectRef idx="0">
+          <a:scrgbClr r="0" g="0" b="0"/>
+        </a:effectRef>
+        <a:fontRef idx="minor">
+          <a:schemeClr val="lt1"/>
+        </a:fontRef>
+      </dsp:style>
+      <dsp:txBody>
+        <a:bodyPr spcFirstLastPara="0" vert="horz" wrap="square" lIns="121920" tIns="121920" rIns="121920" bIns="121920" numCol="1" spcCol="1270" anchor="ctr" anchorCtr="0">
+          <a:noAutofit/>
+        </a:bodyPr>
+        <a:lstStyle/>
+        <a:p>
+          <a:pPr lvl="0" algn="ctr" defTabSz="1422400">
+            <a:lnSpc>
+              <a:spcPct val="90000"/>
+            </a:lnSpc>
+            <a:spcBef>
+              <a:spcPct val="0"/>
+            </a:spcBef>
+            <a:spcAft>
+              <a:spcPct val="35000"/>
+            </a:spcAft>
+          </a:pPr>
+          <a:r>
+            <a:rPr lang="pt-PT" sz="3200" b="0" kern="1200" cap="none" spc="0" dirty="0" smtClean="0">
+              <a:ln w="18415" cmpd="sng">
+                <a:solidFill>
+                  <a:srgbClr val="FFFFFF"/>
+                </a:solidFill>
+                <a:prstDash val="solid"/>
+              </a:ln>
+              <a:solidFill>
+                <a:srgbClr val="FFFFFF"/>
+              </a:solidFill>
+              <a:effectLst>
+                <a:outerShdw blurRad="63500" dir="3600000" algn="tl" rotWithShape="0">
+                  <a:srgbClr val="000000">
+                    <a:alpha val="70000"/>
+                  </a:srgbClr>
+                </a:outerShdw>
+              </a:effectLst>
+            </a:rPr>
+            <a:t>Sessão de Estudo</a:t>
+          </a:r>
+          <a:endParaRPr lang="pt-PT" sz="3200" b="0" kern="1200" cap="none" spc="0" dirty="0">
+            <a:ln w="18415" cmpd="sng">
+              <a:solidFill>
+                <a:srgbClr val="FFFFFF"/>
+              </a:solidFill>
+              <a:prstDash val="solid"/>
+            </a:ln>
+            <a:solidFill>
+              <a:srgbClr val="FFFFFF"/>
+            </a:solidFill>
+            <a:effectLst>
+              <a:outerShdw blurRad="63500" dir="3600000" algn="tl" rotWithShape="0">
+                <a:srgbClr val="000000">
+                  <a:alpha val="70000"/>
+                </a:srgbClr>
+              </a:outerShdw>
+            </a:effectLst>
+          </a:endParaRPr>
+        </a:p>
+      </dsp:txBody>
+      <dsp:txXfrm>
+        <a:off x="1035129" y="1347405"/>
+        <a:ext cx="1924794" cy="1154876"/>
+      </dsp:txXfrm>
+    </dsp:sp>
+    <dsp:sp modelId="{69E19E09-A397-47EC-84F2-F61890A9293F}">
+      <dsp:nvSpPr>
+        <dsp:cNvPr id="0" name=""/>
+        <dsp:cNvSpPr/>
+      </dsp:nvSpPr>
+      <dsp:spPr>
+        <a:xfrm>
+          <a:off x="3152402" y="1347405"/>
+          <a:ext cx="1924794" cy="1154876"/>
+        </a:xfrm>
+        <a:prstGeom prst="rect">
+          <a:avLst/>
+        </a:prstGeom>
+        <a:solidFill>
+          <a:schemeClr val="bg2"/>
+        </a:solidFill>
+        <a:ln w="25400" cap="flat" cmpd="sng" algn="ctr">
+          <a:solidFill>
+            <a:schemeClr val="lt1">
+              <a:hueOff val="0"/>
+              <a:satOff val="0"/>
+              <a:lumOff val="0"/>
+              <a:alphaOff val="0"/>
+            </a:schemeClr>
+          </a:solidFill>
+          <a:prstDash val="solid"/>
+        </a:ln>
+        <a:effectLst/>
+      </dsp:spPr>
+      <dsp:style>
+        <a:lnRef idx="2">
+          <a:scrgbClr r="0" g="0" b="0"/>
+        </a:lnRef>
+        <a:fillRef idx="1">
+          <a:scrgbClr r="0" g="0" b="0"/>
+        </a:fillRef>
+        <a:effectRef idx="0">
+          <a:scrgbClr r="0" g="0" b="0"/>
+        </a:effectRef>
+        <a:fontRef idx="minor">
+          <a:schemeClr val="lt1"/>
+        </a:fontRef>
+      </dsp:style>
+      <dsp:txBody>
+        <a:bodyPr spcFirstLastPara="0" vert="horz" wrap="square" lIns="121920" tIns="121920" rIns="121920" bIns="121920" numCol="1" spcCol="1270" anchor="ctr" anchorCtr="0">
+          <a:noAutofit/>
+        </a:bodyPr>
+        <a:lstStyle/>
+        <a:p>
+          <a:pPr lvl="0" algn="ctr" defTabSz="1422400">
+            <a:lnSpc>
+              <a:spcPct val="90000"/>
+            </a:lnSpc>
+            <a:spcBef>
+              <a:spcPct val="0"/>
+            </a:spcBef>
+            <a:spcAft>
+              <a:spcPct val="35000"/>
+            </a:spcAft>
+          </a:pPr>
+          <a:r>
+            <a:rPr lang="pt-PT" sz="3200" b="0" kern="1200" cap="none" spc="0" dirty="0" smtClean="0">
+              <a:ln w="18415" cmpd="sng">
+                <a:solidFill>
+                  <a:srgbClr val="FFFFFF"/>
+                </a:solidFill>
+                <a:prstDash val="solid"/>
+              </a:ln>
+              <a:solidFill>
+                <a:srgbClr val="FFFFFF"/>
+              </a:solidFill>
+              <a:effectLst>
+                <a:outerShdw blurRad="63500" dir="3600000" algn="tl" rotWithShape="0">
+                  <a:srgbClr val="000000">
+                    <a:alpha val="70000"/>
+                  </a:srgbClr>
+                </a:outerShdw>
+              </a:effectLst>
+            </a:rPr>
+            <a:t>Dúvida</a:t>
+          </a:r>
+          <a:endParaRPr lang="pt-PT" sz="3200" kern="1200" dirty="0"/>
+        </a:p>
+      </dsp:txBody>
+      <dsp:txXfrm>
+        <a:off x="3152402" y="1347405"/>
+        <a:ext cx="1924794" cy="1154876"/>
+      </dsp:txXfrm>
+    </dsp:sp>
+    <dsp:sp modelId="{016DC74D-6D1A-4925-A09E-17955F250449}">
+      <dsp:nvSpPr>
+        <dsp:cNvPr id="0" name=""/>
+        <dsp:cNvSpPr/>
+      </dsp:nvSpPr>
+      <dsp:spPr>
+        <a:xfrm>
+          <a:off x="5269676" y="1347405"/>
+          <a:ext cx="1924794" cy="1154876"/>
+        </a:xfrm>
+        <a:prstGeom prst="rect">
+          <a:avLst/>
+        </a:prstGeom>
+        <a:solidFill>
+          <a:srgbClr val="0099CC"/>
+        </a:solidFill>
+        <a:ln w="25400" cap="flat" cmpd="sng" algn="ctr">
+          <a:solidFill>
+            <a:schemeClr val="lt1">
+              <a:hueOff val="0"/>
+              <a:satOff val="0"/>
+              <a:lumOff val="0"/>
+              <a:alphaOff val="0"/>
+            </a:schemeClr>
+          </a:solidFill>
+          <a:prstDash val="solid"/>
+        </a:ln>
+        <a:effectLst/>
+      </dsp:spPr>
+      <dsp:style>
+        <a:lnRef idx="2">
+          <a:scrgbClr r="0" g="0" b="0"/>
+        </a:lnRef>
+        <a:fillRef idx="1">
+          <a:scrgbClr r="0" g="0" b="0"/>
+        </a:fillRef>
+        <a:effectRef idx="0">
+          <a:scrgbClr r="0" g="0" b="0"/>
+        </a:effectRef>
+        <a:fontRef idx="minor">
+          <a:schemeClr val="lt1"/>
+        </a:fontRef>
+      </dsp:style>
+      <dsp:txBody>
+        <a:bodyPr spcFirstLastPara="0" vert="horz" wrap="square" lIns="121920" tIns="121920" rIns="121920" bIns="121920" numCol="1" spcCol="1270" anchor="ctr" anchorCtr="0">
+          <a:noAutofit/>
+        </a:bodyPr>
+        <a:lstStyle/>
+        <a:p>
+          <a:pPr lvl="0" algn="ctr" defTabSz="1422400">
+            <a:lnSpc>
+              <a:spcPct val="90000"/>
+            </a:lnSpc>
+            <a:spcBef>
+              <a:spcPct val="0"/>
+            </a:spcBef>
+            <a:spcAft>
+              <a:spcPct val="35000"/>
+            </a:spcAft>
+          </a:pPr>
+          <a:r>
+            <a:rPr lang="pt-PT" sz="3200" b="0" kern="1200" cap="none" spc="0" dirty="0" smtClean="0">
+              <a:ln w="18415" cmpd="sng">
+                <a:solidFill>
+                  <a:srgbClr val="FFFFFF"/>
+                </a:solidFill>
+                <a:prstDash val="solid"/>
+              </a:ln>
+              <a:solidFill>
+                <a:srgbClr val="FFFFFF"/>
+              </a:solidFill>
+              <a:effectLst>
+                <a:outerShdw blurRad="63500" dir="3600000" algn="tl" rotWithShape="0">
+                  <a:srgbClr val="000000">
+                    <a:alpha val="70000"/>
+                  </a:srgbClr>
+                </a:outerShdw>
+              </a:effectLst>
+            </a:rPr>
+            <a:t>Pergunta</a:t>
+          </a:r>
+          <a:endParaRPr lang="pt-PT" sz="3200" kern="1200" dirty="0"/>
+        </a:p>
+      </dsp:txBody>
+      <dsp:txXfrm>
+        <a:off x="5269676" y="1347405"/>
+        <a:ext cx="1924794" cy="1154876"/>
+      </dsp:txXfrm>
+    </dsp:sp>
+    <dsp:sp modelId="{53B5A08C-1A0B-44EE-985A-1518E15FF12C}">
+      <dsp:nvSpPr>
+        <dsp:cNvPr id="0" name=""/>
+        <dsp:cNvSpPr/>
+      </dsp:nvSpPr>
+      <dsp:spPr>
+        <a:xfrm>
+          <a:off x="2093766" y="2694761"/>
+          <a:ext cx="1924794" cy="1154876"/>
+        </a:xfrm>
+        <a:prstGeom prst="rect">
+          <a:avLst/>
+        </a:prstGeom>
+        <a:solidFill>
+          <a:srgbClr val="0099CC"/>
+        </a:solidFill>
+        <a:ln w="25400" cap="flat" cmpd="sng" algn="ctr">
+          <a:solidFill>
+            <a:schemeClr val="lt1">
+              <a:hueOff val="0"/>
+              <a:satOff val="0"/>
+              <a:lumOff val="0"/>
+              <a:alphaOff val="0"/>
+            </a:schemeClr>
+          </a:solidFill>
+          <a:prstDash val="solid"/>
+        </a:ln>
+        <a:effectLst/>
+      </dsp:spPr>
+      <dsp:style>
+        <a:lnRef idx="2">
+          <a:scrgbClr r="0" g="0" b="0"/>
+        </a:lnRef>
+        <a:fillRef idx="1">
+          <a:scrgbClr r="0" g="0" b="0"/>
+        </a:fillRef>
+        <a:effectRef idx="0">
+          <a:scrgbClr r="0" g="0" b="0"/>
+        </a:effectRef>
+        <a:fontRef idx="minor">
+          <a:schemeClr val="lt1"/>
+        </a:fontRef>
+      </dsp:style>
+      <dsp:txBody>
+        <a:bodyPr spcFirstLastPara="0" vert="horz" wrap="square" lIns="121920" tIns="121920" rIns="121920" bIns="121920" numCol="1" spcCol="1270" anchor="ctr" anchorCtr="0">
+          <a:noAutofit/>
+        </a:bodyPr>
+        <a:lstStyle/>
+        <a:p>
+          <a:pPr lvl="0" algn="ctr" defTabSz="1422400">
+            <a:lnSpc>
+              <a:spcPct val="90000"/>
+            </a:lnSpc>
+            <a:spcBef>
+              <a:spcPct val="0"/>
+            </a:spcBef>
+            <a:spcAft>
+              <a:spcPct val="35000"/>
+            </a:spcAft>
+          </a:pPr>
+          <a:r>
+            <a:rPr lang="pt-PT" sz="3200" b="0" kern="1200" cap="none" spc="0" dirty="0" smtClean="0">
+              <a:ln w="18415" cmpd="sng">
+                <a:solidFill>
+                  <a:srgbClr val="FFFFFF"/>
+                </a:solidFill>
+                <a:prstDash val="solid"/>
+              </a:ln>
+              <a:solidFill>
+                <a:srgbClr val="FFFFFF"/>
+              </a:solidFill>
+              <a:effectLst>
+                <a:outerShdw blurRad="63500" dir="3600000" algn="tl" rotWithShape="0">
+                  <a:srgbClr val="000000">
+                    <a:alpha val="70000"/>
+                  </a:srgbClr>
+                </a:outerShdw>
+              </a:effectLst>
+            </a:rPr>
+            <a:t>Resposta</a:t>
+          </a:r>
+          <a:endParaRPr lang="pt-PT" sz="3200" kern="1200" dirty="0"/>
+        </a:p>
+      </dsp:txBody>
+      <dsp:txXfrm>
+        <a:off x="2093766" y="2694761"/>
+        <a:ext cx="1924794" cy="1154876"/>
+      </dsp:txXfrm>
+    </dsp:sp>
+    <dsp:sp modelId="{BEA7A456-EED5-4A3E-AC16-0A01F996D051}">
+      <dsp:nvSpPr>
+        <dsp:cNvPr id="0" name=""/>
+        <dsp:cNvSpPr/>
+      </dsp:nvSpPr>
+      <dsp:spPr>
+        <a:xfrm>
+          <a:off x="4211039" y="2694761"/>
+          <a:ext cx="1924794" cy="1154876"/>
+        </a:xfrm>
+        <a:prstGeom prst="rect">
+          <a:avLst/>
+        </a:prstGeom>
+        <a:solidFill>
+          <a:srgbClr val="FFFF00"/>
+        </a:solidFill>
+        <a:ln w="25400" cap="flat" cmpd="sng" algn="ctr">
+          <a:solidFill>
+            <a:schemeClr val="lt1">
+              <a:hueOff val="0"/>
+              <a:satOff val="0"/>
+              <a:lumOff val="0"/>
+              <a:alphaOff val="0"/>
+            </a:schemeClr>
+          </a:solidFill>
+          <a:prstDash val="solid"/>
+        </a:ln>
+        <a:effectLst/>
+      </dsp:spPr>
+      <dsp:style>
+        <a:lnRef idx="2">
+          <a:scrgbClr r="0" g="0" b="0"/>
+        </a:lnRef>
+        <a:fillRef idx="1">
+          <a:scrgbClr r="0" g="0" b="0"/>
+        </a:fillRef>
+        <a:effectRef idx="0">
+          <a:scrgbClr r="0" g="0" b="0"/>
+        </a:effectRef>
+        <a:fontRef idx="minor">
+          <a:schemeClr val="lt1"/>
+        </a:fontRef>
+      </dsp:style>
+      <dsp:txBody>
+        <a:bodyPr spcFirstLastPara="0" vert="horz" wrap="square" lIns="121920" tIns="121920" rIns="121920" bIns="121920" numCol="1" spcCol="1270" anchor="ctr" anchorCtr="0">
+          <a:noAutofit/>
+        </a:bodyPr>
+        <a:lstStyle/>
+        <a:p>
+          <a:pPr lvl="0" algn="ctr" defTabSz="1422400">
+            <a:lnSpc>
+              <a:spcPct val="90000"/>
+            </a:lnSpc>
+            <a:spcBef>
+              <a:spcPct val="0"/>
+            </a:spcBef>
+            <a:spcAft>
+              <a:spcPct val="35000"/>
+            </a:spcAft>
+          </a:pPr>
+          <a:r>
+            <a:rPr lang="pt-PT" sz="3200" b="0" kern="1200" cap="none" spc="0" dirty="0" smtClean="0">
+              <a:ln w="18415" cmpd="sng">
+                <a:solidFill>
+                  <a:srgbClr val="FFFFFF"/>
+                </a:solidFill>
+                <a:prstDash val="solid"/>
+              </a:ln>
+              <a:solidFill>
+                <a:srgbClr val="FFFFFF"/>
+              </a:solidFill>
+              <a:effectLst>
+                <a:outerShdw blurRad="63500" dir="3600000" algn="tl" rotWithShape="0">
+                  <a:srgbClr val="000000">
+                    <a:alpha val="70000"/>
+                  </a:srgbClr>
+                </a:outerShdw>
+              </a:effectLst>
+            </a:rPr>
+            <a:t>Aula</a:t>
+          </a:r>
+          <a:endParaRPr lang="pt-PT" sz="3200" b="0" kern="1200" cap="none" spc="0" dirty="0">
+            <a:ln w="18415" cmpd="sng">
+              <a:solidFill>
+                <a:srgbClr val="FFFFFF"/>
+              </a:solidFill>
+              <a:prstDash val="solid"/>
+            </a:ln>
+            <a:solidFill>
+              <a:srgbClr val="FFFFFF"/>
+            </a:solidFill>
+            <a:effectLst>
+              <a:outerShdw blurRad="63500" dir="3600000" algn="tl" rotWithShape="0">
+                <a:srgbClr val="000000">
+                  <a:alpha val="70000"/>
+                </a:srgbClr>
+              </a:outerShdw>
+            </a:effectLst>
+          </a:endParaRPr>
+        </a:p>
+      </dsp:txBody>
+      <dsp:txXfrm>
+        <a:off x="4211039" y="2694761"/>
+        <a:ext cx="1924794" cy="1154876"/>
+      </dsp:txXfrm>
+    </dsp:sp>
+  </dsp:spTree>
+</dsp:drawing>
+</file>
+
 <file path=ppt/diagrams/layout1.xml><?xml version="1.0" encoding="utf-8"?>
 <dgm:layoutDef xmlns:dgm="http://schemas.openxmlformats.org/drawingml/2006/diagram" xmlns:a="http://schemas.openxmlformats.org/drawingml/2006/main" uniqueId="urn:microsoft.com/office/officeart/2005/8/layout/equation2">
   <dgm:title val=""/>
@@ -1860,6 +4289,153 @@
 </dgm:layoutDef>
 </file>
 
+<file path=ppt/diagrams/layout2.xml><?xml version="1.0" encoding="utf-8"?>
+<dgm:layoutDef xmlns:dgm="http://schemas.openxmlformats.org/drawingml/2006/diagram" xmlns:a="http://schemas.openxmlformats.org/drawingml/2006/main" uniqueId="urn:microsoft.com/office/officeart/2005/8/layout/default">
+  <dgm:title val=""/>
+  <dgm:desc val=""/>
+  <dgm:catLst>
+    <dgm:cat type="list" pri="400"/>
+  </dgm:catLst>
+  <dgm:sampData>
+    <dgm:dataModel>
+      <dgm:ptLst>
+        <dgm:pt modelId="0" type="doc"/>
+        <dgm:pt modelId="1">
+          <dgm:prSet phldr="1"/>
+        </dgm:pt>
+        <dgm:pt modelId="2">
+          <dgm:prSet phldr="1"/>
+        </dgm:pt>
+        <dgm:pt modelId="3">
+          <dgm:prSet phldr="1"/>
+        </dgm:pt>
+        <dgm:pt modelId="4">
+          <dgm:prSet phldr="1"/>
+        </dgm:pt>
+        <dgm:pt modelId="5">
+          <dgm:prSet phldr="1"/>
+        </dgm:pt>
+      </dgm:ptLst>
+      <dgm:cxnLst>
+        <dgm:cxn modelId="6" srcId="0" destId="1" srcOrd="0" destOrd="0"/>
+        <dgm:cxn modelId="7" srcId="0" destId="2" srcOrd="1" destOrd="0"/>
+        <dgm:cxn modelId="8" srcId="0" destId="3" srcOrd="2" destOrd="0"/>
+        <dgm:cxn modelId="9" srcId="0" destId="4" srcOrd="3" destOrd="0"/>
+        <dgm:cxn modelId="10" srcId="0" destId="5" srcOrd="4" destOrd="0"/>
+      </dgm:cxnLst>
+      <dgm:bg/>
+      <dgm:whole/>
+    </dgm:dataModel>
+  </dgm:sampData>
+  <dgm:styleData>
+    <dgm:dataModel>
+      <dgm:ptLst>
+        <dgm:pt modelId="0" type="doc"/>
+        <dgm:pt modelId="1"/>
+        <dgm:pt modelId="2"/>
+      </dgm:ptLst>
+      <dgm:cxnLst>
+        <dgm:cxn modelId="3" srcId="0" destId="1" srcOrd="0" destOrd="0"/>
+        <dgm:cxn modelId="4" srcId="0" destId="2" srcOrd="1" destOrd="0"/>
+      </dgm:cxnLst>
+      <dgm:bg/>
+      <dgm:whole/>
+    </dgm:dataModel>
+  </dgm:styleData>
+  <dgm:clrData>
+    <dgm:dataModel>
+      <dgm:ptLst>
+        <dgm:pt modelId="0" type="doc"/>
+        <dgm:pt modelId="1"/>
+        <dgm:pt modelId="2"/>
+        <dgm:pt modelId="3"/>
+        <dgm:pt modelId="4"/>
+        <dgm:pt modelId="5"/>
+        <dgm:pt modelId="6"/>
+      </dgm:ptLst>
+      <dgm:cxnLst>
+        <dgm:cxn modelId="7" srcId="0" destId="1" srcOrd="0" destOrd="0"/>
+        <dgm:cxn modelId="8" srcId="0" destId="2" srcOrd="1" destOrd="0"/>
+        <dgm:cxn modelId="9" srcId="0" destId="3" srcOrd="2" destOrd="0"/>
+        <dgm:cxn modelId="10" srcId="0" destId="4" srcOrd="3" destOrd="0"/>
+        <dgm:cxn modelId="11" srcId="0" destId="5" srcOrd="4" destOrd="0"/>
+        <dgm:cxn modelId="12" srcId="0" destId="6" srcOrd="5" destOrd="0"/>
+      </dgm:cxnLst>
+      <dgm:bg/>
+      <dgm:whole/>
+    </dgm:dataModel>
+  </dgm:clrData>
+  <dgm:layoutNode name="diagram">
+    <dgm:varLst>
+      <dgm:dir/>
+      <dgm:resizeHandles val="exact"/>
+    </dgm:varLst>
+    <dgm:choose name="Name0">
+      <dgm:if name="Name1" func="var" arg="dir" op="equ" val="norm">
+        <dgm:alg type="snake">
+          <dgm:param type="grDir" val="tL"/>
+          <dgm:param type="flowDir" val="row"/>
+          <dgm:param type="contDir" val="sameDir"/>
+          <dgm:param type="off" val="ctr"/>
+        </dgm:alg>
+      </dgm:if>
+      <dgm:else name="Name2">
+        <dgm:alg type="snake">
+          <dgm:param type="grDir" val="tR"/>
+          <dgm:param type="flowDir" val="row"/>
+          <dgm:param type="contDir" val="sameDir"/>
+          <dgm:param type="off" val="ctr"/>
+        </dgm:alg>
+      </dgm:else>
+    </dgm:choose>
+    <dgm:shape xmlns:r="http://schemas.openxmlformats.org/officeDocument/2006/relationships" r:blip="">
+      <dgm:adjLst/>
+    </dgm:shape>
+    <dgm:presOf/>
+    <dgm:constrLst>
+      <dgm:constr type="w" for="ch" forName="node" refType="w"/>
+      <dgm:constr type="h" for="ch" forName="node" refType="w" refFor="ch" refForName="node" fact="0.6"/>
+      <dgm:constr type="w" for="ch" forName="sibTrans" refType="w" refFor="ch" refForName="node" fact="0.1"/>
+      <dgm:constr type="sp" refType="w" refFor="ch" refForName="sibTrans"/>
+      <dgm:constr type="primFontSz" for="ch" forName="node" op="equ" val="65"/>
+    </dgm:constrLst>
+    <dgm:ruleLst/>
+    <dgm:forEach name="Name3" axis="ch" ptType="node">
+      <dgm:layoutNode name="node">
+        <dgm:varLst>
+          <dgm:bulletEnabled val="1"/>
+        </dgm:varLst>
+        <dgm:alg type="tx"/>
+        <dgm:shape xmlns:r="http://schemas.openxmlformats.org/officeDocument/2006/relationships" type="rect" r:blip="">
+          <dgm:adjLst/>
+        </dgm:shape>
+        <dgm:presOf axis="desOrSelf" ptType="node"/>
+        <dgm:constrLst>
+          <dgm:constr type="lMarg" refType="primFontSz" fact="0.3"/>
+          <dgm:constr type="rMarg" refType="primFontSz" fact="0.3"/>
+          <dgm:constr type="tMarg" refType="primFontSz" fact="0.3"/>
+          <dgm:constr type="bMarg" refType="primFontSz" fact="0.3"/>
+        </dgm:constrLst>
+        <dgm:ruleLst>
+          <dgm:rule type="primFontSz" val="5" fact="NaN" max="NaN"/>
+        </dgm:ruleLst>
+      </dgm:layoutNode>
+      <dgm:forEach name="Name4" axis="followSib" ptType="sibTrans" cnt="1">
+        <dgm:layoutNode name="sibTrans">
+          <dgm:alg type="sp"/>
+          <dgm:shape xmlns:r="http://schemas.openxmlformats.org/officeDocument/2006/relationships" r:blip="">
+            <dgm:adjLst/>
+          </dgm:shape>
+          <dgm:presOf/>
+          <dgm:constrLst/>
+          <dgm:ruleLst/>
+        </dgm:layoutNode>
+      </dgm:forEach>
+    </dgm:forEach>
+  </dgm:layoutNode>
+</dgm:layoutDef>
+</file>
+
 <file path=ppt/diagrams/quickStyle1.xml><?xml version="1.0" encoding="utf-8"?>
 <dgm:styleDef xmlns:dgm="http://schemas.openxmlformats.org/drawingml/2006/diagram" xmlns:a="http://schemas.openxmlformats.org/drawingml/2006/main" uniqueId="urn:microsoft.com/office/officeart/2005/8/quickstyle/3d1">
   <dgm:title val=""/>
@@ -2952,6 +5528,1040 @@
       <a:fontRef idx="minor">
         <a:schemeClr val="lt1"/>
       </a:fontRef>
+    </dgm:style>
+  </dgm:styleLbl>
+  <dgm:styleLbl name="revTx">
+    <dgm:scene3d>
+      <a:camera prst="orthographicFront"/>
+      <a:lightRig rig="threePt" dir="t"/>
+    </dgm:scene3d>
+    <dgm:sp3d/>
+    <dgm:txPr/>
+    <dgm:style>
+      <a:lnRef idx="0">
+        <a:scrgbClr r="0" g="0" b="0"/>
+      </a:lnRef>
+      <a:fillRef idx="0">
+        <a:scrgbClr r="0" g="0" b="0"/>
+      </a:fillRef>
+      <a:effectRef idx="0">
+        <a:scrgbClr r="0" g="0" b="0"/>
+      </a:effectRef>
+      <a:fontRef idx="minor"/>
+    </dgm:style>
+  </dgm:styleLbl>
+</dgm:styleDef>
+</file>
+
+<file path=ppt/diagrams/quickStyle2.xml><?xml version="1.0" encoding="utf-8"?>
+<dgm:styleDef xmlns:dgm="http://schemas.openxmlformats.org/drawingml/2006/diagram" xmlns:a="http://schemas.openxmlformats.org/drawingml/2006/main" uniqueId="urn:microsoft.com/office/officeart/2005/8/quickstyle/simple1">
+  <dgm:title val=""/>
+  <dgm:desc val=""/>
+  <dgm:catLst>
+    <dgm:cat type="simple" pri="10100"/>
+  </dgm:catLst>
+  <dgm:scene3d>
+    <a:camera prst="orthographicFront"/>
+    <a:lightRig rig="threePt" dir="t"/>
+  </dgm:scene3d>
+  <dgm:styleLbl name="node0">
+    <dgm:scene3d>
+      <a:camera prst="orthographicFront"/>
+      <a:lightRig rig="threePt" dir="t"/>
+    </dgm:scene3d>
+    <dgm:sp3d/>
+    <dgm:txPr/>
+    <dgm:style>
+      <a:lnRef idx="2">
+        <a:scrgbClr r="0" g="0" b="0"/>
+      </a:lnRef>
+      <a:fillRef idx="1">
+        <a:scrgbClr r="0" g="0" b="0"/>
+      </a:fillRef>
+      <a:effectRef idx="0">
+        <a:scrgbClr r="0" g="0" b="0"/>
+      </a:effectRef>
+      <a:fontRef idx="minor">
+        <a:schemeClr val="lt1"/>
+      </a:fontRef>
+    </dgm:style>
+  </dgm:styleLbl>
+  <dgm:styleLbl name="lnNode1">
+    <dgm:scene3d>
+      <a:camera prst="orthographicFront"/>
+      <a:lightRig rig="threePt" dir="t"/>
+    </dgm:scene3d>
+    <dgm:sp3d/>
+    <dgm:txPr/>
+    <dgm:style>
+      <a:lnRef idx="2">
+        <a:scrgbClr r="0" g="0" b="0"/>
+      </a:lnRef>
+      <a:fillRef idx="1">
+        <a:scrgbClr r="0" g="0" b="0"/>
+      </a:fillRef>
+      <a:effectRef idx="0">
+        <a:scrgbClr r="0" g="0" b="0"/>
+      </a:effectRef>
+      <a:fontRef idx="minor">
+        <a:schemeClr val="lt1"/>
+      </a:fontRef>
+    </dgm:style>
+  </dgm:styleLbl>
+  <dgm:styleLbl name="vennNode1">
+    <dgm:scene3d>
+      <a:camera prst="orthographicFront"/>
+      <a:lightRig rig="threePt" dir="t"/>
+    </dgm:scene3d>
+    <dgm:sp3d/>
+    <dgm:txPr/>
+    <dgm:style>
+      <a:lnRef idx="2">
+        <a:scrgbClr r="0" g="0" b="0"/>
+      </a:lnRef>
+      <a:fillRef idx="1">
+        <a:scrgbClr r="0" g="0" b="0"/>
+      </a:fillRef>
+      <a:effectRef idx="0">
+        <a:scrgbClr r="0" g="0" b="0"/>
+      </a:effectRef>
+      <a:fontRef idx="minor">
+        <a:schemeClr val="tx1"/>
+      </a:fontRef>
+    </dgm:style>
+  </dgm:styleLbl>
+  <dgm:styleLbl name="alignNode1">
+    <dgm:scene3d>
+      <a:camera prst="orthographicFront"/>
+      <a:lightRig rig="threePt" dir="t"/>
+    </dgm:scene3d>
+    <dgm:sp3d/>
+    <dgm:txPr/>
+    <dgm:style>
+      <a:lnRef idx="2">
+        <a:scrgbClr r="0" g="0" b="0"/>
+      </a:lnRef>
+      <a:fillRef idx="1">
+        <a:scrgbClr r="0" g="0" b="0"/>
+      </a:fillRef>
+      <a:effectRef idx="0">
+        <a:scrgbClr r="0" g="0" b="0"/>
+      </a:effectRef>
+      <a:fontRef idx="minor">
+        <a:schemeClr val="lt1"/>
+      </a:fontRef>
+    </dgm:style>
+  </dgm:styleLbl>
+  <dgm:styleLbl name="node1">
+    <dgm:scene3d>
+      <a:camera prst="orthographicFront"/>
+      <a:lightRig rig="threePt" dir="t"/>
+    </dgm:scene3d>
+    <dgm:sp3d/>
+    <dgm:txPr/>
+    <dgm:style>
+      <a:lnRef idx="2">
+        <a:scrgbClr r="0" g="0" b="0"/>
+      </a:lnRef>
+      <a:fillRef idx="1">
+        <a:scrgbClr r="0" g="0" b="0"/>
+      </a:fillRef>
+      <a:effectRef idx="0">
+        <a:scrgbClr r="0" g="0" b="0"/>
+      </a:effectRef>
+      <a:fontRef idx="minor">
+        <a:schemeClr val="lt1"/>
+      </a:fontRef>
+    </dgm:style>
+  </dgm:styleLbl>
+  <dgm:styleLbl name="node2">
+    <dgm:scene3d>
+      <a:camera prst="orthographicFront"/>
+      <a:lightRig rig="threePt" dir="t"/>
+    </dgm:scene3d>
+    <dgm:sp3d/>
+    <dgm:txPr/>
+    <dgm:style>
+      <a:lnRef idx="2">
+        <a:scrgbClr r="0" g="0" b="0"/>
+      </a:lnRef>
+      <a:fillRef idx="1">
+        <a:scrgbClr r="0" g="0" b="0"/>
+      </a:fillRef>
+      <a:effectRef idx="0">
+        <a:scrgbClr r="0" g="0" b="0"/>
+      </a:effectRef>
+      <a:fontRef idx="minor">
+        <a:schemeClr val="lt1"/>
+      </a:fontRef>
+    </dgm:style>
+  </dgm:styleLbl>
+  <dgm:styleLbl name="node3">
+    <dgm:scene3d>
+      <a:camera prst="orthographicFront"/>
+      <a:lightRig rig="threePt" dir="t"/>
+    </dgm:scene3d>
+    <dgm:sp3d/>
+    <dgm:txPr/>
+    <dgm:style>
+      <a:lnRef idx="2">
+        <a:scrgbClr r="0" g="0" b="0"/>
+      </a:lnRef>
+      <a:fillRef idx="1">
+        <a:scrgbClr r="0" g="0" b="0"/>
+      </a:fillRef>
+      <a:effectRef idx="0">
+        <a:scrgbClr r="0" g="0" b="0"/>
+      </a:effectRef>
+      <a:fontRef idx="minor">
+        <a:schemeClr val="lt1"/>
+      </a:fontRef>
+    </dgm:style>
+  </dgm:styleLbl>
+  <dgm:styleLbl name="node4">
+    <dgm:scene3d>
+      <a:camera prst="orthographicFront"/>
+      <a:lightRig rig="threePt" dir="t"/>
+    </dgm:scene3d>
+    <dgm:sp3d/>
+    <dgm:txPr/>
+    <dgm:style>
+      <a:lnRef idx="2">
+        <a:scrgbClr r="0" g="0" b="0"/>
+      </a:lnRef>
+      <a:fillRef idx="1">
+        <a:scrgbClr r="0" g="0" b="0"/>
+      </a:fillRef>
+      <a:effectRef idx="0">
+        <a:scrgbClr r="0" g="0" b="0"/>
+      </a:effectRef>
+      <a:fontRef idx="minor">
+        <a:schemeClr val="lt1"/>
+      </a:fontRef>
+    </dgm:style>
+  </dgm:styleLbl>
+  <dgm:styleLbl name="fgImgPlace1">
+    <dgm:scene3d>
+      <a:camera prst="orthographicFront"/>
+      <a:lightRig rig="threePt" dir="t"/>
+    </dgm:scene3d>
+    <dgm:sp3d/>
+    <dgm:txPr/>
+    <dgm:style>
+      <a:lnRef idx="2">
+        <a:scrgbClr r="0" g="0" b="0"/>
+      </a:lnRef>
+      <a:fillRef idx="1">
+        <a:scrgbClr r="0" g="0" b="0"/>
+      </a:fillRef>
+      <a:effectRef idx="0">
+        <a:scrgbClr r="0" g="0" b="0"/>
+      </a:effectRef>
+      <a:fontRef idx="minor"/>
+    </dgm:style>
+  </dgm:styleLbl>
+  <dgm:styleLbl name="alignImgPlace1">
+    <dgm:scene3d>
+      <a:camera prst="orthographicFront"/>
+      <a:lightRig rig="threePt" dir="t"/>
+    </dgm:scene3d>
+    <dgm:sp3d/>
+    <dgm:txPr/>
+    <dgm:style>
+      <a:lnRef idx="2">
+        <a:scrgbClr r="0" g="0" b="0"/>
+      </a:lnRef>
+      <a:fillRef idx="1">
+        <a:scrgbClr r="0" g="0" b="0"/>
+      </a:fillRef>
+      <a:effectRef idx="0">
+        <a:scrgbClr r="0" g="0" b="0"/>
+      </a:effectRef>
+      <a:fontRef idx="minor"/>
+    </dgm:style>
+  </dgm:styleLbl>
+  <dgm:styleLbl name="bgImgPlace1">
+    <dgm:scene3d>
+      <a:camera prst="orthographicFront"/>
+      <a:lightRig rig="threePt" dir="t"/>
+    </dgm:scene3d>
+    <dgm:sp3d/>
+    <dgm:txPr/>
+    <dgm:style>
+      <a:lnRef idx="2">
+        <a:scrgbClr r="0" g="0" b="0"/>
+      </a:lnRef>
+      <a:fillRef idx="1">
+        <a:scrgbClr r="0" g="0" b="0"/>
+      </a:fillRef>
+      <a:effectRef idx="0">
+        <a:scrgbClr r="0" g="0" b="0"/>
+      </a:effectRef>
+      <a:fontRef idx="minor"/>
+    </dgm:style>
+  </dgm:styleLbl>
+  <dgm:styleLbl name="sibTrans2D1">
+    <dgm:scene3d>
+      <a:camera prst="orthographicFront"/>
+      <a:lightRig rig="threePt" dir="t"/>
+    </dgm:scene3d>
+    <dgm:sp3d/>
+    <dgm:txPr/>
+    <dgm:style>
+      <a:lnRef idx="0">
+        <a:scrgbClr r="0" g="0" b="0"/>
+      </a:lnRef>
+      <a:fillRef idx="1">
+        <a:scrgbClr r="0" g="0" b="0"/>
+      </a:fillRef>
+      <a:effectRef idx="0">
+        <a:scrgbClr r="0" g="0" b="0"/>
+      </a:effectRef>
+      <a:fontRef idx="minor">
+        <a:schemeClr val="lt1"/>
+      </a:fontRef>
+    </dgm:style>
+  </dgm:styleLbl>
+  <dgm:styleLbl name="fgSibTrans2D1">
+    <dgm:scene3d>
+      <a:camera prst="orthographicFront"/>
+      <a:lightRig rig="threePt" dir="t"/>
+    </dgm:scene3d>
+    <dgm:sp3d/>
+    <dgm:txPr/>
+    <dgm:style>
+      <a:lnRef idx="0">
+        <a:scrgbClr r="0" g="0" b="0"/>
+      </a:lnRef>
+      <a:fillRef idx="1">
+        <a:scrgbClr r="0" g="0" b="0"/>
+      </a:fillRef>
+      <a:effectRef idx="0">
+        <a:scrgbClr r="0" g="0" b="0"/>
+      </a:effectRef>
+      <a:fontRef idx="minor">
+        <a:schemeClr val="lt1"/>
+      </a:fontRef>
+    </dgm:style>
+  </dgm:styleLbl>
+  <dgm:styleLbl name="bgSibTrans2D1">
+    <dgm:scene3d>
+      <a:camera prst="orthographicFront"/>
+      <a:lightRig rig="threePt" dir="t"/>
+    </dgm:scene3d>
+    <dgm:sp3d/>
+    <dgm:txPr/>
+    <dgm:style>
+      <a:lnRef idx="0">
+        <a:scrgbClr r="0" g="0" b="0"/>
+      </a:lnRef>
+      <a:fillRef idx="1">
+        <a:scrgbClr r="0" g="0" b="0"/>
+      </a:fillRef>
+      <a:effectRef idx="0">
+        <a:scrgbClr r="0" g="0" b="0"/>
+      </a:effectRef>
+      <a:fontRef idx="minor">
+        <a:schemeClr val="lt1"/>
+      </a:fontRef>
+    </dgm:style>
+  </dgm:styleLbl>
+  <dgm:styleLbl name="sibTrans1D1">
+    <dgm:scene3d>
+      <a:camera prst="orthographicFront"/>
+      <a:lightRig rig="threePt" dir="t"/>
+    </dgm:scene3d>
+    <dgm:sp3d/>
+    <dgm:txPr/>
+    <dgm:style>
+      <a:lnRef idx="1">
+        <a:scrgbClr r="0" g="0" b="0"/>
+      </a:lnRef>
+      <a:fillRef idx="0">
+        <a:scrgbClr r="0" g="0" b="0"/>
+      </a:fillRef>
+      <a:effectRef idx="0">
+        <a:scrgbClr r="0" g="0" b="0"/>
+      </a:effectRef>
+      <a:fontRef idx="minor"/>
+    </dgm:style>
+  </dgm:styleLbl>
+  <dgm:styleLbl name="callout">
+    <dgm:scene3d>
+      <a:camera prst="orthographicFront"/>
+      <a:lightRig rig="threePt" dir="t"/>
+    </dgm:scene3d>
+    <dgm:sp3d/>
+    <dgm:txPr/>
+    <dgm:style>
+      <a:lnRef idx="2">
+        <a:scrgbClr r="0" g="0" b="0"/>
+      </a:lnRef>
+      <a:fillRef idx="1">
+        <a:scrgbClr r="0" g="0" b="0"/>
+      </a:fillRef>
+      <a:effectRef idx="0">
+        <a:scrgbClr r="0" g="0" b="0"/>
+      </a:effectRef>
+      <a:fontRef idx="minor"/>
+    </dgm:style>
+  </dgm:styleLbl>
+  <dgm:styleLbl name="asst0">
+    <dgm:scene3d>
+      <a:camera prst="orthographicFront"/>
+      <a:lightRig rig="threePt" dir="t"/>
+    </dgm:scene3d>
+    <dgm:sp3d/>
+    <dgm:txPr/>
+    <dgm:style>
+      <a:lnRef idx="2">
+        <a:scrgbClr r="0" g="0" b="0"/>
+      </a:lnRef>
+      <a:fillRef idx="1">
+        <a:scrgbClr r="0" g="0" b="0"/>
+      </a:fillRef>
+      <a:effectRef idx="0">
+        <a:scrgbClr r="0" g="0" b="0"/>
+      </a:effectRef>
+      <a:fontRef idx="minor">
+        <a:schemeClr val="lt1"/>
+      </a:fontRef>
+    </dgm:style>
+  </dgm:styleLbl>
+  <dgm:styleLbl name="asst1">
+    <dgm:scene3d>
+      <a:camera prst="orthographicFront"/>
+      <a:lightRig rig="threePt" dir="t"/>
+    </dgm:scene3d>
+    <dgm:sp3d/>
+    <dgm:txPr/>
+    <dgm:style>
+      <a:lnRef idx="2">
+        <a:scrgbClr r="0" g="0" b="0"/>
+      </a:lnRef>
+      <a:fillRef idx="1">
+        <a:scrgbClr r="0" g="0" b="0"/>
+      </a:fillRef>
+      <a:effectRef idx="0">
+        <a:scrgbClr r="0" g="0" b="0"/>
+      </a:effectRef>
+      <a:fontRef idx="minor">
+        <a:schemeClr val="lt1"/>
+      </a:fontRef>
+    </dgm:style>
+  </dgm:styleLbl>
+  <dgm:styleLbl name="asst2">
+    <dgm:scene3d>
+      <a:camera prst="orthographicFront"/>
+      <a:lightRig rig="threePt" dir="t"/>
+    </dgm:scene3d>
+    <dgm:sp3d/>
+    <dgm:txPr/>
+    <dgm:style>
+      <a:lnRef idx="2">
+        <a:scrgbClr r="0" g="0" b="0"/>
+      </a:lnRef>
+      <a:fillRef idx="1">
+        <a:scrgbClr r="0" g="0" b="0"/>
+      </a:fillRef>
+      <a:effectRef idx="0">
+        <a:scrgbClr r="0" g="0" b="0"/>
+      </a:effectRef>
+      <a:fontRef idx="minor">
+        <a:schemeClr val="lt1"/>
+      </a:fontRef>
+    </dgm:style>
+  </dgm:styleLbl>
+  <dgm:styleLbl name="asst3">
+    <dgm:scene3d>
+      <a:camera prst="orthographicFront"/>
+      <a:lightRig rig="threePt" dir="t"/>
+    </dgm:scene3d>
+    <dgm:sp3d/>
+    <dgm:txPr/>
+    <dgm:style>
+      <a:lnRef idx="2">
+        <a:scrgbClr r="0" g="0" b="0"/>
+      </a:lnRef>
+      <a:fillRef idx="1">
+        <a:scrgbClr r="0" g="0" b="0"/>
+      </a:fillRef>
+      <a:effectRef idx="0">
+        <a:scrgbClr r="0" g="0" b="0"/>
+      </a:effectRef>
+      <a:fontRef idx="minor">
+        <a:schemeClr val="lt1"/>
+      </a:fontRef>
+    </dgm:style>
+  </dgm:styleLbl>
+  <dgm:styleLbl name="asst4">
+    <dgm:scene3d>
+      <a:camera prst="orthographicFront"/>
+      <a:lightRig rig="threePt" dir="t"/>
+    </dgm:scene3d>
+    <dgm:sp3d/>
+    <dgm:txPr/>
+    <dgm:style>
+      <a:lnRef idx="2">
+        <a:scrgbClr r="0" g="0" b="0"/>
+      </a:lnRef>
+      <a:fillRef idx="1">
+        <a:scrgbClr r="0" g="0" b="0"/>
+      </a:fillRef>
+      <a:effectRef idx="0">
+        <a:scrgbClr r="0" g="0" b="0"/>
+      </a:effectRef>
+      <a:fontRef idx="minor">
+        <a:schemeClr val="lt1"/>
+      </a:fontRef>
+    </dgm:style>
+  </dgm:styleLbl>
+  <dgm:styleLbl name="parChTrans2D1">
+    <dgm:scene3d>
+      <a:camera prst="orthographicFront"/>
+      <a:lightRig rig="threePt" dir="t"/>
+    </dgm:scene3d>
+    <dgm:sp3d/>
+    <dgm:txPr/>
+    <dgm:style>
+      <a:lnRef idx="2">
+        <a:scrgbClr r="0" g="0" b="0"/>
+      </a:lnRef>
+      <a:fillRef idx="1">
+        <a:scrgbClr r="0" g="0" b="0"/>
+      </a:fillRef>
+      <a:effectRef idx="0">
+        <a:scrgbClr r="0" g="0" b="0"/>
+      </a:effectRef>
+      <a:fontRef idx="minor">
+        <a:schemeClr val="lt1"/>
+      </a:fontRef>
+    </dgm:style>
+  </dgm:styleLbl>
+  <dgm:styleLbl name="parChTrans2D2">
+    <dgm:scene3d>
+      <a:camera prst="orthographicFront"/>
+      <a:lightRig rig="threePt" dir="t"/>
+    </dgm:scene3d>
+    <dgm:sp3d/>
+    <dgm:txPr/>
+    <dgm:style>
+      <a:lnRef idx="2">
+        <a:scrgbClr r="0" g="0" b="0"/>
+      </a:lnRef>
+      <a:fillRef idx="1">
+        <a:scrgbClr r="0" g="0" b="0"/>
+      </a:fillRef>
+      <a:effectRef idx="0">
+        <a:scrgbClr r="0" g="0" b="0"/>
+      </a:effectRef>
+      <a:fontRef idx="minor">
+        <a:schemeClr val="lt1"/>
+      </a:fontRef>
+    </dgm:style>
+  </dgm:styleLbl>
+  <dgm:styleLbl name="parChTrans2D3">
+    <dgm:scene3d>
+      <a:camera prst="orthographicFront"/>
+      <a:lightRig rig="threePt" dir="t"/>
+    </dgm:scene3d>
+    <dgm:sp3d/>
+    <dgm:txPr/>
+    <dgm:style>
+      <a:lnRef idx="2">
+        <a:scrgbClr r="0" g="0" b="0"/>
+      </a:lnRef>
+      <a:fillRef idx="1">
+        <a:scrgbClr r="0" g="0" b="0"/>
+      </a:fillRef>
+      <a:effectRef idx="0">
+        <a:scrgbClr r="0" g="0" b="0"/>
+      </a:effectRef>
+      <a:fontRef idx="minor">
+        <a:schemeClr val="lt1"/>
+      </a:fontRef>
+    </dgm:style>
+  </dgm:styleLbl>
+  <dgm:styleLbl name="parChTrans2D4">
+    <dgm:scene3d>
+      <a:camera prst="orthographicFront"/>
+      <a:lightRig rig="threePt" dir="t"/>
+    </dgm:scene3d>
+    <dgm:sp3d/>
+    <dgm:txPr/>
+    <dgm:style>
+      <a:lnRef idx="2">
+        <a:scrgbClr r="0" g="0" b="0"/>
+      </a:lnRef>
+      <a:fillRef idx="1">
+        <a:scrgbClr r="0" g="0" b="0"/>
+      </a:fillRef>
+      <a:effectRef idx="0">
+        <a:scrgbClr r="0" g="0" b="0"/>
+      </a:effectRef>
+      <a:fontRef idx="minor">
+        <a:schemeClr val="lt1"/>
+      </a:fontRef>
+    </dgm:style>
+  </dgm:styleLbl>
+  <dgm:styleLbl name="parChTrans1D1">
+    <dgm:scene3d>
+      <a:camera prst="orthographicFront"/>
+      <a:lightRig rig="threePt" dir="t"/>
+    </dgm:scene3d>
+    <dgm:sp3d/>
+    <dgm:txPr/>
+    <dgm:style>
+      <a:lnRef idx="2">
+        <a:scrgbClr r="0" g="0" b="0"/>
+      </a:lnRef>
+      <a:fillRef idx="0">
+        <a:scrgbClr r="0" g="0" b="0"/>
+      </a:fillRef>
+      <a:effectRef idx="0">
+        <a:scrgbClr r="0" g="0" b="0"/>
+      </a:effectRef>
+      <a:fontRef idx="minor"/>
+    </dgm:style>
+  </dgm:styleLbl>
+  <dgm:styleLbl name="parChTrans1D2">
+    <dgm:scene3d>
+      <a:camera prst="orthographicFront"/>
+      <a:lightRig rig="threePt" dir="t"/>
+    </dgm:scene3d>
+    <dgm:sp3d/>
+    <dgm:txPr/>
+    <dgm:style>
+      <a:lnRef idx="2">
+        <a:scrgbClr r="0" g="0" b="0"/>
+      </a:lnRef>
+      <a:fillRef idx="0">
+        <a:scrgbClr r="0" g="0" b="0"/>
+      </a:fillRef>
+      <a:effectRef idx="0">
+        <a:scrgbClr r="0" g="0" b="0"/>
+      </a:effectRef>
+      <a:fontRef idx="minor"/>
+    </dgm:style>
+  </dgm:styleLbl>
+  <dgm:styleLbl name="parChTrans1D3">
+    <dgm:scene3d>
+      <a:camera prst="orthographicFront"/>
+      <a:lightRig rig="threePt" dir="t"/>
+    </dgm:scene3d>
+    <dgm:sp3d/>
+    <dgm:txPr/>
+    <dgm:style>
+      <a:lnRef idx="2">
+        <a:scrgbClr r="0" g="0" b="0"/>
+      </a:lnRef>
+      <a:fillRef idx="0">
+        <a:scrgbClr r="0" g="0" b="0"/>
+      </a:fillRef>
+      <a:effectRef idx="0">
+        <a:scrgbClr r="0" g="0" b="0"/>
+      </a:effectRef>
+      <a:fontRef idx="minor"/>
+    </dgm:style>
+  </dgm:styleLbl>
+  <dgm:styleLbl name="parChTrans1D4">
+    <dgm:scene3d>
+      <a:camera prst="orthographicFront"/>
+      <a:lightRig rig="threePt" dir="t"/>
+    </dgm:scene3d>
+    <dgm:sp3d/>
+    <dgm:txPr/>
+    <dgm:style>
+      <a:lnRef idx="2">
+        <a:scrgbClr r="0" g="0" b="0"/>
+      </a:lnRef>
+      <a:fillRef idx="0">
+        <a:scrgbClr r="0" g="0" b="0"/>
+      </a:fillRef>
+      <a:effectRef idx="0">
+        <a:scrgbClr r="0" g="0" b="0"/>
+      </a:effectRef>
+      <a:fontRef idx="minor"/>
+    </dgm:style>
+  </dgm:styleLbl>
+  <dgm:styleLbl name="fgAcc1">
+    <dgm:scene3d>
+      <a:camera prst="orthographicFront"/>
+      <a:lightRig rig="threePt" dir="t"/>
+    </dgm:scene3d>
+    <dgm:sp3d/>
+    <dgm:txPr/>
+    <dgm:style>
+      <a:lnRef idx="2">
+        <a:scrgbClr r="0" g="0" b="0"/>
+      </a:lnRef>
+      <a:fillRef idx="1">
+        <a:scrgbClr r="0" g="0" b="0"/>
+      </a:fillRef>
+      <a:effectRef idx="0">
+        <a:scrgbClr r="0" g="0" b="0"/>
+      </a:effectRef>
+      <a:fontRef idx="minor"/>
+    </dgm:style>
+  </dgm:styleLbl>
+  <dgm:styleLbl name="conFgAcc1">
+    <dgm:scene3d>
+      <a:camera prst="orthographicFront"/>
+      <a:lightRig rig="threePt" dir="t"/>
+    </dgm:scene3d>
+    <dgm:sp3d/>
+    <dgm:txPr/>
+    <dgm:style>
+      <a:lnRef idx="2">
+        <a:scrgbClr r="0" g="0" b="0"/>
+      </a:lnRef>
+      <a:fillRef idx="1">
+        <a:scrgbClr r="0" g="0" b="0"/>
+      </a:fillRef>
+      <a:effectRef idx="0">
+        <a:scrgbClr r="0" g="0" b="0"/>
+      </a:effectRef>
+      <a:fontRef idx="minor"/>
+    </dgm:style>
+  </dgm:styleLbl>
+  <dgm:styleLbl name="alignAcc1">
+    <dgm:scene3d>
+      <a:camera prst="orthographicFront"/>
+      <a:lightRig rig="threePt" dir="t"/>
+    </dgm:scene3d>
+    <dgm:sp3d/>
+    <dgm:txPr/>
+    <dgm:style>
+      <a:lnRef idx="2">
+        <a:scrgbClr r="0" g="0" b="0"/>
+      </a:lnRef>
+      <a:fillRef idx="1">
+        <a:scrgbClr r="0" g="0" b="0"/>
+      </a:fillRef>
+      <a:effectRef idx="0">
+        <a:scrgbClr r="0" g="0" b="0"/>
+      </a:effectRef>
+      <a:fontRef idx="minor"/>
+    </dgm:style>
+  </dgm:styleLbl>
+  <dgm:styleLbl name="trAlignAcc1">
+    <dgm:scene3d>
+      <a:camera prst="orthographicFront"/>
+      <a:lightRig rig="threePt" dir="t"/>
+    </dgm:scene3d>
+    <dgm:sp3d/>
+    <dgm:txPr/>
+    <dgm:style>
+      <a:lnRef idx="1">
+        <a:scrgbClr r="0" g="0" b="0"/>
+      </a:lnRef>
+      <a:fillRef idx="1">
+        <a:scrgbClr r="0" g="0" b="0"/>
+      </a:fillRef>
+      <a:effectRef idx="0">
+        <a:scrgbClr r="0" g="0" b="0"/>
+      </a:effectRef>
+      <a:fontRef idx="minor"/>
+    </dgm:style>
+  </dgm:styleLbl>
+  <dgm:styleLbl name="bgAcc1">
+    <dgm:scene3d>
+      <a:camera prst="orthographicFront"/>
+      <a:lightRig rig="threePt" dir="t"/>
+    </dgm:scene3d>
+    <dgm:sp3d/>
+    <dgm:txPr/>
+    <dgm:style>
+      <a:lnRef idx="2">
+        <a:scrgbClr r="0" g="0" b="0"/>
+      </a:lnRef>
+      <a:fillRef idx="1">
+        <a:scrgbClr r="0" g="0" b="0"/>
+      </a:fillRef>
+      <a:effectRef idx="0">
+        <a:scrgbClr r="0" g="0" b="0"/>
+      </a:effectRef>
+      <a:fontRef idx="minor"/>
+    </dgm:style>
+  </dgm:styleLbl>
+  <dgm:styleLbl name="solidFgAcc1">
+    <dgm:scene3d>
+      <a:camera prst="orthographicFront"/>
+      <a:lightRig rig="threePt" dir="t"/>
+    </dgm:scene3d>
+    <dgm:sp3d/>
+    <dgm:txPr/>
+    <dgm:style>
+      <a:lnRef idx="2">
+        <a:scrgbClr r="0" g="0" b="0"/>
+      </a:lnRef>
+      <a:fillRef idx="1">
+        <a:scrgbClr r="0" g="0" b="0"/>
+      </a:fillRef>
+      <a:effectRef idx="0">
+        <a:scrgbClr r="0" g="0" b="0"/>
+      </a:effectRef>
+      <a:fontRef idx="minor"/>
+    </dgm:style>
+  </dgm:styleLbl>
+  <dgm:styleLbl name="solidAlignAcc1">
+    <dgm:scene3d>
+      <a:camera prst="orthographicFront"/>
+      <a:lightRig rig="threePt" dir="t"/>
+    </dgm:scene3d>
+    <dgm:sp3d/>
+    <dgm:txPr/>
+    <dgm:style>
+      <a:lnRef idx="2">
+        <a:scrgbClr r="0" g="0" b="0"/>
+      </a:lnRef>
+      <a:fillRef idx="1">
+        <a:scrgbClr r="0" g="0" b="0"/>
+      </a:fillRef>
+      <a:effectRef idx="0">
+        <a:scrgbClr r="0" g="0" b="0"/>
+      </a:effectRef>
+      <a:fontRef idx="minor"/>
+    </dgm:style>
+  </dgm:styleLbl>
+  <dgm:styleLbl name="solidBgAcc1">
+    <dgm:scene3d>
+      <a:camera prst="orthographicFront"/>
+      <a:lightRig rig="threePt" dir="t"/>
+    </dgm:scene3d>
+    <dgm:sp3d/>
+    <dgm:txPr/>
+    <dgm:style>
+      <a:lnRef idx="2">
+        <a:scrgbClr r="0" g="0" b="0"/>
+      </a:lnRef>
+      <a:fillRef idx="1">
+        <a:scrgbClr r="0" g="0" b="0"/>
+      </a:fillRef>
+      <a:effectRef idx="0">
+        <a:scrgbClr r="0" g="0" b="0"/>
+      </a:effectRef>
+      <a:fontRef idx="minor"/>
+    </dgm:style>
+  </dgm:styleLbl>
+  <dgm:styleLbl name="fgAccFollowNode1">
+    <dgm:scene3d>
+      <a:camera prst="orthographicFront"/>
+      <a:lightRig rig="threePt" dir="t"/>
+    </dgm:scene3d>
+    <dgm:sp3d/>
+    <dgm:txPr/>
+    <dgm:style>
+      <a:lnRef idx="2">
+        <a:scrgbClr r="0" g="0" b="0"/>
+      </a:lnRef>
+      <a:fillRef idx="1">
+        <a:scrgbClr r="0" g="0" b="0"/>
+      </a:fillRef>
+      <a:effectRef idx="0">
+        <a:scrgbClr r="0" g="0" b="0"/>
+      </a:effectRef>
+      <a:fontRef idx="minor"/>
+    </dgm:style>
+  </dgm:styleLbl>
+  <dgm:styleLbl name="alignAccFollowNode1">
+    <dgm:scene3d>
+      <a:camera prst="orthographicFront"/>
+      <a:lightRig rig="threePt" dir="t"/>
+    </dgm:scene3d>
+    <dgm:sp3d/>
+    <dgm:txPr/>
+    <dgm:style>
+      <a:lnRef idx="2">
+        <a:scrgbClr r="0" g="0" b="0"/>
+      </a:lnRef>
+      <a:fillRef idx="1">
+        <a:scrgbClr r="0" g="0" b="0"/>
+      </a:fillRef>
+      <a:effectRef idx="0">
+        <a:scrgbClr r="0" g="0" b="0"/>
+      </a:effectRef>
+      <a:fontRef idx="minor"/>
+    </dgm:style>
+  </dgm:styleLbl>
+  <dgm:styleLbl name="bgAccFollowNode1">
+    <dgm:scene3d>
+      <a:camera prst="orthographicFront"/>
+      <a:lightRig rig="threePt" dir="t"/>
+    </dgm:scene3d>
+    <dgm:sp3d/>
+    <dgm:txPr/>
+    <dgm:style>
+      <a:lnRef idx="2">
+        <a:scrgbClr r="0" g="0" b="0"/>
+      </a:lnRef>
+      <a:fillRef idx="1">
+        <a:scrgbClr r="0" g="0" b="0"/>
+      </a:fillRef>
+      <a:effectRef idx="0">
+        <a:scrgbClr r="0" g="0" b="0"/>
+      </a:effectRef>
+      <a:fontRef idx="minor"/>
+    </dgm:style>
+  </dgm:styleLbl>
+  <dgm:styleLbl name="fgAcc0">
+    <dgm:scene3d>
+      <a:camera prst="orthographicFront"/>
+      <a:lightRig rig="threePt" dir="t"/>
+    </dgm:scene3d>
+    <dgm:sp3d/>
+    <dgm:txPr/>
+    <dgm:style>
+      <a:lnRef idx="2">
+        <a:scrgbClr r="0" g="0" b="0"/>
+      </a:lnRef>
+      <a:fillRef idx="1">
+        <a:scrgbClr r="0" g="0" b="0"/>
+      </a:fillRef>
+      <a:effectRef idx="0">
+        <a:scrgbClr r="0" g="0" b="0"/>
+      </a:effectRef>
+      <a:fontRef idx="minor"/>
+    </dgm:style>
+  </dgm:styleLbl>
+  <dgm:styleLbl name="fgAcc2">
+    <dgm:scene3d>
+      <a:camera prst="orthographicFront"/>
+      <a:lightRig rig="threePt" dir="t"/>
+    </dgm:scene3d>
+    <dgm:sp3d/>
+    <dgm:txPr/>
+    <dgm:style>
+      <a:lnRef idx="2">
+        <a:scrgbClr r="0" g="0" b="0"/>
+      </a:lnRef>
+      <a:fillRef idx="1">
+        <a:scrgbClr r="0" g="0" b="0"/>
+      </a:fillRef>
+      <a:effectRef idx="0">
+        <a:scrgbClr r="0" g="0" b="0"/>
+      </a:effectRef>
+      <a:fontRef idx="minor"/>
+    </dgm:style>
+  </dgm:styleLbl>
+  <dgm:styleLbl name="fgAcc3">
+    <dgm:scene3d>
+      <a:camera prst="orthographicFront"/>
+      <a:lightRig rig="threePt" dir="t"/>
+    </dgm:scene3d>
+    <dgm:sp3d/>
+    <dgm:txPr/>
+    <dgm:style>
+      <a:lnRef idx="2">
+        <a:scrgbClr r="0" g="0" b="0"/>
+      </a:lnRef>
+      <a:fillRef idx="1">
+        <a:scrgbClr r="0" g="0" b="0"/>
+      </a:fillRef>
+      <a:effectRef idx="0">
+        <a:scrgbClr r="0" g="0" b="0"/>
+      </a:effectRef>
+      <a:fontRef idx="minor"/>
+    </dgm:style>
+  </dgm:styleLbl>
+  <dgm:styleLbl name="fgAcc4">
+    <dgm:scene3d>
+      <a:camera prst="orthographicFront"/>
+      <a:lightRig rig="threePt" dir="t"/>
+    </dgm:scene3d>
+    <dgm:sp3d/>
+    <dgm:txPr/>
+    <dgm:style>
+      <a:lnRef idx="2">
+        <a:scrgbClr r="0" g="0" b="0"/>
+      </a:lnRef>
+      <a:fillRef idx="1">
+        <a:scrgbClr r="0" g="0" b="0"/>
+      </a:fillRef>
+      <a:effectRef idx="0">
+        <a:scrgbClr r="0" g="0" b="0"/>
+      </a:effectRef>
+      <a:fontRef idx="minor"/>
+    </dgm:style>
+  </dgm:styleLbl>
+  <dgm:styleLbl name="bgShp">
+    <dgm:scene3d>
+      <a:camera prst="orthographicFront"/>
+      <a:lightRig rig="threePt" dir="t"/>
+    </dgm:scene3d>
+    <dgm:sp3d/>
+    <dgm:txPr/>
+    <dgm:style>
+      <a:lnRef idx="0">
+        <a:scrgbClr r="0" g="0" b="0"/>
+      </a:lnRef>
+      <a:fillRef idx="1">
+        <a:scrgbClr r="0" g="0" b="0"/>
+      </a:fillRef>
+      <a:effectRef idx="0">
+        <a:scrgbClr r="0" g="0" b="0"/>
+      </a:effectRef>
+      <a:fontRef idx="minor"/>
+    </dgm:style>
+  </dgm:styleLbl>
+  <dgm:styleLbl name="dkBgShp">
+    <dgm:scene3d>
+      <a:camera prst="orthographicFront"/>
+      <a:lightRig rig="threePt" dir="t"/>
+    </dgm:scene3d>
+    <dgm:sp3d/>
+    <dgm:txPr/>
+    <dgm:style>
+      <a:lnRef idx="0">
+        <a:scrgbClr r="0" g="0" b="0"/>
+      </a:lnRef>
+      <a:fillRef idx="1">
+        <a:scrgbClr r="0" g="0" b="0"/>
+      </a:fillRef>
+      <a:effectRef idx="0">
+        <a:scrgbClr r="0" g="0" b="0"/>
+      </a:effectRef>
+      <a:fontRef idx="minor"/>
+    </dgm:style>
+  </dgm:styleLbl>
+  <dgm:styleLbl name="trBgShp">
+    <dgm:scene3d>
+      <a:camera prst="orthographicFront"/>
+      <a:lightRig rig="threePt" dir="t"/>
+    </dgm:scene3d>
+    <dgm:sp3d/>
+    <dgm:txPr/>
+    <dgm:style>
+      <a:lnRef idx="0">
+        <a:scrgbClr r="0" g="0" b="0"/>
+      </a:lnRef>
+      <a:fillRef idx="1">
+        <a:scrgbClr r="0" g="0" b="0"/>
+      </a:fillRef>
+      <a:effectRef idx="0">
+        <a:scrgbClr r="0" g="0" b="0"/>
+      </a:effectRef>
+      <a:fontRef idx="minor"/>
+    </dgm:style>
+  </dgm:styleLbl>
+  <dgm:styleLbl name="fgShp">
+    <dgm:scene3d>
+      <a:camera prst="orthographicFront"/>
+      <a:lightRig rig="threePt" dir="t"/>
+    </dgm:scene3d>
+    <dgm:sp3d/>
+    <dgm:txPr/>
+    <dgm:style>
+      <a:lnRef idx="2">
+        <a:scrgbClr r="0" g="0" b="0"/>
+      </a:lnRef>
+      <a:fillRef idx="1">
+        <a:scrgbClr r="0" g="0" b="0"/>
+      </a:fillRef>
+      <a:effectRef idx="0">
+        <a:scrgbClr r="0" g="0" b="0"/>
+      </a:effectRef>
+      <a:fontRef idx="minor"/>
     </dgm:style>
   </dgm:styleLbl>
   <dgm:styleLbl name="revTx">
@@ -3560,6 +7170,109 @@
             <a:fld id="{59529838-8612-4287-AFC5-4E951F1C2B53}" type="slidenum">
               <a:rPr lang="pt-PT" smtClean="0"/>
               <a:t>1</a:t>
+            </a:fld>
+            <a:endParaRPr lang="pt-PT"/>
+          </a:p>
+        </p:txBody>
+      </p:sp>
+      <p:sp>
+        <p:nvSpPr>
+          <p:cNvPr id="6" name="Marcador de Posição do Cabeçalho 5"/>
+          <p:cNvSpPr>
+            <a:spLocks noGrp="1"/>
+          </p:cNvSpPr>
+          <p:nvPr>
+            <p:ph type="hdr" sz="quarter" idx="11"/>
+          </p:nvPr>
+        </p:nvSpPr>
+        <p:spPr/>
+        <p:txBody>
+          <a:bodyPr/>
+          <a:lstStyle/>
+          <a:p>
+            <a:endParaRPr lang="pt-PT"/>
+          </a:p>
+        </p:txBody>
+      </p:sp>
+    </p:spTree>
+    <p:extLst>
+      <p:ext uri="{BB962C8B-B14F-4D97-AF65-F5344CB8AC3E}">
+        <p14:creationId xmlns:p14="http://schemas.microsoft.com/office/powerpoint/2010/main" val="2406607911"/>
+      </p:ext>
+    </p:extLst>
+  </p:cSld>
+  <p:clrMapOvr>
+    <a:masterClrMapping/>
+  </p:clrMapOvr>
+</p:notes>
+</file>
+
+<file path=ppt/notesSlides/notesSlide2.xml><?xml version="1.0" encoding="utf-8"?>
+<p:notes xmlns:a="http://schemas.openxmlformats.org/drawingml/2006/main" xmlns:r="http://schemas.openxmlformats.org/officeDocument/2006/relationships" xmlns:p="http://schemas.openxmlformats.org/presentationml/2006/main">
+  <p:cSld>
+    <p:spTree>
+      <p:nvGrpSpPr>
+        <p:cNvPr id="1" name=""/>
+        <p:cNvGrpSpPr/>
+        <p:nvPr/>
+      </p:nvGrpSpPr>
+      <p:grpSpPr>
+        <a:xfrm>
+          <a:off x="0" y="0"/>
+          <a:ext cx="0" cy="0"/>
+          <a:chOff x="0" y="0"/>
+          <a:chExt cx="0" cy="0"/>
+        </a:xfrm>
+      </p:grpSpPr>
+      <p:sp>
+        <p:nvSpPr>
+          <p:cNvPr id="2" name="Marcador de Posição da Imagem do Diapositivo 1"/>
+          <p:cNvSpPr>
+            <a:spLocks noGrp="1" noRot="1" noChangeAspect="1"/>
+          </p:cNvSpPr>
+          <p:nvPr>
+            <p:ph type="sldImg"/>
+          </p:nvPr>
+        </p:nvSpPr>
+        <p:spPr/>
+      </p:sp>
+      <p:sp>
+        <p:nvSpPr>
+          <p:cNvPr id="3" name="Marcador de Posição de Notas 2"/>
+          <p:cNvSpPr>
+            <a:spLocks noGrp="1"/>
+          </p:cNvSpPr>
+          <p:nvPr>
+            <p:ph type="body" idx="1"/>
+          </p:nvPr>
+        </p:nvSpPr>
+        <p:spPr/>
+        <p:txBody>
+          <a:bodyPr/>
+          <a:lstStyle/>
+          <a:p>
+            <a:endParaRPr lang="pt-PT"/>
+          </a:p>
+        </p:txBody>
+      </p:sp>
+      <p:sp>
+        <p:nvSpPr>
+          <p:cNvPr id="4" name="Marcador de Posição do Número do Diapositivo 3"/>
+          <p:cNvSpPr>
+            <a:spLocks noGrp="1"/>
+          </p:cNvSpPr>
+          <p:nvPr>
+            <p:ph type="sldNum" sz="quarter" idx="10"/>
+          </p:nvPr>
+        </p:nvSpPr>
+        <p:spPr/>
+        <p:txBody>
+          <a:bodyPr/>
+          <a:lstStyle/>
+          <a:p>
+            <a:fld id="{59529838-8612-4287-AFC5-4E951F1C2B53}" type="slidenum">
+              <a:rPr lang="pt-PT" smtClean="0"/>
+              <a:t>18</a:t>
             </a:fld>
             <a:endParaRPr lang="pt-PT"/>
           </a:p>
@@ -8602,6 +12315,2260 @@
 </p:sld>
 </file>
 
+<file path=ppt/slides/slide14.xml><?xml version="1.0" encoding="utf-8"?>
+<p:sld xmlns:a="http://schemas.openxmlformats.org/drawingml/2006/main" xmlns:r="http://schemas.openxmlformats.org/officeDocument/2006/relationships" xmlns:p="http://schemas.openxmlformats.org/presentationml/2006/main">
+  <p:cSld>
+    <p:spTree>
+      <p:nvGrpSpPr>
+        <p:cNvPr id="1" name=""/>
+        <p:cNvGrpSpPr/>
+        <p:nvPr/>
+      </p:nvGrpSpPr>
+      <p:grpSpPr>
+        <a:xfrm>
+          <a:off x="0" y="0"/>
+          <a:ext cx="0" cy="0"/>
+          <a:chOff x="0" y="0"/>
+          <a:chExt cx="0" cy="0"/>
+        </a:xfrm>
+      </p:grpSpPr>
+      <p:graphicFrame>
+        <p:nvGraphicFramePr>
+          <p:cNvPr id="8" name="Marcador de Posição de Conteúdo 7"/>
+          <p:cNvGraphicFramePr>
+            <a:graphicFrameLocks noGrp="1"/>
+          </p:cNvGraphicFramePr>
+          <p:nvPr>
+            <p:ph idx="1"/>
+            <p:extLst>
+              <p:ext uri="{D42A27DB-BD31-4B8C-83A1-F6EECF244321}">
+                <p14:modId xmlns:p14="http://schemas.microsoft.com/office/powerpoint/2010/main" val="659251380"/>
+              </p:ext>
+            </p:extLst>
+          </p:nvPr>
+        </p:nvGraphicFramePr>
+        <p:xfrm>
+          <a:off x="457200" y="2276475"/>
+          <a:ext cx="8229600" cy="3849688"/>
+        </p:xfrm>
+        <a:graphic>
+          <a:graphicData uri="http://schemas.openxmlformats.org/drawingml/2006/diagram">
+            <dgm:relIds xmlns:dgm="http://schemas.openxmlformats.org/drawingml/2006/diagram" xmlns:r="http://schemas.openxmlformats.org/officeDocument/2006/relationships" r:dm="rId2" r:lo="rId3" r:qs="rId4" r:cs="rId5"/>
+          </a:graphicData>
+        </a:graphic>
+      </p:graphicFrame>
+      <p:sp>
+        <p:nvSpPr>
+          <p:cNvPr id="4" name="Título 1"/>
+          <p:cNvSpPr txBox="1">
+            <a:spLocks/>
+          </p:cNvSpPr>
+          <p:nvPr/>
+        </p:nvSpPr>
+        <p:spPr>
+          <a:xfrm>
+            <a:off x="405940" y="908720"/>
+            <a:ext cx="8352928" cy="1143000"/>
+          </a:xfrm>
+          <a:prstGeom prst="rect">
+            <a:avLst/>
+          </a:prstGeom>
+        </p:spPr>
+        <p:txBody>
+          <a:bodyPr vert="horz" lIns="91440" tIns="45720" rIns="91440" bIns="45720" rtlCol="0" anchor="ctr">
+            <a:normAutofit/>
+          </a:bodyPr>
+          <a:lstStyle>
+            <a:lvl1pPr algn="ctr" defTabSz="914400" rtl="0" eaLnBrk="1" latinLnBrk="0" hangingPunct="1">
+              <a:spcBef>
+                <a:spcPct val="0"/>
+              </a:spcBef>
+              <a:buNone/>
+              <a:defRPr sz="4400" kern="1200">
+                <a:solidFill>
+                  <a:schemeClr val="tx1"/>
+                </a:solidFill>
+                <a:latin typeface="+mj-lt"/>
+                <a:ea typeface="+mj-ea"/>
+                <a:cs typeface="+mj-cs"/>
+              </a:defRPr>
+            </a:lvl1pPr>
+          </a:lstStyle>
+          <a:p>
+            <a:pPr algn="l"/>
+            <a:r>
+              <a:rPr lang="pt-PT" b="1" dirty="0" smtClean="0">
+                <a:solidFill>
+                  <a:schemeClr val="bg2"/>
+                </a:solidFill>
+              </a:rPr>
+              <a:t>Modelo Concetual -&gt; Entidades</a:t>
+            </a:r>
+            <a:endParaRPr lang="pt-PT" b="1" dirty="0">
+              <a:solidFill>
+                <a:schemeClr val="bg2"/>
+              </a:solidFill>
+            </a:endParaRPr>
+          </a:p>
+        </p:txBody>
+      </p:sp>
+      <p:grpSp>
+        <p:nvGrpSpPr>
+          <p:cNvPr id="5" name="Grupo 4"/>
+          <p:cNvGrpSpPr/>
+          <p:nvPr/>
+        </p:nvGrpSpPr>
+        <p:grpSpPr>
+          <a:xfrm>
+            <a:off x="234524" y="160419"/>
+            <a:ext cx="5212826" cy="1077218"/>
+            <a:chOff x="131873" y="210179"/>
+            <a:chExt cx="5530491" cy="1077218"/>
+          </a:xfrm>
+        </p:grpSpPr>
+        <p:sp>
+          <p:nvSpPr>
+            <p:cNvPr id="6" name="CaixaDeTexto 5"/>
+            <p:cNvSpPr txBox="1"/>
+            <p:nvPr/>
+          </p:nvSpPr>
+          <p:spPr>
+            <a:xfrm>
+              <a:off x="1989956" y="210179"/>
+              <a:ext cx="3672408" cy="1077218"/>
+            </a:xfrm>
+            <a:prstGeom prst="rect">
+              <a:avLst/>
+            </a:prstGeom>
+            <a:noFill/>
+          </p:spPr>
+          <p:txBody>
+            <a:bodyPr wrap="square" rtlCol="0">
+              <a:spAutoFit/>
+            </a:bodyPr>
+            <a:lstStyle>
+              <a:defPPr>
+                <a:defRPr lang="en-US"/>
+              </a:defPPr>
+              <a:lvl1pPr marL="0" algn="l" defTabSz="914400" rtl="0" eaLnBrk="1" latinLnBrk="0" hangingPunct="1">
+                <a:defRPr sz="1800" kern="1200">
+                  <a:solidFill>
+                    <a:schemeClr val="tx1"/>
+                  </a:solidFill>
+                  <a:latin typeface="+mn-lt"/>
+                  <a:ea typeface="+mn-ea"/>
+                  <a:cs typeface="+mn-cs"/>
+                </a:defRPr>
+              </a:lvl1pPr>
+              <a:lvl2pPr marL="457200" algn="l" defTabSz="914400" rtl="0" eaLnBrk="1" latinLnBrk="0" hangingPunct="1">
+                <a:defRPr sz="1800" kern="1200">
+                  <a:solidFill>
+                    <a:schemeClr val="tx1"/>
+                  </a:solidFill>
+                  <a:latin typeface="+mn-lt"/>
+                  <a:ea typeface="+mn-ea"/>
+                  <a:cs typeface="+mn-cs"/>
+                </a:defRPr>
+              </a:lvl2pPr>
+              <a:lvl3pPr marL="914400" algn="l" defTabSz="914400" rtl="0" eaLnBrk="1" latinLnBrk="0" hangingPunct="1">
+                <a:defRPr sz="1800" kern="1200">
+                  <a:solidFill>
+                    <a:schemeClr val="tx1"/>
+                  </a:solidFill>
+                  <a:latin typeface="+mn-lt"/>
+                  <a:ea typeface="+mn-ea"/>
+                  <a:cs typeface="+mn-cs"/>
+                </a:defRPr>
+              </a:lvl3pPr>
+              <a:lvl4pPr marL="1371600" algn="l" defTabSz="914400" rtl="0" eaLnBrk="1" latinLnBrk="0" hangingPunct="1">
+                <a:defRPr sz="1800" kern="1200">
+                  <a:solidFill>
+                    <a:schemeClr val="tx1"/>
+                  </a:solidFill>
+                  <a:latin typeface="+mn-lt"/>
+                  <a:ea typeface="+mn-ea"/>
+                  <a:cs typeface="+mn-cs"/>
+                </a:defRPr>
+              </a:lvl4pPr>
+              <a:lvl5pPr marL="1828800" algn="l" defTabSz="914400" rtl="0" eaLnBrk="1" latinLnBrk="0" hangingPunct="1">
+                <a:defRPr sz="1800" kern="1200">
+                  <a:solidFill>
+                    <a:schemeClr val="tx1"/>
+                  </a:solidFill>
+                  <a:latin typeface="+mn-lt"/>
+                  <a:ea typeface="+mn-ea"/>
+                  <a:cs typeface="+mn-cs"/>
+                </a:defRPr>
+              </a:lvl5pPr>
+              <a:lvl6pPr marL="2286000" algn="l" defTabSz="914400" rtl="0" eaLnBrk="1" latinLnBrk="0" hangingPunct="1">
+                <a:defRPr sz="1800" kern="1200">
+                  <a:solidFill>
+                    <a:schemeClr val="tx1"/>
+                  </a:solidFill>
+                  <a:latin typeface="+mn-lt"/>
+                  <a:ea typeface="+mn-ea"/>
+                  <a:cs typeface="+mn-cs"/>
+                </a:defRPr>
+              </a:lvl6pPr>
+              <a:lvl7pPr marL="2743200" algn="l" defTabSz="914400" rtl="0" eaLnBrk="1" latinLnBrk="0" hangingPunct="1">
+                <a:defRPr sz="1800" kern="1200">
+                  <a:solidFill>
+                    <a:schemeClr val="tx1"/>
+                  </a:solidFill>
+                  <a:latin typeface="+mn-lt"/>
+                  <a:ea typeface="+mn-ea"/>
+                  <a:cs typeface="+mn-cs"/>
+                </a:defRPr>
+              </a:lvl7pPr>
+              <a:lvl8pPr marL="3200400" algn="l" defTabSz="914400" rtl="0" eaLnBrk="1" latinLnBrk="0" hangingPunct="1">
+                <a:defRPr sz="1800" kern="1200">
+                  <a:solidFill>
+                    <a:schemeClr val="tx1"/>
+                  </a:solidFill>
+                  <a:latin typeface="+mn-lt"/>
+                  <a:ea typeface="+mn-ea"/>
+                  <a:cs typeface="+mn-cs"/>
+                </a:defRPr>
+              </a:lvl8pPr>
+              <a:lvl9pPr marL="3657600" algn="l" defTabSz="914400" rtl="0" eaLnBrk="1" latinLnBrk="0" hangingPunct="1">
+                <a:defRPr sz="1800" kern="1200">
+                  <a:solidFill>
+                    <a:schemeClr val="tx1"/>
+                  </a:solidFill>
+                  <a:latin typeface="+mn-lt"/>
+                  <a:ea typeface="+mn-ea"/>
+                  <a:cs typeface="+mn-cs"/>
+                </a:defRPr>
+              </a:lvl9pPr>
+            </a:lstStyle>
+            <a:p>
+              <a:r>
+                <a:rPr lang="pt-PT" sz="1600" dirty="0" smtClean="0">
+                  <a:solidFill>
+                    <a:schemeClr val="bg1">
+                      <a:lumMod val="65000"/>
+                    </a:schemeClr>
+                  </a:solidFill>
+                </a:rPr>
+                <a:t>Universidade do Minho</a:t>
+              </a:r>
+              <a:r>
+                <a:rPr lang="pt-PT" sz="1600" dirty="0">
+                  <a:solidFill>
+                    <a:schemeClr val="bg1">
+                      <a:lumMod val="65000"/>
+                    </a:schemeClr>
+                  </a:solidFill>
+                </a:rPr>
+                <a:t/>
+              </a:r>
+              <a:br>
+                <a:rPr lang="pt-PT" sz="1600" dirty="0">
+                  <a:solidFill>
+                    <a:schemeClr val="bg1">
+                      <a:lumMod val="65000"/>
+                    </a:schemeClr>
+                  </a:solidFill>
+                </a:rPr>
+              </a:br>
+              <a:r>
+                <a:rPr lang="pt-PT" sz="1600" dirty="0" smtClean="0">
+                  <a:solidFill>
+                    <a:schemeClr val="bg1">
+                      <a:lumMod val="65000"/>
+                    </a:schemeClr>
+                  </a:solidFill>
+                </a:rPr>
+                <a:t>Licenciatura em Engenharia </a:t>
+              </a:r>
+              <a:r>
+                <a:rPr lang="pt-PT" sz="1600" dirty="0" smtClean="0">
+                  <a:solidFill>
+                    <a:schemeClr val="bg1">
+                      <a:lumMod val="65000"/>
+                    </a:schemeClr>
+                  </a:solidFill>
+                </a:rPr>
+                <a:t>Informática</a:t>
+              </a:r>
+              <a:endParaRPr lang="pt-PT" sz="1600" dirty="0" smtClean="0">
+                <a:solidFill>
+                  <a:schemeClr val="bg1">
+                    <a:lumMod val="65000"/>
+                  </a:schemeClr>
+                </a:solidFill>
+              </a:endParaRPr>
+            </a:p>
+            <a:p>
+              <a:r>
+                <a:rPr lang="pt-PT" sz="1600" dirty="0" smtClean="0">
+                  <a:solidFill>
+                    <a:schemeClr val="bg1">
+                      <a:lumMod val="65000"/>
+                    </a:schemeClr>
+                  </a:solidFill>
+                </a:rPr>
+                <a:t>Laboratórios de Informática IV</a:t>
+              </a:r>
+              <a:endParaRPr lang="pt-PT" sz="1600" dirty="0">
+                <a:solidFill>
+                  <a:schemeClr val="bg1">
+                    <a:lumMod val="65000"/>
+                  </a:schemeClr>
+                </a:solidFill>
+              </a:endParaRPr>
+            </a:p>
+          </p:txBody>
+        </p:sp>
+        <p:pic>
+          <p:nvPicPr>
+            <p:cNvPr id="7" name="Imagem 6"/>
+            <p:cNvPicPr>
+              <a:picLocks noChangeAspect="1"/>
+            </p:cNvPicPr>
+            <p:nvPr/>
+          </p:nvPicPr>
+          <p:blipFill>
+            <a:blip r:embed="rId7" cstate="print">
+              <a:extLst>
+                <a:ext uri="{28A0092B-C50C-407E-A947-70E740481C1C}">
+                  <a14:useLocalDpi xmlns:a14="http://schemas.microsoft.com/office/drawing/2010/main" val="0"/>
+                </a:ext>
+              </a:extLst>
+            </a:blip>
+            <a:stretch>
+              <a:fillRect/>
+            </a:stretch>
+          </p:blipFill>
+          <p:spPr>
+            <a:xfrm>
+              <a:off x="131873" y="218460"/>
+              <a:ext cx="1786076" cy="884108"/>
+            </a:xfrm>
+            <a:prstGeom prst="rect">
+              <a:avLst/>
+            </a:prstGeom>
+          </p:spPr>
+        </p:pic>
+      </p:grpSp>
+    </p:spTree>
+    <p:extLst>
+      <p:ext uri="{BB962C8B-B14F-4D97-AF65-F5344CB8AC3E}">
+        <p14:creationId xmlns:p14="http://schemas.microsoft.com/office/powerpoint/2010/main" val="2827705487"/>
+      </p:ext>
+    </p:extLst>
+  </p:cSld>
+  <p:clrMapOvr>
+    <a:masterClrMapping/>
+  </p:clrMapOvr>
+</p:sld>
+</file>
+
+<file path=ppt/slides/slide15.xml><?xml version="1.0" encoding="utf-8"?>
+<p:sld xmlns:a="http://schemas.openxmlformats.org/drawingml/2006/main" xmlns:r="http://schemas.openxmlformats.org/officeDocument/2006/relationships" xmlns:p="http://schemas.openxmlformats.org/presentationml/2006/main">
+  <p:cSld>
+    <p:spTree>
+      <p:nvGrpSpPr>
+        <p:cNvPr id="1" name=""/>
+        <p:cNvGrpSpPr/>
+        <p:nvPr/>
+      </p:nvGrpSpPr>
+      <p:grpSpPr>
+        <a:xfrm>
+          <a:off x="0" y="0"/>
+          <a:ext cx="0" cy="0"/>
+          <a:chOff x="0" y="0"/>
+          <a:chExt cx="0" cy="0"/>
+        </a:xfrm>
+      </p:grpSpPr>
+      <p:pic>
+        <p:nvPicPr>
+          <p:cNvPr id="8" name="Marcador de Posição de Conteúdo 7"/>
+          <p:cNvPicPr>
+            <a:picLocks noGrp="1" noChangeAspect="1"/>
+          </p:cNvPicPr>
+          <p:nvPr>
+            <p:ph idx="1"/>
+          </p:nvPr>
+        </p:nvPicPr>
+        <p:blipFill>
+          <a:blip r:embed="rId2">
+            <a:extLst>
+              <a:ext uri="{28A0092B-C50C-407E-A947-70E740481C1C}">
+                <a14:useLocalDpi xmlns:a14="http://schemas.microsoft.com/office/drawing/2010/main" val="0"/>
+              </a:ext>
+            </a:extLst>
+          </a:blip>
+          <a:stretch>
+            <a:fillRect/>
+          </a:stretch>
+        </p:blipFill>
+        <p:spPr>
+          <a:xfrm>
+            <a:off x="234524" y="1704643"/>
+            <a:ext cx="8674952" cy="4993352"/>
+          </a:xfrm>
+        </p:spPr>
+      </p:pic>
+      <p:sp>
+        <p:nvSpPr>
+          <p:cNvPr id="4" name="Título 1"/>
+          <p:cNvSpPr>
+            <a:spLocks noGrp="1"/>
+          </p:cNvSpPr>
+          <p:nvPr>
+            <p:ph type="title"/>
+          </p:nvPr>
+        </p:nvSpPr>
+        <p:spPr>
+          <a:xfrm>
+            <a:off x="395536" y="908720"/>
+            <a:ext cx="8352928" cy="1143000"/>
+          </a:xfrm>
+        </p:spPr>
+        <p:txBody>
+          <a:bodyPr>
+            <a:normAutofit fontScale="90000"/>
+          </a:bodyPr>
+          <a:lstStyle/>
+          <a:p>
+            <a:pPr algn="l"/>
+            <a:r>
+              <a:rPr lang="pt-PT" b="1" dirty="0" smtClean="0">
+                <a:solidFill>
+                  <a:schemeClr val="bg2"/>
+                </a:solidFill>
+              </a:rPr>
+              <a:t>Esquema Concetual da Base de Dados</a:t>
+            </a:r>
+            <a:endParaRPr lang="pt-PT" b="1" dirty="0">
+              <a:solidFill>
+                <a:schemeClr val="bg2"/>
+              </a:solidFill>
+            </a:endParaRPr>
+          </a:p>
+        </p:txBody>
+      </p:sp>
+      <p:grpSp>
+        <p:nvGrpSpPr>
+          <p:cNvPr id="5" name="Grupo 4"/>
+          <p:cNvGrpSpPr/>
+          <p:nvPr/>
+        </p:nvGrpSpPr>
+        <p:grpSpPr>
+          <a:xfrm>
+            <a:off x="234524" y="160419"/>
+            <a:ext cx="5212826" cy="1077218"/>
+            <a:chOff x="131873" y="210179"/>
+            <a:chExt cx="5530491" cy="1077218"/>
+          </a:xfrm>
+        </p:grpSpPr>
+        <p:sp>
+          <p:nvSpPr>
+            <p:cNvPr id="6" name="CaixaDeTexto 5"/>
+            <p:cNvSpPr txBox="1"/>
+            <p:nvPr/>
+          </p:nvSpPr>
+          <p:spPr>
+            <a:xfrm>
+              <a:off x="1989956" y="210179"/>
+              <a:ext cx="3672408" cy="1077218"/>
+            </a:xfrm>
+            <a:prstGeom prst="rect">
+              <a:avLst/>
+            </a:prstGeom>
+            <a:noFill/>
+          </p:spPr>
+          <p:txBody>
+            <a:bodyPr wrap="square" rtlCol="0">
+              <a:spAutoFit/>
+            </a:bodyPr>
+            <a:lstStyle>
+              <a:defPPr>
+                <a:defRPr lang="en-US"/>
+              </a:defPPr>
+              <a:lvl1pPr marL="0" algn="l" defTabSz="914400" rtl="0" eaLnBrk="1" latinLnBrk="0" hangingPunct="1">
+                <a:defRPr sz="1800" kern="1200">
+                  <a:solidFill>
+                    <a:schemeClr val="tx1"/>
+                  </a:solidFill>
+                  <a:latin typeface="+mn-lt"/>
+                  <a:ea typeface="+mn-ea"/>
+                  <a:cs typeface="+mn-cs"/>
+                </a:defRPr>
+              </a:lvl1pPr>
+              <a:lvl2pPr marL="457200" algn="l" defTabSz="914400" rtl="0" eaLnBrk="1" latinLnBrk="0" hangingPunct="1">
+                <a:defRPr sz="1800" kern="1200">
+                  <a:solidFill>
+                    <a:schemeClr val="tx1"/>
+                  </a:solidFill>
+                  <a:latin typeface="+mn-lt"/>
+                  <a:ea typeface="+mn-ea"/>
+                  <a:cs typeface="+mn-cs"/>
+                </a:defRPr>
+              </a:lvl2pPr>
+              <a:lvl3pPr marL="914400" algn="l" defTabSz="914400" rtl="0" eaLnBrk="1" latinLnBrk="0" hangingPunct="1">
+                <a:defRPr sz="1800" kern="1200">
+                  <a:solidFill>
+                    <a:schemeClr val="tx1"/>
+                  </a:solidFill>
+                  <a:latin typeface="+mn-lt"/>
+                  <a:ea typeface="+mn-ea"/>
+                  <a:cs typeface="+mn-cs"/>
+                </a:defRPr>
+              </a:lvl3pPr>
+              <a:lvl4pPr marL="1371600" algn="l" defTabSz="914400" rtl="0" eaLnBrk="1" latinLnBrk="0" hangingPunct="1">
+                <a:defRPr sz="1800" kern="1200">
+                  <a:solidFill>
+                    <a:schemeClr val="tx1"/>
+                  </a:solidFill>
+                  <a:latin typeface="+mn-lt"/>
+                  <a:ea typeface="+mn-ea"/>
+                  <a:cs typeface="+mn-cs"/>
+                </a:defRPr>
+              </a:lvl4pPr>
+              <a:lvl5pPr marL="1828800" algn="l" defTabSz="914400" rtl="0" eaLnBrk="1" latinLnBrk="0" hangingPunct="1">
+                <a:defRPr sz="1800" kern="1200">
+                  <a:solidFill>
+                    <a:schemeClr val="tx1"/>
+                  </a:solidFill>
+                  <a:latin typeface="+mn-lt"/>
+                  <a:ea typeface="+mn-ea"/>
+                  <a:cs typeface="+mn-cs"/>
+                </a:defRPr>
+              </a:lvl5pPr>
+              <a:lvl6pPr marL="2286000" algn="l" defTabSz="914400" rtl="0" eaLnBrk="1" latinLnBrk="0" hangingPunct="1">
+                <a:defRPr sz="1800" kern="1200">
+                  <a:solidFill>
+                    <a:schemeClr val="tx1"/>
+                  </a:solidFill>
+                  <a:latin typeface="+mn-lt"/>
+                  <a:ea typeface="+mn-ea"/>
+                  <a:cs typeface="+mn-cs"/>
+                </a:defRPr>
+              </a:lvl6pPr>
+              <a:lvl7pPr marL="2743200" algn="l" defTabSz="914400" rtl="0" eaLnBrk="1" latinLnBrk="0" hangingPunct="1">
+                <a:defRPr sz="1800" kern="1200">
+                  <a:solidFill>
+                    <a:schemeClr val="tx1"/>
+                  </a:solidFill>
+                  <a:latin typeface="+mn-lt"/>
+                  <a:ea typeface="+mn-ea"/>
+                  <a:cs typeface="+mn-cs"/>
+                </a:defRPr>
+              </a:lvl7pPr>
+              <a:lvl8pPr marL="3200400" algn="l" defTabSz="914400" rtl="0" eaLnBrk="1" latinLnBrk="0" hangingPunct="1">
+                <a:defRPr sz="1800" kern="1200">
+                  <a:solidFill>
+                    <a:schemeClr val="tx1"/>
+                  </a:solidFill>
+                  <a:latin typeface="+mn-lt"/>
+                  <a:ea typeface="+mn-ea"/>
+                  <a:cs typeface="+mn-cs"/>
+                </a:defRPr>
+              </a:lvl8pPr>
+              <a:lvl9pPr marL="3657600" algn="l" defTabSz="914400" rtl="0" eaLnBrk="1" latinLnBrk="0" hangingPunct="1">
+                <a:defRPr sz="1800" kern="1200">
+                  <a:solidFill>
+                    <a:schemeClr val="tx1"/>
+                  </a:solidFill>
+                  <a:latin typeface="+mn-lt"/>
+                  <a:ea typeface="+mn-ea"/>
+                  <a:cs typeface="+mn-cs"/>
+                </a:defRPr>
+              </a:lvl9pPr>
+            </a:lstStyle>
+            <a:p>
+              <a:r>
+                <a:rPr lang="pt-PT" sz="1600" dirty="0" smtClean="0">
+                  <a:solidFill>
+                    <a:schemeClr val="bg1">
+                      <a:lumMod val="65000"/>
+                    </a:schemeClr>
+                  </a:solidFill>
+                </a:rPr>
+                <a:t>Universidade do Minho</a:t>
+              </a:r>
+              <a:r>
+                <a:rPr lang="pt-PT" sz="1600" dirty="0">
+                  <a:solidFill>
+                    <a:schemeClr val="bg1">
+                      <a:lumMod val="65000"/>
+                    </a:schemeClr>
+                  </a:solidFill>
+                </a:rPr>
+                <a:t/>
+              </a:r>
+              <a:br>
+                <a:rPr lang="pt-PT" sz="1600" dirty="0">
+                  <a:solidFill>
+                    <a:schemeClr val="bg1">
+                      <a:lumMod val="65000"/>
+                    </a:schemeClr>
+                  </a:solidFill>
+                </a:rPr>
+              </a:br>
+              <a:r>
+                <a:rPr lang="pt-PT" sz="1600" dirty="0" smtClean="0">
+                  <a:solidFill>
+                    <a:schemeClr val="bg1">
+                      <a:lumMod val="65000"/>
+                    </a:schemeClr>
+                  </a:solidFill>
+                </a:rPr>
+                <a:t>Licenciatura em Engenharia </a:t>
+              </a:r>
+              <a:r>
+                <a:rPr lang="pt-PT" sz="1600" dirty="0" smtClean="0">
+                  <a:solidFill>
+                    <a:schemeClr val="bg1">
+                      <a:lumMod val="65000"/>
+                    </a:schemeClr>
+                  </a:solidFill>
+                </a:rPr>
+                <a:t>Informática</a:t>
+              </a:r>
+              <a:endParaRPr lang="pt-PT" sz="1600" dirty="0" smtClean="0">
+                <a:solidFill>
+                  <a:schemeClr val="bg1">
+                    <a:lumMod val="65000"/>
+                  </a:schemeClr>
+                </a:solidFill>
+              </a:endParaRPr>
+            </a:p>
+            <a:p>
+              <a:r>
+                <a:rPr lang="pt-PT" sz="1600" dirty="0" smtClean="0">
+                  <a:solidFill>
+                    <a:schemeClr val="bg1">
+                      <a:lumMod val="65000"/>
+                    </a:schemeClr>
+                  </a:solidFill>
+                </a:rPr>
+                <a:t>Laboratórios de Informática IV</a:t>
+              </a:r>
+              <a:endParaRPr lang="pt-PT" sz="1600" dirty="0">
+                <a:solidFill>
+                  <a:schemeClr val="bg1">
+                    <a:lumMod val="65000"/>
+                  </a:schemeClr>
+                </a:solidFill>
+              </a:endParaRPr>
+            </a:p>
+          </p:txBody>
+        </p:sp>
+        <p:pic>
+          <p:nvPicPr>
+            <p:cNvPr id="7" name="Imagem 6"/>
+            <p:cNvPicPr>
+              <a:picLocks noChangeAspect="1"/>
+            </p:cNvPicPr>
+            <p:nvPr/>
+          </p:nvPicPr>
+          <p:blipFill>
+            <a:blip r:embed="rId3" cstate="print">
+              <a:extLst>
+                <a:ext uri="{28A0092B-C50C-407E-A947-70E740481C1C}">
+                  <a14:useLocalDpi xmlns:a14="http://schemas.microsoft.com/office/drawing/2010/main" val="0"/>
+                </a:ext>
+              </a:extLst>
+            </a:blip>
+            <a:stretch>
+              <a:fillRect/>
+            </a:stretch>
+          </p:blipFill>
+          <p:spPr>
+            <a:xfrm>
+              <a:off x="131873" y="218460"/>
+              <a:ext cx="1786076" cy="884108"/>
+            </a:xfrm>
+            <a:prstGeom prst="rect">
+              <a:avLst/>
+            </a:prstGeom>
+          </p:spPr>
+        </p:pic>
+      </p:grpSp>
+    </p:spTree>
+    <p:extLst>
+      <p:ext uri="{BB962C8B-B14F-4D97-AF65-F5344CB8AC3E}">
+        <p14:creationId xmlns:p14="http://schemas.microsoft.com/office/powerpoint/2010/main" val="140176210"/>
+      </p:ext>
+    </p:extLst>
+  </p:cSld>
+  <p:clrMapOvr>
+    <a:masterClrMapping/>
+  </p:clrMapOvr>
+  <p:timing>
+    <p:tnLst>
+      <p:par>
+        <p:cTn id="1" dur="indefinite" restart="never" nodeType="tmRoot"/>
+      </p:par>
+    </p:tnLst>
+  </p:timing>
+</p:sld>
+</file>
+
+<file path=ppt/slides/slide16.xml><?xml version="1.0" encoding="utf-8"?>
+<p:sld xmlns:a="http://schemas.openxmlformats.org/drawingml/2006/main" xmlns:r="http://schemas.openxmlformats.org/officeDocument/2006/relationships" xmlns:p="http://schemas.openxmlformats.org/presentationml/2006/main">
+  <p:cSld>
+    <p:spTree>
+      <p:nvGrpSpPr>
+        <p:cNvPr id="1" name=""/>
+        <p:cNvGrpSpPr/>
+        <p:nvPr/>
+      </p:nvGrpSpPr>
+      <p:grpSpPr>
+        <a:xfrm>
+          <a:off x="0" y="0"/>
+          <a:ext cx="0" cy="0"/>
+          <a:chOff x="0" y="0"/>
+          <a:chExt cx="0" cy="0"/>
+        </a:xfrm>
+      </p:grpSpPr>
+      <p:pic>
+        <p:nvPicPr>
+          <p:cNvPr id="8" name="Marcador de Posição de Conteúdo 7"/>
+          <p:cNvPicPr>
+            <a:picLocks noGrp="1" noChangeAspect="1"/>
+          </p:cNvPicPr>
+          <p:nvPr>
+            <p:ph idx="1"/>
+          </p:nvPr>
+        </p:nvPicPr>
+        <p:blipFill>
+          <a:blip r:embed="rId2">
+            <a:extLst>
+              <a:ext uri="{28A0092B-C50C-407E-A947-70E740481C1C}">
+                <a14:useLocalDpi xmlns:a14="http://schemas.microsoft.com/office/drawing/2010/main" val="0"/>
+              </a:ext>
+            </a:extLst>
+          </a:blip>
+          <a:stretch>
+            <a:fillRect/>
+          </a:stretch>
+        </p:blipFill>
+        <p:spPr>
+          <a:xfrm>
+            <a:off x="257913" y="2204864"/>
+            <a:ext cx="8648982" cy="3961314"/>
+          </a:xfrm>
+        </p:spPr>
+      </p:pic>
+      <p:sp>
+        <p:nvSpPr>
+          <p:cNvPr id="4" name="Título 1"/>
+          <p:cNvSpPr txBox="1">
+            <a:spLocks/>
+          </p:cNvSpPr>
+          <p:nvPr/>
+        </p:nvSpPr>
+        <p:spPr>
+          <a:xfrm>
+            <a:off x="405940" y="908720"/>
+            <a:ext cx="8352928" cy="1143000"/>
+          </a:xfrm>
+          <a:prstGeom prst="rect">
+            <a:avLst/>
+          </a:prstGeom>
+        </p:spPr>
+        <p:txBody>
+          <a:bodyPr vert="horz" lIns="91440" tIns="45720" rIns="91440" bIns="45720" rtlCol="0" anchor="ctr">
+            <a:normAutofit/>
+          </a:bodyPr>
+          <a:lstStyle>
+            <a:lvl1pPr algn="ctr" defTabSz="914400" rtl="0" eaLnBrk="1" latinLnBrk="0" hangingPunct="1">
+              <a:spcBef>
+                <a:spcPct val="0"/>
+              </a:spcBef>
+              <a:buNone/>
+              <a:defRPr sz="4400" kern="1200">
+                <a:solidFill>
+                  <a:schemeClr val="tx1"/>
+                </a:solidFill>
+                <a:latin typeface="+mj-lt"/>
+                <a:ea typeface="+mj-ea"/>
+                <a:cs typeface="+mj-cs"/>
+              </a:defRPr>
+            </a:lvl1pPr>
+          </a:lstStyle>
+          <a:p>
+            <a:pPr algn="l"/>
+            <a:r>
+              <a:rPr lang="pt-PT" b="1" dirty="0" smtClean="0">
+                <a:solidFill>
+                  <a:schemeClr val="bg2"/>
+                </a:solidFill>
+              </a:rPr>
+              <a:t>Modelo Lógico da Base de Dados</a:t>
+            </a:r>
+            <a:endParaRPr lang="pt-PT" b="1" dirty="0">
+              <a:solidFill>
+                <a:schemeClr val="bg2"/>
+              </a:solidFill>
+            </a:endParaRPr>
+          </a:p>
+        </p:txBody>
+      </p:sp>
+      <p:grpSp>
+        <p:nvGrpSpPr>
+          <p:cNvPr id="5" name="Grupo 4"/>
+          <p:cNvGrpSpPr/>
+          <p:nvPr/>
+        </p:nvGrpSpPr>
+        <p:grpSpPr>
+          <a:xfrm>
+            <a:off x="234524" y="160419"/>
+            <a:ext cx="5212826" cy="1077218"/>
+            <a:chOff x="131873" y="210179"/>
+            <a:chExt cx="5530491" cy="1077218"/>
+          </a:xfrm>
+        </p:grpSpPr>
+        <p:sp>
+          <p:nvSpPr>
+            <p:cNvPr id="6" name="CaixaDeTexto 5"/>
+            <p:cNvSpPr txBox="1"/>
+            <p:nvPr/>
+          </p:nvSpPr>
+          <p:spPr>
+            <a:xfrm>
+              <a:off x="1989956" y="210179"/>
+              <a:ext cx="3672408" cy="1077218"/>
+            </a:xfrm>
+            <a:prstGeom prst="rect">
+              <a:avLst/>
+            </a:prstGeom>
+            <a:noFill/>
+          </p:spPr>
+          <p:txBody>
+            <a:bodyPr wrap="square" rtlCol="0">
+              <a:spAutoFit/>
+            </a:bodyPr>
+            <a:lstStyle>
+              <a:defPPr>
+                <a:defRPr lang="en-US"/>
+              </a:defPPr>
+              <a:lvl1pPr marL="0" algn="l" defTabSz="914400" rtl="0" eaLnBrk="1" latinLnBrk="0" hangingPunct="1">
+                <a:defRPr sz="1800" kern="1200">
+                  <a:solidFill>
+                    <a:schemeClr val="tx1"/>
+                  </a:solidFill>
+                  <a:latin typeface="+mn-lt"/>
+                  <a:ea typeface="+mn-ea"/>
+                  <a:cs typeface="+mn-cs"/>
+                </a:defRPr>
+              </a:lvl1pPr>
+              <a:lvl2pPr marL="457200" algn="l" defTabSz="914400" rtl="0" eaLnBrk="1" latinLnBrk="0" hangingPunct="1">
+                <a:defRPr sz="1800" kern="1200">
+                  <a:solidFill>
+                    <a:schemeClr val="tx1"/>
+                  </a:solidFill>
+                  <a:latin typeface="+mn-lt"/>
+                  <a:ea typeface="+mn-ea"/>
+                  <a:cs typeface="+mn-cs"/>
+                </a:defRPr>
+              </a:lvl2pPr>
+              <a:lvl3pPr marL="914400" algn="l" defTabSz="914400" rtl="0" eaLnBrk="1" latinLnBrk="0" hangingPunct="1">
+                <a:defRPr sz="1800" kern="1200">
+                  <a:solidFill>
+                    <a:schemeClr val="tx1"/>
+                  </a:solidFill>
+                  <a:latin typeface="+mn-lt"/>
+                  <a:ea typeface="+mn-ea"/>
+                  <a:cs typeface="+mn-cs"/>
+                </a:defRPr>
+              </a:lvl3pPr>
+              <a:lvl4pPr marL="1371600" algn="l" defTabSz="914400" rtl="0" eaLnBrk="1" latinLnBrk="0" hangingPunct="1">
+                <a:defRPr sz="1800" kern="1200">
+                  <a:solidFill>
+                    <a:schemeClr val="tx1"/>
+                  </a:solidFill>
+                  <a:latin typeface="+mn-lt"/>
+                  <a:ea typeface="+mn-ea"/>
+                  <a:cs typeface="+mn-cs"/>
+                </a:defRPr>
+              </a:lvl4pPr>
+              <a:lvl5pPr marL="1828800" algn="l" defTabSz="914400" rtl="0" eaLnBrk="1" latinLnBrk="0" hangingPunct="1">
+                <a:defRPr sz="1800" kern="1200">
+                  <a:solidFill>
+                    <a:schemeClr val="tx1"/>
+                  </a:solidFill>
+                  <a:latin typeface="+mn-lt"/>
+                  <a:ea typeface="+mn-ea"/>
+                  <a:cs typeface="+mn-cs"/>
+                </a:defRPr>
+              </a:lvl5pPr>
+              <a:lvl6pPr marL="2286000" algn="l" defTabSz="914400" rtl="0" eaLnBrk="1" latinLnBrk="0" hangingPunct="1">
+                <a:defRPr sz="1800" kern="1200">
+                  <a:solidFill>
+                    <a:schemeClr val="tx1"/>
+                  </a:solidFill>
+                  <a:latin typeface="+mn-lt"/>
+                  <a:ea typeface="+mn-ea"/>
+                  <a:cs typeface="+mn-cs"/>
+                </a:defRPr>
+              </a:lvl6pPr>
+              <a:lvl7pPr marL="2743200" algn="l" defTabSz="914400" rtl="0" eaLnBrk="1" latinLnBrk="0" hangingPunct="1">
+                <a:defRPr sz="1800" kern="1200">
+                  <a:solidFill>
+                    <a:schemeClr val="tx1"/>
+                  </a:solidFill>
+                  <a:latin typeface="+mn-lt"/>
+                  <a:ea typeface="+mn-ea"/>
+                  <a:cs typeface="+mn-cs"/>
+                </a:defRPr>
+              </a:lvl7pPr>
+              <a:lvl8pPr marL="3200400" algn="l" defTabSz="914400" rtl="0" eaLnBrk="1" latinLnBrk="0" hangingPunct="1">
+                <a:defRPr sz="1800" kern="1200">
+                  <a:solidFill>
+                    <a:schemeClr val="tx1"/>
+                  </a:solidFill>
+                  <a:latin typeface="+mn-lt"/>
+                  <a:ea typeface="+mn-ea"/>
+                  <a:cs typeface="+mn-cs"/>
+                </a:defRPr>
+              </a:lvl8pPr>
+              <a:lvl9pPr marL="3657600" algn="l" defTabSz="914400" rtl="0" eaLnBrk="1" latinLnBrk="0" hangingPunct="1">
+                <a:defRPr sz="1800" kern="1200">
+                  <a:solidFill>
+                    <a:schemeClr val="tx1"/>
+                  </a:solidFill>
+                  <a:latin typeface="+mn-lt"/>
+                  <a:ea typeface="+mn-ea"/>
+                  <a:cs typeface="+mn-cs"/>
+                </a:defRPr>
+              </a:lvl9pPr>
+            </a:lstStyle>
+            <a:p>
+              <a:r>
+                <a:rPr lang="pt-PT" sz="1600" dirty="0" smtClean="0">
+                  <a:solidFill>
+                    <a:schemeClr val="bg1">
+                      <a:lumMod val="65000"/>
+                    </a:schemeClr>
+                  </a:solidFill>
+                </a:rPr>
+                <a:t>Universidade do Minho</a:t>
+              </a:r>
+              <a:r>
+                <a:rPr lang="pt-PT" sz="1600" dirty="0">
+                  <a:solidFill>
+                    <a:schemeClr val="bg1">
+                      <a:lumMod val="65000"/>
+                    </a:schemeClr>
+                  </a:solidFill>
+                </a:rPr>
+                <a:t/>
+              </a:r>
+              <a:br>
+                <a:rPr lang="pt-PT" sz="1600" dirty="0">
+                  <a:solidFill>
+                    <a:schemeClr val="bg1">
+                      <a:lumMod val="65000"/>
+                    </a:schemeClr>
+                  </a:solidFill>
+                </a:rPr>
+              </a:br>
+              <a:r>
+                <a:rPr lang="pt-PT" sz="1600" dirty="0" smtClean="0">
+                  <a:solidFill>
+                    <a:schemeClr val="bg1">
+                      <a:lumMod val="65000"/>
+                    </a:schemeClr>
+                  </a:solidFill>
+                </a:rPr>
+                <a:t>Licenciatura em Engenharia </a:t>
+              </a:r>
+              <a:r>
+                <a:rPr lang="pt-PT" sz="1600" dirty="0" smtClean="0">
+                  <a:solidFill>
+                    <a:schemeClr val="bg1">
+                      <a:lumMod val="65000"/>
+                    </a:schemeClr>
+                  </a:solidFill>
+                </a:rPr>
+                <a:t>Informática</a:t>
+              </a:r>
+              <a:endParaRPr lang="pt-PT" sz="1600" dirty="0" smtClean="0">
+                <a:solidFill>
+                  <a:schemeClr val="bg1">
+                    <a:lumMod val="65000"/>
+                  </a:schemeClr>
+                </a:solidFill>
+              </a:endParaRPr>
+            </a:p>
+            <a:p>
+              <a:r>
+                <a:rPr lang="pt-PT" sz="1600" dirty="0" smtClean="0">
+                  <a:solidFill>
+                    <a:schemeClr val="bg1">
+                      <a:lumMod val="65000"/>
+                    </a:schemeClr>
+                  </a:solidFill>
+                </a:rPr>
+                <a:t>Laboratórios de Informática IV</a:t>
+              </a:r>
+              <a:endParaRPr lang="pt-PT" sz="1600" dirty="0">
+                <a:solidFill>
+                  <a:schemeClr val="bg1">
+                    <a:lumMod val="65000"/>
+                  </a:schemeClr>
+                </a:solidFill>
+              </a:endParaRPr>
+            </a:p>
+          </p:txBody>
+        </p:sp>
+        <p:pic>
+          <p:nvPicPr>
+            <p:cNvPr id="7" name="Imagem 6"/>
+            <p:cNvPicPr>
+              <a:picLocks noChangeAspect="1"/>
+            </p:cNvPicPr>
+            <p:nvPr/>
+          </p:nvPicPr>
+          <p:blipFill>
+            <a:blip r:embed="rId3" cstate="print">
+              <a:extLst>
+                <a:ext uri="{28A0092B-C50C-407E-A947-70E740481C1C}">
+                  <a14:useLocalDpi xmlns:a14="http://schemas.microsoft.com/office/drawing/2010/main" val="0"/>
+                </a:ext>
+              </a:extLst>
+            </a:blip>
+            <a:stretch>
+              <a:fillRect/>
+            </a:stretch>
+          </p:blipFill>
+          <p:spPr>
+            <a:xfrm>
+              <a:off x="131873" y="218460"/>
+              <a:ext cx="1786076" cy="884108"/>
+            </a:xfrm>
+            <a:prstGeom prst="rect">
+              <a:avLst/>
+            </a:prstGeom>
+          </p:spPr>
+        </p:pic>
+      </p:grpSp>
+    </p:spTree>
+    <p:extLst>
+      <p:ext uri="{BB962C8B-B14F-4D97-AF65-F5344CB8AC3E}">
+        <p14:creationId xmlns:p14="http://schemas.microsoft.com/office/powerpoint/2010/main" val="1602695016"/>
+      </p:ext>
+    </p:extLst>
+  </p:cSld>
+  <p:clrMapOvr>
+    <a:masterClrMapping/>
+  </p:clrMapOvr>
+  <p:timing>
+    <p:tnLst>
+      <p:par>
+        <p:cTn id="1" dur="indefinite" restart="never" nodeType="tmRoot"/>
+      </p:par>
+    </p:tnLst>
+  </p:timing>
+</p:sld>
+</file>
+
+<file path=ppt/slides/slide17.xml><?xml version="1.0" encoding="utf-8"?>
+<p:sld xmlns:a="http://schemas.openxmlformats.org/drawingml/2006/main" xmlns:r="http://schemas.openxmlformats.org/officeDocument/2006/relationships" xmlns:p="http://schemas.openxmlformats.org/presentationml/2006/main">
+  <p:cSld>
+    <p:spTree>
+      <p:nvGrpSpPr>
+        <p:cNvPr id="1" name=""/>
+        <p:cNvGrpSpPr/>
+        <p:nvPr/>
+      </p:nvGrpSpPr>
+      <p:grpSpPr>
+        <a:xfrm>
+          <a:off x="0" y="0"/>
+          <a:ext cx="0" cy="0"/>
+          <a:chOff x="0" y="0"/>
+          <a:chExt cx="0" cy="0"/>
+        </a:xfrm>
+      </p:grpSpPr>
+      <p:sp>
+        <p:nvSpPr>
+          <p:cNvPr id="3" name="Marcador de Posição de Conteúdo 2"/>
+          <p:cNvSpPr>
+            <a:spLocks noGrp="1"/>
+          </p:cNvSpPr>
+          <p:nvPr>
+            <p:ph idx="1"/>
+          </p:nvPr>
+        </p:nvSpPr>
+        <p:spPr>
+          <a:xfrm>
+            <a:off x="457200" y="1916832"/>
+            <a:ext cx="8229600" cy="4209331"/>
+          </a:xfrm>
+        </p:spPr>
+        <p:txBody>
+          <a:bodyPr>
+            <a:normAutofit fontScale="77500" lnSpcReduction="20000"/>
+          </a:bodyPr>
+          <a:lstStyle/>
+          <a:p>
+            <a:pPr>
+              <a:buBlip>
+                <a:blip r:embed="rId2"/>
+              </a:buBlip>
+            </a:pPr>
+            <a:r>
+              <a:rPr lang="pt-PT" dirty="0"/>
+              <a:t>Utilizador (N) – (M) Teste </a:t>
+            </a:r>
+            <a:endParaRPr lang="pt-PT" dirty="0" smtClean="0"/>
+          </a:p>
+          <a:p>
+            <a:pPr>
+              <a:buBlip>
+                <a:blip r:embed="rId2"/>
+              </a:buBlip>
+            </a:pPr>
+            <a:r>
+              <a:rPr lang="pt-PT" dirty="0" smtClean="0"/>
+              <a:t>Utilizador </a:t>
+            </a:r>
+            <a:r>
+              <a:rPr lang="pt-PT" dirty="0"/>
+              <a:t>(N) – (M) Aula </a:t>
+            </a:r>
+          </a:p>
+          <a:p>
+            <a:pPr>
+              <a:buBlip>
+                <a:blip r:embed="rId2"/>
+              </a:buBlip>
+            </a:pPr>
+            <a:r>
+              <a:rPr lang="pt-PT" dirty="0" smtClean="0"/>
+              <a:t>Utilizador </a:t>
+            </a:r>
+            <a:r>
+              <a:rPr lang="pt-PT" dirty="0"/>
+              <a:t>(N) – (M) </a:t>
+            </a:r>
+            <a:r>
+              <a:rPr lang="pt-PT" dirty="0" smtClean="0"/>
+              <a:t>Exercícios-</a:t>
+            </a:r>
+          </a:p>
+          <a:p>
+            <a:pPr>
+              <a:buBlip>
+                <a:blip r:embed="rId2"/>
+              </a:buBlip>
+            </a:pPr>
+            <a:r>
+              <a:rPr lang="pt-PT" dirty="0" smtClean="0"/>
+              <a:t>Utilizador </a:t>
+            </a:r>
+            <a:r>
+              <a:rPr lang="pt-PT" dirty="0"/>
+              <a:t>(1) – (N) Utilizador </a:t>
+            </a:r>
+            <a:endParaRPr lang="pt-PT" dirty="0" smtClean="0"/>
+          </a:p>
+          <a:p>
+            <a:pPr>
+              <a:buBlip>
+                <a:blip r:embed="rId2"/>
+              </a:buBlip>
+            </a:pPr>
+            <a:r>
+              <a:rPr lang="pt-PT" dirty="0" smtClean="0"/>
+              <a:t>Utilizador </a:t>
+            </a:r>
+            <a:r>
+              <a:rPr lang="pt-PT" dirty="0"/>
+              <a:t>(1) – (N) Sessão de </a:t>
+            </a:r>
+            <a:r>
+              <a:rPr lang="pt-PT" dirty="0" smtClean="0"/>
+              <a:t>Estudo</a:t>
+            </a:r>
+          </a:p>
+          <a:p>
+            <a:pPr>
+              <a:buBlip>
+                <a:blip r:embed="rId2"/>
+              </a:buBlip>
+            </a:pPr>
+            <a:r>
+              <a:rPr lang="pt-PT" dirty="0" smtClean="0"/>
+              <a:t>Sessões </a:t>
+            </a:r>
+            <a:r>
+              <a:rPr lang="pt-PT" dirty="0"/>
+              <a:t>de Estudo (N) – (M) </a:t>
+            </a:r>
+            <a:r>
+              <a:rPr lang="pt-PT" dirty="0" smtClean="0"/>
+              <a:t>Aula</a:t>
+            </a:r>
+          </a:p>
+          <a:p>
+            <a:pPr>
+              <a:buBlip>
+                <a:blip r:embed="rId2"/>
+              </a:buBlip>
+            </a:pPr>
+            <a:r>
+              <a:rPr lang="pt-PT" dirty="0" smtClean="0"/>
+              <a:t>Sessão </a:t>
+            </a:r>
+            <a:r>
+              <a:rPr lang="pt-PT" dirty="0"/>
+              <a:t>de Estudo (N) – (M) </a:t>
+            </a:r>
+            <a:r>
+              <a:rPr lang="pt-PT" dirty="0" smtClean="0"/>
+              <a:t>Exercícios</a:t>
+            </a:r>
+          </a:p>
+          <a:p>
+            <a:pPr>
+              <a:buBlip>
+                <a:blip r:embed="rId2"/>
+              </a:buBlip>
+            </a:pPr>
+            <a:r>
+              <a:rPr lang="pt-PT" dirty="0" smtClean="0"/>
+              <a:t>Sessão </a:t>
+            </a:r>
+            <a:r>
+              <a:rPr lang="pt-PT" dirty="0"/>
+              <a:t>de Estudo (N) – (M) </a:t>
+            </a:r>
+            <a:r>
+              <a:rPr lang="pt-PT" dirty="0" smtClean="0"/>
+              <a:t>Testes</a:t>
+            </a:r>
+          </a:p>
+          <a:p>
+            <a:pPr>
+              <a:buBlip>
+                <a:blip r:embed="rId2"/>
+              </a:buBlip>
+            </a:pPr>
+            <a:r>
+              <a:rPr lang="pt-PT" dirty="0" smtClean="0"/>
+              <a:t>Testes </a:t>
+            </a:r>
+            <a:r>
+              <a:rPr lang="pt-PT" dirty="0"/>
+              <a:t>(1) – (N) </a:t>
+            </a:r>
+            <a:r>
+              <a:rPr lang="pt-PT" dirty="0" smtClean="0"/>
+              <a:t>Perguntas</a:t>
+            </a:r>
+            <a:endParaRPr lang="pt-PT" dirty="0"/>
+          </a:p>
+          <a:p>
+            <a:pPr>
+              <a:buBlip>
+                <a:blip r:embed="rId2"/>
+              </a:buBlip>
+            </a:pPr>
+            <a:r>
+              <a:rPr lang="pt-PT" dirty="0"/>
+              <a:t>Pergunta (1) – (N) </a:t>
+            </a:r>
+            <a:r>
+              <a:rPr lang="pt-PT" dirty="0" smtClean="0"/>
+              <a:t>Resposta</a:t>
+            </a:r>
+            <a:endParaRPr lang="pt-PT" dirty="0"/>
+          </a:p>
+          <a:p>
+            <a:pPr>
+              <a:buBlip>
+                <a:blip r:embed="rId2"/>
+              </a:buBlip>
+            </a:pPr>
+            <a:r>
+              <a:rPr lang="pt-PT" dirty="0"/>
+              <a:t>Resposta (1) – (1) </a:t>
+            </a:r>
+            <a:r>
+              <a:rPr lang="pt-PT" dirty="0" smtClean="0"/>
+              <a:t>Resposta</a:t>
+            </a:r>
+            <a:endParaRPr lang="pt-PT" dirty="0"/>
+          </a:p>
+        </p:txBody>
+      </p:sp>
+      <p:sp>
+        <p:nvSpPr>
+          <p:cNvPr id="4" name="Título 1"/>
+          <p:cNvSpPr txBox="1">
+            <a:spLocks/>
+          </p:cNvSpPr>
+          <p:nvPr/>
+        </p:nvSpPr>
+        <p:spPr>
+          <a:xfrm>
+            <a:off x="405940" y="908720"/>
+            <a:ext cx="8352928" cy="1143000"/>
+          </a:xfrm>
+          <a:prstGeom prst="rect">
+            <a:avLst/>
+          </a:prstGeom>
+        </p:spPr>
+        <p:txBody>
+          <a:bodyPr vert="horz" lIns="91440" tIns="45720" rIns="91440" bIns="45720" rtlCol="0" anchor="ctr">
+            <a:normAutofit/>
+          </a:bodyPr>
+          <a:lstStyle>
+            <a:lvl1pPr algn="ctr" defTabSz="914400" rtl="0" eaLnBrk="1" latinLnBrk="0" hangingPunct="1">
+              <a:spcBef>
+                <a:spcPct val="0"/>
+              </a:spcBef>
+              <a:buNone/>
+              <a:defRPr sz="4400" kern="1200">
+                <a:solidFill>
+                  <a:schemeClr val="tx1"/>
+                </a:solidFill>
+                <a:latin typeface="+mj-lt"/>
+                <a:ea typeface="+mj-ea"/>
+                <a:cs typeface="+mj-cs"/>
+              </a:defRPr>
+            </a:lvl1pPr>
+          </a:lstStyle>
+          <a:p>
+            <a:pPr algn="l"/>
+            <a:r>
+              <a:rPr lang="pt-PT" b="1" dirty="0" smtClean="0">
+                <a:solidFill>
+                  <a:schemeClr val="bg2"/>
+                </a:solidFill>
+              </a:rPr>
+              <a:t>Modelo Lógico -&gt; Relacionamentos</a:t>
+            </a:r>
+            <a:endParaRPr lang="pt-PT" b="1" dirty="0">
+              <a:solidFill>
+                <a:schemeClr val="bg2"/>
+              </a:solidFill>
+            </a:endParaRPr>
+          </a:p>
+        </p:txBody>
+      </p:sp>
+      <p:grpSp>
+        <p:nvGrpSpPr>
+          <p:cNvPr id="5" name="Grupo 4"/>
+          <p:cNvGrpSpPr/>
+          <p:nvPr/>
+        </p:nvGrpSpPr>
+        <p:grpSpPr>
+          <a:xfrm>
+            <a:off x="234524" y="160419"/>
+            <a:ext cx="5212826" cy="1077218"/>
+            <a:chOff x="131873" y="210179"/>
+            <a:chExt cx="5530491" cy="1077218"/>
+          </a:xfrm>
+        </p:grpSpPr>
+        <p:sp>
+          <p:nvSpPr>
+            <p:cNvPr id="6" name="CaixaDeTexto 5"/>
+            <p:cNvSpPr txBox="1"/>
+            <p:nvPr/>
+          </p:nvSpPr>
+          <p:spPr>
+            <a:xfrm>
+              <a:off x="1989956" y="210179"/>
+              <a:ext cx="3672408" cy="1077218"/>
+            </a:xfrm>
+            <a:prstGeom prst="rect">
+              <a:avLst/>
+            </a:prstGeom>
+            <a:noFill/>
+          </p:spPr>
+          <p:txBody>
+            <a:bodyPr wrap="square" rtlCol="0">
+              <a:spAutoFit/>
+            </a:bodyPr>
+            <a:lstStyle>
+              <a:defPPr>
+                <a:defRPr lang="en-US"/>
+              </a:defPPr>
+              <a:lvl1pPr marL="0" algn="l" defTabSz="914400" rtl="0" eaLnBrk="1" latinLnBrk="0" hangingPunct="1">
+                <a:defRPr sz="1800" kern="1200">
+                  <a:solidFill>
+                    <a:schemeClr val="tx1"/>
+                  </a:solidFill>
+                  <a:latin typeface="+mn-lt"/>
+                  <a:ea typeface="+mn-ea"/>
+                  <a:cs typeface="+mn-cs"/>
+                </a:defRPr>
+              </a:lvl1pPr>
+              <a:lvl2pPr marL="457200" algn="l" defTabSz="914400" rtl="0" eaLnBrk="1" latinLnBrk="0" hangingPunct="1">
+                <a:defRPr sz="1800" kern="1200">
+                  <a:solidFill>
+                    <a:schemeClr val="tx1"/>
+                  </a:solidFill>
+                  <a:latin typeface="+mn-lt"/>
+                  <a:ea typeface="+mn-ea"/>
+                  <a:cs typeface="+mn-cs"/>
+                </a:defRPr>
+              </a:lvl2pPr>
+              <a:lvl3pPr marL="914400" algn="l" defTabSz="914400" rtl="0" eaLnBrk="1" latinLnBrk="0" hangingPunct="1">
+                <a:defRPr sz="1800" kern="1200">
+                  <a:solidFill>
+                    <a:schemeClr val="tx1"/>
+                  </a:solidFill>
+                  <a:latin typeface="+mn-lt"/>
+                  <a:ea typeface="+mn-ea"/>
+                  <a:cs typeface="+mn-cs"/>
+                </a:defRPr>
+              </a:lvl3pPr>
+              <a:lvl4pPr marL="1371600" algn="l" defTabSz="914400" rtl="0" eaLnBrk="1" latinLnBrk="0" hangingPunct="1">
+                <a:defRPr sz="1800" kern="1200">
+                  <a:solidFill>
+                    <a:schemeClr val="tx1"/>
+                  </a:solidFill>
+                  <a:latin typeface="+mn-lt"/>
+                  <a:ea typeface="+mn-ea"/>
+                  <a:cs typeface="+mn-cs"/>
+                </a:defRPr>
+              </a:lvl4pPr>
+              <a:lvl5pPr marL="1828800" algn="l" defTabSz="914400" rtl="0" eaLnBrk="1" latinLnBrk="0" hangingPunct="1">
+                <a:defRPr sz="1800" kern="1200">
+                  <a:solidFill>
+                    <a:schemeClr val="tx1"/>
+                  </a:solidFill>
+                  <a:latin typeface="+mn-lt"/>
+                  <a:ea typeface="+mn-ea"/>
+                  <a:cs typeface="+mn-cs"/>
+                </a:defRPr>
+              </a:lvl5pPr>
+              <a:lvl6pPr marL="2286000" algn="l" defTabSz="914400" rtl="0" eaLnBrk="1" latinLnBrk="0" hangingPunct="1">
+                <a:defRPr sz="1800" kern="1200">
+                  <a:solidFill>
+                    <a:schemeClr val="tx1"/>
+                  </a:solidFill>
+                  <a:latin typeface="+mn-lt"/>
+                  <a:ea typeface="+mn-ea"/>
+                  <a:cs typeface="+mn-cs"/>
+                </a:defRPr>
+              </a:lvl6pPr>
+              <a:lvl7pPr marL="2743200" algn="l" defTabSz="914400" rtl="0" eaLnBrk="1" latinLnBrk="0" hangingPunct="1">
+                <a:defRPr sz="1800" kern="1200">
+                  <a:solidFill>
+                    <a:schemeClr val="tx1"/>
+                  </a:solidFill>
+                  <a:latin typeface="+mn-lt"/>
+                  <a:ea typeface="+mn-ea"/>
+                  <a:cs typeface="+mn-cs"/>
+                </a:defRPr>
+              </a:lvl7pPr>
+              <a:lvl8pPr marL="3200400" algn="l" defTabSz="914400" rtl="0" eaLnBrk="1" latinLnBrk="0" hangingPunct="1">
+                <a:defRPr sz="1800" kern="1200">
+                  <a:solidFill>
+                    <a:schemeClr val="tx1"/>
+                  </a:solidFill>
+                  <a:latin typeface="+mn-lt"/>
+                  <a:ea typeface="+mn-ea"/>
+                  <a:cs typeface="+mn-cs"/>
+                </a:defRPr>
+              </a:lvl8pPr>
+              <a:lvl9pPr marL="3657600" algn="l" defTabSz="914400" rtl="0" eaLnBrk="1" latinLnBrk="0" hangingPunct="1">
+                <a:defRPr sz="1800" kern="1200">
+                  <a:solidFill>
+                    <a:schemeClr val="tx1"/>
+                  </a:solidFill>
+                  <a:latin typeface="+mn-lt"/>
+                  <a:ea typeface="+mn-ea"/>
+                  <a:cs typeface="+mn-cs"/>
+                </a:defRPr>
+              </a:lvl9pPr>
+            </a:lstStyle>
+            <a:p>
+              <a:r>
+                <a:rPr lang="pt-PT" sz="1600" dirty="0" smtClean="0">
+                  <a:solidFill>
+                    <a:schemeClr val="bg1">
+                      <a:lumMod val="65000"/>
+                    </a:schemeClr>
+                  </a:solidFill>
+                </a:rPr>
+                <a:t>Universidade do Minho</a:t>
+              </a:r>
+              <a:r>
+                <a:rPr lang="pt-PT" sz="1600" dirty="0">
+                  <a:solidFill>
+                    <a:schemeClr val="bg1">
+                      <a:lumMod val="65000"/>
+                    </a:schemeClr>
+                  </a:solidFill>
+                </a:rPr>
+                <a:t/>
+              </a:r>
+              <a:br>
+                <a:rPr lang="pt-PT" sz="1600" dirty="0">
+                  <a:solidFill>
+                    <a:schemeClr val="bg1">
+                      <a:lumMod val="65000"/>
+                    </a:schemeClr>
+                  </a:solidFill>
+                </a:rPr>
+              </a:br>
+              <a:r>
+                <a:rPr lang="pt-PT" sz="1600" dirty="0" smtClean="0">
+                  <a:solidFill>
+                    <a:schemeClr val="bg1">
+                      <a:lumMod val="65000"/>
+                    </a:schemeClr>
+                  </a:solidFill>
+                </a:rPr>
+                <a:t>Licenciatura em Engenharia </a:t>
+              </a:r>
+              <a:r>
+                <a:rPr lang="pt-PT" sz="1600" dirty="0" smtClean="0">
+                  <a:solidFill>
+                    <a:schemeClr val="bg1">
+                      <a:lumMod val="65000"/>
+                    </a:schemeClr>
+                  </a:solidFill>
+                </a:rPr>
+                <a:t>Informática</a:t>
+              </a:r>
+              <a:endParaRPr lang="pt-PT" sz="1600" dirty="0" smtClean="0">
+                <a:solidFill>
+                  <a:schemeClr val="bg1">
+                    <a:lumMod val="65000"/>
+                  </a:schemeClr>
+                </a:solidFill>
+              </a:endParaRPr>
+            </a:p>
+            <a:p>
+              <a:r>
+                <a:rPr lang="pt-PT" sz="1600" dirty="0" smtClean="0">
+                  <a:solidFill>
+                    <a:schemeClr val="bg1">
+                      <a:lumMod val="65000"/>
+                    </a:schemeClr>
+                  </a:solidFill>
+                </a:rPr>
+                <a:t>Laboratórios de Informática IV</a:t>
+              </a:r>
+              <a:endParaRPr lang="pt-PT" sz="1600" dirty="0">
+                <a:solidFill>
+                  <a:schemeClr val="bg1">
+                    <a:lumMod val="65000"/>
+                  </a:schemeClr>
+                </a:solidFill>
+              </a:endParaRPr>
+            </a:p>
+          </p:txBody>
+        </p:sp>
+        <p:pic>
+          <p:nvPicPr>
+            <p:cNvPr id="7" name="Imagem 6"/>
+            <p:cNvPicPr>
+              <a:picLocks noChangeAspect="1"/>
+            </p:cNvPicPr>
+            <p:nvPr/>
+          </p:nvPicPr>
+          <p:blipFill>
+            <a:blip r:embed="rId3" cstate="print">
+              <a:extLst>
+                <a:ext uri="{28A0092B-C50C-407E-A947-70E740481C1C}">
+                  <a14:useLocalDpi xmlns:a14="http://schemas.microsoft.com/office/drawing/2010/main" val="0"/>
+                </a:ext>
+              </a:extLst>
+            </a:blip>
+            <a:stretch>
+              <a:fillRect/>
+            </a:stretch>
+          </p:blipFill>
+          <p:spPr>
+            <a:xfrm>
+              <a:off x="131873" y="218460"/>
+              <a:ext cx="1786076" cy="884108"/>
+            </a:xfrm>
+            <a:prstGeom prst="rect">
+              <a:avLst/>
+            </a:prstGeom>
+          </p:spPr>
+        </p:pic>
+      </p:grpSp>
+    </p:spTree>
+    <p:extLst>
+      <p:ext uri="{BB962C8B-B14F-4D97-AF65-F5344CB8AC3E}">
+        <p14:creationId xmlns:p14="http://schemas.microsoft.com/office/powerpoint/2010/main" val="335497300"/>
+      </p:ext>
+    </p:extLst>
+  </p:cSld>
+  <p:clrMapOvr>
+    <a:masterClrMapping/>
+  </p:clrMapOvr>
+</p:sld>
+</file>
+
+<file path=ppt/slides/slide18.xml><?xml version="1.0" encoding="utf-8"?>
+<p:sld xmlns:a="http://schemas.openxmlformats.org/drawingml/2006/main" xmlns:r="http://schemas.openxmlformats.org/officeDocument/2006/relationships" xmlns:p="http://schemas.openxmlformats.org/presentationml/2006/main">
+  <p:cSld>
+    <p:spTree>
+      <p:nvGrpSpPr>
+        <p:cNvPr id="1" name=""/>
+        <p:cNvGrpSpPr/>
+        <p:nvPr/>
+      </p:nvGrpSpPr>
+      <p:grpSpPr>
+        <a:xfrm>
+          <a:off x="0" y="0"/>
+          <a:ext cx="0" cy="0"/>
+          <a:chOff x="0" y="0"/>
+          <a:chExt cx="0" cy="0"/>
+        </a:xfrm>
+      </p:grpSpPr>
+      <p:pic>
+        <p:nvPicPr>
+          <p:cNvPr id="8" name="Imagem 7"/>
+          <p:cNvPicPr>
+            <a:picLocks noChangeAspect="1"/>
+          </p:cNvPicPr>
+          <p:nvPr/>
+        </p:nvPicPr>
+        <p:blipFill>
+          <a:blip r:embed="rId3">
+            <a:extLst>
+              <a:ext uri="{28A0092B-C50C-407E-A947-70E740481C1C}">
+                <a14:useLocalDpi xmlns:a14="http://schemas.microsoft.com/office/drawing/2010/main" val="0"/>
+              </a:ext>
+            </a:extLst>
+          </a:blip>
+          <a:stretch>
+            <a:fillRect/>
+          </a:stretch>
+        </p:blipFill>
+        <p:spPr>
+          <a:xfrm>
+            <a:off x="5666937" y="3028928"/>
+            <a:ext cx="2247900" cy="2247900"/>
+          </a:xfrm>
+          <a:prstGeom prst="rect">
+            <a:avLst/>
+          </a:prstGeom>
+          <a:ln>
+            <a:noFill/>
+          </a:ln>
+          <a:effectLst>
+            <a:softEdge rad="112500"/>
+          </a:effectLst>
+        </p:spPr>
+      </p:pic>
+      <p:sp>
+        <p:nvSpPr>
+          <p:cNvPr id="4" name="Título 1"/>
+          <p:cNvSpPr>
+            <a:spLocks noGrp="1"/>
+          </p:cNvSpPr>
+          <p:nvPr/>
+        </p:nvSpPr>
+        <p:spPr>
+          <a:xfrm>
+            <a:off x="130337" y="1508072"/>
+            <a:ext cx="9736732" cy="3913434"/>
+          </a:xfrm>
+          <a:prstGeom prst="rect">
+            <a:avLst/>
+          </a:prstGeom>
+          <a:effectLst/>
+        </p:spPr>
+        <p:txBody>
+          <a:bodyPr vert="horz" lIns="91440" tIns="45720" rIns="91440" bIns="45720" rtlCol="0" anchor="b">
+            <a:normAutofit fontScale="67500" lnSpcReduction="20000"/>
+          </a:bodyPr>
+          <a:lstStyle>
+            <a:lvl1pPr algn="l" defTabSz="914126" rtl="0" eaLnBrk="1" latinLnBrk="0" hangingPunct="1">
+              <a:lnSpc>
+                <a:spcPct val="85000"/>
+              </a:lnSpc>
+              <a:spcBef>
+                <a:spcPct val="0"/>
+              </a:spcBef>
+              <a:buNone/>
+              <a:defRPr sz="7998" kern="1200" spc="-50" baseline="0">
+                <a:solidFill>
+                  <a:schemeClr val="tx1">
+                    <a:lumMod val="85000"/>
+                    <a:lumOff val="15000"/>
+                  </a:schemeClr>
+                </a:solidFill>
+                <a:latin typeface="+mj-lt"/>
+                <a:ea typeface="+mj-ea"/>
+                <a:cs typeface="+mj-cs"/>
+              </a:defRPr>
+            </a:lvl1pPr>
+          </a:lstStyle>
+          <a:p>
+            <a:pPr>
+              <a:spcBef>
+                <a:spcPts val="0"/>
+              </a:spcBef>
+            </a:pPr>
+            <a:r>
+              <a:rPr lang="pt-PT" sz="11000" b="0" i="0" dirty="0" smtClean="0">
+                <a:solidFill>
+                  <a:schemeClr val="tx1"/>
+                </a:solidFill>
+                <a:effectLst>
+                  <a:glow rad="101600">
+                    <a:srgbClr val="FFFF00">
+                      <a:alpha val="60000"/>
+                    </a:srgbClr>
+                  </a:glow>
+                </a:effectLst>
+                <a:latin typeface="+mn-lt"/>
+              </a:rPr>
+              <a:t/>
+            </a:r>
+            <a:br>
+              <a:rPr lang="pt-PT" sz="11000" b="0" i="0" dirty="0" smtClean="0">
+                <a:solidFill>
+                  <a:schemeClr val="tx1"/>
+                </a:solidFill>
+                <a:effectLst>
+                  <a:glow rad="101600">
+                    <a:srgbClr val="FFFF00">
+                      <a:alpha val="60000"/>
+                    </a:srgbClr>
+                  </a:glow>
+                </a:effectLst>
+                <a:latin typeface="+mn-lt"/>
+              </a:rPr>
+            </a:br>
+            <a:r>
+              <a:rPr lang="pt-PT" sz="11000" b="1" spc="0" dirty="0" smtClean="0">
+                <a:ln w="0"/>
+                <a:solidFill>
+                  <a:srgbClr val="0070C0"/>
+                </a:solidFill>
+                <a:effectLst>
+                  <a:glow rad="101600">
+                    <a:srgbClr val="FFFF00">
+                      <a:alpha val="60000"/>
+                    </a:srgbClr>
+                  </a:glow>
+                  <a:outerShdw blurRad="38100" dist="25400" dir="5400000" algn="ctr" rotWithShape="0">
+                    <a:srgbClr val="6E747A">
+                      <a:alpha val="43000"/>
+                    </a:srgbClr>
+                  </a:outerShdw>
+                </a:effectLst>
+                <a:latin typeface="+mn-lt"/>
+              </a:rPr>
+              <a:t>Aprende com </a:t>
+            </a:r>
+            <a:r>
+              <a:rPr lang="pt-PT" sz="11000" b="1" spc="0" dirty="0" smtClean="0">
+                <a:ln w="0"/>
+                <a:solidFill>
+                  <a:srgbClr val="0070C0"/>
+                </a:solidFill>
+                <a:effectLst>
+                  <a:glow rad="101600">
+                    <a:srgbClr val="FFFF00">
+                      <a:alpha val="60000"/>
+                    </a:srgbClr>
+                  </a:glow>
+                  <a:outerShdw blurRad="38100" dist="25400" dir="5400000" algn="ctr" rotWithShape="0">
+                    <a:srgbClr val="6E747A">
+                      <a:alpha val="43000"/>
+                    </a:srgbClr>
+                  </a:outerShdw>
+                </a:effectLst>
+                <a:latin typeface="+mn-lt"/>
+              </a:rPr>
+              <a:t>os</a:t>
+            </a:r>
+          </a:p>
+          <a:p>
+            <a:pPr>
+              <a:spcBef>
+                <a:spcPts val="0"/>
+              </a:spcBef>
+            </a:pPr>
+            <a:r>
+              <a:rPr lang="pt-PT" sz="11000" b="1" spc="0" dirty="0" smtClean="0">
+                <a:ln w="0"/>
+                <a:solidFill>
+                  <a:srgbClr val="0070C0"/>
+                </a:solidFill>
+                <a:effectLst>
+                  <a:glow rad="101600">
+                    <a:srgbClr val="FFFF00">
+                      <a:alpha val="60000"/>
+                    </a:srgbClr>
+                  </a:glow>
+                  <a:outerShdw blurRad="38100" dist="25400" dir="5400000" algn="ctr" rotWithShape="0">
+                    <a:srgbClr val="6E747A">
+                      <a:alpha val="43000"/>
+                    </a:srgbClr>
+                  </a:outerShdw>
+                </a:effectLst>
+                <a:latin typeface="+mn-lt"/>
+              </a:rPr>
+              <a:t> </a:t>
+            </a:r>
+            <a:br>
+              <a:rPr lang="pt-PT" sz="11000" b="1" spc="0" dirty="0" smtClean="0">
+                <a:ln w="0"/>
+                <a:solidFill>
+                  <a:srgbClr val="0070C0"/>
+                </a:solidFill>
+                <a:effectLst>
+                  <a:glow rad="101600">
+                    <a:srgbClr val="FFFF00">
+                      <a:alpha val="60000"/>
+                    </a:srgbClr>
+                  </a:glow>
+                  <a:outerShdw blurRad="38100" dist="25400" dir="5400000" algn="ctr" rotWithShape="0">
+                    <a:srgbClr val="6E747A">
+                      <a:alpha val="43000"/>
+                    </a:srgbClr>
+                  </a:outerShdw>
+                </a:effectLst>
+                <a:latin typeface="+mn-lt"/>
+              </a:rPr>
+            </a:br>
+            <a:r>
+              <a:rPr lang="pt-PT" sz="11000" b="1" spc="0" dirty="0" smtClean="0">
+                <a:ln w="0"/>
+                <a:solidFill>
+                  <a:srgbClr val="0070C0"/>
+                </a:solidFill>
+                <a:effectLst>
+                  <a:glow rad="101600">
+                    <a:srgbClr val="FFFF00">
+                      <a:alpha val="60000"/>
+                    </a:srgbClr>
+                  </a:glow>
+                  <a:outerShdw blurRad="38100" dist="25400" dir="5400000" algn="ctr" rotWithShape="0">
+                    <a:srgbClr val="6E747A">
+                      <a:alpha val="43000"/>
+                    </a:srgbClr>
+                  </a:outerShdw>
+                </a:effectLst>
+                <a:latin typeface="+mn-lt"/>
+              </a:rPr>
+              <a:t>Minions</a:t>
+            </a:r>
+            <a:r>
+              <a:rPr lang="pt-PT" sz="10000" b="0" i="0" dirty="0" smtClean="0">
+                <a:solidFill>
+                  <a:schemeClr val="tx1"/>
+                </a:solidFill>
+                <a:effectLst>
+                  <a:glow rad="101600">
+                    <a:srgbClr val="FFFF00">
+                      <a:alpha val="60000"/>
+                    </a:srgbClr>
+                  </a:glow>
+                </a:effectLst>
+                <a:latin typeface="+mn-lt"/>
+              </a:rPr>
+              <a:t/>
+            </a:r>
+            <a:br>
+              <a:rPr lang="pt-PT" sz="10000" b="0" i="0" dirty="0" smtClean="0">
+                <a:solidFill>
+                  <a:schemeClr val="tx1"/>
+                </a:solidFill>
+                <a:effectLst>
+                  <a:glow rad="101600">
+                    <a:srgbClr val="FFFF00">
+                      <a:alpha val="60000"/>
+                    </a:srgbClr>
+                  </a:glow>
+                </a:effectLst>
+                <a:latin typeface="+mn-lt"/>
+              </a:rPr>
+            </a:br>
+            <a:r>
+              <a:rPr lang="pt-PT" sz="7200" b="0" i="0" dirty="0" smtClean="0">
+                <a:solidFill>
+                  <a:schemeClr val="tx1"/>
+                </a:solidFill>
+                <a:latin typeface="Consolas"/>
+              </a:rPr>
+              <a:t/>
+            </a:r>
+            <a:br>
+              <a:rPr lang="pt-PT" sz="7200" b="0" i="0" dirty="0" smtClean="0">
+                <a:solidFill>
+                  <a:schemeClr val="tx1"/>
+                </a:solidFill>
+                <a:latin typeface="Consolas"/>
+              </a:rPr>
+            </a:br>
+            <a:endParaRPr lang="pt-PT" sz="3200" b="0" i="0" dirty="0">
+              <a:solidFill>
+                <a:schemeClr val="tx1"/>
+              </a:solidFill>
+              <a:latin typeface="Consolas"/>
+            </a:endParaRPr>
+          </a:p>
+        </p:txBody>
+      </p:sp>
+      <p:sp>
+        <p:nvSpPr>
+          <p:cNvPr id="11" name="CaixaDeTexto 10"/>
+          <p:cNvSpPr txBox="1"/>
+          <p:nvPr/>
+        </p:nvSpPr>
+        <p:spPr>
+          <a:xfrm>
+            <a:off x="374349" y="5085184"/>
+            <a:ext cx="3456384" cy="1477328"/>
+          </a:xfrm>
+          <a:prstGeom prst="rect">
+            <a:avLst/>
+          </a:prstGeom>
+          <a:noFill/>
+        </p:spPr>
+        <p:txBody>
+          <a:bodyPr wrap="square" rtlCol="0">
+            <a:spAutoFit/>
+          </a:bodyPr>
+          <a:lstStyle/>
+          <a:p>
+            <a:r>
+              <a:rPr lang="pt-PT" dirty="0" smtClean="0"/>
+              <a:t>André Geraldes (67673)</a:t>
+            </a:r>
+          </a:p>
+          <a:p>
+            <a:r>
+              <a:rPr lang="pt-PT" dirty="0" smtClean="0"/>
+              <a:t>Bruno Barbosa (67646)</a:t>
+            </a:r>
+          </a:p>
+          <a:p>
+            <a:r>
+              <a:rPr lang="pt-PT" dirty="0" smtClean="0"/>
+              <a:t>Patrícia Barros (67665)</a:t>
+            </a:r>
+          </a:p>
+          <a:p>
+            <a:r>
+              <a:rPr lang="pt-PT" dirty="0" smtClean="0"/>
+              <a:t>Sandra Ferreira (67709)</a:t>
+            </a:r>
+          </a:p>
+          <a:p>
+            <a:r>
+              <a:rPr lang="pt-PT" dirty="0" smtClean="0"/>
+              <a:t>Tiago Cunha (67707)</a:t>
+            </a:r>
+            <a:endParaRPr lang="pt-PT" dirty="0"/>
+          </a:p>
+        </p:txBody>
+      </p:sp>
+      <p:sp>
+        <p:nvSpPr>
+          <p:cNvPr id="12" name="CaixaDeTexto 11"/>
+          <p:cNvSpPr txBox="1"/>
+          <p:nvPr/>
+        </p:nvSpPr>
+        <p:spPr>
+          <a:xfrm>
+            <a:off x="6012160" y="5276828"/>
+            <a:ext cx="2952328" cy="923330"/>
+          </a:xfrm>
+          <a:prstGeom prst="rect">
+            <a:avLst/>
+          </a:prstGeom>
+          <a:noFill/>
+        </p:spPr>
+        <p:txBody>
+          <a:bodyPr wrap="square" rtlCol="0">
+            <a:spAutoFit/>
+          </a:bodyPr>
+          <a:lstStyle/>
+          <a:p>
+            <a:r>
+              <a:rPr lang="pt-PT" dirty="0" smtClean="0"/>
+              <a:t>Professor: Orlando Belo</a:t>
+            </a:r>
+            <a:br>
+              <a:rPr lang="pt-PT" dirty="0" smtClean="0"/>
+            </a:br>
+            <a:r>
+              <a:rPr lang="pt-PT" dirty="0" smtClean="0"/>
+              <a:t>Grupo 6</a:t>
+            </a:r>
+            <a:br>
+              <a:rPr lang="pt-PT" dirty="0" smtClean="0"/>
+            </a:br>
+            <a:r>
+              <a:rPr lang="pt-PT" dirty="0" smtClean="0"/>
+              <a:t>2014/2015</a:t>
+            </a:r>
+            <a:endParaRPr lang="pt-PT" dirty="0"/>
+          </a:p>
+        </p:txBody>
+      </p:sp>
+      <p:grpSp>
+        <p:nvGrpSpPr>
+          <p:cNvPr id="13" name="Grupo 12"/>
+          <p:cNvGrpSpPr/>
+          <p:nvPr/>
+        </p:nvGrpSpPr>
+        <p:grpSpPr>
+          <a:xfrm>
+            <a:off x="136446" y="168700"/>
+            <a:ext cx="5530491" cy="1110389"/>
+            <a:chOff x="131873" y="218460"/>
+            <a:chExt cx="5530491" cy="1110389"/>
+          </a:xfrm>
+        </p:grpSpPr>
+        <p:sp>
+          <p:nvSpPr>
+            <p:cNvPr id="14" name="CaixaDeTexto 5"/>
+            <p:cNvSpPr txBox="1"/>
+            <p:nvPr/>
+          </p:nvSpPr>
+          <p:spPr>
+            <a:xfrm>
+              <a:off x="1989956" y="251631"/>
+              <a:ext cx="3672408" cy="1077218"/>
+            </a:xfrm>
+            <a:prstGeom prst="rect">
+              <a:avLst/>
+            </a:prstGeom>
+            <a:noFill/>
+          </p:spPr>
+          <p:txBody>
+            <a:bodyPr wrap="square" rtlCol="0">
+              <a:spAutoFit/>
+            </a:bodyPr>
+            <a:lstStyle>
+              <a:defPPr>
+                <a:defRPr lang="en-US"/>
+              </a:defPPr>
+              <a:lvl1pPr marL="0" algn="l" defTabSz="914400" rtl="0" eaLnBrk="1" latinLnBrk="0" hangingPunct="1">
+                <a:defRPr sz="1800" kern="1200">
+                  <a:solidFill>
+                    <a:schemeClr val="tx1"/>
+                  </a:solidFill>
+                  <a:latin typeface="+mn-lt"/>
+                  <a:ea typeface="+mn-ea"/>
+                  <a:cs typeface="+mn-cs"/>
+                </a:defRPr>
+              </a:lvl1pPr>
+              <a:lvl2pPr marL="457200" algn="l" defTabSz="914400" rtl="0" eaLnBrk="1" latinLnBrk="0" hangingPunct="1">
+                <a:defRPr sz="1800" kern="1200">
+                  <a:solidFill>
+                    <a:schemeClr val="tx1"/>
+                  </a:solidFill>
+                  <a:latin typeface="+mn-lt"/>
+                  <a:ea typeface="+mn-ea"/>
+                  <a:cs typeface="+mn-cs"/>
+                </a:defRPr>
+              </a:lvl2pPr>
+              <a:lvl3pPr marL="914400" algn="l" defTabSz="914400" rtl="0" eaLnBrk="1" latinLnBrk="0" hangingPunct="1">
+                <a:defRPr sz="1800" kern="1200">
+                  <a:solidFill>
+                    <a:schemeClr val="tx1"/>
+                  </a:solidFill>
+                  <a:latin typeface="+mn-lt"/>
+                  <a:ea typeface="+mn-ea"/>
+                  <a:cs typeface="+mn-cs"/>
+                </a:defRPr>
+              </a:lvl3pPr>
+              <a:lvl4pPr marL="1371600" algn="l" defTabSz="914400" rtl="0" eaLnBrk="1" latinLnBrk="0" hangingPunct="1">
+                <a:defRPr sz="1800" kern="1200">
+                  <a:solidFill>
+                    <a:schemeClr val="tx1"/>
+                  </a:solidFill>
+                  <a:latin typeface="+mn-lt"/>
+                  <a:ea typeface="+mn-ea"/>
+                  <a:cs typeface="+mn-cs"/>
+                </a:defRPr>
+              </a:lvl4pPr>
+              <a:lvl5pPr marL="1828800" algn="l" defTabSz="914400" rtl="0" eaLnBrk="1" latinLnBrk="0" hangingPunct="1">
+                <a:defRPr sz="1800" kern="1200">
+                  <a:solidFill>
+                    <a:schemeClr val="tx1"/>
+                  </a:solidFill>
+                  <a:latin typeface="+mn-lt"/>
+                  <a:ea typeface="+mn-ea"/>
+                  <a:cs typeface="+mn-cs"/>
+                </a:defRPr>
+              </a:lvl5pPr>
+              <a:lvl6pPr marL="2286000" algn="l" defTabSz="914400" rtl="0" eaLnBrk="1" latinLnBrk="0" hangingPunct="1">
+                <a:defRPr sz="1800" kern="1200">
+                  <a:solidFill>
+                    <a:schemeClr val="tx1"/>
+                  </a:solidFill>
+                  <a:latin typeface="+mn-lt"/>
+                  <a:ea typeface="+mn-ea"/>
+                  <a:cs typeface="+mn-cs"/>
+                </a:defRPr>
+              </a:lvl6pPr>
+              <a:lvl7pPr marL="2743200" algn="l" defTabSz="914400" rtl="0" eaLnBrk="1" latinLnBrk="0" hangingPunct="1">
+                <a:defRPr sz="1800" kern="1200">
+                  <a:solidFill>
+                    <a:schemeClr val="tx1"/>
+                  </a:solidFill>
+                  <a:latin typeface="+mn-lt"/>
+                  <a:ea typeface="+mn-ea"/>
+                  <a:cs typeface="+mn-cs"/>
+                </a:defRPr>
+              </a:lvl7pPr>
+              <a:lvl8pPr marL="3200400" algn="l" defTabSz="914400" rtl="0" eaLnBrk="1" latinLnBrk="0" hangingPunct="1">
+                <a:defRPr sz="1800" kern="1200">
+                  <a:solidFill>
+                    <a:schemeClr val="tx1"/>
+                  </a:solidFill>
+                  <a:latin typeface="+mn-lt"/>
+                  <a:ea typeface="+mn-ea"/>
+                  <a:cs typeface="+mn-cs"/>
+                </a:defRPr>
+              </a:lvl8pPr>
+              <a:lvl9pPr marL="3657600" algn="l" defTabSz="914400" rtl="0" eaLnBrk="1" latinLnBrk="0" hangingPunct="1">
+                <a:defRPr sz="1800" kern="1200">
+                  <a:solidFill>
+                    <a:schemeClr val="tx1"/>
+                  </a:solidFill>
+                  <a:latin typeface="+mn-lt"/>
+                  <a:ea typeface="+mn-ea"/>
+                  <a:cs typeface="+mn-cs"/>
+                </a:defRPr>
+              </a:lvl9pPr>
+            </a:lstStyle>
+            <a:p>
+              <a:r>
+                <a:rPr lang="pt-PT" sz="1600" dirty="0" smtClean="0">
+                  <a:solidFill>
+                    <a:schemeClr val="bg1">
+                      <a:lumMod val="65000"/>
+                    </a:schemeClr>
+                  </a:solidFill>
+                </a:rPr>
+                <a:t>Universidade do Minho</a:t>
+              </a:r>
+              <a:r>
+                <a:rPr lang="pt-PT" sz="1600" dirty="0">
+                  <a:solidFill>
+                    <a:schemeClr val="bg1">
+                      <a:lumMod val="65000"/>
+                    </a:schemeClr>
+                  </a:solidFill>
+                </a:rPr>
+                <a:t/>
+              </a:r>
+              <a:br>
+                <a:rPr lang="pt-PT" sz="1600" dirty="0">
+                  <a:solidFill>
+                    <a:schemeClr val="bg1">
+                      <a:lumMod val="65000"/>
+                    </a:schemeClr>
+                  </a:solidFill>
+                </a:rPr>
+              </a:br>
+              <a:r>
+                <a:rPr lang="pt-PT" sz="1600" dirty="0" smtClean="0">
+                  <a:solidFill>
+                    <a:schemeClr val="bg1">
+                      <a:lumMod val="65000"/>
+                    </a:schemeClr>
+                  </a:solidFill>
+                </a:rPr>
+                <a:t>Licenciatura em Engenharia </a:t>
+              </a:r>
+              <a:r>
+                <a:rPr lang="pt-PT" sz="1600" dirty="0" smtClean="0">
+                  <a:solidFill>
+                    <a:schemeClr val="bg1">
+                      <a:lumMod val="65000"/>
+                    </a:schemeClr>
+                  </a:solidFill>
+                </a:rPr>
+                <a:t>Informática</a:t>
+              </a:r>
+              <a:endParaRPr lang="pt-PT" sz="1600" dirty="0" smtClean="0">
+                <a:solidFill>
+                  <a:schemeClr val="bg1">
+                    <a:lumMod val="65000"/>
+                  </a:schemeClr>
+                </a:solidFill>
+              </a:endParaRPr>
+            </a:p>
+            <a:p>
+              <a:r>
+                <a:rPr lang="pt-PT" sz="1600" dirty="0" smtClean="0">
+                  <a:solidFill>
+                    <a:schemeClr val="bg1">
+                      <a:lumMod val="65000"/>
+                    </a:schemeClr>
+                  </a:solidFill>
+                </a:rPr>
+                <a:t>Laboratórios de Informática IV</a:t>
+              </a:r>
+              <a:endParaRPr lang="pt-PT" sz="1600" dirty="0">
+                <a:solidFill>
+                  <a:schemeClr val="bg1">
+                    <a:lumMod val="65000"/>
+                  </a:schemeClr>
+                </a:solidFill>
+              </a:endParaRPr>
+            </a:p>
+          </p:txBody>
+        </p:sp>
+        <p:pic>
+          <p:nvPicPr>
+            <p:cNvPr id="15" name="Imagem 14"/>
+            <p:cNvPicPr>
+              <a:picLocks noChangeAspect="1"/>
+            </p:cNvPicPr>
+            <p:nvPr/>
+          </p:nvPicPr>
+          <p:blipFill>
+            <a:blip r:embed="rId4" cstate="print">
+              <a:extLst>
+                <a:ext uri="{28A0092B-C50C-407E-A947-70E740481C1C}">
+                  <a14:useLocalDpi xmlns:a14="http://schemas.microsoft.com/office/drawing/2010/main" val="0"/>
+                </a:ext>
+              </a:extLst>
+            </a:blip>
+            <a:stretch>
+              <a:fillRect/>
+            </a:stretch>
+          </p:blipFill>
+          <p:spPr>
+            <a:xfrm>
+              <a:off x="131873" y="218460"/>
+              <a:ext cx="1786076" cy="884108"/>
+            </a:xfrm>
+            <a:prstGeom prst="rect">
+              <a:avLst/>
+            </a:prstGeom>
+          </p:spPr>
+        </p:pic>
+      </p:grpSp>
+    </p:spTree>
+    <p:extLst>
+      <p:ext uri="{BB962C8B-B14F-4D97-AF65-F5344CB8AC3E}">
+        <p14:creationId xmlns:p14="http://schemas.microsoft.com/office/powerpoint/2010/main" val="3390635444"/>
+      </p:ext>
+    </p:extLst>
+  </p:cSld>
+  <p:clrMapOvr>
+    <a:masterClrMapping/>
+  </p:clrMapOvr>
+  <p:timing>
+    <p:tnLst>
+      <p:par>
+        <p:cTn id="1" dur="indefinite" restart="never" nodeType="tmRoot"/>
+      </p:par>
+    </p:tnLst>
+  </p:timing>
+</p:sld>
+</file>
+
 <file path=ppt/slides/slide2.xml><?xml version="1.0" encoding="utf-8"?>
 <p:sld xmlns:a="http://schemas.openxmlformats.org/drawingml/2006/main" xmlns:r="http://schemas.openxmlformats.org/officeDocument/2006/relationships" xmlns:p="http://schemas.openxmlformats.org/presentationml/2006/main">
   <p:cSld>

--- a/2ª Fase/Aprsentação_Fase2.pptx
+++ b/2ª Fase/Aprsentação_Fase2.pptx
@@ -5,10 +5,10 @@
     <p:sldMasterId id="2147483768" r:id="rId1"/>
   </p:sldMasterIdLst>
   <p:notesMasterIdLst>
-    <p:notesMasterId r:id="rId20"/>
+    <p:notesMasterId r:id="rId24"/>
   </p:notesMasterIdLst>
   <p:handoutMasterIdLst>
-    <p:handoutMasterId r:id="rId21"/>
+    <p:handoutMasterId r:id="rId25"/>
   </p:handoutMasterIdLst>
   <p:sldIdLst>
     <p:sldId id="256" r:id="rId2"/>
@@ -24,11 +24,15 @@
     <p:sldId id="266" r:id="rId12"/>
     <p:sldId id="267" r:id="rId13"/>
     <p:sldId id="268" r:id="rId14"/>
-    <p:sldId id="270" r:id="rId15"/>
-    <p:sldId id="269" r:id="rId16"/>
-    <p:sldId id="273" r:id="rId17"/>
-    <p:sldId id="274" r:id="rId18"/>
-    <p:sldId id="272" r:id="rId19"/>
+    <p:sldId id="278" r:id="rId15"/>
+    <p:sldId id="275" r:id="rId16"/>
+    <p:sldId id="276" r:id="rId17"/>
+    <p:sldId id="270" r:id="rId18"/>
+    <p:sldId id="269" r:id="rId19"/>
+    <p:sldId id="277" r:id="rId20"/>
+    <p:sldId id="273" r:id="rId21"/>
+    <p:sldId id="274" r:id="rId22"/>
+    <p:sldId id="272" r:id="rId23"/>
   </p:sldIdLst>
   <p:sldSz cx="9144000" cy="6858000" type="screen4x3"/>
   <p:notesSz cx="6858000" cy="9144000"/>
@@ -1966,6 +1970,13 @@
         </dgm:presLayoutVars>
       </dgm:prSet>
       <dgm:spPr/>
+      <dgm:t>
+        <a:bodyPr/>
+        <a:lstStyle/>
+        <a:p>
+          <a:endParaRPr lang="pt-PT"/>
+        </a:p>
+      </dgm:t>
     </dgm:pt>
     <dgm:pt modelId="{870EF81E-4449-4025-AE66-81CD43704D23}" type="pres">
       <dgm:prSet presAssocID="{9FB0A8EA-6012-4EC8-A9CA-D107FA2ACA0E}" presName="spacerT" presStyleCnt="0"/>
@@ -1974,6 +1985,13 @@
     <dgm:pt modelId="{D78C4171-3F0F-4ECF-8943-91FF603995E0}" type="pres">
       <dgm:prSet presAssocID="{9FB0A8EA-6012-4EC8-A9CA-D107FA2ACA0E}" presName="sibTrans" presStyleLbl="sibTrans2D1" presStyleIdx="0" presStyleCnt="2"/>
       <dgm:spPr/>
+      <dgm:t>
+        <a:bodyPr/>
+        <a:lstStyle/>
+        <a:p>
+          <a:endParaRPr lang="pt-PT"/>
+        </a:p>
+      </dgm:t>
     </dgm:pt>
     <dgm:pt modelId="{BC7F99B9-CA8F-4F13-8A6A-A9119375882A}" type="pres">
       <dgm:prSet presAssocID="{9FB0A8EA-6012-4EC8-A9CA-D107FA2ACA0E}" presName="spacerB" presStyleCnt="0"/>
@@ -1986,14 +2004,35 @@
         </dgm:presLayoutVars>
       </dgm:prSet>
       <dgm:spPr/>
+      <dgm:t>
+        <a:bodyPr/>
+        <a:lstStyle/>
+        <a:p>
+          <a:endParaRPr lang="pt-PT"/>
+        </a:p>
+      </dgm:t>
     </dgm:pt>
     <dgm:pt modelId="{618309A1-C5AF-4AFC-B76B-6288ADED121E}" type="pres">
       <dgm:prSet presAssocID="{1328F6AE-1F34-474E-9194-B632D826E34E}" presName="sibTransLast" presStyleLbl="sibTrans2D1" presStyleIdx="1" presStyleCnt="2"/>
       <dgm:spPr/>
+      <dgm:t>
+        <a:bodyPr/>
+        <a:lstStyle/>
+        <a:p>
+          <a:endParaRPr lang="pt-PT"/>
+        </a:p>
+      </dgm:t>
     </dgm:pt>
     <dgm:pt modelId="{6E6EF322-E95C-4C59-BD4F-64B7883364DC}" type="pres">
       <dgm:prSet presAssocID="{1328F6AE-1F34-474E-9194-B632D826E34E}" presName="connectorText" presStyleLbl="sibTrans2D1" presStyleIdx="1" presStyleCnt="2"/>
       <dgm:spPr/>
+      <dgm:t>
+        <a:bodyPr/>
+        <a:lstStyle/>
+        <a:p>
+          <a:endParaRPr lang="pt-PT"/>
+        </a:p>
+      </dgm:t>
     </dgm:pt>
     <dgm:pt modelId="{5702D7B9-96A6-4AF2-B2AD-A3CA75E6F90B}" type="pres">
       <dgm:prSet presAssocID="{1328F6AE-1F34-474E-9194-B632D826E34E}" presName="lastNode" presStyleLbl="node1" presStyleIdx="2" presStyleCnt="3">
@@ -2012,16 +2051,16 @@
     </dgm:pt>
   </dgm:ptLst>
   <dgm:cxnLst>
-    <dgm:cxn modelId="{105DA86D-986D-4713-9665-13731867E68C}" type="presOf" srcId="{4A9EB0C9-5C32-4250-8C0D-D0A7DC3C50B3}" destId="{6E6EF322-E95C-4C59-BD4F-64B7883364DC}" srcOrd="1" destOrd="0" presId="urn:microsoft.com/office/officeart/2005/8/layout/equation2"/>
-    <dgm:cxn modelId="{EC8D209B-6C5B-4A21-A115-0AFA7F2ACC66}" srcId="{1328F6AE-1F34-474E-9194-B632D826E34E}" destId="{1A67D9AB-D28B-49C7-8400-0692D0301577}" srcOrd="1" destOrd="0" parTransId="{6E9BABD2-D9A0-4AB7-9100-A607920EFE24}" sibTransId="{4A9EB0C9-5C32-4250-8C0D-D0A7DC3C50B3}"/>
+    <dgm:cxn modelId="{BDB4CBA8-E9EC-46A9-8AAA-B1445B75B7DC}" type="presOf" srcId="{4A9EB0C9-5C32-4250-8C0D-D0A7DC3C50B3}" destId="{618309A1-C5AF-4AFC-B76B-6288ADED121E}" srcOrd="0" destOrd="0" presId="urn:microsoft.com/office/officeart/2005/8/layout/equation2"/>
     <dgm:cxn modelId="{68915830-E91D-4482-B51D-4F2635ECE52F}" type="presOf" srcId="{1328F6AE-1F34-474E-9194-B632D826E34E}" destId="{63CCBF24-56FA-4B77-8FDA-C1ABCA52A626}" srcOrd="0" destOrd="0" presId="urn:microsoft.com/office/officeart/2005/8/layout/equation2"/>
     <dgm:cxn modelId="{7BB3D692-EB7B-4277-8036-53FC96C2B1DD}" type="presOf" srcId="{1A67D9AB-D28B-49C7-8400-0692D0301577}" destId="{E07B0856-7EBA-4211-85AA-E55B6351D982}" srcOrd="0" destOrd="0" presId="urn:microsoft.com/office/officeart/2005/8/layout/equation2"/>
-    <dgm:cxn modelId="{BDB4CBA8-E9EC-46A9-8AAA-B1445B75B7DC}" type="presOf" srcId="{4A9EB0C9-5C32-4250-8C0D-D0A7DC3C50B3}" destId="{618309A1-C5AF-4AFC-B76B-6288ADED121E}" srcOrd="0" destOrd="0" presId="urn:microsoft.com/office/officeart/2005/8/layout/equation2"/>
+    <dgm:cxn modelId="{73A5E179-3EAF-4C2B-B610-5E1EDF117D10}" type="presOf" srcId="{9FB0A8EA-6012-4EC8-A9CA-D107FA2ACA0E}" destId="{D78C4171-3F0F-4ECF-8943-91FF603995E0}" srcOrd="0" destOrd="0" presId="urn:microsoft.com/office/officeart/2005/8/layout/equation2"/>
+    <dgm:cxn modelId="{EC8D209B-6C5B-4A21-A115-0AFA7F2ACC66}" srcId="{1328F6AE-1F34-474E-9194-B632D826E34E}" destId="{1A67D9AB-D28B-49C7-8400-0692D0301577}" srcOrd="1" destOrd="0" parTransId="{6E9BABD2-D9A0-4AB7-9100-A607920EFE24}" sibTransId="{4A9EB0C9-5C32-4250-8C0D-D0A7DC3C50B3}"/>
+    <dgm:cxn modelId="{105DA86D-986D-4713-9665-13731867E68C}" type="presOf" srcId="{4A9EB0C9-5C32-4250-8C0D-D0A7DC3C50B3}" destId="{6E6EF322-E95C-4C59-BD4F-64B7883364DC}" srcOrd="1" destOrd="0" presId="urn:microsoft.com/office/officeart/2005/8/layout/equation2"/>
+    <dgm:cxn modelId="{83229AA3-07AC-4DF2-AC20-21BE9C380750}" type="presOf" srcId="{D64B18B1-70FA-4DFF-8461-F61A11E56530}" destId="{5702D7B9-96A6-4AF2-B2AD-A3CA75E6F90B}" srcOrd="0" destOrd="0" presId="urn:microsoft.com/office/officeart/2005/8/layout/equation2"/>
+    <dgm:cxn modelId="{69011C08-E1B3-4024-9FF4-F3A2A02997C1}" srcId="{1328F6AE-1F34-474E-9194-B632D826E34E}" destId="{20ADE223-6F01-4A74-8F45-AD27DE06E8D9}" srcOrd="0" destOrd="0" parTransId="{22C9F2C7-B7F5-4202-B1FE-E3E7A36BDB1E}" sibTransId="{9FB0A8EA-6012-4EC8-A9CA-D107FA2ACA0E}"/>
     <dgm:cxn modelId="{E055D9F0-4336-49CD-8CEE-E06F9986104A}" type="presOf" srcId="{20ADE223-6F01-4A74-8F45-AD27DE06E8D9}" destId="{C2C52C32-DA12-41AA-8051-49C74A9D9C21}" srcOrd="0" destOrd="0" presId="urn:microsoft.com/office/officeart/2005/8/layout/equation2"/>
     <dgm:cxn modelId="{27B18B06-8405-4E23-85AA-CE541C5FFB9A}" srcId="{1328F6AE-1F34-474E-9194-B632D826E34E}" destId="{D64B18B1-70FA-4DFF-8461-F61A11E56530}" srcOrd="2" destOrd="0" parTransId="{9CE4133B-A48D-4F67-A407-169936C480C7}" sibTransId="{9729BDAE-6A4D-43F0-99E6-D0ABBFAE3BCB}"/>
-    <dgm:cxn modelId="{83229AA3-07AC-4DF2-AC20-21BE9C380750}" type="presOf" srcId="{D64B18B1-70FA-4DFF-8461-F61A11E56530}" destId="{5702D7B9-96A6-4AF2-B2AD-A3CA75E6F90B}" srcOrd="0" destOrd="0" presId="urn:microsoft.com/office/officeart/2005/8/layout/equation2"/>
-    <dgm:cxn modelId="{69011C08-E1B3-4024-9FF4-F3A2A02997C1}" srcId="{1328F6AE-1F34-474E-9194-B632D826E34E}" destId="{20ADE223-6F01-4A74-8F45-AD27DE06E8D9}" srcOrd="0" destOrd="0" parTransId="{22C9F2C7-B7F5-4202-B1FE-E3E7A36BDB1E}" sibTransId="{9FB0A8EA-6012-4EC8-A9CA-D107FA2ACA0E}"/>
-    <dgm:cxn modelId="{73A5E179-3EAF-4C2B-B610-5E1EDF117D10}" type="presOf" srcId="{9FB0A8EA-6012-4EC8-A9CA-D107FA2ACA0E}" destId="{D78C4171-3F0F-4ECF-8943-91FF603995E0}" srcOrd="0" destOrd="0" presId="urn:microsoft.com/office/officeart/2005/8/layout/equation2"/>
     <dgm:cxn modelId="{409083B3-4F41-47A4-8AE6-E7698C8791F0}" type="presParOf" srcId="{63CCBF24-56FA-4B77-8FDA-C1ABCA52A626}" destId="{2F9BA346-674D-4E93-A926-7FCAC6A67584}" srcOrd="0" destOrd="0" presId="urn:microsoft.com/office/officeart/2005/8/layout/equation2"/>
     <dgm:cxn modelId="{B89AADCA-127F-4C03-AE1D-5AFAC54FDB15}" type="presParOf" srcId="{2F9BA346-674D-4E93-A926-7FCAC6A67584}" destId="{C2C52C32-DA12-41AA-8051-49C74A9D9C21}" srcOrd="0" destOrd="0" presId="urn:microsoft.com/office/officeart/2005/8/layout/equation2"/>
     <dgm:cxn modelId="{0DC65D34-855C-43DF-A9BB-7B75DAB7A9C2}" type="presParOf" srcId="{2F9BA346-674D-4E93-A926-7FCAC6A67584}" destId="{870EF81E-4449-4025-AE66-81CD43704D23}" srcOrd="1" destOrd="0" presId="urn:microsoft.com/office/officeart/2005/8/layout/equation2"/>
@@ -2596,6 +2635,13 @@
         </dgm:presLayoutVars>
       </dgm:prSet>
       <dgm:spPr/>
+      <dgm:t>
+        <a:bodyPr/>
+        <a:lstStyle/>
+        <a:p>
+          <a:endParaRPr lang="pt-PT"/>
+        </a:p>
+      </dgm:t>
     </dgm:pt>
     <dgm:pt modelId="{72921B44-C122-4FB0-AF23-164722155AAB}" type="pres">
       <dgm:prSet presAssocID="{02E248D5-1033-463E-862C-B56C55B0ED9E}" presName="node" presStyleLbl="node1" presStyleIdx="0" presStyleCnt="8">
@@ -2604,6 +2650,13 @@
         </dgm:presLayoutVars>
       </dgm:prSet>
       <dgm:spPr/>
+      <dgm:t>
+        <a:bodyPr/>
+        <a:lstStyle/>
+        <a:p>
+          <a:endParaRPr lang="pt-PT"/>
+        </a:p>
+      </dgm:t>
     </dgm:pt>
     <dgm:pt modelId="{E5D4F305-6E8B-41E6-B605-077464B2CFE6}" type="pres">
       <dgm:prSet presAssocID="{06F7E183-1050-46E9-8310-CEE99E8371A7}" presName="sibTrans" presStyleCnt="0"/>
@@ -2616,6 +2669,13 @@
         </dgm:presLayoutVars>
       </dgm:prSet>
       <dgm:spPr/>
+      <dgm:t>
+        <a:bodyPr/>
+        <a:lstStyle/>
+        <a:p>
+          <a:endParaRPr lang="pt-PT"/>
+        </a:p>
+      </dgm:t>
     </dgm:pt>
     <dgm:pt modelId="{E807C103-ED6E-412B-8445-3FC131DADD52}" type="pres">
       <dgm:prSet presAssocID="{A63EA56D-2232-492F-AFB8-148641FA8A64}" presName="sibTrans" presStyleCnt="0"/>
@@ -2628,6 +2688,13 @@
         </dgm:presLayoutVars>
       </dgm:prSet>
       <dgm:spPr/>
+      <dgm:t>
+        <a:bodyPr/>
+        <a:lstStyle/>
+        <a:p>
+          <a:endParaRPr lang="pt-PT"/>
+        </a:p>
+      </dgm:t>
     </dgm:pt>
     <dgm:pt modelId="{C8FD7FCF-267C-4285-B96D-B1C736E8FBDF}" type="pres">
       <dgm:prSet presAssocID="{BF06CC03-E967-49C8-9A15-78FA0640BB13}" presName="sibTrans" presStyleCnt="0"/>
@@ -2640,6 +2707,13 @@
         </dgm:presLayoutVars>
       </dgm:prSet>
       <dgm:spPr/>
+      <dgm:t>
+        <a:bodyPr/>
+        <a:lstStyle/>
+        <a:p>
+          <a:endParaRPr lang="pt-PT"/>
+        </a:p>
+      </dgm:t>
     </dgm:pt>
     <dgm:pt modelId="{E083C137-C7F7-4CA3-AA42-809070BCAAA9}" type="pres">
       <dgm:prSet presAssocID="{967257AC-CF7F-460F-B0ED-4CB34C962704}" presName="sibTrans" presStyleCnt="0"/>
@@ -2709,6 +2783,13 @@
         </dgm:presLayoutVars>
       </dgm:prSet>
       <dgm:spPr/>
+      <dgm:t>
+        <a:bodyPr/>
+        <a:lstStyle/>
+        <a:p>
+          <a:endParaRPr lang="pt-PT"/>
+        </a:p>
+      </dgm:t>
     </dgm:pt>
   </dgm:ptLst>
   <dgm:cxnLst>
@@ -2716,14 +2797,14 @@
     <dgm:cxn modelId="{925EBC34-51ED-4700-9FD6-2A12D544F556}" srcId="{57A30B05-819E-42FB-9075-8748989474B5}" destId="{8DF31643-B7D9-4D83-81AB-A58494AD31D0}" srcOrd="3" destOrd="0" parTransId="{01CF10E8-AA5E-4138-9C6D-25696A243F3D}" sibTransId="{967257AC-CF7F-460F-B0ED-4CB34C962704}"/>
     <dgm:cxn modelId="{400AD2CF-1438-4A17-8B18-EAD541D9C531}" srcId="{57A30B05-819E-42FB-9075-8748989474B5}" destId="{8AFBD454-0403-4752-A7C8-06CB75FE935B}" srcOrd="7" destOrd="0" parTransId="{E5D0263A-60C3-4B03-8DAC-31B91B22E4EB}" sibTransId="{561DD7FF-CF4F-4529-B5D7-87DCAF57E116}"/>
     <dgm:cxn modelId="{60E28634-135E-44C4-9D08-443A5DCE8B2F}" srcId="{57A30B05-819E-42FB-9075-8748989474B5}" destId="{C1C7E653-850B-4A42-88E0-8CB6FC128223}" srcOrd="5" destOrd="0" parTransId="{307C8895-503A-415D-A045-17B658E7F05E}" sibTransId="{A415AC53-89BC-44D1-AC52-77E649311709}"/>
+    <dgm:cxn modelId="{E495BF45-CAB8-4333-9F4F-1B4FD948EC85}" type="presOf" srcId="{A2733880-91C3-4D5B-BF5A-F62D5B947DCE}" destId="{69E19E09-A397-47EC-84F2-F61890A9293F}" srcOrd="0" destOrd="0" presId="urn:microsoft.com/office/officeart/2005/8/layout/default"/>
     <dgm:cxn modelId="{2B67BE3D-1050-4F85-B953-477183A78953}" srcId="{57A30B05-819E-42FB-9075-8748989474B5}" destId="{02E248D5-1033-463E-862C-B56C55B0ED9E}" srcOrd="0" destOrd="0" parTransId="{8129707C-C810-4F44-9746-C1FF76E0FB6E}" sibTransId="{06F7E183-1050-46E9-8310-CEE99E8371A7}"/>
-    <dgm:cxn modelId="{E495BF45-CAB8-4333-9F4F-1B4FD948EC85}" type="presOf" srcId="{A2733880-91C3-4D5B-BF5A-F62D5B947DCE}" destId="{69E19E09-A397-47EC-84F2-F61890A9293F}" srcOrd="0" destOrd="0" presId="urn:microsoft.com/office/officeart/2005/8/layout/default"/>
     <dgm:cxn modelId="{CD187062-651F-4EFC-9EA8-279BF183193D}" type="presOf" srcId="{8DF31643-B7D9-4D83-81AB-A58494AD31D0}" destId="{E89EBE4D-FFE5-44AE-87D0-17893DC0E394}" srcOrd="0" destOrd="0" presId="urn:microsoft.com/office/officeart/2005/8/layout/default"/>
     <dgm:cxn modelId="{17CB3C93-91C0-4319-9FF0-507048326D1D}" srcId="{57A30B05-819E-42FB-9075-8748989474B5}" destId="{1DE293BF-7A16-42A4-835E-341175DD013E}" srcOrd="1" destOrd="0" parTransId="{8E9BEE8E-7B72-4326-A12A-94CF2539B44A}" sibTransId="{A63EA56D-2232-492F-AFB8-148641FA8A64}"/>
     <dgm:cxn modelId="{E7FC17D2-5C07-4C2B-AB92-4EE9DCF72E28}" type="presOf" srcId="{1DE293BF-7A16-42A4-835E-341175DD013E}" destId="{35DB88A1-046A-49F6-8182-1C089F01A971}" srcOrd="0" destOrd="0" presId="urn:microsoft.com/office/officeart/2005/8/layout/default"/>
     <dgm:cxn modelId="{7C87EC78-74F7-4852-851D-C3C881411006}" type="presOf" srcId="{713F1905-FB0A-4EBA-88CC-5CF383204160}" destId="{2FBD7721-A974-4C7C-A2F4-510F5A7A8FA4}" srcOrd="0" destOrd="0" presId="urn:microsoft.com/office/officeart/2005/8/layout/default"/>
+    <dgm:cxn modelId="{8F771DE9-E08A-4E34-9457-4159DACAEABD}" srcId="{57A30B05-819E-42FB-9075-8748989474B5}" destId="{EC669E21-6F4C-4D8A-AF33-4773F8B366FA}" srcOrd="6" destOrd="0" parTransId="{1DB07055-E980-48F6-8FB2-63B23C9E1880}" sibTransId="{61EC778B-275B-4434-899E-808EFBF4286B}"/>
     <dgm:cxn modelId="{36727B74-05F6-495F-A3AF-91ACC1B22BAB}" srcId="{57A30B05-819E-42FB-9075-8748989474B5}" destId="{A2733880-91C3-4D5B-BF5A-F62D5B947DCE}" srcOrd="4" destOrd="0" parTransId="{982B0466-DBEE-48C8-894F-BE0EA7401360}" sibTransId="{39B1093B-2446-4246-8E26-DE978742E51A}"/>
-    <dgm:cxn modelId="{8F771DE9-E08A-4E34-9457-4159DACAEABD}" srcId="{57A30B05-819E-42FB-9075-8748989474B5}" destId="{EC669E21-6F4C-4D8A-AF33-4773F8B366FA}" srcOrd="6" destOrd="0" parTransId="{1DB07055-E980-48F6-8FB2-63B23C9E1880}" sibTransId="{61EC778B-275B-4434-899E-808EFBF4286B}"/>
     <dgm:cxn modelId="{D2DDF4E9-A956-4FD4-BEF2-2EEF5733C3AB}" type="presOf" srcId="{EC669E21-6F4C-4D8A-AF33-4773F8B366FA}" destId="{53B5A08C-1A0B-44EE-985A-1518E15FF12C}" srcOrd="0" destOrd="0" presId="urn:microsoft.com/office/officeart/2005/8/layout/default"/>
     <dgm:cxn modelId="{A3EFEAC6-7CF9-413D-B013-9D800C3368DE}" srcId="{57A30B05-819E-42FB-9075-8748989474B5}" destId="{713F1905-FB0A-4EBA-88CC-5CF383204160}" srcOrd="2" destOrd="0" parTransId="{A1BE0018-8BD5-4437-8F29-51F54854FF1B}" sibTransId="{BF06CC03-E967-49C8-9A15-78FA0640BB13}"/>
     <dgm:cxn modelId="{9AE37472-E7D4-4262-A42A-475090AA6EEB}" type="presOf" srcId="{C1C7E653-850B-4A42-88E0-8CB6FC128223}" destId="{016DC74D-6D1A-4925-A09E-17955F250449}" srcOrd="0" destOrd="0" presId="urn:microsoft.com/office/officeart/2005/8/layout/default"/>
@@ -6669,7 +6750,7 @@
           <a:p>
             <a:fld id="{9E656CAA-4C92-427E-BB78-1EED404C9FE2}" type="datetimeFigureOut">
               <a:rPr lang="pt-PT" smtClean="0"/>
-              <a:t>06-05-2015</a:t>
+              <a:t>08-05-2015</a:t>
             </a:fld>
             <a:endParaRPr lang="pt-PT"/>
           </a:p>
@@ -6835,7 +6916,7 @@
           <a:p>
             <a:fld id="{364034B3-BB78-49DF-99BF-04DE0DB16737}" type="datetimeFigureOut">
               <a:rPr lang="pt-PT" smtClean="0"/>
-              <a:t>06-05-2015</a:t>
+              <a:t>08-05-2015</a:t>
             </a:fld>
             <a:endParaRPr lang="pt-PT"/>
           </a:p>
@@ -7272,7 +7353,7 @@
           <a:p>
             <a:fld id="{59529838-8612-4287-AFC5-4E951F1C2B53}" type="slidenum">
               <a:rPr lang="pt-PT" smtClean="0"/>
-              <a:t>18</a:t>
+              <a:t>22</a:t>
             </a:fld>
             <a:endParaRPr lang="pt-PT"/>
           </a:p>
@@ -7491,7 +7572,7 @@
           <a:p>
             <a:fld id="{FD361C49-D18D-43BB-9D84-0FD5C228A1E4}" type="datetimeFigureOut">
               <a:rPr lang="pt-PT" smtClean="0"/>
-              <a:t>06-05-2015</a:t>
+              <a:t>08-05-2015</a:t>
             </a:fld>
             <a:endParaRPr lang="pt-PT"/>
           </a:p>
@@ -7661,7 +7742,7 @@
           <a:p>
             <a:fld id="{FD361C49-D18D-43BB-9D84-0FD5C228A1E4}" type="datetimeFigureOut">
               <a:rPr lang="pt-PT" smtClean="0"/>
-              <a:t>06-05-2015</a:t>
+              <a:t>08-05-2015</a:t>
             </a:fld>
             <a:endParaRPr lang="pt-PT"/>
           </a:p>
@@ -7841,7 +7922,7 @@
           <a:p>
             <a:fld id="{FD361C49-D18D-43BB-9D84-0FD5C228A1E4}" type="datetimeFigureOut">
               <a:rPr lang="pt-PT" smtClean="0"/>
-              <a:t>06-05-2015</a:t>
+              <a:t>08-05-2015</a:t>
             </a:fld>
             <a:endParaRPr lang="pt-PT"/>
           </a:p>
@@ -8011,7 +8092,7 @@
           <a:p>
             <a:fld id="{FD361C49-D18D-43BB-9D84-0FD5C228A1E4}" type="datetimeFigureOut">
               <a:rPr lang="pt-PT" smtClean="0"/>
-              <a:t>06-05-2015</a:t>
+              <a:t>08-05-2015</a:t>
             </a:fld>
             <a:endParaRPr lang="pt-PT"/>
           </a:p>
@@ -8257,7 +8338,7 @@
           <a:p>
             <a:fld id="{FD361C49-D18D-43BB-9D84-0FD5C228A1E4}" type="datetimeFigureOut">
               <a:rPr lang="pt-PT" smtClean="0"/>
-              <a:t>06-05-2015</a:t>
+              <a:t>08-05-2015</a:t>
             </a:fld>
             <a:endParaRPr lang="pt-PT"/>
           </a:p>
@@ -8545,7 +8626,7 @@
           <a:p>
             <a:fld id="{FD361C49-D18D-43BB-9D84-0FD5C228A1E4}" type="datetimeFigureOut">
               <a:rPr lang="pt-PT" smtClean="0"/>
-              <a:t>06-05-2015</a:t>
+              <a:t>08-05-2015</a:t>
             </a:fld>
             <a:endParaRPr lang="pt-PT"/>
           </a:p>
@@ -8967,7 +9048,7 @@
           <a:p>
             <a:fld id="{FD361C49-D18D-43BB-9D84-0FD5C228A1E4}" type="datetimeFigureOut">
               <a:rPr lang="pt-PT" smtClean="0"/>
-              <a:t>06-05-2015</a:t>
+              <a:t>08-05-2015</a:t>
             </a:fld>
             <a:endParaRPr lang="pt-PT"/>
           </a:p>
@@ -9085,7 +9166,7 @@
           <a:p>
             <a:fld id="{FD361C49-D18D-43BB-9D84-0FD5C228A1E4}" type="datetimeFigureOut">
               <a:rPr lang="pt-PT" smtClean="0"/>
-              <a:t>06-05-2015</a:t>
+              <a:t>08-05-2015</a:t>
             </a:fld>
             <a:endParaRPr lang="pt-PT"/>
           </a:p>
@@ -9180,7 +9261,7 @@
           <a:p>
             <a:fld id="{FD361C49-D18D-43BB-9D84-0FD5C228A1E4}" type="datetimeFigureOut">
               <a:rPr lang="pt-PT" smtClean="0"/>
-              <a:t>06-05-2015</a:t>
+              <a:t>08-05-2015</a:t>
             </a:fld>
             <a:endParaRPr lang="pt-PT"/>
           </a:p>
@@ -9457,7 +9538,7 @@
           <a:p>
             <a:fld id="{FD361C49-D18D-43BB-9D84-0FD5C228A1E4}" type="datetimeFigureOut">
               <a:rPr lang="pt-PT" smtClean="0"/>
-              <a:t>06-05-2015</a:t>
+              <a:t>08-05-2015</a:t>
             </a:fld>
             <a:endParaRPr lang="pt-PT"/>
           </a:p>
@@ -9710,7 +9791,7 @@
           <a:p>
             <a:fld id="{FD361C49-D18D-43BB-9D84-0FD5C228A1E4}" type="datetimeFigureOut">
               <a:rPr lang="pt-PT" smtClean="0"/>
-              <a:t>06-05-2015</a:t>
+              <a:t>08-05-2015</a:t>
             </a:fld>
             <a:endParaRPr lang="pt-PT"/>
           </a:p>
@@ -9923,7 +10004,7 @@
           <a:p>
             <a:fld id="{FD361C49-D18D-43BB-9D84-0FD5C228A1E4}" type="datetimeFigureOut">
               <a:rPr lang="pt-PT" smtClean="0"/>
-              <a:t>06-05-2015</a:t>
+              <a:t>08-05-2015</a:t>
             </a:fld>
             <a:endParaRPr lang="pt-PT"/>
           </a:p>
@@ -10435,29 +10516,7 @@
                 </a:effectLst>
                 <a:latin typeface="+mn-lt"/>
               </a:rPr>
-              <a:t>Aprende com </a:t>
-            </a:r>
-            <a:r>
-              <a:rPr lang="pt-PT" sz="11000" b="1" spc="0" dirty="0" smtClean="0">
-                <a:ln w="0"/>
-                <a:solidFill>
-                  <a:srgbClr val="0070C0"/>
-                </a:solidFill>
-                <a:effectLst>
-                  <a:glow rad="101600">
-                    <a:srgbClr val="FFFF00">
-                      <a:alpha val="60000"/>
-                    </a:srgbClr>
-                  </a:glow>
-                  <a:outerShdw blurRad="38100" dist="25400" dir="5400000" algn="ctr" rotWithShape="0">
-                    <a:srgbClr val="6E747A">
-                      <a:alpha val="43000"/>
-                    </a:srgbClr>
-                  </a:outerShdw>
-                </a:effectLst>
-                <a:latin typeface="+mn-lt"/>
-              </a:rPr>
-              <a:t>os</a:t>
+              <a:t>Aprende com os</a:t>
             </a:r>
           </a:p>
           <a:p>
@@ -10853,25 +10912,8 @@
                     </a:schemeClr>
                   </a:solidFill>
                 </a:rPr>
-                <a:t>Licenciatura em Engenharia </a:t>
+                <a:t>Licenciatura em Engenharia Informática</a:t>
               </a:r>
-              <a:r>
-                <a:rPr lang="pt-PT" sz="1600" dirty="0" smtClean="0">
-                  <a:solidFill>
-                    <a:schemeClr val="bg1">
-                      <a:lumMod val="65000"/>
-                    </a:schemeClr>
-                  </a:solidFill>
-                </a:rPr>
-                <a:t>Informática</a:t>
-              </a:r>
-              <a:endParaRPr lang="pt-PT" sz="1600" dirty="0" smtClean="0">
-                <a:solidFill>
-                  <a:schemeClr val="bg1">
-                    <a:lumMod val="65000"/>
-                  </a:schemeClr>
-                </a:solidFill>
-              </a:endParaRPr>
             </a:p>
             <a:p>
               <a:r>
@@ -11195,25 +11237,8 @@
                     </a:schemeClr>
                   </a:solidFill>
                 </a:rPr>
-                <a:t>Licenciatura em Engenharia </a:t>
+                <a:t>Licenciatura em Engenharia Informática</a:t>
               </a:r>
-              <a:r>
-                <a:rPr lang="pt-PT" sz="1600" dirty="0" smtClean="0">
-                  <a:solidFill>
-                    <a:schemeClr val="bg1">
-                      <a:lumMod val="65000"/>
-                    </a:schemeClr>
-                  </a:solidFill>
-                </a:rPr>
-                <a:t>Informática</a:t>
-              </a:r>
-              <a:endParaRPr lang="pt-PT" sz="1600" dirty="0" smtClean="0">
-                <a:solidFill>
-                  <a:schemeClr val="bg1">
-                    <a:lumMod val="65000"/>
-                  </a:schemeClr>
-                </a:solidFill>
-              </a:endParaRPr>
             </a:p>
             <a:p>
               <a:r>
@@ -11537,25 +11562,8 @@
                     </a:schemeClr>
                   </a:solidFill>
                 </a:rPr>
-                <a:t>Licenciatura em Engenharia </a:t>
+                <a:t>Licenciatura em Engenharia Informática</a:t>
               </a:r>
-              <a:r>
-                <a:rPr lang="pt-PT" sz="1600" dirty="0" smtClean="0">
-                  <a:solidFill>
-                    <a:schemeClr val="bg1">
-                      <a:lumMod val="65000"/>
-                    </a:schemeClr>
-                  </a:solidFill>
-                </a:rPr>
-                <a:t>Informática</a:t>
-              </a:r>
-              <a:endParaRPr lang="pt-PT" sz="1600" dirty="0" smtClean="0">
-                <a:solidFill>
-                  <a:schemeClr val="bg1">
-                    <a:lumMod val="65000"/>
-                  </a:schemeClr>
-                </a:solidFill>
-              </a:endParaRPr>
             </a:p>
             <a:p>
               <a:r>
@@ -11879,25 +11887,8 @@
                     </a:schemeClr>
                   </a:solidFill>
                 </a:rPr>
-                <a:t>Licenciatura em Engenharia </a:t>
+                <a:t>Licenciatura em Engenharia Informática</a:t>
               </a:r>
-              <a:r>
-                <a:rPr lang="pt-PT" sz="1600" dirty="0" smtClean="0">
-                  <a:solidFill>
-                    <a:schemeClr val="bg1">
-                      <a:lumMod val="65000"/>
-                    </a:schemeClr>
-                  </a:solidFill>
-                </a:rPr>
-                <a:t>Informática</a:t>
-              </a:r>
-              <a:endParaRPr lang="pt-PT" sz="1600" dirty="0" smtClean="0">
-                <a:solidFill>
-                  <a:schemeClr val="bg1">
-                    <a:lumMod val="65000"/>
-                  </a:schemeClr>
-                </a:solidFill>
-              </a:endParaRPr>
             </a:p>
             <a:p>
               <a:r>
@@ -12223,25 +12214,8 @@
                     </a:schemeClr>
                   </a:solidFill>
                 </a:rPr>
-                <a:t>Licenciatura em Engenharia </a:t>
+                <a:t>Licenciatura em Engenharia Informática</a:t>
               </a:r>
-              <a:r>
-                <a:rPr lang="pt-PT" sz="1600" dirty="0" smtClean="0">
-                  <a:solidFill>
-                    <a:schemeClr val="bg1">
-                      <a:lumMod val="65000"/>
-                    </a:schemeClr>
-                  </a:solidFill>
-                </a:rPr>
-                <a:t>Informática</a:t>
-              </a:r>
-              <a:endParaRPr lang="pt-PT" sz="1600" dirty="0" smtClean="0">
-                <a:solidFill>
-                  <a:schemeClr val="bg1">
-                    <a:lumMod val="65000"/>
-                  </a:schemeClr>
-                </a:solidFill>
-              </a:endParaRPr>
             </a:p>
             <a:p>
               <a:r>
@@ -12316,6 +12290,923 @@
 </file>
 
 <file path=ppt/slides/slide14.xml><?xml version="1.0" encoding="utf-8"?>
+<p:sld xmlns:a="http://schemas.openxmlformats.org/drawingml/2006/main" xmlns:r="http://schemas.openxmlformats.org/officeDocument/2006/relationships" xmlns:p="http://schemas.openxmlformats.org/presentationml/2006/main">
+  <p:cSld>
+    <p:spTree>
+      <p:nvGrpSpPr>
+        <p:cNvPr id="1" name=""/>
+        <p:cNvGrpSpPr/>
+        <p:nvPr/>
+      </p:nvGrpSpPr>
+      <p:grpSpPr>
+        <a:xfrm>
+          <a:off x="0" y="0"/>
+          <a:ext cx="0" cy="0"/>
+          <a:chOff x="0" y="0"/>
+          <a:chExt cx="0" cy="0"/>
+        </a:xfrm>
+      </p:grpSpPr>
+      <p:sp>
+        <p:nvSpPr>
+          <p:cNvPr id="4" name="Título 1"/>
+          <p:cNvSpPr>
+            <a:spLocks noGrp="1"/>
+          </p:cNvSpPr>
+          <p:nvPr>
+            <p:ph type="title"/>
+          </p:nvPr>
+        </p:nvSpPr>
+        <p:spPr>
+          <a:xfrm>
+            <a:off x="395536" y="1052808"/>
+            <a:ext cx="8352928" cy="5400528"/>
+          </a:xfrm>
+        </p:spPr>
+        <p:txBody>
+          <a:bodyPr>
+            <a:normAutofit/>
+          </a:bodyPr>
+          <a:lstStyle/>
+          <a:p>
+            <a:pPr algn="l"/>
+            <a:r>
+              <a:rPr lang="pt-PT" sz="9600" b="1" dirty="0" smtClean="0">
+                <a:solidFill>
+                  <a:schemeClr val="bg2"/>
+                </a:solidFill>
+              </a:rPr>
+              <a:t>Diagrama de </a:t>
+            </a:r>
+            <a:r>
+              <a:rPr lang="pt-PT" sz="9600" b="1" dirty="0" err="1" smtClean="0">
+                <a:solidFill>
+                  <a:schemeClr val="bg2"/>
+                </a:solidFill>
+              </a:rPr>
+              <a:t>Sequênica</a:t>
+            </a:r>
+            <a:endParaRPr lang="pt-PT" sz="9600" b="1" dirty="0">
+              <a:solidFill>
+                <a:schemeClr val="bg2"/>
+              </a:solidFill>
+            </a:endParaRPr>
+          </a:p>
+        </p:txBody>
+      </p:sp>
+      <p:grpSp>
+        <p:nvGrpSpPr>
+          <p:cNvPr id="5" name="Grupo 4"/>
+          <p:cNvGrpSpPr/>
+          <p:nvPr/>
+        </p:nvGrpSpPr>
+        <p:grpSpPr>
+          <a:xfrm>
+            <a:off x="234524" y="160419"/>
+            <a:ext cx="5212826" cy="1077218"/>
+            <a:chOff x="131873" y="210179"/>
+            <a:chExt cx="5530491" cy="1077218"/>
+          </a:xfrm>
+        </p:grpSpPr>
+        <p:sp>
+          <p:nvSpPr>
+            <p:cNvPr id="6" name="CaixaDeTexto 5"/>
+            <p:cNvSpPr txBox="1"/>
+            <p:nvPr/>
+          </p:nvSpPr>
+          <p:spPr>
+            <a:xfrm>
+              <a:off x="1989956" y="210179"/>
+              <a:ext cx="3672408" cy="1077218"/>
+            </a:xfrm>
+            <a:prstGeom prst="rect">
+              <a:avLst/>
+            </a:prstGeom>
+            <a:noFill/>
+          </p:spPr>
+          <p:txBody>
+            <a:bodyPr wrap="square" rtlCol="0">
+              <a:spAutoFit/>
+            </a:bodyPr>
+            <a:lstStyle>
+              <a:defPPr>
+                <a:defRPr lang="en-US"/>
+              </a:defPPr>
+              <a:lvl1pPr marL="0" algn="l" defTabSz="914400" rtl="0" eaLnBrk="1" latinLnBrk="0" hangingPunct="1">
+                <a:defRPr sz="1800" kern="1200">
+                  <a:solidFill>
+                    <a:schemeClr val="tx1"/>
+                  </a:solidFill>
+                  <a:latin typeface="+mn-lt"/>
+                  <a:ea typeface="+mn-ea"/>
+                  <a:cs typeface="+mn-cs"/>
+                </a:defRPr>
+              </a:lvl1pPr>
+              <a:lvl2pPr marL="457200" algn="l" defTabSz="914400" rtl="0" eaLnBrk="1" latinLnBrk="0" hangingPunct="1">
+                <a:defRPr sz="1800" kern="1200">
+                  <a:solidFill>
+                    <a:schemeClr val="tx1"/>
+                  </a:solidFill>
+                  <a:latin typeface="+mn-lt"/>
+                  <a:ea typeface="+mn-ea"/>
+                  <a:cs typeface="+mn-cs"/>
+                </a:defRPr>
+              </a:lvl2pPr>
+              <a:lvl3pPr marL="914400" algn="l" defTabSz="914400" rtl="0" eaLnBrk="1" latinLnBrk="0" hangingPunct="1">
+                <a:defRPr sz="1800" kern="1200">
+                  <a:solidFill>
+                    <a:schemeClr val="tx1"/>
+                  </a:solidFill>
+                  <a:latin typeface="+mn-lt"/>
+                  <a:ea typeface="+mn-ea"/>
+                  <a:cs typeface="+mn-cs"/>
+                </a:defRPr>
+              </a:lvl3pPr>
+              <a:lvl4pPr marL="1371600" algn="l" defTabSz="914400" rtl="0" eaLnBrk="1" latinLnBrk="0" hangingPunct="1">
+                <a:defRPr sz="1800" kern="1200">
+                  <a:solidFill>
+                    <a:schemeClr val="tx1"/>
+                  </a:solidFill>
+                  <a:latin typeface="+mn-lt"/>
+                  <a:ea typeface="+mn-ea"/>
+                  <a:cs typeface="+mn-cs"/>
+                </a:defRPr>
+              </a:lvl4pPr>
+              <a:lvl5pPr marL="1828800" algn="l" defTabSz="914400" rtl="0" eaLnBrk="1" latinLnBrk="0" hangingPunct="1">
+                <a:defRPr sz="1800" kern="1200">
+                  <a:solidFill>
+                    <a:schemeClr val="tx1"/>
+                  </a:solidFill>
+                  <a:latin typeface="+mn-lt"/>
+                  <a:ea typeface="+mn-ea"/>
+                  <a:cs typeface="+mn-cs"/>
+                </a:defRPr>
+              </a:lvl5pPr>
+              <a:lvl6pPr marL="2286000" algn="l" defTabSz="914400" rtl="0" eaLnBrk="1" latinLnBrk="0" hangingPunct="1">
+                <a:defRPr sz="1800" kern="1200">
+                  <a:solidFill>
+                    <a:schemeClr val="tx1"/>
+                  </a:solidFill>
+                  <a:latin typeface="+mn-lt"/>
+                  <a:ea typeface="+mn-ea"/>
+                  <a:cs typeface="+mn-cs"/>
+                </a:defRPr>
+              </a:lvl6pPr>
+              <a:lvl7pPr marL="2743200" algn="l" defTabSz="914400" rtl="0" eaLnBrk="1" latinLnBrk="0" hangingPunct="1">
+                <a:defRPr sz="1800" kern="1200">
+                  <a:solidFill>
+                    <a:schemeClr val="tx1"/>
+                  </a:solidFill>
+                  <a:latin typeface="+mn-lt"/>
+                  <a:ea typeface="+mn-ea"/>
+                  <a:cs typeface="+mn-cs"/>
+                </a:defRPr>
+              </a:lvl7pPr>
+              <a:lvl8pPr marL="3200400" algn="l" defTabSz="914400" rtl="0" eaLnBrk="1" latinLnBrk="0" hangingPunct="1">
+                <a:defRPr sz="1800" kern="1200">
+                  <a:solidFill>
+                    <a:schemeClr val="tx1"/>
+                  </a:solidFill>
+                  <a:latin typeface="+mn-lt"/>
+                  <a:ea typeface="+mn-ea"/>
+                  <a:cs typeface="+mn-cs"/>
+                </a:defRPr>
+              </a:lvl8pPr>
+              <a:lvl9pPr marL="3657600" algn="l" defTabSz="914400" rtl="0" eaLnBrk="1" latinLnBrk="0" hangingPunct="1">
+                <a:defRPr sz="1800" kern="1200">
+                  <a:solidFill>
+                    <a:schemeClr val="tx1"/>
+                  </a:solidFill>
+                  <a:latin typeface="+mn-lt"/>
+                  <a:ea typeface="+mn-ea"/>
+                  <a:cs typeface="+mn-cs"/>
+                </a:defRPr>
+              </a:lvl9pPr>
+            </a:lstStyle>
+            <a:p>
+              <a:r>
+                <a:rPr lang="pt-PT" sz="1600" dirty="0" smtClean="0">
+                  <a:solidFill>
+                    <a:schemeClr val="bg1">
+                      <a:lumMod val="65000"/>
+                    </a:schemeClr>
+                  </a:solidFill>
+                </a:rPr>
+                <a:t>Universidade do Minho</a:t>
+              </a:r>
+              <a:r>
+                <a:rPr lang="pt-PT" sz="1600" dirty="0">
+                  <a:solidFill>
+                    <a:schemeClr val="bg1">
+                      <a:lumMod val="65000"/>
+                    </a:schemeClr>
+                  </a:solidFill>
+                </a:rPr>
+                <a:t/>
+              </a:r>
+              <a:br>
+                <a:rPr lang="pt-PT" sz="1600" dirty="0">
+                  <a:solidFill>
+                    <a:schemeClr val="bg1">
+                      <a:lumMod val="65000"/>
+                    </a:schemeClr>
+                  </a:solidFill>
+                </a:rPr>
+              </a:br>
+              <a:r>
+                <a:rPr lang="pt-PT" sz="1600" dirty="0" smtClean="0">
+                  <a:solidFill>
+                    <a:schemeClr val="bg1">
+                      <a:lumMod val="65000"/>
+                    </a:schemeClr>
+                  </a:solidFill>
+                </a:rPr>
+                <a:t>Licenciatura em Engenharia Informática</a:t>
+              </a:r>
+            </a:p>
+            <a:p>
+              <a:r>
+                <a:rPr lang="pt-PT" sz="1600" dirty="0" smtClean="0">
+                  <a:solidFill>
+                    <a:schemeClr val="bg1">
+                      <a:lumMod val="65000"/>
+                    </a:schemeClr>
+                  </a:solidFill>
+                </a:rPr>
+                <a:t>Laboratórios de Informática IV</a:t>
+              </a:r>
+              <a:endParaRPr lang="pt-PT" sz="1600" dirty="0">
+                <a:solidFill>
+                  <a:schemeClr val="bg1">
+                    <a:lumMod val="65000"/>
+                  </a:schemeClr>
+                </a:solidFill>
+              </a:endParaRPr>
+            </a:p>
+          </p:txBody>
+        </p:sp>
+        <p:pic>
+          <p:nvPicPr>
+            <p:cNvPr id="7" name="Imagem 6"/>
+            <p:cNvPicPr>
+              <a:picLocks noChangeAspect="1"/>
+            </p:cNvPicPr>
+            <p:nvPr/>
+          </p:nvPicPr>
+          <p:blipFill>
+            <a:blip r:embed="rId2" cstate="print">
+              <a:extLst>
+                <a:ext uri="{28A0092B-C50C-407E-A947-70E740481C1C}">
+                  <a14:useLocalDpi xmlns:a14="http://schemas.microsoft.com/office/drawing/2010/main" val="0"/>
+                </a:ext>
+              </a:extLst>
+            </a:blip>
+            <a:stretch>
+              <a:fillRect/>
+            </a:stretch>
+          </p:blipFill>
+          <p:spPr>
+            <a:xfrm>
+              <a:off x="131873" y="218460"/>
+              <a:ext cx="1786076" cy="884108"/>
+            </a:xfrm>
+            <a:prstGeom prst="rect">
+              <a:avLst/>
+            </a:prstGeom>
+          </p:spPr>
+        </p:pic>
+      </p:grpSp>
+    </p:spTree>
+    <p:extLst>
+      <p:ext uri="{BB962C8B-B14F-4D97-AF65-F5344CB8AC3E}">
+        <p14:creationId xmlns:p14="http://schemas.microsoft.com/office/powerpoint/2010/main" val="1536797870"/>
+      </p:ext>
+    </p:extLst>
+  </p:cSld>
+  <p:clrMapOvr>
+    <a:masterClrMapping/>
+  </p:clrMapOvr>
+</p:sld>
+</file>
+
+<file path=ppt/slides/slide15.xml><?xml version="1.0" encoding="utf-8"?>
+<p:sld xmlns:a="http://schemas.openxmlformats.org/drawingml/2006/main" xmlns:r="http://schemas.openxmlformats.org/officeDocument/2006/relationships" xmlns:p="http://schemas.openxmlformats.org/presentationml/2006/main">
+  <p:cSld>
+    <p:spTree>
+      <p:nvGrpSpPr>
+        <p:cNvPr id="1" name=""/>
+        <p:cNvGrpSpPr/>
+        <p:nvPr/>
+      </p:nvGrpSpPr>
+      <p:grpSpPr>
+        <a:xfrm>
+          <a:off x="0" y="0"/>
+          <a:ext cx="0" cy="0"/>
+          <a:chOff x="0" y="0"/>
+          <a:chExt cx="0" cy="0"/>
+        </a:xfrm>
+      </p:grpSpPr>
+      <p:pic>
+        <p:nvPicPr>
+          <p:cNvPr id="8" name="Marcador de Posição de Conteúdo 7"/>
+          <p:cNvPicPr>
+            <a:picLocks noGrp="1" noChangeAspect="1"/>
+          </p:cNvPicPr>
+          <p:nvPr>
+            <p:ph idx="1"/>
+          </p:nvPr>
+        </p:nvPicPr>
+        <p:blipFill>
+          <a:blip r:embed="rId2">
+            <a:extLst>
+              <a:ext uri="{28A0092B-C50C-407E-A947-70E740481C1C}">
+                <a14:useLocalDpi xmlns:a14="http://schemas.microsoft.com/office/drawing/2010/main" val="0"/>
+              </a:ext>
+            </a:extLst>
+          </a:blip>
+          <a:stretch>
+            <a:fillRect/>
+          </a:stretch>
+        </p:blipFill>
+        <p:spPr>
+          <a:xfrm>
+            <a:off x="1475656" y="1820617"/>
+            <a:ext cx="6159945" cy="5037383"/>
+          </a:xfrm>
+        </p:spPr>
+      </p:pic>
+      <p:sp>
+        <p:nvSpPr>
+          <p:cNvPr id="4" name="Título 1"/>
+          <p:cNvSpPr>
+            <a:spLocks noGrp="1"/>
+          </p:cNvSpPr>
+          <p:nvPr>
+            <p:ph type="title"/>
+          </p:nvPr>
+        </p:nvSpPr>
+        <p:spPr>
+          <a:xfrm>
+            <a:off x="395536" y="908720"/>
+            <a:ext cx="8352928" cy="1143000"/>
+          </a:xfrm>
+        </p:spPr>
+        <p:txBody>
+          <a:bodyPr>
+            <a:normAutofit/>
+          </a:bodyPr>
+          <a:lstStyle/>
+          <a:p>
+            <a:pPr algn="l"/>
+            <a:r>
+              <a:rPr lang="pt-PT" b="1" dirty="0" smtClean="0">
+                <a:solidFill>
+                  <a:schemeClr val="bg2"/>
+                </a:solidFill>
+              </a:rPr>
+              <a:t>DS- Desistir do Exercício</a:t>
+            </a:r>
+            <a:endParaRPr lang="pt-PT" b="1" dirty="0">
+              <a:solidFill>
+                <a:schemeClr val="bg2"/>
+              </a:solidFill>
+            </a:endParaRPr>
+          </a:p>
+        </p:txBody>
+      </p:sp>
+      <p:grpSp>
+        <p:nvGrpSpPr>
+          <p:cNvPr id="5" name="Grupo 4"/>
+          <p:cNvGrpSpPr/>
+          <p:nvPr/>
+        </p:nvGrpSpPr>
+        <p:grpSpPr>
+          <a:xfrm>
+            <a:off x="234524" y="160419"/>
+            <a:ext cx="5212826" cy="1077218"/>
+            <a:chOff x="131873" y="210179"/>
+            <a:chExt cx="5530491" cy="1077218"/>
+          </a:xfrm>
+        </p:grpSpPr>
+        <p:sp>
+          <p:nvSpPr>
+            <p:cNvPr id="6" name="CaixaDeTexto 5"/>
+            <p:cNvSpPr txBox="1"/>
+            <p:nvPr/>
+          </p:nvSpPr>
+          <p:spPr>
+            <a:xfrm>
+              <a:off x="1989956" y="210179"/>
+              <a:ext cx="3672408" cy="1077218"/>
+            </a:xfrm>
+            <a:prstGeom prst="rect">
+              <a:avLst/>
+            </a:prstGeom>
+            <a:noFill/>
+          </p:spPr>
+          <p:txBody>
+            <a:bodyPr wrap="square" rtlCol="0">
+              <a:spAutoFit/>
+            </a:bodyPr>
+            <a:lstStyle>
+              <a:defPPr>
+                <a:defRPr lang="en-US"/>
+              </a:defPPr>
+              <a:lvl1pPr marL="0" algn="l" defTabSz="914400" rtl="0" eaLnBrk="1" latinLnBrk="0" hangingPunct="1">
+                <a:defRPr sz="1800" kern="1200">
+                  <a:solidFill>
+                    <a:schemeClr val="tx1"/>
+                  </a:solidFill>
+                  <a:latin typeface="+mn-lt"/>
+                  <a:ea typeface="+mn-ea"/>
+                  <a:cs typeface="+mn-cs"/>
+                </a:defRPr>
+              </a:lvl1pPr>
+              <a:lvl2pPr marL="457200" algn="l" defTabSz="914400" rtl="0" eaLnBrk="1" latinLnBrk="0" hangingPunct="1">
+                <a:defRPr sz="1800" kern="1200">
+                  <a:solidFill>
+                    <a:schemeClr val="tx1"/>
+                  </a:solidFill>
+                  <a:latin typeface="+mn-lt"/>
+                  <a:ea typeface="+mn-ea"/>
+                  <a:cs typeface="+mn-cs"/>
+                </a:defRPr>
+              </a:lvl2pPr>
+              <a:lvl3pPr marL="914400" algn="l" defTabSz="914400" rtl="0" eaLnBrk="1" latinLnBrk="0" hangingPunct="1">
+                <a:defRPr sz="1800" kern="1200">
+                  <a:solidFill>
+                    <a:schemeClr val="tx1"/>
+                  </a:solidFill>
+                  <a:latin typeface="+mn-lt"/>
+                  <a:ea typeface="+mn-ea"/>
+                  <a:cs typeface="+mn-cs"/>
+                </a:defRPr>
+              </a:lvl3pPr>
+              <a:lvl4pPr marL="1371600" algn="l" defTabSz="914400" rtl="0" eaLnBrk="1" latinLnBrk="0" hangingPunct="1">
+                <a:defRPr sz="1800" kern="1200">
+                  <a:solidFill>
+                    <a:schemeClr val="tx1"/>
+                  </a:solidFill>
+                  <a:latin typeface="+mn-lt"/>
+                  <a:ea typeface="+mn-ea"/>
+                  <a:cs typeface="+mn-cs"/>
+                </a:defRPr>
+              </a:lvl4pPr>
+              <a:lvl5pPr marL="1828800" algn="l" defTabSz="914400" rtl="0" eaLnBrk="1" latinLnBrk="0" hangingPunct="1">
+                <a:defRPr sz="1800" kern="1200">
+                  <a:solidFill>
+                    <a:schemeClr val="tx1"/>
+                  </a:solidFill>
+                  <a:latin typeface="+mn-lt"/>
+                  <a:ea typeface="+mn-ea"/>
+                  <a:cs typeface="+mn-cs"/>
+                </a:defRPr>
+              </a:lvl5pPr>
+              <a:lvl6pPr marL="2286000" algn="l" defTabSz="914400" rtl="0" eaLnBrk="1" latinLnBrk="0" hangingPunct="1">
+                <a:defRPr sz="1800" kern="1200">
+                  <a:solidFill>
+                    <a:schemeClr val="tx1"/>
+                  </a:solidFill>
+                  <a:latin typeface="+mn-lt"/>
+                  <a:ea typeface="+mn-ea"/>
+                  <a:cs typeface="+mn-cs"/>
+                </a:defRPr>
+              </a:lvl6pPr>
+              <a:lvl7pPr marL="2743200" algn="l" defTabSz="914400" rtl="0" eaLnBrk="1" latinLnBrk="0" hangingPunct="1">
+                <a:defRPr sz="1800" kern="1200">
+                  <a:solidFill>
+                    <a:schemeClr val="tx1"/>
+                  </a:solidFill>
+                  <a:latin typeface="+mn-lt"/>
+                  <a:ea typeface="+mn-ea"/>
+                  <a:cs typeface="+mn-cs"/>
+                </a:defRPr>
+              </a:lvl7pPr>
+              <a:lvl8pPr marL="3200400" algn="l" defTabSz="914400" rtl="0" eaLnBrk="1" latinLnBrk="0" hangingPunct="1">
+                <a:defRPr sz="1800" kern="1200">
+                  <a:solidFill>
+                    <a:schemeClr val="tx1"/>
+                  </a:solidFill>
+                  <a:latin typeface="+mn-lt"/>
+                  <a:ea typeface="+mn-ea"/>
+                  <a:cs typeface="+mn-cs"/>
+                </a:defRPr>
+              </a:lvl8pPr>
+              <a:lvl9pPr marL="3657600" algn="l" defTabSz="914400" rtl="0" eaLnBrk="1" latinLnBrk="0" hangingPunct="1">
+                <a:defRPr sz="1800" kern="1200">
+                  <a:solidFill>
+                    <a:schemeClr val="tx1"/>
+                  </a:solidFill>
+                  <a:latin typeface="+mn-lt"/>
+                  <a:ea typeface="+mn-ea"/>
+                  <a:cs typeface="+mn-cs"/>
+                </a:defRPr>
+              </a:lvl9pPr>
+            </a:lstStyle>
+            <a:p>
+              <a:r>
+                <a:rPr lang="pt-PT" sz="1600" dirty="0" smtClean="0">
+                  <a:solidFill>
+                    <a:schemeClr val="bg1">
+                      <a:lumMod val="65000"/>
+                    </a:schemeClr>
+                  </a:solidFill>
+                </a:rPr>
+                <a:t>Universidade do Minho</a:t>
+              </a:r>
+              <a:r>
+                <a:rPr lang="pt-PT" sz="1600" dirty="0">
+                  <a:solidFill>
+                    <a:schemeClr val="bg1">
+                      <a:lumMod val="65000"/>
+                    </a:schemeClr>
+                  </a:solidFill>
+                </a:rPr>
+                <a:t/>
+              </a:r>
+              <a:br>
+                <a:rPr lang="pt-PT" sz="1600" dirty="0">
+                  <a:solidFill>
+                    <a:schemeClr val="bg1">
+                      <a:lumMod val="65000"/>
+                    </a:schemeClr>
+                  </a:solidFill>
+                </a:rPr>
+              </a:br>
+              <a:r>
+                <a:rPr lang="pt-PT" sz="1600" dirty="0" smtClean="0">
+                  <a:solidFill>
+                    <a:schemeClr val="bg1">
+                      <a:lumMod val="65000"/>
+                    </a:schemeClr>
+                  </a:solidFill>
+                </a:rPr>
+                <a:t>Licenciatura em Engenharia Informática</a:t>
+              </a:r>
+            </a:p>
+            <a:p>
+              <a:r>
+                <a:rPr lang="pt-PT" sz="1600" dirty="0" smtClean="0">
+                  <a:solidFill>
+                    <a:schemeClr val="bg1">
+                      <a:lumMod val="65000"/>
+                    </a:schemeClr>
+                  </a:solidFill>
+                </a:rPr>
+                <a:t>Laboratórios de Informática IV</a:t>
+              </a:r>
+              <a:endParaRPr lang="pt-PT" sz="1600" dirty="0">
+                <a:solidFill>
+                  <a:schemeClr val="bg1">
+                    <a:lumMod val="65000"/>
+                  </a:schemeClr>
+                </a:solidFill>
+              </a:endParaRPr>
+            </a:p>
+          </p:txBody>
+        </p:sp>
+        <p:pic>
+          <p:nvPicPr>
+            <p:cNvPr id="7" name="Imagem 6"/>
+            <p:cNvPicPr>
+              <a:picLocks noChangeAspect="1"/>
+            </p:cNvPicPr>
+            <p:nvPr/>
+          </p:nvPicPr>
+          <p:blipFill>
+            <a:blip r:embed="rId3" cstate="print">
+              <a:extLst>
+                <a:ext uri="{28A0092B-C50C-407E-A947-70E740481C1C}">
+                  <a14:useLocalDpi xmlns:a14="http://schemas.microsoft.com/office/drawing/2010/main" val="0"/>
+                </a:ext>
+              </a:extLst>
+            </a:blip>
+            <a:stretch>
+              <a:fillRect/>
+            </a:stretch>
+          </p:blipFill>
+          <p:spPr>
+            <a:xfrm>
+              <a:off x="131873" y="218460"/>
+              <a:ext cx="1786076" cy="884108"/>
+            </a:xfrm>
+            <a:prstGeom prst="rect">
+              <a:avLst/>
+            </a:prstGeom>
+          </p:spPr>
+        </p:pic>
+      </p:grpSp>
+    </p:spTree>
+    <p:extLst>
+      <p:ext uri="{BB962C8B-B14F-4D97-AF65-F5344CB8AC3E}">
+        <p14:creationId xmlns:p14="http://schemas.microsoft.com/office/powerpoint/2010/main" val="1201082719"/>
+      </p:ext>
+    </p:extLst>
+  </p:cSld>
+  <p:clrMapOvr>
+    <a:masterClrMapping/>
+  </p:clrMapOvr>
+  <p:timing>
+    <p:tnLst>
+      <p:par>
+        <p:cTn id="1" dur="indefinite" restart="never" nodeType="tmRoot"/>
+      </p:par>
+    </p:tnLst>
+  </p:timing>
+</p:sld>
+</file>
+
+<file path=ppt/slides/slide16.xml><?xml version="1.0" encoding="utf-8"?>
+<p:sld xmlns:a="http://schemas.openxmlformats.org/drawingml/2006/main" xmlns:r="http://schemas.openxmlformats.org/officeDocument/2006/relationships" xmlns:p="http://schemas.openxmlformats.org/presentationml/2006/main">
+  <p:cSld>
+    <p:spTree>
+      <p:nvGrpSpPr>
+        <p:cNvPr id="1" name=""/>
+        <p:cNvGrpSpPr/>
+        <p:nvPr/>
+      </p:nvGrpSpPr>
+      <p:grpSpPr>
+        <a:xfrm>
+          <a:off x="0" y="0"/>
+          <a:ext cx="0" cy="0"/>
+          <a:chOff x="0" y="0"/>
+          <a:chExt cx="0" cy="0"/>
+        </a:xfrm>
+      </p:grpSpPr>
+      <p:sp>
+        <p:nvSpPr>
+          <p:cNvPr id="4" name="Título 1"/>
+          <p:cNvSpPr>
+            <a:spLocks noGrp="1"/>
+          </p:cNvSpPr>
+          <p:nvPr>
+            <p:ph type="title"/>
+          </p:nvPr>
+        </p:nvSpPr>
+        <p:spPr>
+          <a:xfrm>
+            <a:off x="234524" y="1916832"/>
+            <a:ext cx="8352928" cy="4176392"/>
+          </a:xfrm>
+        </p:spPr>
+        <p:txBody>
+          <a:bodyPr>
+            <a:noAutofit/>
+          </a:bodyPr>
+          <a:lstStyle/>
+          <a:p>
+            <a:pPr algn="l"/>
+            <a:r>
+              <a:rPr lang="pt-PT" sz="9600" b="1" dirty="0" smtClean="0">
+                <a:solidFill>
+                  <a:schemeClr val="bg2"/>
+                </a:solidFill>
+              </a:rPr>
+              <a:t>Modelo Concetual da Base de Dados</a:t>
+            </a:r>
+            <a:endParaRPr lang="pt-PT" sz="9600" b="1" dirty="0">
+              <a:solidFill>
+                <a:schemeClr val="bg2"/>
+              </a:solidFill>
+            </a:endParaRPr>
+          </a:p>
+        </p:txBody>
+      </p:sp>
+      <p:grpSp>
+        <p:nvGrpSpPr>
+          <p:cNvPr id="5" name="Grupo 4"/>
+          <p:cNvGrpSpPr/>
+          <p:nvPr/>
+        </p:nvGrpSpPr>
+        <p:grpSpPr>
+          <a:xfrm>
+            <a:off x="234524" y="160419"/>
+            <a:ext cx="5212826" cy="1077218"/>
+            <a:chOff x="131873" y="210179"/>
+            <a:chExt cx="5530491" cy="1077218"/>
+          </a:xfrm>
+        </p:grpSpPr>
+        <p:sp>
+          <p:nvSpPr>
+            <p:cNvPr id="6" name="CaixaDeTexto 5"/>
+            <p:cNvSpPr txBox="1"/>
+            <p:nvPr/>
+          </p:nvSpPr>
+          <p:spPr>
+            <a:xfrm>
+              <a:off x="1989956" y="210179"/>
+              <a:ext cx="3672408" cy="1077218"/>
+            </a:xfrm>
+            <a:prstGeom prst="rect">
+              <a:avLst/>
+            </a:prstGeom>
+            <a:noFill/>
+          </p:spPr>
+          <p:txBody>
+            <a:bodyPr wrap="square" rtlCol="0">
+              <a:spAutoFit/>
+            </a:bodyPr>
+            <a:lstStyle>
+              <a:defPPr>
+                <a:defRPr lang="en-US"/>
+              </a:defPPr>
+              <a:lvl1pPr marL="0" algn="l" defTabSz="914400" rtl="0" eaLnBrk="1" latinLnBrk="0" hangingPunct="1">
+                <a:defRPr sz="1800" kern="1200">
+                  <a:solidFill>
+                    <a:schemeClr val="tx1"/>
+                  </a:solidFill>
+                  <a:latin typeface="+mn-lt"/>
+                  <a:ea typeface="+mn-ea"/>
+                  <a:cs typeface="+mn-cs"/>
+                </a:defRPr>
+              </a:lvl1pPr>
+              <a:lvl2pPr marL="457200" algn="l" defTabSz="914400" rtl="0" eaLnBrk="1" latinLnBrk="0" hangingPunct="1">
+                <a:defRPr sz="1800" kern="1200">
+                  <a:solidFill>
+                    <a:schemeClr val="tx1"/>
+                  </a:solidFill>
+                  <a:latin typeface="+mn-lt"/>
+                  <a:ea typeface="+mn-ea"/>
+                  <a:cs typeface="+mn-cs"/>
+                </a:defRPr>
+              </a:lvl2pPr>
+              <a:lvl3pPr marL="914400" algn="l" defTabSz="914400" rtl="0" eaLnBrk="1" latinLnBrk="0" hangingPunct="1">
+                <a:defRPr sz="1800" kern="1200">
+                  <a:solidFill>
+                    <a:schemeClr val="tx1"/>
+                  </a:solidFill>
+                  <a:latin typeface="+mn-lt"/>
+                  <a:ea typeface="+mn-ea"/>
+                  <a:cs typeface="+mn-cs"/>
+                </a:defRPr>
+              </a:lvl3pPr>
+              <a:lvl4pPr marL="1371600" algn="l" defTabSz="914400" rtl="0" eaLnBrk="1" latinLnBrk="0" hangingPunct="1">
+                <a:defRPr sz="1800" kern="1200">
+                  <a:solidFill>
+                    <a:schemeClr val="tx1"/>
+                  </a:solidFill>
+                  <a:latin typeface="+mn-lt"/>
+                  <a:ea typeface="+mn-ea"/>
+                  <a:cs typeface="+mn-cs"/>
+                </a:defRPr>
+              </a:lvl4pPr>
+              <a:lvl5pPr marL="1828800" algn="l" defTabSz="914400" rtl="0" eaLnBrk="1" latinLnBrk="0" hangingPunct="1">
+                <a:defRPr sz="1800" kern="1200">
+                  <a:solidFill>
+                    <a:schemeClr val="tx1"/>
+                  </a:solidFill>
+                  <a:latin typeface="+mn-lt"/>
+                  <a:ea typeface="+mn-ea"/>
+                  <a:cs typeface="+mn-cs"/>
+                </a:defRPr>
+              </a:lvl5pPr>
+              <a:lvl6pPr marL="2286000" algn="l" defTabSz="914400" rtl="0" eaLnBrk="1" latinLnBrk="0" hangingPunct="1">
+                <a:defRPr sz="1800" kern="1200">
+                  <a:solidFill>
+                    <a:schemeClr val="tx1"/>
+                  </a:solidFill>
+                  <a:latin typeface="+mn-lt"/>
+                  <a:ea typeface="+mn-ea"/>
+                  <a:cs typeface="+mn-cs"/>
+                </a:defRPr>
+              </a:lvl6pPr>
+              <a:lvl7pPr marL="2743200" algn="l" defTabSz="914400" rtl="0" eaLnBrk="1" latinLnBrk="0" hangingPunct="1">
+                <a:defRPr sz="1800" kern="1200">
+                  <a:solidFill>
+                    <a:schemeClr val="tx1"/>
+                  </a:solidFill>
+                  <a:latin typeface="+mn-lt"/>
+                  <a:ea typeface="+mn-ea"/>
+                  <a:cs typeface="+mn-cs"/>
+                </a:defRPr>
+              </a:lvl7pPr>
+              <a:lvl8pPr marL="3200400" algn="l" defTabSz="914400" rtl="0" eaLnBrk="1" latinLnBrk="0" hangingPunct="1">
+                <a:defRPr sz="1800" kern="1200">
+                  <a:solidFill>
+                    <a:schemeClr val="tx1"/>
+                  </a:solidFill>
+                  <a:latin typeface="+mn-lt"/>
+                  <a:ea typeface="+mn-ea"/>
+                  <a:cs typeface="+mn-cs"/>
+                </a:defRPr>
+              </a:lvl8pPr>
+              <a:lvl9pPr marL="3657600" algn="l" defTabSz="914400" rtl="0" eaLnBrk="1" latinLnBrk="0" hangingPunct="1">
+                <a:defRPr sz="1800" kern="1200">
+                  <a:solidFill>
+                    <a:schemeClr val="tx1"/>
+                  </a:solidFill>
+                  <a:latin typeface="+mn-lt"/>
+                  <a:ea typeface="+mn-ea"/>
+                  <a:cs typeface="+mn-cs"/>
+                </a:defRPr>
+              </a:lvl9pPr>
+            </a:lstStyle>
+            <a:p>
+              <a:r>
+                <a:rPr lang="pt-PT" sz="1600" dirty="0" smtClean="0">
+                  <a:solidFill>
+                    <a:schemeClr val="bg1">
+                      <a:lumMod val="65000"/>
+                    </a:schemeClr>
+                  </a:solidFill>
+                </a:rPr>
+                <a:t>Universidade do Minho</a:t>
+              </a:r>
+              <a:r>
+                <a:rPr lang="pt-PT" sz="1600" dirty="0">
+                  <a:solidFill>
+                    <a:schemeClr val="bg1">
+                      <a:lumMod val="65000"/>
+                    </a:schemeClr>
+                  </a:solidFill>
+                </a:rPr>
+                <a:t/>
+              </a:r>
+              <a:br>
+                <a:rPr lang="pt-PT" sz="1600" dirty="0">
+                  <a:solidFill>
+                    <a:schemeClr val="bg1">
+                      <a:lumMod val="65000"/>
+                    </a:schemeClr>
+                  </a:solidFill>
+                </a:rPr>
+              </a:br>
+              <a:r>
+                <a:rPr lang="pt-PT" sz="1600" dirty="0" smtClean="0">
+                  <a:solidFill>
+                    <a:schemeClr val="bg1">
+                      <a:lumMod val="65000"/>
+                    </a:schemeClr>
+                  </a:solidFill>
+                </a:rPr>
+                <a:t>Licenciatura em Engenharia Informática</a:t>
+              </a:r>
+            </a:p>
+            <a:p>
+              <a:r>
+                <a:rPr lang="pt-PT" sz="1600" dirty="0" smtClean="0">
+                  <a:solidFill>
+                    <a:schemeClr val="bg1">
+                      <a:lumMod val="65000"/>
+                    </a:schemeClr>
+                  </a:solidFill>
+                </a:rPr>
+                <a:t>Laboratórios de Informática IV</a:t>
+              </a:r>
+              <a:endParaRPr lang="pt-PT" sz="1600" dirty="0">
+                <a:solidFill>
+                  <a:schemeClr val="bg1">
+                    <a:lumMod val="65000"/>
+                  </a:schemeClr>
+                </a:solidFill>
+              </a:endParaRPr>
+            </a:p>
+          </p:txBody>
+        </p:sp>
+        <p:pic>
+          <p:nvPicPr>
+            <p:cNvPr id="7" name="Imagem 6"/>
+            <p:cNvPicPr>
+              <a:picLocks noChangeAspect="1"/>
+            </p:cNvPicPr>
+            <p:nvPr/>
+          </p:nvPicPr>
+          <p:blipFill>
+            <a:blip r:embed="rId2" cstate="print">
+              <a:extLst>
+                <a:ext uri="{28A0092B-C50C-407E-A947-70E740481C1C}">
+                  <a14:useLocalDpi xmlns:a14="http://schemas.microsoft.com/office/drawing/2010/main" val="0"/>
+                </a:ext>
+              </a:extLst>
+            </a:blip>
+            <a:stretch>
+              <a:fillRect/>
+            </a:stretch>
+          </p:blipFill>
+          <p:spPr>
+            <a:xfrm>
+              <a:off x="131873" y="218460"/>
+              <a:ext cx="1786076" cy="884108"/>
+            </a:xfrm>
+            <a:prstGeom prst="rect">
+              <a:avLst/>
+            </a:prstGeom>
+          </p:spPr>
+        </p:pic>
+      </p:grpSp>
+    </p:spTree>
+    <p:extLst>
+      <p:ext uri="{BB962C8B-B14F-4D97-AF65-F5344CB8AC3E}">
+        <p14:creationId xmlns:p14="http://schemas.microsoft.com/office/powerpoint/2010/main" val="1626936650"/>
+      </p:ext>
+    </p:extLst>
+  </p:cSld>
+  <p:clrMapOvr>
+    <a:masterClrMapping/>
+  </p:clrMapOvr>
+</p:sld>
+</file>
+
+<file path=ppt/slides/slide17.xml><?xml version="1.0" encoding="utf-8"?>
 <p:sld xmlns:a="http://schemas.openxmlformats.org/drawingml/2006/main" xmlns:r="http://schemas.openxmlformats.org/officeDocument/2006/relationships" xmlns:p="http://schemas.openxmlformats.org/presentationml/2006/main">
   <p:cSld>
     <p:spTree>
@@ -12402,7 +13293,7 @@
                   <a:schemeClr val="bg2"/>
                 </a:solidFill>
               </a:rPr>
-              <a:t>Modelo Concetual -&gt; Entidades</a:t>
+              <a:t>Entidades</a:t>
             </a:r>
             <a:endParaRPr lang="pt-PT" b="1" dirty="0">
               <a:solidFill>
@@ -12579,25 +13470,8 @@
                     </a:schemeClr>
                   </a:solidFill>
                 </a:rPr>
-                <a:t>Licenciatura em Engenharia </a:t>
+                <a:t>Licenciatura em Engenharia Informática</a:t>
               </a:r>
-              <a:r>
-                <a:rPr lang="pt-PT" sz="1600" dirty="0" smtClean="0">
-                  <a:solidFill>
-                    <a:schemeClr val="bg1">
-                      <a:lumMod val="65000"/>
-                    </a:schemeClr>
-                  </a:solidFill>
-                </a:rPr>
-                <a:t>Informática</a:t>
-              </a:r>
-              <a:endParaRPr lang="pt-PT" sz="1600" dirty="0" smtClean="0">
-                <a:solidFill>
-                  <a:schemeClr val="bg1">
-                    <a:lumMod val="65000"/>
-                  </a:schemeClr>
-                </a:solidFill>
-              </a:endParaRPr>
             </a:p>
             <a:p>
               <a:r>
@@ -12661,10 +13535,17 @@
   <p:clrMapOvr>
     <a:masterClrMapping/>
   </p:clrMapOvr>
+  <p:timing>
+    <p:tnLst>
+      <p:par>
+        <p:cTn id="1" dur="indefinite" restart="never" nodeType="tmRoot"/>
+      </p:par>
+    </p:tnLst>
+  </p:timing>
 </p:sld>
 </file>
 
-<file path=ppt/slides/slide15.xml><?xml version="1.0" encoding="utf-8"?>
+<file path=ppt/slides/slide18.xml><?xml version="1.0" encoding="utf-8"?>
 <p:sld xmlns:a="http://schemas.openxmlformats.org/drawingml/2006/main" xmlns:r="http://schemas.openxmlformats.org/officeDocument/2006/relationships" xmlns:p="http://schemas.openxmlformats.org/presentationml/2006/main">
   <p:cSld>
     <p:spTree>
@@ -12916,25 +13797,8 @@
                     </a:schemeClr>
                   </a:solidFill>
                 </a:rPr>
-                <a:t>Licenciatura em Engenharia </a:t>
+                <a:t>Licenciatura em Engenharia Informática</a:t>
               </a:r>
-              <a:r>
-                <a:rPr lang="pt-PT" sz="1600" dirty="0" smtClean="0">
-                  <a:solidFill>
-                    <a:schemeClr val="bg1">
-                      <a:lumMod val="65000"/>
-                    </a:schemeClr>
-                  </a:solidFill>
-                </a:rPr>
-                <a:t>Informática</a:t>
-              </a:r>
-              <a:endParaRPr lang="pt-PT" sz="1600" dirty="0" smtClean="0">
-                <a:solidFill>
-                  <a:schemeClr val="bg1">
-                    <a:lumMod val="65000"/>
-                  </a:schemeClr>
-                </a:solidFill>
-              </a:endParaRPr>
             </a:p>
             <a:p>
               <a:r>
@@ -13008,7 +13872,7 @@
 </p:sld>
 </file>
 
-<file path=ppt/slides/slide16.xml><?xml version="1.0" encoding="utf-8"?>
+<file path=ppt/slides/slide19.xml><?xml version="1.0" encoding="utf-8"?>
 <p:sld xmlns:a="http://schemas.openxmlformats.org/drawingml/2006/main" xmlns:r="http://schemas.openxmlformats.org/officeDocument/2006/relationships" xmlns:p="http://schemas.openxmlformats.org/presentationml/2006/main">
   <p:cSld>
     <p:spTree>
@@ -13025,83 +13889,38 @@
           <a:chExt cx="0" cy="0"/>
         </a:xfrm>
       </p:grpSpPr>
-      <p:pic>
-        <p:nvPicPr>
-          <p:cNvPr id="8" name="Marcador de Posição de Conteúdo 7"/>
-          <p:cNvPicPr>
-            <a:picLocks noGrp="1" noChangeAspect="1"/>
-          </p:cNvPicPr>
-          <p:nvPr>
-            <p:ph idx="1"/>
-          </p:nvPr>
-        </p:nvPicPr>
-        <p:blipFill>
-          <a:blip r:embed="rId2">
-            <a:extLst>
-              <a:ext uri="{28A0092B-C50C-407E-A947-70E740481C1C}">
-                <a14:useLocalDpi xmlns:a14="http://schemas.microsoft.com/office/drawing/2010/main" val="0"/>
-              </a:ext>
-            </a:extLst>
-          </a:blip>
-          <a:stretch>
-            <a:fillRect/>
-          </a:stretch>
-        </p:blipFill>
-        <p:spPr>
-          <a:xfrm>
-            <a:off x="257913" y="2204864"/>
-            <a:ext cx="8648982" cy="3961314"/>
-          </a:xfrm>
-        </p:spPr>
-      </p:pic>
       <p:sp>
         <p:nvSpPr>
           <p:cNvPr id="4" name="Título 1"/>
-          <p:cNvSpPr txBox="1">
-            <a:spLocks/>
+          <p:cNvSpPr>
+            <a:spLocks noGrp="1"/>
           </p:cNvSpPr>
-          <p:nvPr/>
+          <p:nvPr>
+            <p:ph type="title"/>
+          </p:nvPr>
         </p:nvSpPr>
         <p:spPr>
           <a:xfrm>
-            <a:off x="405940" y="908720"/>
-            <a:ext cx="8352928" cy="1143000"/>
+            <a:off x="395536" y="1052808"/>
+            <a:ext cx="8352928" cy="4968480"/>
           </a:xfrm>
-          <a:prstGeom prst="rect">
-            <a:avLst/>
-          </a:prstGeom>
         </p:spPr>
         <p:txBody>
-          <a:bodyPr vert="horz" lIns="91440" tIns="45720" rIns="91440" bIns="45720" rtlCol="0" anchor="ctr">
+          <a:bodyPr>
             <a:normAutofit/>
           </a:bodyPr>
-          <a:lstStyle>
-            <a:lvl1pPr algn="ctr" defTabSz="914400" rtl="0" eaLnBrk="1" latinLnBrk="0" hangingPunct="1">
-              <a:spcBef>
-                <a:spcPct val="0"/>
-              </a:spcBef>
-              <a:buNone/>
-              <a:defRPr sz="4400" kern="1200">
-                <a:solidFill>
-                  <a:schemeClr val="tx1"/>
-                </a:solidFill>
-                <a:latin typeface="+mj-lt"/>
-                <a:ea typeface="+mj-ea"/>
-                <a:cs typeface="+mj-cs"/>
-              </a:defRPr>
-            </a:lvl1pPr>
-          </a:lstStyle>
+          <a:lstStyle/>
           <a:p>
             <a:pPr algn="l"/>
             <a:r>
-              <a:rPr lang="pt-PT" b="1" dirty="0" smtClean="0">
+              <a:rPr lang="pt-PT" sz="9600" b="1" dirty="0" smtClean="0">
                 <a:solidFill>
                   <a:schemeClr val="bg2"/>
                 </a:solidFill>
               </a:rPr>
               <a:t>Modelo Lógico da Base de Dados</a:t>
             </a:r>
-            <a:endParaRPr lang="pt-PT" b="1" dirty="0">
+            <a:endParaRPr lang="pt-PT" sz="9600" b="1" dirty="0">
               <a:solidFill>
                 <a:schemeClr val="bg2"/>
               </a:solidFill>
@@ -13276,8 +14095,10 @@
                     </a:schemeClr>
                   </a:solidFill>
                 </a:rPr>
-                <a:t>Licenciatura em Engenharia </a:t>
+                <a:t>Licenciatura em Engenharia Informática</a:t>
               </a:r>
+            </a:p>
+            <a:p>
               <a:r>
                 <a:rPr lang="pt-PT" sz="1600" dirty="0" smtClean="0">
                   <a:solidFill>
@@ -13286,15 +14107,719 @@
                     </a:schemeClr>
                   </a:solidFill>
                 </a:rPr>
-                <a:t>Informática</a:t>
+                <a:t>Laboratórios de Informática IV</a:t>
               </a:r>
-              <a:endParaRPr lang="pt-PT" sz="1600" dirty="0" smtClean="0">
+              <a:endParaRPr lang="pt-PT" sz="1600" dirty="0">
                 <a:solidFill>
                   <a:schemeClr val="bg1">
                     <a:lumMod val="65000"/>
                   </a:schemeClr>
                 </a:solidFill>
               </a:endParaRPr>
+            </a:p>
+          </p:txBody>
+        </p:sp>
+        <p:pic>
+          <p:nvPicPr>
+            <p:cNvPr id="7" name="Imagem 6"/>
+            <p:cNvPicPr>
+              <a:picLocks noChangeAspect="1"/>
+            </p:cNvPicPr>
+            <p:nvPr/>
+          </p:nvPicPr>
+          <p:blipFill>
+            <a:blip r:embed="rId2" cstate="print">
+              <a:extLst>
+                <a:ext uri="{28A0092B-C50C-407E-A947-70E740481C1C}">
+                  <a14:useLocalDpi xmlns:a14="http://schemas.microsoft.com/office/drawing/2010/main" val="0"/>
+                </a:ext>
+              </a:extLst>
+            </a:blip>
+            <a:stretch>
+              <a:fillRect/>
+            </a:stretch>
+          </p:blipFill>
+          <p:spPr>
+            <a:xfrm>
+              <a:off x="131873" y="218460"/>
+              <a:ext cx="1786076" cy="884108"/>
+            </a:xfrm>
+            <a:prstGeom prst="rect">
+              <a:avLst/>
+            </a:prstGeom>
+          </p:spPr>
+        </p:pic>
+      </p:grpSp>
+    </p:spTree>
+    <p:extLst>
+      <p:ext uri="{BB962C8B-B14F-4D97-AF65-F5344CB8AC3E}">
+        <p14:creationId xmlns:p14="http://schemas.microsoft.com/office/powerpoint/2010/main" val="1556375556"/>
+      </p:ext>
+    </p:extLst>
+  </p:cSld>
+  <p:clrMapOvr>
+    <a:masterClrMapping/>
+  </p:clrMapOvr>
+</p:sld>
+</file>
+
+<file path=ppt/slides/slide2.xml><?xml version="1.0" encoding="utf-8"?>
+<p:sld xmlns:a="http://schemas.openxmlformats.org/drawingml/2006/main" xmlns:r="http://schemas.openxmlformats.org/officeDocument/2006/relationships" xmlns:p="http://schemas.openxmlformats.org/presentationml/2006/main">
+  <p:cSld>
+    <p:spTree>
+      <p:nvGrpSpPr>
+        <p:cNvPr id="1" name=""/>
+        <p:cNvGrpSpPr/>
+        <p:nvPr/>
+      </p:nvGrpSpPr>
+      <p:grpSpPr>
+        <a:xfrm>
+          <a:off x="0" y="0"/>
+          <a:ext cx="0" cy="0"/>
+          <a:chOff x="0" y="0"/>
+          <a:chExt cx="0" cy="0"/>
+        </a:xfrm>
+      </p:grpSpPr>
+      <p:sp>
+        <p:nvSpPr>
+          <p:cNvPr id="2" name="Título 1"/>
+          <p:cNvSpPr>
+            <a:spLocks noGrp="1"/>
+          </p:cNvSpPr>
+          <p:nvPr>
+            <p:ph type="title"/>
+          </p:nvPr>
+        </p:nvSpPr>
+        <p:spPr>
+          <a:xfrm>
+            <a:off x="395536" y="1213813"/>
+            <a:ext cx="8352928" cy="1143000"/>
+          </a:xfrm>
+        </p:spPr>
+        <p:txBody>
+          <a:bodyPr/>
+          <a:lstStyle/>
+          <a:p>
+            <a:pPr algn="l"/>
+            <a:r>
+              <a:rPr lang="pt-PT" b="1" dirty="0" smtClean="0">
+                <a:solidFill>
+                  <a:schemeClr val="bg2"/>
+                </a:solidFill>
+              </a:rPr>
+              <a:t>Estrutura da Apresentação</a:t>
+            </a:r>
+            <a:endParaRPr lang="pt-PT" b="1" dirty="0">
+              <a:solidFill>
+                <a:schemeClr val="bg2"/>
+              </a:solidFill>
+            </a:endParaRPr>
+          </a:p>
+        </p:txBody>
+      </p:sp>
+      <p:sp>
+        <p:nvSpPr>
+          <p:cNvPr id="3" name="Marcador de Posição de Conteúdo 2"/>
+          <p:cNvSpPr>
+            <a:spLocks noGrp="1"/>
+          </p:cNvSpPr>
+          <p:nvPr>
+            <p:ph idx="1"/>
+          </p:nvPr>
+        </p:nvSpPr>
+        <p:spPr>
+          <a:xfrm>
+            <a:off x="395536" y="2420888"/>
+            <a:ext cx="7498080" cy="3096344"/>
+          </a:xfrm>
+        </p:spPr>
+        <p:txBody>
+          <a:bodyPr>
+            <a:normAutofit lnSpcReduction="10000"/>
+          </a:bodyPr>
+          <a:lstStyle/>
+          <a:p>
+            <a:pPr algn="just">
+              <a:lnSpc>
+                <a:spcPct val="150000"/>
+              </a:lnSpc>
+              <a:buBlip>
+                <a:blip r:embed="rId2"/>
+              </a:buBlip>
+            </a:pPr>
+            <a:r>
+              <a:rPr lang="pt-PT" sz="2000" dirty="0" smtClean="0">
+                <a:latin typeface="Calibri (corpo)"/>
+              </a:rPr>
+              <a:t>Caso de estudo</a:t>
+            </a:r>
+          </a:p>
+          <a:p>
+            <a:pPr algn="just">
+              <a:lnSpc>
+                <a:spcPct val="150000"/>
+              </a:lnSpc>
+              <a:buBlip>
+                <a:blip r:embed="rId2"/>
+              </a:buBlip>
+            </a:pPr>
+            <a:r>
+              <a:rPr lang="pt-PT" sz="2000" dirty="0" smtClean="0">
+                <a:latin typeface="Calibri (corpo)"/>
+              </a:rPr>
+              <a:t>Modelo de Domínio</a:t>
+            </a:r>
+          </a:p>
+          <a:p>
+            <a:pPr algn="just">
+              <a:lnSpc>
+                <a:spcPct val="150000"/>
+              </a:lnSpc>
+              <a:buBlip>
+                <a:blip r:embed="rId2"/>
+              </a:buBlip>
+            </a:pPr>
+            <a:r>
+              <a:rPr lang="pt-PT" sz="2000" dirty="0" smtClean="0">
+                <a:latin typeface="Calibri (corpo)"/>
+              </a:rPr>
+              <a:t>Diagramas de Use </a:t>
+            </a:r>
+            <a:r>
+              <a:rPr lang="pt-PT" sz="2000" dirty="0" smtClean="0">
+                <a:latin typeface="Calibri (corpo)"/>
+              </a:rPr>
+              <a:t>Case</a:t>
+            </a:r>
+          </a:p>
+          <a:p>
+            <a:pPr algn="just">
+              <a:lnSpc>
+                <a:spcPct val="150000"/>
+              </a:lnSpc>
+              <a:buBlip>
+                <a:blip r:embed="rId2"/>
+              </a:buBlip>
+            </a:pPr>
+            <a:r>
+              <a:rPr lang="pt-PT" sz="2000" dirty="0" smtClean="0">
+                <a:latin typeface="Calibri (corpo)"/>
+              </a:rPr>
+              <a:t>Diagrama de Sequência</a:t>
+            </a:r>
+            <a:endParaRPr lang="pt-PT" sz="2000" dirty="0" smtClean="0">
+              <a:latin typeface="Calibri (corpo)"/>
+            </a:endParaRPr>
+          </a:p>
+          <a:p>
+            <a:pPr algn="just">
+              <a:lnSpc>
+                <a:spcPct val="150000"/>
+              </a:lnSpc>
+              <a:buBlip>
+                <a:blip r:embed="rId2"/>
+              </a:buBlip>
+            </a:pPr>
+            <a:r>
+              <a:rPr lang="pt-PT" sz="2000" dirty="0" smtClean="0">
+                <a:latin typeface="Calibri (corpo)"/>
+              </a:rPr>
+              <a:t>Esquema Concetual da Base de Dados</a:t>
+            </a:r>
+          </a:p>
+          <a:p>
+            <a:pPr algn="just">
+              <a:lnSpc>
+                <a:spcPct val="150000"/>
+              </a:lnSpc>
+              <a:buBlip>
+                <a:blip r:embed="rId2"/>
+              </a:buBlip>
+            </a:pPr>
+            <a:r>
+              <a:rPr lang="pt-PT" sz="2000" dirty="0" smtClean="0">
+                <a:latin typeface="Calibri (corpo)"/>
+              </a:rPr>
+              <a:t>Esquema Lógico da Base de Dados</a:t>
+            </a:r>
+          </a:p>
+          <a:p>
+            <a:pPr marL="82296" indent="0">
+              <a:buNone/>
+            </a:pPr>
+            <a:endParaRPr lang="pt-PT" sz="2000" dirty="0" smtClean="0">
+              <a:latin typeface="Calibri (corpo)"/>
+            </a:endParaRPr>
+          </a:p>
+          <a:p>
+            <a:pPr>
+              <a:buBlip>
+                <a:blip r:embed="rId2"/>
+              </a:buBlip>
+            </a:pPr>
+            <a:endParaRPr lang="pt-PT" sz="2000" dirty="0">
+              <a:latin typeface="Calibri (corpo)"/>
+            </a:endParaRPr>
+          </a:p>
+        </p:txBody>
+      </p:sp>
+      <p:grpSp>
+        <p:nvGrpSpPr>
+          <p:cNvPr id="4" name="Grupo 3"/>
+          <p:cNvGrpSpPr/>
+          <p:nvPr/>
+        </p:nvGrpSpPr>
+        <p:grpSpPr>
+          <a:xfrm>
+            <a:off x="172933" y="160419"/>
+            <a:ext cx="5212826" cy="1077218"/>
+            <a:chOff x="131873" y="210179"/>
+            <a:chExt cx="5530491" cy="1077218"/>
+          </a:xfrm>
+        </p:grpSpPr>
+        <p:sp>
+          <p:nvSpPr>
+            <p:cNvPr id="5" name="CaixaDeTexto 5"/>
+            <p:cNvSpPr txBox="1"/>
+            <p:nvPr/>
+          </p:nvSpPr>
+          <p:spPr>
+            <a:xfrm>
+              <a:off x="1989956" y="210179"/>
+              <a:ext cx="3672408" cy="1077218"/>
+            </a:xfrm>
+            <a:prstGeom prst="rect">
+              <a:avLst/>
+            </a:prstGeom>
+            <a:noFill/>
+          </p:spPr>
+          <p:txBody>
+            <a:bodyPr wrap="square" rtlCol="0">
+              <a:spAutoFit/>
+            </a:bodyPr>
+            <a:lstStyle>
+              <a:defPPr>
+                <a:defRPr lang="en-US"/>
+              </a:defPPr>
+              <a:lvl1pPr marL="0" algn="l" defTabSz="914400" rtl="0" eaLnBrk="1" latinLnBrk="0" hangingPunct="1">
+                <a:defRPr sz="1800" kern="1200">
+                  <a:solidFill>
+                    <a:schemeClr val="tx1"/>
+                  </a:solidFill>
+                  <a:latin typeface="+mn-lt"/>
+                  <a:ea typeface="+mn-ea"/>
+                  <a:cs typeface="+mn-cs"/>
+                </a:defRPr>
+              </a:lvl1pPr>
+              <a:lvl2pPr marL="457200" algn="l" defTabSz="914400" rtl="0" eaLnBrk="1" latinLnBrk="0" hangingPunct="1">
+                <a:defRPr sz="1800" kern="1200">
+                  <a:solidFill>
+                    <a:schemeClr val="tx1"/>
+                  </a:solidFill>
+                  <a:latin typeface="+mn-lt"/>
+                  <a:ea typeface="+mn-ea"/>
+                  <a:cs typeface="+mn-cs"/>
+                </a:defRPr>
+              </a:lvl2pPr>
+              <a:lvl3pPr marL="914400" algn="l" defTabSz="914400" rtl="0" eaLnBrk="1" latinLnBrk="0" hangingPunct="1">
+                <a:defRPr sz="1800" kern="1200">
+                  <a:solidFill>
+                    <a:schemeClr val="tx1"/>
+                  </a:solidFill>
+                  <a:latin typeface="+mn-lt"/>
+                  <a:ea typeface="+mn-ea"/>
+                  <a:cs typeface="+mn-cs"/>
+                </a:defRPr>
+              </a:lvl3pPr>
+              <a:lvl4pPr marL="1371600" algn="l" defTabSz="914400" rtl="0" eaLnBrk="1" latinLnBrk="0" hangingPunct="1">
+                <a:defRPr sz="1800" kern="1200">
+                  <a:solidFill>
+                    <a:schemeClr val="tx1"/>
+                  </a:solidFill>
+                  <a:latin typeface="+mn-lt"/>
+                  <a:ea typeface="+mn-ea"/>
+                  <a:cs typeface="+mn-cs"/>
+                </a:defRPr>
+              </a:lvl4pPr>
+              <a:lvl5pPr marL="1828800" algn="l" defTabSz="914400" rtl="0" eaLnBrk="1" latinLnBrk="0" hangingPunct="1">
+                <a:defRPr sz="1800" kern="1200">
+                  <a:solidFill>
+                    <a:schemeClr val="tx1"/>
+                  </a:solidFill>
+                  <a:latin typeface="+mn-lt"/>
+                  <a:ea typeface="+mn-ea"/>
+                  <a:cs typeface="+mn-cs"/>
+                </a:defRPr>
+              </a:lvl5pPr>
+              <a:lvl6pPr marL="2286000" algn="l" defTabSz="914400" rtl="0" eaLnBrk="1" latinLnBrk="0" hangingPunct="1">
+                <a:defRPr sz="1800" kern="1200">
+                  <a:solidFill>
+                    <a:schemeClr val="tx1"/>
+                  </a:solidFill>
+                  <a:latin typeface="+mn-lt"/>
+                  <a:ea typeface="+mn-ea"/>
+                  <a:cs typeface="+mn-cs"/>
+                </a:defRPr>
+              </a:lvl6pPr>
+              <a:lvl7pPr marL="2743200" algn="l" defTabSz="914400" rtl="0" eaLnBrk="1" latinLnBrk="0" hangingPunct="1">
+                <a:defRPr sz="1800" kern="1200">
+                  <a:solidFill>
+                    <a:schemeClr val="tx1"/>
+                  </a:solidFill>
+                  <a:latin typeface="+mn-lt"/>
+                  <a:ea typeface="+mn-ea"/>
+                  <a:cs typeface="+mn-cs"/>
+                </a:defRPr>
+              </a:lvl7pPr>
+              <a:lvl8pPr marL="3200400" algn="l" defTabSz="914400" rtl="0" eaLnBrk="1" latinLnBrk="0" hangingPunct="1">
+                <a:defRPr sz="1800" kern="1200">
+                  <a:solidFill>
+                    <a:schemeClr val="tx1"/>
+                  </a:solidFill>
+                  <a:latin typeface="+mn-lt"/>
+                  <a:ea typeface="+mn-ea"/>
+                  <a:cs typeface="+mn-cs"/>
+                </a:defRPr>
+              </a:lvl8pPr>
+              <a:lvl9pPr marL="3657600" algn="l" defTabSz="914400" rtl="0" eaLnBrk="1" latinLnBrk="0" hangingPunct="1">
+                <a:defRPr sz="1800" kern="1200">
+                  <a:solidFill>
+                    <a:schemeClr val="tx1"/>
+                  </a:solidFill>
+                  <a:latin typeface="+mn-lt"/>
+                  <a:ea typeface="+mn-ea"/>
+                  <a:cs typeface="+mn-cs"/>
+                </a:defRPr>
+              </a:lvl9pPr>
+            </a:lstStyle>
+            <a:p>
+              <a:r>
+                <a:rPr lang="pt-PT" sz="1600" dirty="0" smtClean="0">
+                  <a:solidFill>
+                    <a:schemeClr val="bg1">
+                      <a:lumMod val="65000"/>
+                    </a:schemeClr>
+                  </a:solidFill>
+                </a:rPr>
+                <a:t>Universidade do Minho</a:t>
+              </a:r>
+              <a:r>
+                <a:rPr lang="pt-PT" sz="1600" dirty="0">
+                  <a:solidFill>
+                    <a:schemeClr val="bg1">
+                      <a:lumMod val="65000"/>
+                    </a:schemeClr>
+                  </a:solidFill>
+                </a:rPr>
+                <a:t/>
+              </a:r>
+              <a:br>
+                <a:rPr lang="pt-PT" sz="1600" dirty="0">
+                  <a:solidFill>
+                    <a:schemeClr val="bg1">
+                      <a:lumMod val="65000"/>
+                    </a:schemeClr>
+                  </a:solidFill>
+                </a:rPr>
+              </a:br>
+              <a:r>
+                <a:rPr lang="pt-PT" sz="1600" dirty="0" smtClean="0">
+                  <a:solidFill>
+                    <a:schemeClr val="bg1">
+                      <a:lumMod val="65000"/>
+                    </a:schemeClr>
+                  </a:solidFill>
+                </a:rPr>
+                <a:t>Licenciatura em Engenharia Informática</a:t>
+              </a:r>
+            </a:p>
+            <a:p>
+              <a:r>
+                <a:rPr lang="pt-PT" sz="1600" dirty="0" smtClean="0">
+                  <a:solidFill>
+                    <a:schemeClr val="bg1">
+                      <a:lumMod val="65000"/>
+                    </a:schemeClr>
+                  </a:solidFill>
+                </a:rPr>
+                <a:t>Laboratórios de Informática IV</a:t>
+              </a:r>
+              <a:endParaRPr lang="pt-PT" sz="1600" dirty="0">
+                <a:solidFill>
+                  <a:schemeClr val="bg1">
+                    <a:lumMod val="65000"/>
+                  </a:schemeClr>
+                </a:solidFill>
+              </a:endParaRPr>
+            </a:p>
+          </p:txBody>
+        </p:sp>
+        <p:pic>
+          <p:nvPicPr>
+            <p:cNvPr id="6" name="Imagem 5"/>
+            <p:cNvPicPr>
+              <a:picLocks noChangeAspect="1"/>
+            </p:cNvPicPr>
+            <p:nvPr/>
+          </p:nvPicPr>
+          <p:blipFill>
+            <a:blip r:embed="rId3" cstate="print">
+              <a:extLst>
+                <a:ext uri="{28A0092B-C50C-407E-A947-70E740481C1C}">
+                  <a14:useLocalDpi xmlns:a14="http://schemas.microsoft.com/office/drawing/2010/main" val="0"/>
+                </a:ext>
+              </a:extLst>
+            </a:blip>
+            <a:stretch>
+              <a:fillRect/>
+            </a:stretch>
+          </p:blipFill>
+          <p:spPr>
+            <a:xfrm>
+              <a:off x="131873" y="218460"/>
+              <a:ext cx="1786076" cy="884108"/>
+            </a:xfrm>
+            <a:prstGeom prst="rect">
+              <a:avLst/>
+            </a:prstGeom>
+          </p:spPr>
+        </p:pic>
+      </p:grpSp>
+    </p:spTree>
+    <p:extLst>
+      <p:ext uri="{BB962C8B-B14F-4D97-AF65-F5344CB8AC3E}">
+        <p14:creationId xmlns:p14="http://schemas.microsoft.com/office/powerpoint/2010/main" val="236119830"/>
+      </p:ext>
+    </p:extLst>
+  </p:cSld>
+  <p:clrMapOvr>
+    <a:masterClrMapping/>
+  </p:clrMapOvr>
+  <p:timing>
+    <p:tnLst>
+      <p:par>
+        <p:cTn id="1" dur="indefinite" restart="never" nodeType="tmRoot"/>
+      </p:par>
+    </p:tnLst>
+  </p:timing>
+</p:sld>
+</file>
+
+<file path=ppt/slides/slide20.xml><?xml version="1.0" encoding="utf-8"?>
+<p:sld xmlns:a="http://schemas.openxmlformats.org/drawingml/2006/main" xmlns:r="http://schemas.openxmlformats.org/officeDocument/2006/relationships" xmlns:p="http://schemas.openxmlformats.org/presentationml/2006/main">
+  <p:cSld>
+    <p:spTree>
+      <p:nvGrpSpPr>
+        <p:cNvPr id="1" name=""/>
+        <p:cNvGrpSpPr/>
+        <p:nvPr/>
+      </p:nvGrpSpPr>
+      <p:grpSpPr>
+        <a:xfrm>
+          <a:off x="0" y="0"/>
+          <a:ext cx="0" cy="0"/>
+          <a:chOff x="0" y="0"/>
+          <a:chExt cx="0" cy="0"/>
+        </a:xfrm>
+      </p:grpSpPr>
+      <p:pic>
+        <p:nvPicPr>
+          <p:cNvPr id="8" name="Marcador de Posição de Conteúdo 7"/>
+          <p:cNvPicPr>
+            <a:picLocks noGrp="1" noChangeAspect="1"/>
+          </p:cNvPicPr>
+          <p:nvPr>
+            <p:ph idx="1"/>
+          </p:nvPr>
+        </p:nvPicPr>
+        <p:blipFill>
+          <a:blip r:embed="rId2">
+            <a:extLst>
+              <a:ext uri="{28A0092B-C50C-407E-A947-70E740481C1C}">
+                <a14:useLocalDpi xmlns:a14="http://schemas.microsoft.com/office/drawing/2010/main" val="0"/>
+              </a:ext>
+            </a:extLst>
+          </a:blip>
+          <a:stretch>
+            <a:fillRect/>
+          </a:stretch>
+        </p:blipFill>
+        <p:spPr>
+          <a:xfrm>
+            <a:off x="263144" y="1916832"/>
+            <a:ext cx="8648982" cy="3961314"/>
+          </a:xfrm>
+        </p:spPr>
+      </p:pic>
+      <p:grpSp>
+        <p:nvGrpSpPr>
+          <p:cNvPr id="5" name="Grupo 4"/>
+          <p:cNvGrpSpPr/>
+          <p:nvPr/>
+        </p:nvGrpSpPr>
+        <p:grpSpPr>
+          <a:xfrm>
+            <a:off x="234524" y="160419"/>
+            <a:ext cx="5212826" cy="1077218"/>
+            <a:chOff x="131873" y="210179"/>
+            <a:chExt cx="5530491" cy="1077218"/>
+          </a:xfrm>
+        </p:grpSpPr>
+        <p:sp>
+          <p:nvSpPr>
+            <p:cNvPr id="6" name="CaixaDeTexto 5"/>
+            <p:cNvSpPr txBox="1"/>
+            <p:nvPr/>
+          </p:nvSpPr>
+          <p:spPr>
+            <a:xfrm>
+              <a:off x="1989956" y="210179"/>
+              <a:ext cx="3672408" cy="1077218"/>
+            </a:xfrm>
+            <a:prstGeom prst="rect">
+              <a:avLst/>
+            </a:prstGeom>
+            <a:noFill/>
+          </p:spPr>
+          <p:txBody>
+            <a:bodyPr wrap="square" rtlCol="0">
+              <a:spAutoFit/>
+            </a:bodyPr>
+            <a:lstStyle>
+              <a:defPPr>
+                <a:defRPr lang="en-US"/>
+              </a:defPPr>
+              <a:lvl1pPr marL="0" algn="l" defTabSz="914400" rtl="0" eaLnBrk="1" latinLnBrk="0" hangingPunct="1">
+                <a:defRPr sz="1800" kern="1200">
+                  <a:solidFill>
+                    <a:schemeClr val="tx1"/>
+                  </a:solidFill>
+                  <a:latin typeface="+mn-lt"/>
+                  <a:ea typeface="+mn-ea"/>
+                  <a:cs typeface="+mn-cs"/>
+                </a:defRPr>
+              </a:lvl1pPr>
+              <a:lvl2pPr marL="457200" algn="l" defTabSz="914400" rtl="0" eaLnBrk="1" latinLnBrk="0" hangingPunct="1">
+                <a:defRPr sz="1800" kern="1200">
+                  <a:solidFill>
+                    <a:schemeClr val="tx1"/>
+                  </a:solidFill>
+                  <a:latin typeface="+mn-lt"/>
+                  <a:ea typeface="+mn-ea"/>
+                  <a:cs typeface="+mn-cs"/>
+                </a:defRPr>
+              </a:lvl2pPr>
+              <a:lvl3pPr marL="914400" algn="l" defTabSz="914400" rtl="0" eaLnBrk="1" latinLnBrk="0" hangingPunct="1">
+                <a:defRPr sz="1800" kern="1200">
+                  <a:solidFill>
+                    <a:schemeClr val="tx1"/>
+                  </a:solidFill>
+                  <a:latin typeface="+mn-lt"/>
+                  <a:ea typeface="+mn-ea"/>
+                  <a:cs typeface="+mn-cs"/>
+                </a:defRPr>
+              </a:lvl3pPr>
+              <a:lvl4pPr marL="1371600" algn="l" defTabSz="914400" rtl="0" eaLnBrk="1" latinLnBrk="0" hangingPunct="1">
+                <a:defRPr sz="1800" kern="1200">
+                  <a:solidFill>
+                    <a:schemeClr val="tx1"/>
+                  </a:solidFill>
+                  <a:latin typeface="+mn-lt"/>
+                  <a:ea typeface="+mn-ea"/>
+                  <a:cs typeface="+mn-cs"/>
+                </a:defRPr>
+              </a:lvl4pPr>
+              <a:lvl5pPr marL="1828800" algn="l" defTabSz="914400" rtl="0" eaLnBrk="1" latinLnBrk="0" hangingPunct="1">
+                <a:defRPr sz="1800" kern="1200">
+                  <a:solidFill>
+                    <a:schemeClr val="tx1"/>
+                  </a:solidFill>
+                  <a:latin typeface="+mn-lt"/>
+                  <a:ea typeface="+mn-ea"/>
+                  <a:cs typeface="+mn-cs"/>
+                </a:defRPr>
+              </a:lvl5pPr>
+              <a:lvl6pPr marL="2286000" algn="l" defTabSz="914400" rtl="0" eaLnBrk="1" latinLnBrk="0" hangingPunct="1">
+                <a:defRPr sz="1800" kern="1200">
+                  <a:solidFill>
+                    <a:schemeClr val="tx1"/>
+                  </a:solidFill>
+                  <a:latin typeface="+mn-lt"/>
+                  <a:ea typeface="+mn-ea"/>
+                  <a:cs typeface="+mn-cs"/>
+                </a:defRPr>
+              </a:lvl6pPr>
+              <a:lvl7pPr marL="2743200" algn="l" defTabSz="914400" rtl="0" eaLnBrk="1" latinLnBrk="0" hangingPunct="1">
+                <a:defRPr sz="1800" kern="1200">
+                  <a:solidFill>
+                    <a:schemeClr val="tx1"/>
+                  </a:solidFill>
+                  <a:latin typeface="+mn-lt"/>
+                  <a:ea typeface="+mn-ea"/>
+                  <a:cs typeface="+mn-cs"/>
+                </a:defRPr>
+              </a:lvl7pPr>
+              <a:lvl8pPr marL="3200400" algn="l" defTabSz="914400" rtl="0" eaLnBrk="1" latinLnBrk="0" hangingPunct="1">
+                <a:defRPr sz="1800" kern="1200">
+                  <a:solidFill>
+                    <a:schemeClr val="tx1"/>
+                  </a:solidFill>
+                  <a:latin typeface="+mn-lt"/>
+                  <a:ea typeface="+mn-ea"/>
+                  <a:cs typeface="+mn-cs"/>
+                </a:defRPr>
+              </a:lvl8pPr>
+              <a:lvl9pPr marL="3657600" algn="l" defTabSz="914400" rtl="0" eaLnBrk="1" latinLnBrk="0" hangingPunct="1">
+                <a:defRPr sz="1800" kern="1200">
+                  <a:solidFill>
+                    <a:schemeClr val="tx1"/>
+                  </a:solidFill>
+                  <a:latin typeface="+mn-lt"/>
+                  <a:ea typeface="+mn-ea"/>
+                  <a:cs typeface="+mn-cs"/>
+                </a:defRPr>
+              </a:lvl9pPr>
+            </a:lstStyle>
+            <a:p>
+              <a:r>
+                <a:rPr lang="pt-PT" sz="1600" dirty="0" smtClean="0">
+                  <a:solidFill>
+                    <a:schemeClr val="bg1">
+                      <a:lumMod val="65000"/>
+                    </a:schemeClr>
+                  </a:solidFill>
+                </a:rPr>
+                <a:t>Universidade do Minho</a:t>
+              </a:r>
+              <a:r>
+                <a:rPr lang="pt-PT" sz="1600" dirty="0">
+                  <a:solidFill>
+                    <a:schemeClr val="bg1">
+                      <a:lumMod val="65000"/>
+                    </a:schemeClr>
+                  </a:solidFill>
+                </a:rPr>
+                <a:t/>
+              </a:r>
+              <a:br>
+                <a:rPr lang="pt-PT" sz="1600" dirty="0">
+                  <a:solidFill>
+                    <a:schemeClr val="bg1">
+                      <a:lumMod val="65000"/>
+                    </a:schemeClr>
+                  </a:solidFill>
+                </a:rPr>
+              </a:br>
+              <a:r>
+                <a:rPr lang="pt-PT" sz="1600" dirty="0" smtClean="0">
+                  <a:solidFill>
+                    <a:schemeClr val="bg1">
+                      <a:lumMod val="65000"/>
+                    </a:schemeClr>
+                  </a:solidFill>
+                </a:rPr>
+                <a:t>Licenciatura em Engenharia Informática</a:t>
+              </a:r>
             </a:p>
             <a:p>
               <a:r>
@@ -13368,7 +14893,7 @@
 </p:sld>
 </file>
 
-<file path=ppt/slides/slide17.xml><?xml version="1.0" encoding="utf-8"?>
+<file path=ppt/slides/slide21.xml><?xml version="1.0" encoding="utf-8"?>
 <p:sld xmlns:a="http://schemas.openxmlformats.org/drawingml/2006/main" xmlns:r="http://schemas.openxmlformats.org/officeDocument/2006/relationships" xmlns:p="http://schemas.openxmlformats.org/presentationml/2006/main">
   <p:cSld>
     <p:spTree>
@@ -13643,7 +15168,7 @@
                   <a:schemeClr val="bg2"/>
                 </a:solidFill>
               </a:rPr>
-              <a:t>Modelo Lógico -&gt; Relacionamentos</a:t>
+              <a:t>Relacionamentos</a:t>
             </a:r>
             <a:endParaRPr lang="pt-PT" b="1" dirty="0">
               <a:solidFill>
@@ -13820,25 +15345,8 @@
                     </a:schemeClr>
                   </a:solidFill>
                 </a:rPr>
-                <a:t>Licenciatura em Engenharia </a:t>
+                <a:t>Licenciatura em Engenharia Informática</a:t>
               </a:r>
-              <a:r>
-                <a:rPr lang="pt-PT" sz="1600" dirty="0" smtClean="0">
-                  <a:solidFill>
-                    <a:schemeClr val="bg1">
-                      <a:lumMod val="65000"/>
-                    </a:schemeClr>
-                  </a:solidFill>
-                </a:rPr>
-                <a:t>Informática</a:t>
-              </a:r>
-              <a:endParaRPr lang="pt-PT" sz="1600" dirty="0" smtClean="0">
-                <a:solidFill>
-                  <a:schemeClr val="bg1">
-                    <a:lumMod val="65000"/>
-                  </a:schemeClr>
-                </a:solidFill>
-              </a:endParaRPr>
             </a:p>
             <a:p>
               <a:r>
@@ -13905,7 +15413,7 @@
 </p:sld>
 </file>
 
-<file path=ppt/slides/slide18.xml><?xml version="1.0" encoding="utf-8"?>
+<file path=ppt/slides/slide22.xml><?xml version="1.0" encoding="utf-8"?>
 <p:sld xmlns:a="http://schemas.openxmlformats.org/drawingml/2006/main" xmlns:r="http://schemas.openxmlformats.org/officeDocument/2006/relationships" xmlns:p="http://schemas.openxmlformats.org/presentationml/2006/main">
   <p:cSld>
     <p:spTree>
@@ -14059,29 +15567,7 @@
                 </a:effectLst>
                 <a:latin typeface="+mn-lt"/>
               </a:rPr>
-              <a:t>Aprende com </a:t>
-            </a:r>
-            <a:r>
-              <a:rPr lang="pt-PT" sz="11000" b="1" spc="0" dirty="0" smtClean="0">
-                <a:ln w="0"/>
-                <a:solidFill>
-                  <a:srgbClr val="0070C0"/>
-                </a:solidFill>
-                <a:effectLst>
-                  <a:glow rad="101600">
-                    <a:srgbClr val="FFFF00">
-                      <a:alpha val="60000"/>
-                    </a:srgbClr>
-                  </a:glow>
-                  <a:outerShdw blurRad="38100" dist="25400" dir="5400000" algn="ctr" rotWithShape="0">
-                    <a:srgbClr val="6E747A">
-                      <a:alpha val="43000"/>
-                    </a:srgbClr>
-                  </a:outerShdw>
-                </a:effectLst>
-                <a:latin typeface="+mn-lt"/>
-              </a:rPr>
-              <a:t>os</a:t>
+              <a:t>Aprende com os</a:t>
             </a:r>
           </a:p>
           <a:p>
@@ -14477,25 +15963,8 @@
                     </a:schemeClr>
                   </a:solidFill>
                 </a:rPr>
-                <a:t>Licenciatura em Engenharia </a:t>
+                <a:t>Licenciatura em Engenharia Informática</a:t>
               </a:r>
-              <a:r>
-                <a:rPr lang="pt-PT" sz="1600" dirty="0" smtClean="0">
-                  <a:solidFill>
-                    <a:schemeClr val="bg1">
-                      <a:lumMod val="65000"/>
-                    </a:schemeClr>
-                  </a:solidFill>
-                </a:rPr>
-                <a:t>Informática</a:t>
-              </a:r>
-              <a:endParaRPr lang="pt-PT" sz="1600" dirty="0" smtClean="0">
-                <a:solidFill>
-                  <a:schemeClr val="bg1">
-                    <a:lumMod val="65000"/>
-                  </a:schemeClr>
-                </a:solidFill>
-              </a:endParaRPr>
             </a:p>
             <a:p>
               <a:r>
@@ -14553,440 +16022,6 @@
     <p:extLst>
       <p:ext uri="{BB962C8B-B14F-4D97-AF65-F5344CB8AC3E}">
         <p14:creationId xmlns:p14="http://schemas.microsoft.com/office/powerpoint/2010/main" val="3390635444"/>
-      </p:ext>
-    </p:extLst>
-  </p:cSld>
-  <p:clrMapOvr>
-    <a:masterClrMapping/>
-  </p:clrMapOvr>
-  <p:timing>
-    <p:tnLst>
-      <p:par>
-        <p:cTn id="1" dur="indefinite" restart="never" nodeType="tmRoot"/>
-      </p:par>
-    </p:tnLst>
-  </p:timing>
-</p:sld>
-</file>
-
-<file path=ppt/slides/slide2.xml><?xml version="1.0" encoding="utf-8"?>
-<p:sld xmlns:a="http://schemas.openxmlformats.org/drawingml/2006/main" xmlns:r="http://schemas.openxmlformats.org/officeDocument/2006/relationships" xmlns:p="http://schemas.openxmlformats.org/presentationml/2006/main">
-  <p:cSld>
-    <p:spTree>
-      <p:nvGrpSpPr>
-        <p:cNvPr id="1" name=""/>
-        <p:cNvGrpSpPr/>
-        <p:nvPr/>
-      </p:nvGrpSpPr>
-      <p:grpSpPr>
-        <a:xfrm>
-          <a:off x="0" y="0"/>
-          <a:ext cx="0" cy="0"/>
-          <a:chOff x="0" y="0"/>
-          <a:chExt cx="0" cy="0"/>
-        </a:xfrm>
-      </p:grpSpPr>
-      <p:sp>
-        <p:nvSpPr>
-          <p:cNvPr id="2" name="Título 1"/>
-          <p:cNvSpPr>
-            <a:spLocks noGrp="1"/>
-          </p:cNvSpPr>
-          <p:nvPr>
-            <p:ph type="title"/>
-          </p:nvPr>
-        </p:nvSpPr>
-        <p:spPr>
-          <a:xfrm>
-            <a:off x="395536" y="1213813"/>
-            <a:ext cx="8352928" cy="1143000"/>
-          </a:xfrm>
-        </p:spPr>
-        <p:txBody>
-          <a:bodyPr/>
-          <a:lstStyle/>
-          <a:p>
-            <a:pPr algn="l"/>
-            <a:r>
-              <a:rPr lang="pt-PT" b="1" dirty="0" smtClean="0">
-                <a:solidFill>
-                  <a:schemeClr val="bg2"/>
-                </a:solidFill>
-              </a:rPr>
-              <a:t>Estrutura da Apresentação</a:t>
-            </a:r>
-            <a:endParaRPr lang="pt-PT" b="1" dirty="0">
-              <a:solidFill>
-                <a:schemeClr val="bg2"/>
-              </a:solidFill>
-            </a:endParaRPr>
-          </a:p>
-        </p:txBody>
-      </p:sp>
-      <p:sp>
-        <p:nvSpPr>
-          <p:cNvPr id="3" name="Marcador de Posição de Conteúdo 2"/>
-          <p:cNvSpPr>
-            <a:spLocks noGrp="1"/>
-          </p:cNvSpPr>
-          <p:nvPr>
-            <p:ph idx="1"/>
-          </p:nvPr>
-        </p:nvSpPr>
-        <p:spPr>
-          <a:xfrm>
-            <a:off x="395536" y="2420888"/>
-            <a:ext cx="7498080" cy="3096344"/>
-          </a:xfrm>
-        </p:spPr>
-        <p:txBody>
-          <a:bodyPr>
-            <a:normAutofit/>
-          </a:bodyPr>
-          <a:lstStyle/>
-          <a:p>
-            <a:pPr algn="just">
-              <a:lnSpc>
-                <a:spcPct val="150000"/>
-              </a:lnSpc>
-              <a:buBlip>
-                <a:blip r:embed="rId2"/>
-              </a:buBlip>
-            </a:pPr>
-            <a:r>
-              <a:rPr lang="pt-PT" sz="2000" dirty="0" smtClean="0">
-                <a:latin typeface="Calibri (corpo)"/>
-              </a:rPr>
-              <a:t>Caso de estudo</a:t>
-            </a:r>
-          </a:p>
-          <a:p>
-            <a:pPr algn="just">
-              <a:lnSpc>
-                <a:spcPct val="150000"/>
-              </a:lnSpc>
-              <a:buBlip>
-                <a:blip r:embed="rId2"/>
-              </a:buBlip>
-            </a:pPr>
-            <a:r>
-              <a:rPr lang="pt-PT" sz="2000" dirty="0" smtClean="0">
-                <a:latin typeface="Calibri (corpo)"/>
-              </a:rPr>
-              <a:t>Modelo de Domínio</a:t>
-            </a:r>
-          </a:p>
-          <a:p>
-            <a:pPr algn="just">
-              <a:lnSpc>
-                <a:spcPct val="150000"/>
-              </a:lnSpc>
-              <a:buBlip>
-                <a:blip r:embed="rId2"/>
-              </a:buBlip>
-            </a:pPr>
-            <a:r>
-              <a:rPr lang="pt-PT" sz="2000" dirty="0" smtClean="0">
-                <a:latin typeface="Calibri (corpo)"/>
-              </a:rPr>
-              <a:t>Diagramas de Use Case</a:t>
-            </a:r>
-          </a:p>
-          <a:p>
-            <a:pPr algn="just">
-              <a:lnSpc>
-                <a:spcPct val="150000"/>
-              </a:lnSpc>
-              <a:buBlip>
-                <a:blip r:embed="rId2"/>
-              </a:buBlip>
-            </a:pPr>
-            <a:r>
-              <a:rPr lang="pt-PT" sz="2000" dirty="0" smtClean="0">
-                <a:latin typeface="Calibri (corpo)"/>
-              </a:rPr>
-              <a:t>Esquema Concetual da Base de Dados</a:t>
-            </a:r>
-          </a:p>
-          <a:p>
-            <a:pPr algn="just">
-              <a:lnSpc>
-                <a:spcPct val="150000"/>
-              </a:lnSpc>
-              <a:buBlip>
-                <a:blip r:embed="rId2"/>
-              </a:buBlip>
-            </a:pPr>
-            <a:r>
-              <a:rPr lang="pt-PT" sz="2000" dirty="0" smtClean="0">
-                <a:latin typeface="Calibri (corpo)"/>
-              </a:rPr>
-              <a:t>Esquema Lógico da Base de Dados</a:t>
-            </a:r>
-          </a:p>
-          <a:p>
-            <a:pPr marL="82296" indent="0">
-              <a:buNone/>
-            </a:pPr>
-            <a:endParaRPr lang="pt-PT" sz="2000" dirty="0" smtClean="0">
-              <a:latin typeface="Calibri (corpo)"/>
-            </a:endParaRPr>
-          </a:p>
-          <a:p>
-            <a:pPr>
-              <a:buBlip>
-                <a:blip r:embed="rId2"/>
-              </a:buBlip>
-            </a:pPr>
-            <a:endParaRPr lang="pt-PT" sz="2000" dirty="0">
-              <a:latin typeface="Calibri (corpo)"/>
-            </a:endParaRPr>
-          </a:p>
-        </p:txBody>
-      </p:sp>
-      <p:grpSp>
-        <p:nvGrpSpPr>
-          <p:cNvPr id="4" name="Grupo 3"/>
-          <p:cNvGrpSpPr/>
-          <p:nvPr/>
-        </p:nvGrpSpPr>
-        <p:grpSpPr>
-          <a:xfrm>
-            <a:off x="172933" y="160419"/>
-            <a:ext cx="5212826" cy="1077218"/>
-            <a:chOff x="131873" y="210179"/>
-            <a:chExt cx="5530491" cy="1077218"/>
-          </a:xfrm>
-        </p:grpSpPr>
-        <p:sp>
-          <p:nvSpPr>
-            <p:cNvPr id="5" name="CaixaDeTexto 5"/>
-            <p:cNvSpPr txBox="1"/>
-            <p:nvPr/>
-          </p:nvSpPr>
-          <p:spPr>
-            <a:xfrm>
-              <a:off x="1989956" y="210179"/>
-              <a:ext cx="3672408" cy="1077218"/>
-            </a:xfrm>
-            <a:prstGeom prst="rect">
-              <a:avLst/>
-            </a:prstGeom>
-            <a:noFill/>
-          </p:spPr>
-          <p:txBody>
-            <a:bodyPr wrap="square" rtlCol="0">
-              <a:spAutoFit/>
-            </a:bodyPr>
-            <a:lstStyle>
-              <a:defPPr>
-                <a:defRPr lang="en-US"/>
-              </a:defPPr>
-              <a:lvl1pPr marL="0" algn="l" defTabSz="914400" rtl="0" eaLnBrk="1" latinLnBrk="0" hangingPunct="1">
-                <a:defRPr sz="1800" kern="1200">
-                  <a:solidFill>
-                    <a:schemeClr val="tx1"/>
-                  </a:solidFill>
-                  <a:latin typeface="+mn-lt"/>
-                  <a:ea typeface="+mn-ea"/>
-                  <a:cs typeface="+mn-cs"/>
-                </a:defRPr>
-              </a:lvl1pPr>
-              <a:lvl2pPr marL="457200" algn="l" defTabSz="914400" rtl="0" eaLnBrk="1" latinLnBrk="0" hangingPunct="1">
-                <a:defRPr sz="1800" kern="1200">
-                  <a:solidFill>
-                    <a:schemeClr val="tx1"/>
-                  </a:solidFill>
-                  <a:latin typeface="+mn-lt"/>
-                  <a:ea typeface="+mn-ea"/>
-                  <a:cs typeface="+mn-cs"/>
-                </a:defRPr>
-              </a:lvl2pPr>
-              <a:lvl3pPr marL="914400" algn="l" defTabSz="914400" rtl="0" eaLnBrk="1" latinLnBrk="0" hangingPunct="1">
-                <a:defRPr sz="1800" kern="1200">
-                  <a:solidFill>
-                    <a:schemeClr val="tx1"/>
-                  </a:solidFill>
-                  <a:latin typeface="+mn-lt"/>
-                  <a:ea typeface="+mn-ea"/>
-                  <a:cs typeface="+mn-cs"/>
-                </a:defRPr>
-              </a:lvl3pPr>
-              <a:lvl4pPr marL="1371600" algn="l" defTabSz="914400" rtl="0" eaLnBrk="1" latinLnBrk="0" hangingPunct="1">
-                <a:defRPr sz="1800" kern="1200">
-                  <a:solidFill>
-                    <a:schemeClr val="tx1"/>
-                  </a:solidFill>
-                  <a:latin typeface="+mn-lt"/>
-                  <a:ea typeface="+mn-ea"/>
-                  <a:cs typeface="+mn-cs"/>
-                </a:defRPr>
-              </a:lvl4pPr>
-              <a:lvl5pPr marL="1828800" algn="l" defTabSz="914400" rtl="0" eaLnBrk="1" latinLnBrk="0" hangingPunct="1">
-                <a:defRPr sz="1800" kern="1200">
-                  <a:solidFill>
-                    <a:schemeClr val="tx1"/>
-                  </a:solidFill>
-                  <a:latin typeface="+mn-lt"/>
-                  <a:ea typeface="+mn-ea"/>
-                  <a:cs typeface="+mn-cs"/>
-                </a:defRPr>
-              </a:lvl5pPr>
-              <a:lvl6pPr marL="2286000" algn="l" defTabSz="914400" rtl="0" eaLnBrk="1" latinLnBrk="0" hangingPunct="1">
-                <a:defRPr sz="1800" kern="1200">
-                  <a:solidFill>
-                    <a:schemeClr val="tx1"/>
-                  </a:solidFill>
-                  <a:latin typeface="+mn-lt"/>
-                  <a:ea typeface="+mn-ea"/>
-                  <a:cs typeface="+mn-cs"/>
-                </a:defRPr>
-              </a:lvl6pPr>
-              <a:lvl7pPr marL="2743200" algn="l" defTabSz="914400" rtl="0" eaLnBrk="1" latinLnBrk="0" hangingPunct="1">
-                <a:defRPr sz="1800" kern="1200">
-                  <a:solidFill>
-                    <a:schemeClr val="tx1"/>
-                  </a:solidFill>
-                  <a:latin typeface="+mn-lt"/>
-                  <a:ea typeface="+mn-ea"/>
-                  <a:cs typeface="+mn-cs"/>
-                </a:defRPr>
-              </a:lvl7pPr>
-              <a:lvl8pPr marL="3200400" algn="l" defTabSz="914400" rtl="0" eaLnBrk="1" latinLnBrk="0" hangingPunct="1">
-                <a:defRPr sz="1800" kern="1200">
-                  <a:solidFill>
-                    <a:schemeClr val="tx1"/>
-                  </a:solidFill>
-                  <a:latin typeface="+mn-lt"/>
-                  <a:ea typeface="+mn-ea"/>
-                  <a:cs typeface="+mn-cs"/>
-                </a:defRPr>
-              </a:lvl8pPr>
-              <a:lvl9pPr marL="3657600" algn="l" defTabSz="914400" rtl="0" eaLnBrk="1" latinLnBrk="0" hangingPunct="1">
-                <a:defRPr sz="1800" kern="1200">
-                  <a:solidFill>
-                    <a:schemeClr val="tx1"/>
-                  </a:solidFill>
-                  <a:latin typeface="+mn-lt"/>
-                  <a:ea typeface="+mn-ea"/>
-                  <a:cs typeface="+mn-cs"/>
-                </a:defRPr>
-              </a:lvl9pPr>
-            </a:lstStyle>
-            <a:p>
-              <a:r>
-                <a:rPr lang="pt-PT" sz="1600" dirty="0" smtClean="0">
-                  <a:solidFill>
-                    <a:schemeClr val="bg1">
-                      <a:lumMod val="65000"/>
-                    </a:schemeClr>
-                  </a:solidFill>
-                </a:rPr>
-                <a:t>Universidade do Minho</a:t>
-              </a:r>
-              <a:r>
-                <a:rPr lang="pt-PT" sz="1600" dirty="0">
-                  <a:solidFill>
-                    <a:schemeClr val="bg1">
-                      <a:lumMod val="65000"/>
-                    </a:schemeClr>
-                  </a:solidFill>
-                </a:rPr>
-                <a:t/>
-              </a:r>
-              <a:br>
-                <a:rPr lang="pt-PT" sz="1600" dirty="0">
-                  <a:solidFill>
-                    <a:schemeClr val="bg1">
-                      <a:lumMod val="65000"/>
-                    </a:schemeClr>
-                  </a:solidFill>
-                </a:rPr>
-              </a:br>
-              <a:r>
-                <a:rPr lang="pt-PT" sz="1600" dirty="0" smtClean="0">
-                  <a:solidFill>
-                    <a:schemeClr val="bg1">
-                      <a:lumMod val="65000"/>
-                    </a:schemeClr>
-                  </a:solidFill>
-                </a:rPr>
-                <a:t>Licenciatura em Engenharia </a:t>
-              </a:r>
-              <a:r>
-                <a:rPr lang="pt-PT" sz="1600" dirty="0" smtClean="0">
-                  <a:solidFill>
-                    <a:schemeClr val="bg1">
-                      <a:lumMod val="65000"/>
-                    </a:schemeClr>
-                  </a:solidFill>
-                </a:rPr>
-                <a:t>Informática</a:t>
-              </a:r>
-              <a:endParaRPr lang="pt-PT" sz="1600" dirty="0" smtClean="0">
-                <a:solidFill>
-                  <a:schemeClr val="bg1">
-                    <a:lumMod val="65000"/>
-                  </a:schemeClr>
-                </a:solidFill>
-              </a:endParaRPr>
-            </a:p>
-            <a:p>
-              <a:r>
-                <a:rPr lang="pt-PT" sz="1600" dirty="0" smtClean="0">
-                  <a:solidFill>
-                    <a:schemeClr val="bg1">
-                      <a:lumMod val="65000"/>
-                    </a:schemeClr>
-                  </a:solidFill>
-                </a:rPr>
-                <a:t>Laboratórios de Informática IV</a:t>
-              </a:r>
-              <a:endParaRPr lang="pt-PT" sz="1600" dirty="0">
-                <a:solidFill>
-                  <a:schemeClr val="bg1">
-                    <a:lumMod val="65000"/>
-                  </a:schemeClr>
-                </a:solidFill>
-              </a:endParaRPr>
-            </a:p>
-          </p:txBody>
-        </p:sp>
-        <p:pic>
-          <p:nvPicPr>
-            <p:cNvPr id="6" name="Imagem 5"/>
-            <p:cNvPicPr>
-              <a:picLocks noChangeAspect="1"/>
-            </p:cNvPicPr>
-            <p:nvPr/>
-          </p:nvPicPr>
-          <p:blipFill>
-            <a:blip r:embed="rId3" cstate="print">
-              <a:extLst>
-                <a:ext uri="{28A0092B-C50C-407E-A947-70E740481C1C}">
-                  <a14:useLocalDpi xmlns:a14="http://schemas.microsoft.com/office/drawing/2010/main" val="0"/>
-                </a:ext>
-              </a:extLst>
-            </a:blip>
-            <a:stretch>
-              <a:fillRect/>
-            </a:stretch>
-          </p:blipFill>
-          <p:spPr>
-            <a:xfrm>
-              <a:off x="131873" y="218460"/>
-              <a:ext cx="1786076" cy="884108"/>
-            </a:xfrm>
-            <a:prstGeom prst="rect">
-              <a:avLst/>
-            </a:prstGeom>
-          </p:spPr>
-        </p:pic>
-      </p:grpSp>
-    </p:spTree>
-    <p:extLst>
-      <p:ext uri="{BB962C8B-B14F-4D97-AF65-F5344CB8AC3E}">
-        <p14:creationId xmlns:p14="http://schemas.microsoft.com/office/powerpoint/2010/main" val="236119830"/>
       </p:ext>
     </p:extLst>
   </p:cSld>
@@ -15270,25 +16305,8 @@
                     </a:schemeClr>
                   </a:solidFill>
                 </a:rPr>
-                <a:t>Licenciatura em Engenharia </a:t>
+                <a:t>Licenciatura em Engenharia Informática</a:t>
               </a:r>
-              <a:r>
-                <a:rPr lang="pt-PT" sz="1600" dirty="0" smtClean="0">
-                  <a:solidFill>
-                    <a:schemeClr val="bg1">
-                      <a:lumMod val="65000"/>
-                    </a:schemeClr>
-                  </a:solidFill>
-                </a:rPr>
-                <a:t>Informática</a:t>
-              </a:r>
-              <a:endParaRPr lang="pt-PT" sz="1600" dirty="0" smtClean="0">
-                <a:solidFill>
-                  <a:schemeClr val="bg1">
-                    <a:lumMod val="65000"/>
-                  </a:schemeClr>
-                </a:solidFill>
-              </a:endParaRPr>
             </a:p>
             <a:p>
               <a:r>
@@ -15612,25 +16630,8 @@
                     </a:schemeClr>
                   </a:solidFill>
                 </a:rPr>
-                <a:t>Licenciatura em Engenharia </a:t>
+                <a:t>Licenciatura em Engenharia Informática</a:t>
               </a:r>
-              <a:r>
-                <a:rPr lang="pt-PT" sz="1600" dirty="0" smtClean="0">
-                  <a:solidFill>
-                    <a:schemeClr val="bg1">
-                      <a:lumMod val="65000"/>
-                    </a:schemeClr>
-                  </a:solidFill>
-                </a:rPr>
-                <a:t>Informática</a:t>
-              </a:r>
-              <a:endParaRPr lang="pt-PT" sz="1600" dirty="0" smtClean="0">
-                <a:solidFill>
-                  <a:schemeClr val="bg1">
-                    <a:lumMod val="65000"/>
-                  </a:schemeClr>
-                </a:solidFill>
-              </a:endParaRPr>
             </a:p>
             <a:p>
               <a:r>
@@ -15927,25 +16928,8 @@
                     </a:schemeClr>
                   </a:solidFill>
                 </a:rPr>
-                <a:t>Licenciatura em Engenharia </a:t>
+                <a:t>Licenciatura em Engenharia Informática</a:t>
               </a:r>
-              <a:r>
-                <a:rPr lang="pt-PT" sz="1600" dirty="0" smtClean="0">
-                  <a:solidFill>
-                    <a:schemeClr val="bg1">
-                      <a:lumMod val="65000"/>
-                    </a:schemeClr>
-                  </a:solidFill>
-                </a:rPr>
-                <a:t>Informática</a:t>
-              </a:r>
-              <a:endParaRPr lang="pt-PT" sz="1600" dirty="0" smtClean="0">
-                <a:solidFill>
-                  <a:schemeClr val="bg1">
-                    <a:lumMod val="65000"/>
-                  </a:schemeClr>
-                </a:solidFill>
-              </a:endParaRPr>
             </a:p>
             <a:p>
               <a:r>
@@ -16283,25 +17267,8 @@
                     </a:schemeClr>
                   </a:solidFill>
                 </a:rPr>
-                <a:t>Licenciatura em Engenharia </a:t>
+                <a:t>Licenciatura em Engenharia Informática</a:t>
               </a:r>
-              <a:r>
-                <a:rPr lang="pt-PT" sz="1600" dirty="0" smtClean="0">
-                  <a:solidFill>
-                    <a:schemeClr val="bg1">
-                      <a:lumMod val="65000"/>
-                    </a:schemeClr>
-                  </a:solidFill>
-                </a:rPr>
-                <a:t>Informática</a:t>
-              </a:r>
-              <a:endParaRPr lang="pt-PT" sz="1600" dirty="0" smtClean="0">
-                <a:solidFill>
-                  <a:schemeClr val="bg1">
-                    <a:lumMod val="65000"/>
-                  </a:schemeClr>
-                </a:solidFill>
-              </a:endParaRPr>
             </a:p>
             <a:p>
               <a:r>
@@ -16625,25 +17592,8 @@
                     </a:schemeClr>
                   </a:solidFill>
                 </a:rPr>
-                <a:t>Licenciatura em Engenharia </a:t>
+                <a:t>Licenciatura em Engenharia Informática</a:t>
               </a:r>
-              <a:r>
-                <a:rPr lang="pt-PT" sz="1600" dirty="0" smtClean="0">
-                  <a:solidFill>
-                    <a:schemeClr val="bg1">
-                      <a:lumMod val="65000"/>
-                    </a:schemeClr>
-                  </a:solidFill>
-                </a:rPr>
-                <a:t>Informática</a:t>
-              </a:r>
-              <a:endParaRPr lang="pt-PT" sz="1600" dirty="0" smtClean="0">
-                <a:solidFill>
-                  <a:schemeClr val="bg1">
-                    <a:lumMod val="65000"/>
-                  </a:schemeClr>
-                </a:solidFill>
-              </a:endParaRPr>
             </a:p>
             <a:p>
               <a:r>
@@ -16967,25 +17917,8 @@
                     </a:schemeClr>
                   </a:solidFill>
                 </a:rPr>
-                <a:t>Licenciatura em Engenharia </a:t>
+                <a:t>Licenciatura em Engenharia Informática</a:t>
               </a:r>
-              <a:r>
-                <a:rPr lang="pt-PT" sz="1600" dirty="0" smtClean="0">
-                  <a:solidFill>
-                    <a:schemeClr val="bg1">
-                      <a:lumMod val="65000"/>
-                    </a:schemeClr>
-                  </a:solidFill>
-                </a:rPr>
-                <a:t>Informática</a:t>
-              </a:r>
-              <a:endParaRPr lang="pt-PT" sz="1600" dirty="0" smtClean="0">
-                <a:solidFill>
-                  <a:schemeClr val="bg1">
-                    <a:lumMod val="65000"/>
-                  </a:schemeClr>
-                </a:solidFill>
-              </a:endParaRPr>
             </a:p>
             <a:p>
               <a:r>
@@ -17309,25 +18242,8 @@
                     </a:schemeClr>
                   </a:solidFill>
                 </a:rPr>
-                <a:t>Licenciatura em Engenharia </a:t>
+                <a:t>Licenciatura em Engenharia Informática</a:t>
               </a:r>
-              <a:r>
-                <a:rPr lang="pt-PT" sz="1600" dirty="0" smtClean="0">
-                  <a:solidFill>
-                    <a:schemeClr val="bg1">
-                      <a:lumMod val="65000"/>
-                    </a:schemeClr>
-                  </a:solidFill>
-                </a:rPr>
-                <a:t>Informática</a:t>
-              </a:r>
-              <a:endParaRPr lang="pt-PT" sz="1600" dirty="0" smtClean="0">
-                <a:solidFill>
-                  <a:schemeClr val="bg1">
-                    <a:lumMod val="65000"/>
-                  </a:schemeClr>
-                </a:solidFill>
-              </a:endParaRPr>
             </a:p>
             <a:p>
               <a:r>

--- a/2ª Fase/Aprsentação_Fase2.pptx
+++ b/2ª Fase/Aprsentação_Fase2.pptx
@@ -5,34 +5,35 @@
     <p:sldMasterId id="2147483768" r:id="rId1"/>
   </p:sldMasterIdLst>
   <p:notesMasterIdLst>
-    <p:notesMasterId r:id="rId24"/>
+    <p:notesMasterId r:id="rId25"/>
   </p:notesMasterIdLst>
   <p:handoutMasterIdLst>
-    <p:handoutMasterId r:id="rId25"/>
+    <p:handoutMasterId r:id="rId26"/>
   </p:handoutMasterIdLst>
   <p:sldIdLst>
     <p:sldId id="256" r:id="rId2"/>
     <p:sldId id="257" r:id="rId3"/>
     <p:sldId id="258" r:id="rId4"/>
     <p:sldId id="259" r:id="rId5"/>
-    <p:sldId id="260" r:id="rId6"/>
-    <p:sldId id="261" r:id="rId7"/>
-    <p:sldId id="262" r:id="rId8"/>
-    <p:sldId id="263" r:id="rId9"/>
-    <p:sldId id="264" r:id="rId10"/>
-    <p:sldId id="265" r:id="rId11"/>
-    <p:sldId id="266" r:id="rId12"/>
-    <p:sldId id="267" r:id="rId13"/>
-    <p:sldId id="268" r:id="rId14"/>
-    <p:sldId id="278" r:id="rId15"/>
-    <p:sldId id="275" r:id="rId16"/>
-    <p:sldId id="276" r:id="rId17"/>
-    <p:sldId id="270" r:id="rId18"/>
-    <p:sldId id="269" r:id="rId19"/>
-    <p:sldId id="277" r:id="rId20"/>
-    <p:sldId id="273" r:id="rId21"/>
-    <p:sldId id="274" r:id="rId22"/>
-    <p:sldId id="272" r:id="rId23"/>
+    <p:sldId id="279" r:id="rId6"/>
+    <p:sldId id="260" r:id="rId7"/>
+    <p:sldId id="261" r:id="rId8"/>
+    <p:sldId id="262" r:id="rId9"/>
+    <p:sldId id="263" r:id="rId10"/>
+    <p:sldId id="264" r:id="rId11"/>
+    <p:sldId id="265" r:id="rId12"/>
+    <p:sldId id="266" r:id="rId13"/>
+    <p:sldId id="267" r:id="rId14"/>
+    <p:sldId id="268" r:id="rId15"/>
+    <p:sldId id="278" r:id="rId16"/>
+    <p:sldId id="275" r:id="rId17"/>
+    <p:sldId id="276" r:id="rId18"/>
+    <p:sldId id="270" r:id="rId19"/>
+    <p:sldId id="280" r:id="rId20"/>
+    <p:sldId id="269" r:id="rId21"/>
+    <p:sldId id="277" r:id="rId22"/>
+    <p:sldId id="273" r:id="rId23"/>
+    <p:sldId id="272" r:id="rId24"/>
   </p:sldIdLst>
   <p:sldSz cx="9144000" cy="6858000" type="screen4x3"/>
   <p:notesSz cx="6858000" cy="9144000"/>
@@ -7353,7 +7354,7 @@
           <a:p>
             <a:fld id="{59529838-8612-4287-AFC5-4E951F1C2B53}" type="slidenum">
               <a:rPr lang="pt-PT" smtClean="0"/>
-              <a:t>22</a:t>
+              <a:t>23</a:t>
             </a:fld>
             <a:endParaRPr lang="pt-PT"/>
           </a:p>
@@ -11028,6 +11029,331 @@
         </p:blipFill>
         <p:spPr>
           <a:xfrm>
+            <a:off x="2195736" y="1916832"/>
+            <a:ext cx="5232417" cy="4680520"/>
+          </a:xfrm>
+        </p:spPr>
+      </p:pic>
+      <p:sp>
+        <p:nvSpPr>
+          <p:cNvPr id="4" name="Título 1"/>
+          <p:cNvSpPr>
+            <a:spLocks noGrp="1"/>
+          </p:cNvSpPr>
+          <p:nvPr>
+            <p:ph type="title"/>
+          </p:nvPr>
+        </p:nvSpPr>
+        <p:spPr>
+          <a:xfrm>
+            <a:off x="395536" y="1052808"/>
+            <a:ext cx="8352928" cy="1143000"/>
+          </a:xfrm>
+        </p:spPr>
+        <p:txBody>
+          <a:bodyPr/>
+          <a:lstStyle/>
+          <a:p>
+            <a:pPr algn="l"/>
+            <a:r>
+              <a:rPr lang="pt-PT" b="1" dirty="0" smtClean="0">
+                <a:solidFill>
+                  <a:schemeClr val="bg2"/>
+                </a:solidFill>
+              </a:rPr>
+              <a:t>UC- Aulas</a:t>
+            </a:r>
+            <a:endParaRPr lang="pt-PT" b="1" dirty="0">
+              <a:solidFill>
+                <a:schemeClr val="bg2"/>
+              </a:solidFill>
+            </a:endParaRPr>
+          </a:p>
+        </p:txBody>
+      </p:sp>
+      <p:grpSp>
+        <p:nvGrpSpPr>
+          <p:cNvPr id="5" name="Grupo 4"/>
+          <p:cNvGrpSpPr/>
+          <p:nvPr/>
+        </p:nvGrpSpPr>
+        <p:grpSpPr>
+          <a:xfrm>
+            <a:off x="234524" y="160419"/>
+            <a:ext cx="5212826" cy="1077218"/>
+            <a:chOff x="131873" y="210179"/>
+            <a:chExt cx="5530491" cy="1077218"/>
+          </a:xfrm>
+        </p:grpSpPr>
+        <p:sp>
+          <p:nvSpPr>
+            <p:cNvPr id="6" name="CaixaDeTexto 5"/>
+            <p:cNvSpPr txBox="1"/>
+            <p:nvPr/>
+          </p:nvSpPr>
+          <p:spPr>
+            <a:xfrm>
+              <a:off x="1989956" y="210179"/>
+              <a:ext cx="3672408" cy="1077218"/>
+            </a:xfrm>
+            <a:prstGeom prst="rect">
+              <a:avLst/>
+            </a:prstGeom>
+            <a:noFill/>
+          </p:spPr>
+          <p:txBody>
+            <a:bodyPr wrap="square" rtlCol="0">
+              <a:spAutoFit/>
+            </a:bodyPr>
+            <a:lstStyle>
+              <a:defPPr>
+                <a:defRPr lang="en-US"/>
+              </a:defPPr>
+              <a:lvl1pPr marL="0" algn="l" defTabSz="914400" rtl="0" eaLnBrk="1" latinLnBrk="0" hangingPunct="1">
+                <a:defRPr sz="1800" kern="1200">
+                  <a:solidFill>
+                    <a:schemeClr val="tx1"/>
+                  </a:solidFill>
+                  <a:latin typeface="+mn-lt"/>
+                  <a:ea typeface="+mn-ea"/>
+                  <a:cs typeface="+mn-cs"/>
+                </a:defRPr>
+              </a:lvl1pPr>
+              <a:lvl2pPr marL="457200" algn="l" defTabSz="914400" rtl="0" eaLnBrk="1" latinLnBrk="0" hangingPunct="1">
+                <a:defRPr sz="1800" kern="1200">
+                  <a:solidFill>
+                    <a:schemeClr val="tx1"/>
+                  </a:solidFill>
+                  <a:latin typeface="+mn-lt"/>
+                  <a:ea typeface="+mn-ea"/>
+                  <a:cs typeface="+mn-cs"/>
+                </a:defRPr>
+              </a:lvl2pPr>
+              <a:lvl3pPr marL="914400" algn="l" defTabSz="914400" rtl="0" eaLnBrk="1" latinLnBrk="0" hangingPunct="1">
+                <a:defRPr sz="1800" kern="1200">
+                  <a:solidFill>
+                    <a:schemeClr val="tx1"/>
+                  </a:solidFill>
+                  <a:latin typeface="+mn-lt"/>
+                  <a:ea typeface="+mn-ea"/>
+                  <a:cs typeface="+mn-cs"/>
+                </a:defRPr>
+              </a:lvl3pPr>
+              <a:lvl4pPr marL="1371600" algn="l" defTabSz="914400" rtl="0" eaLnBrk="1" latinLnBrk="0" hangingPunct="1">
+                <a:defRPr sz="1800" kern="1200">
+                  <a:solidFill>
+                    <a:schemeClr val="tx1"/>
+                  </a:solidFill>
+                  <a:latin typeface="+mn-lt"/>
+                  <a:ea typeface="+mn-ea"/>
+                  <a:cs typeface="+mn-cs"/>
+                </a:defRPr>
+              </a:lvl4pPr>
+              <a:lvl5pPr marL="1828800" algn="l" defTabSz="914400" rtl="0" eaLnBrk="1" latinLnBrk="0" hangingPunct="1">
+                <a:defRPr sz="1800" kern="1200">
+                  <a:solidFill>
+                    <a:schemeClr val="tx1"/>
+                  </a:solidFill>
+                  <a:latin typeface="+mn-lt"/>
+                  <a:ea typeface="+mn-ea"/>
+                  <a:cs typeface="+mn-cs"/>
+                </a:defRPr>
+              </a:lvl5pPr>
+              <a:lvl6pPr marL="2286000" algn="l" defTabSz="914400" rtl="0" eaLnBrk="1" latinLnBrk="0" hangingPunct="1">
+                <a:defRPr sz="1800" kern="1200">
+                  <a:solidFill>
+                    <a:schemeClr val="tx1"/>
+                  </a:solidFill>
+                  <a:latin typeface="+mn-lt"/>
+                  <a:ea typeface="+mn-ea"/>
+                  <a:cs typeface="+mn-cs"/>
+                </a:defRPr>
+              </a:lvl6pPr>
+              <a:lvl7pPr marL="2743200" algn="l" defTabSz="914400" rtl="0" eaLnBrk="1" latinLnBrk="0" hangingPunct="1">
+                <a:defRPr sz="1800" kern="1200">
+                  <a:solidFill>
+                    <a:schemeClr val="tx1"/>
+                  </a:solidFill>
+                  <a:latin typeface="+mn-lt"/>
+                  <a:ea typeface="+mn-ea"/>
+                  <a:cs typeface="+mn-cs"/>
+                </a:defRPr>
+              </a:lvl7pPr>
+              <a:lvl8pPr marL="3200400" algn="l" defTabSz="914400" rtl="0" eaLnBrk="1" latinLnBrk="0" hangingPunct="1">
+                <a:defRPr sz="1800" kern="1200">
+                  <a:solidFill>
+                    <a:schemeClr val="tx1"/>
+                  </a:solidFill>
+                  <a:latin typeface="+mn-lt"/>
+                  <a:ea typeface="+mn-ea"/>
+                  <a:cs typeface="+mn-cs"/>
+                </a:defRPr>
+              </a:lvl8pPr>
+              <a:lvl9pPr marL="3657600" algn="l" defTabSz="914400" rtl="0" eaLnBrk="1" latinLnBrk="0" hangingPunct="1">
+                <a:defRPr sz="1800" kern="1200">
+                  <a:solidFill>
+                    <a:schemeClr val="tx1"/>
+                  </a:solidFill>
+                  <a:latin typeface="+mn-lt"/>
+                  <a:ea typeface="+mn-ea"/>
+                  <a:cs typeface="+mn-cs"/>
+                </a:defRPr>
+              </a:lvl9pPr>
+            </a:lstStyle>
+            <a:p>
+              <a:r>
+                <a:rPr lang="pt-PT" sz="1600" dirty="0" smtClean="0">
+                  <a:solidFill>
+                    <a:schemeClr val="bg1">
+                      <a:lumMod val="65000"/>
+                    </a:schemeClr>
+                  </a:solidFill>
+                </a:rPr>
+                <a:t>Universidade do Minho</a:t>
+              </a:r>
+              <a:r>
+                <a:rPr lang="pt-PT" sz="1600" dirty="0">
+                  <a:solidFill>
+                    <a:schemeClr val="bg1">
+                      <a:lumMod val="65000"/>
+                    </a:schemeClr>
+                  </a:solidFill>
+                </a:rPr>
+                <a:t/>
+              </a:r>
+              <a:br>
+                <a:rPr lang="pt-PT" sz="1600" dirty="0">
+                  <a:solidFill>
+                    <a:schemeClr val="bg1">
+                      <a:lumMod val="65000"/>
+                    </a:schemeClr>
+                  </a:solidFill>
+                </a:rPr>
+              </a:br>
+              <a:r>
+                <a:rPr lang="pt-PT" sz="1600" dirty="0" smtClean="0">
+                  <a:solidFill>
+                    <a:schemeClr val="bg1">
+                      <a:lumMod val="65000"/>
+                    </a:schemeClr>
+                  </a:solidFill>
+                </a:rPr>
+                <a:t>Licenciatura em Engenharia Informática</a:t>
+              </a:r>
+            </a:p>
+            <a:p>
+              <a:r>
+                <a:rPr lang="pt-PT" sz="1600" dirty="0" smtClean="0">
+                  <a:solidFill>
+                    <a:schemeClr val="bg1">
+                      <a:lumMod val="65000"/>
+                    </a:schemeClr>
+                  </a:solidFill>
+                </a:rPr>
+                <a:t>Laboratórios de Informática IV</a:t>
+              </a:r>
+              <a:endParaRPr lang="pt-PT" sz="1600" dirty="0">
+                <a:solidFill>
+                  <a:schemeClr val="bg1">
+                    <a:lumMod val="65000"/>
+                  </a:schemeClr>
+                </a:solidFill>
+              </a:endParaRPr>
+            </a:p>
+          </p:txBody>
+        </p:sp>
+        <p:pic>
+          <p:nvPicPr>
+            <p:cNvPr id="7" name="Imagem 6"/>
+            <p:cNvPicPr>
+              <a:picLocks noChangeAspect="1"/>
+            </p:cNvPicPr>
+            <p:nvPr/>
+          </p:nvPicPr>
+          <p:blipFill>
+            <a:blip r:embed="rId3" cstate="print">
+              <a:extLst>
+                <a:ext uri="{28A0092B-C50C-407E-A947-70E740481C1C}">
+                  <a14:useLocalDpi xmlns:a14="http://schemas.microsoft.com/office/drawing/2010/main" val="0"/>
+                </a:ext>
+              </a:extLst>
+            </a:blip>
+            <a:stretch>
+              <a:fillRect/>
+            </a:stretch>
+          </p:blipFill>
+          <p:spPr>
+            <a:xfrm>
+              <a:off x="131873" y="218460"/>
+              <a:ext cx="1786076" cy="884108"/>
+            </a:xfrm>
+            <a:prstGeom prst="rect">
+              <a:avLst/>
+            </a:prstGeom>
+          </p:spPr>
+        </p:pic>
+      </p:grpSp>
+    </p:spTree>
+    <p:extLst>
+      <p:ext uri="{BB962C8B-B14F-4D97-AF65-F5344CB8AC3E}">
+        <p14:creationId xmlns:p14="http://schemas.microsoft.com/office/powerpoint/2010/main" val="3508037308"/>
+      </p:ext>
+    </p:extLst>
+  </p:cSld>
+  <p:clrMapOvr>
+    <a:masterClrMapping/>
+  </p:clrMapOvr>
+  <p:timing>
+    <p:tnLst>
+      <p:par>
+        <p:cTn id="1" dur="indefinite" restart="never" nodeType="tmRoot"/>
+      </p:par>
+    </p:tnLst>
+  </p:timing>
+</p:sld>
+</file>
+
+<file path=ppt/slides/slide11.xml><?xml version="1.0" encoding="utf-8"?>
+<p:sld xmlns:a="http://schemas.openxmlformats.org/drawingml/2006/main" xmlns:r="http://schemas.openxmlformats.org/officeDocument/2006/relationships" xmlns:p="http://schemas.openxmlformats.org/presentationml/2006/main">
+  <p:cSld>
+    <p:spTree>
+      <p:nvGrpSpPr>
+        <p:cNvPr id="1" name=""/>
+        <p:cNvGrpSpPr/>
+        <p:nvPr/>
+      </p:nvGrpSpPr>
+      <p:grpSpPr>
+        <a:xfrm>
+          <a:off x="0" y="0"/>
+          <a:ext cx="0" cy="0"/>
+          <a:chOff x="0" y="0"/>
+          <a:chExt cx="0" cy="0"/>
+        </a:xfrm>
+      </p:grpSpPr>
+      <p:pic>
+        <p:nvPicPr>
+          <p:cNvPr id="8" name="Marcador de Posição de Conteúdo 7"/>
+          <p:cNvPicPr>
+            <a:picLocks noGrp="1" noChangeAspect="1"/>
+          </p:cNvPicPr>
+          <p:nvPr>
+            <p:ph idx="1"/>
+          </p:nvPr>
+        </p:nvPicPr>
+        <p:blipFill>
+          <a:blip r:embed="rId2">
+            <a:extLst>
+              <a:ext uri="{28A0092B-C50C-407E-A947-70E740481C1C}">
+                <a14:useLocalDpi xmlns:a14="http://schemas.microsoft.com/office/drawing/2010/main" val="0"/>
+              </a:ext>
+            </a:extLst>
+          </a:blip>
+          <a:stretch>
+            <a:fillRect/>
+          </a:stretch>
+        </p:blipFill>
+        <p:spPr>
+          <a:xfrm>
             <a:off x="395536" y="2276872"/>
             <a:ext cx="8418192" cy="4143424"/>
           </a:xfrm>
@@ -11312,7 +11638,7 @@
 </p:sld>
 </file>
 
-<file path=ppt/slides/slide11.xml><?xml version="1.0" encoding="utf-8"?>
+<file path=ppt/slides/slide12.xml><?xml version="1.0" encoding="utf-8"?>
 <p:sld xmlns:a="http://schemas.openxmlformats.org/drawingml/2006/main" xmlns:r="http://schemas.openxmlformats.org/officeDocument/2006/relationships" xmlns:p="http://schemas.openxmlformats.org/presentationml/2006/main">
   <p:cSld>
     <p:spTree>
@@ -11637,7 +11963,7 @@
 </p:sld>
 </file>
 
-<file path=ppt/slides/slide12.xml><?xml version="1.0" encoding="utf-8"?>
+<file path=ppt/slides/slide13.xml><?xml version="1.0" encoding="utf-8"?>
 <p:sld xmlns:a="http://schemas.openxmlformats.org/drawingml/2006/main" xmlns:r="http://schemas.openxmlformats.org/officeDocument/2006/relationships" xmlns:p="http://schemas.openxmlformats.org/presentationml/2006/main">
   <p:cSld>
     <p:spTree>
@@ -11962,7 +12288,7 @@
 </p:sld>
 </file>
 
-<file path=ppt/slides/slide13.xml><?xml version="1.0" encoding="utf-8"?>
+<file path=ppt/slides/slide14.xml><?xml version="1.0" encoding="utf-8"?>
 <p:sld xmlns:a="http://schemas.openxmlformats.org/drawingml/2006/main" xmlns:r="http://schemas.openxmlformats.org/officeDocument/2006/relationships" xmlns:p="http://schemas.openxmlformats.org/presentationml/2006/main">
   <p:cSld>
     <p:spTree>
@@ -12289,7 +12615,7 @@
 </p:sld>
 </file>
 
-<file path=ppt/slides/slide14.xml><?xml version="1.0" encoding="utf-8"?>
+<file path=ppt/slides/slide15.xml><?xml version="1.0" encoding="utf-8"?>
 <p:sld xmlns:a="http://schemas.openxmlformats.org/drawingml/2006/main" xmlns:r="http://schemas.openxmlformats.org/officeDocument/2006/relationships" xmlns:p="http://schemas.openxmlformats.org/presentationml/2006/main">
   <p:cSld>
     <p:spTree>
@@ -12585,10 +12911,17 @@
   <p:clrMapOvr>
     <a:masterClrMapping/>
   </p:clrMapOvr>
+  <p:timing>
+    <p:tnLst>
+      <p:par>
+        <p:cTn id="1" dur="indefinite" restart="never" nodeType="tmRoot"/>
+      </p:par>
+    </p:tnLst>
+  </p:timing>
 </p:sld>
 </file>
 
-<file path=ppt/slides/slide15.xml><?xml version="1.0" encoding="utf-8"?>
+<file path=ppt/slides/slide16.xml><?xml version="1.0" encoding="utf-8"?>
 <p:sld xmlns:a="http://schemas.openxmlformats.org/drawingml/2006/main" xmlns:r="http://schemas.openxmlformats.org/officeDocument/2006/relationships" xmlns:p="http://schemas.openxmlformats.org/presentationml/2006/main">
   <p:cSld>
     <p:spTree>
@@ -12605,35 +12938,6 @@
           <a:chExt cx="0" cy="0"/>
         </a:xfrm>
       </p:grpSpPr>
-      <p:pic>
-        <p:nvPicPr>
-          <p:cNvPr id="8" name="Marcador de Posição de Conteúdo 7"/>
-          <p:cNvPicPr>
-            <a:picLocks noGrp="1" noChangeAspect="1"/>
-          </p:cNvPicPr>
-          <p:nvPr>
-            <p:ph idx="1"/>
-          </p:nvPr>
-        </p:nvPicPr>
-        <p:blipFill>
-          <a:blip r:embed="rId2">
-            <a:extLst>
-              <a:ext uri="{28A0092B-C50C-407E-A947-70E740481C1C}">
-                <a14:useLocalDpi xmlns:a14="http://schemas.microsoft.com/office/drawing/2010/main" val="0"/>
-              </a:ext>
-            </a:extLst>
-          </a:blip>
-          <a:stretch>
-            <a:fillRect/>
-          </a:stretch>
-        </p:blipFill>
-        <p:spPr>
-          <a:xfrm>
-            <a:off x="1475656" y="1820617"/>
-            <a:ext cx="6159945" cy="5037383"/>
-          </a:xfrm>
-        </p:spPr>
-      </p:pic>
       <p:sp>
         <p:nvSpPr>
           <p:cNvPr id="4" name="Título 1"/>
@@ -12873,7 +13177,7 @@
             <p:nvPr/>
           </p:nvPicPr>
           <p:blipFill>
-            <a:blip r:embed="rId3" cstate="print">
+            <a:blip r:embed="rId2" cstate="print">
               <a:extLst>
                 <a:ext uri="{28A0092B-C50C-407E-A947-70E740481C1C}">
                   <a14:useLocalDpi xmlns:a14="http://schemas.microsoft.com/office/drawing/2010/main" val="0"/>
@@ -12895,6 +13199,35 @@
           </p:spPr>
         </p:pic>
       </p:grpSp>
+      <p:pic>
+        <p:nvPicPr>
+          <p:cNvPr id="10" name="Marcador de Posição de Conteúdo 9"/>
+          <p:cNvPicPr>
+            <a:picLocks noGrp="1" noChangeAspect="1"/>
+          </p:cNvPicPr>
+          <p:nvPr>
+            <p:ph idx="1"/>
+          </p:nvPr>
+        </p:nvPicPr>
+        <p:blipFill>
+          <a:blip r:embed="rId3">
+            <a:extLst>
+              <a:ext uri="{28A0092B-C50C-407E-A947-70E740481C1C}">
+                <a14:useLocalDpi xmlns:a14="http://schemas.microsoft.com/office/drawing/2010/main" val="0"/>
+              </a:ext>
+            </a:extLst>
+          </a:blip>
+          <a:stretch>
+            <a:fillRect/>
+          </a:stretch>
+        </p:blipFill>
+        <p:spPr>
+          <a:xfrm>
+            <a:off x="1543805" y="1764519"/>
+            <a:ext cx="5836508" cy="4361644"/>
+          </a:xfrm>
+        </p:spPr>
+      </p:pic>
     </p:spTree>
     <p:extLst>
       <p:ext uri="{BB962C8B-B14F-4D97-AF65-F5344CB8AC3E}">
@@ -12915,7 +13248,7 @@
 </p:sld>
 </file>
 
-<file path=ppt/slides/slide16.xml><?xml version="1.0" encoding="utf-8"?>
+<file path=ppt/slides/slide17.xml><?xml version="1.0" encoding="utf-8"?>
 <p:sld xmlns:a="http://schemas.openxmlformats.org/drawingml/2006/main" xmlns:r="http://schemas.openxmlformats.org/officeDocument/2006/relationships" xmlns:p="http://schemas.openxmlformats.org/presentationml/2006/main">
   <p:cSld>
     <p:spTree>
@@ -13203,10 +13536,17 @@
   <p:clrMapOvr>
     <a:masterClrMapping/>
   </p:clrMapOvr>
+  <p:timing>
+    <p:tnLst>
+      <p:par>
+        <p:cTn id="1" dur="indefinite" restart="never" nodeType="tmRoot"/>
+      </p:par>
+    </p:tnLst>
+  </p:timing>
 </p:sld>
 </file>
 
-<file path=ppt/slides/slide17.xml><?xml version="1.0" encoding="utf-8"?>
+<file path=ppt/slides/slide18.xml><?xml version="1.0" encoding="utf-8"?>
 <p:sld xmlns:a="http://schemas.openxmlformats.org/drawingml/2006/main" xmlns:r="http://schemas.openxmlformats.org/officeDocument/2006/relationships" xmlns:p="http://schemas.openxmlformats.org/presentationml/2006/main">
   <p:cSld>
     <p:spTree>
@@ -13545,1355 +13885,7 @@
 </p:sld>
 </file>
 
-<file path=ppt/slides/slide18.xml><?xml version="1.0" encoding="utf-8"?>
-<p:sld xmlns:a="http://schemas.openxmlformats.org/drawingml/2006/main" xmlns:r="http://schemas.openxmlformats.org/officeDocument/2006/relationships" xmlns:p="http://schemas.openxmlformats.org/presentationml/2006/main">
-  <p:cSld>
-    <p:spTree>
-      <p:nvGrpSpPr>
-        <p:cNvPr id="1" name=""/>
-        <p:cNvGrpSpPr/>
-        <p:nvPr/>
-      </p:nvGrpSpPr>
-      <p:grpSpPr>
-        <a:xfrm>
-          <a:off x="0" y="0"/>
-          <a:ext cx="0" cy="0"/>
-          <a:chOff x="0" y="0"/>
-          <a:chExt cx="0" cy="0"/>
-        </a:xfrm>
-      </p:grpSpPr>
-      <p:pic>
-        <p:nvPicPr>
-          <p:cNvPr id="8" name="Marcador de Posição de Conteúdo 7"/>
-          <p:cNvPicPr>
-            <a:picLocks noGrp="1" noChangeAspect="1"/>
-          </p:cNvPicPr>
-          <p:nvPr>
-            <p:ph idx="1"/>
-          </p:nvPr>
-        </p:nvPicPr>
-        <p:blipFill>
-          <a:blip r:embed="rId2">
-            <a:extLst>
-              <a:ext uri="{28A0092B-C50C-407E-A947-70E740481C1C}">
-                <a14:useLocalDpi xmlns:a14="http://schemas.microsoft.com/office/drawing/2010/main" val="0"/>
-              </a:ext>
-            </a:extLst>
-          </a:blip>
-          <a:stretch>
-            <a:fillRect/>
-          </a:stretch>
-        </p:blipFill>
-        <p:spPr>
-          <a:xfrm>
-            <a:off x="234524" y="1704643"/>
-            <a:ext cx="8674952" cy="4993352"/>
-          </a:xfrm>
-        </p:spPr>
-      </p:pic>
-      <p:sp>
-        <p:nvSpPr>
-          <p:cNvPr id="4" name="Título 1"/>
-          <p:cNvSpPr>
-            <a:spLocks noGrp="1"/>
-          </p:cNvSpPr>
-          <p:nvPr>
-            <p:ph type="title"/>
-          </p:nvPr>
-        </p:nvSpPr>
-        <p:spPr>
-          <a:xfrm>
-            <a:off x="395536" y="908720"/>
-            <a:ext cx="8352928" cy="1143000"/>
-          </a:xfrm>
-        </p:spPr>
-        <p:txBody>
-          <a:bodyPr>
-            <a:normAutofit fontScale="90000"/>
-          </a:bodyPr>
-          <a:lstStyle/>
-          <a:p>
-            <a:pPr algn="l"/>
-            <a:r>
-              <a:rPr lang="pt-PT" b="1" dirty="0" smtClean="0">
-                <a:solidFill>
-                  <a:schemeClr val="bg2"/>
-                </a:solidFill>
-              </a:rPr>
-              <a:t>Esquema Concetual da Base de Dados</a:t>
-            </a:r>
-            <a:endParaRPr lang="pt-PT" b="1" dirty="0">
-              <a:solidFill>
-                <a:schemeClr val="bg2"/>
-              </a:solidFill>
-            </a:endParaRPr>
-          </a:p>
-        </p:txBody>
-      </p:sp>
-      <p:grpSp>
-        <p:nvGrpSpPr>
-          <p:cNvPr id="5" name="Grupo 4"/>
-          <p:cNvGrpSpPr/>
-          <p:nvPr/>
-        </p:nvGrpSpPr>
-        <p:grpSpPr>
-          <a:xfrm>
-            <a:off x="234524" y="160419"/>
-            <a:ext cx="5212826" cy="1077218"/>
-            <a:chOff x="131873" y="210179"/>
-            <a:chExt cx="5530491" cy="1077218"/>
-          </a:xfrm>
-        </p:grpSpPr>
-        <p:sp>
-          <p:nvSpPr>
-            <p:cNvPr id="6" name="CaixaDeTexto 5"/>
-            <p:cNvSpPr txBox="1"/>
-            <p:nvPr/>
-          </p:nvSpPr>
-          <p:spPr>
-            <a:xfrm>
-              <a:off x="1989956" y="210179"/>
-              <a:ext cx="3672408" cy="1077218"/>
-            </a:xfrm>
-            <a:prstGeom prst="rect">
-              <a:avLst/>
-            </a:prstGeom>
-            <a:noFill/>
-          </p:spPr>
-          <p:txBody>
-            <a:bodyPr wrap="square" rtlCol="0">
-              <a:spAutoFit/>
-            </a:bodyPr>
-            <a:lstStyle>
-              <a:defPPr>
-                <a:defRPr lang="en-US"/>
-              </a:defPPr>
-              <a:lvl1pPr marL="0" algn="l" defTabSz="914400" rtl="0" eaLnBrk="1" latinLnBrk="0" hangingPunct="1">
-                <a:defRPr sz="1800" kern="1200">
-                  <a:solidFill>
-                    <a:schemeClr val="tx1"/>
-                  </a:solidFill>
-                  <a:latin typeface="+mn-lt"/>
-                  <a:ea typeface="+mn-ea"/>
-                  <a:cs typeface="+mn-cs"/>
-                </a:defRPr>
-              </a:lvl1pPr>
-              <a:lvl2pPr marL="457200" algn="l" defTabSz="914400" rtl="0" eaLnBrk="1" latinLnBrk="0" hangingPunct="1">
-                <a:defRPr sz="1800" kern="1200">
-                  <a:solidFill>
-                    <a:schemeClr val="tx1"/>
-                  </a:solidFill>
-                  <a:latin typeface="+mn-lt"/>
-                  <a:ea typeface="+mn-ea"/>
-                  <a:cs typeface="+mn-cs"/>
-                </a:defRPr>
-              </a:lvl2pPr>
-              <a:lvl3pPr marL="914400" algn="l" defTabSz="914400" rtl="0" eaLnBrk="1" latinLnBrk="0" hangingPunct="1">
-                <a:defRPr sz="1800" kern="1200">
-                  <a:solidFill>
-                    <a:schemeClr val="tx1"/>
-                  </a:solidFill>
-                  <a:latin typeface="+mn-lt"/>
-                  <a:ea typeface="+mn-ea"/>
-                  <a:cs typeface="+mn-cs"/>
-                </a:defRPr>
-              </a:lvl3pPr>
-              <a:lvl4pPr marL="1371600" algn="l" defTabSz="914400" rtl="0" eaLnBrk="1" latinLnBrk="0" hangingPunct="1">
-                <a:defRPr sz="1800" kern="1200">
-                  <a:solidFill>
-                    <a:schemeClr val="tx1"/>
-                  </a:solidFill>
-                  <a:latin typeface="+mn-lt"/>
-                  <a:ea typeface="+mn-ea"/>
-                  <a:cs typeface="+mn-cs"/>
-                </a:defRPr>
-              </a:lvl4pPr>
-              <a:lvl5pPr marL="1828800" algn="l" defTabSz="914400" rtl="0" eaLnBrk="1" latinLnBrk="0" hangingPunct="1">
-                <a:defRPr sz="1800" kern="1200">
-                  <a:solidFill>
-                    <a:schemeClr val="tx1"/>
-                  </a:solidFill>
-                  <a:latin typeface="+mn-lt"/>
-                  <a:ea typeface="+mn-ea"/>
-                  <a:cs typeface="+mn-cs"/>
-                </a:defRPr>
-              </a:lvl5pPr>
-              <a:lvl6pPr marL="2286000" algn="l" defTabSz="914400" rtl="0" eaLnBrk="1" latinLnBrk="0" hangingPunct="1">
-                <a:defRPr sz="1800" kern="1200">
-                  <a:solidFill>
-                    <a:schemeClr val="tx1"/>
-                  </a:solidFill>
-                  <a:latin typeface="+mn-lt"/>
-                  <a:ea typeface="+mn-ea"/>
-                  <a:cs typeface="+mn-cs"/>
-                </a:defRPr>
-              </a:lvl6pPr>
-              <a:lvl7pPr marL="2743200" algn="l" defTabSz="914400" rtl="0" eaLnBrk="1" latinLnBrk="0" hangingPunct="1">
-                <a:defRPr sz="1800" kern="1200">
-                  <a:solidFill>
-                    <a:schemeClr val="tx1"/>
-                  </a:solidFill>
-                  <a:latin typeface="+mn-lt"/>
-                  <a:ea typeface="+mn-ea"/>
-                  <a:cs typeface="+mn-cs"/>
-                </a:defRPr>
-              </a:lvl7pPr>
-              <a:lvl8pPr marL="3200400" algn="l" defTabSz="914400" rtl="0" eaLnBrk="1" latinLnBrk="0" hangingPunct="1">
-                <a:defRPr sz="1800" kern="1200">
-                  <a:solidFill>
-                    <a:schemeClr val="tx1"/>
-                  </a:solidFill>
-                  <a:latin typeface="+mn-lt"/>
-                  <a:ea typeface="+mn-ea"/>
-                  <a:cs typeface="+mn-cs"/>
-                </a:defRPr>
-              </a:lvl8pPr>
-              <a:lvl9pPr marL="3657600" algn="l" defTabSz="914400" rtl="0" eaLnBrk="1" latinLnBrk="0" hangingPunct="1">
-                <a:defRPr sz="1800" kern="1200">
-                  <a:solidFill>
-                    <a:schemeClr val="tx1"/>
-                  </a:solidFill>
-                  <a:latin typeface="+mn-lt"/>
-                  <a:ea typeface="+mn-ea"/>
-                  <a:cs typeface="+mn-cs"/>
-                </a:defRPr>
-              </a:lvl9pPr>
-            </a:lstStyle>
-            <a:p>
-              <a:r>
-                <a:rPr lang="pt-PT" sz="1600" dirty="0" smtClean="0">
-                  <a:solidFill>
-                    <a:schemeClr val="bg1">
-                      <a:lumMod val="65000"/>
-                    </a:schemeClr>
-                  </a:solidFill>
-                </a:rPr>
-                <a:t>Universidade do Minho</a:t>
-              </a:r>
-              <a:r>
-                <a:rPr lang="pt-PT" sz="1600" dirty="0">
-                  <a:solidFill>
-                    <a:schemeClr val="bg1">
-                      <a:lumMod val="65000"/>
-                    </a:schemeClr>
-                  </a:solidFill>
-                </a:rPr>
-                <a:t/>
-              </a:r>
-              <a:br>
-                <a:rPr lang="pt-PT" sz="1600" dirty="0">
-                  <a:solidFill>
-                    <a:schemeClr val="bg1">
-                      <a:lumMod val="65000"/>
-                    </a:schemeClr>
-                  </a:solidFill>
-                </a:rPr>
-              </a:br>
-              <a:r>
-                <a:rPr lang="pt-PT" sz="1600" dirty="0" smtClean="0">
-                  <a:solidFill>
-                    <a:schemeClr val="bg1">
-                      <a:lumMod val="65000"/>
-                    </a:schemeClr>
-                  </a:solidFill>
-                </a:rPr>
-                <a:t>Licenciatura em Engenharia Informática</a:t>
-              </a:r>
-            </a:p>
-            <a:p>
-              <a:r>
-                <a:rPr lang="pt-PT" sz="1600" dirty="0" smtClean="0">
-                  <a:solidFill>
-                    <a:schemeClr val="bg1">
-                      <a:lumMod val="65000"/>
-                    </a:schemeClr>
-                  </a:solidFill>
-                </a:rPr>
-                <a:t>Laboratórios de Informática IV</a:t>
-              </a:r>
-              <a:endParaRPr lang="pt-PT" sz="1600" dirty="0">
-                <a:solidFill>
-                  <a:schemeClr val="bg1">
-                    <a:lumMod val="65000"/>
-                  </a:schemeClr>
-                </a:solidFill>
-              </a:endParaRPr>
-            </a:p>
-          </p:txBody>
-        </p:sp>
-        <p:pic>
-          <p:nvPicPr>
-            <p:cNvPr id="7" name="Imagem 6"/>
-            <p:cNvPicPr>
-              <a:picLocks noChangeAspect="1"/>
-            </p:cNvPicPr>
-            <p:nvPr/>
-          </p:nvPicPr>
-          <p:blipFill>
-            <a:blip r:embed="rId3" cstate="print">
-              <a:extLst>
-                <a:ext uri="{28A0092B-C50C-407E-A947-70E740481C1C}">
-                  <a14:useLocalDpi xmlns:a14="http://schemas.microsoft.com/office/drawing/2010/main" val="0"/>
-                </a:ext>
-              </a:extLst>
-            </a:blip>
-            <a:stretch>
-              <a:fillRect/>
-            </a:stretch>
-          </p:blipFill>
-          <p:spPr>
-            <a:xfrm>
-              <a:off x="131873" y="218460"/>
-              <a:ext cx="1786076" cy="884108"/>
-            </a:xfrm>
-            <a:prstGeom prst="rect">
-              <a:avLst/>
-            </a:prstGeom>
-          </p:spPr>
-        </p:pic>
-      </p:grpSp>
-    </p:spTree>
-    <p:extLst>
-      <p:ext uri="{BB962C8B-B14F-4D97-AF65-F5344CB8AC3E}">
-        <p14:creationId xmlns:p14="http://schemas.microsoft.com/office/powerpoint/2010/main" val="140176210"/>
-      </p:ext>
-    </p:extLst>
-  </p:cSld>
-  <p:clrMapOvr>
-    <a:masterClrMapping/>
-  </p:clrMapOvr>
-  <p:timing>
-    <p:tnLst>
-      <p:par>
-        <p:cTn id="1" dur="indefinite" restart="never" nodeType="tmRoot"/>
-      </p:par>
-    </p:tnLst>
-  </p:timing>
-</p:sld>
-</file>
-
 <file path=ppt/slides/slide19.xml><?xml version="1.0" encoding="utf-8"?>
-<p:sld xmlns:a="http://schemas.openxmlformats.org/drawingml/2006/main" xmlns:r="http://schemas.openxmlformats.org/officeDocument/2006/relationships" xmlns:p="http://schemas.openxmlformats.org/presentationml/2006/main">
-  <p:cSld>
-    <p:spTree>
-      <p:nvGrpSpPr>
-        <p:cNvPr id="1" name=""/>
-        <p:cNvGrpSpPr/>
-        <p:nvPr/>
-      </p:nvGrpSpPr>
-      <p:grpSpPr>
-        <a:xfrm>
-          <a:off x="0" y="0"/>
-          <a:ext cx="0" cy="0"/>
-          <a:chOff x="0" y="0"/>
-          <a:chExt cx="0" cy="0"/>
-        </a:xfrm>
-      </p:grpSpPr>
-      <p:sp>
-        <p:nvSpPr>
-          <p:cNvPr id="4" name="Título 1"/>
-          <p:cNvSpPr>
-            <a:spLocks noGrp="1"/>
-          </p:cNvSpPr>
-          <p:nvPr>
-            <p:ph type="title"/>
-          </p:nvPr>
-        </p:nvSpPr>
-        <p:spPr>
-          <a:xfrm>
-            <a:off x="395536" y="1052808"/>
-            <a:ext cx="8352928" cy="4968480"/>
-          </a:xfrm>
-        </p:spPr>
-        <p:txBody>
-          <a:bodyPr>
-            <a:normAutofit/>
-          </a:bodyPr>
-          <a:lstStyle/>
-          <a:p>
-            <a:pPr algn="l"/>
-            <a:r>
-              <a:rPr lang="pt-PT" sz="9600" b="1" dirty="0" smtClean="0">
-                <a:solidFill>
-                  <a:schemeClr val="bg2"/>
-                </a:solidFill>
-              </a:rPr>
-              <a:t>Modelo Lógico da Base de Dados</a:t>
-            </a:r>
-            <a:endParaRPr lang="pt-PT" sz="9600" b="1" dirty="0">
-              <a:solidFill>
-                <a:schemeClr val="bg2"/>
-              </a:solidFill>
-            </a:endParaRPr>
-          </a:p>
-        </p:txBody>
-      </p:sp>
-      <p:grpSp>
-        <p:nvGrpSpPr>
-          <p:cNvPr id="5" name="Grupo 4"/>
-          <p:cNvGrpSpPr/>
-          <p:nvPr/>
-        </p:nvGrpSpPr>
-        <p:grpSpPr>
-          <a:xfrm>
-            <a:off x="234524" y="160419"/>
-            <a:ext cx="5212826" cy="1077218"/>
-            <a:chOff x="131873" y="210179"/>
-            <a:chExt cx="5530491" cy="1077218"/>
-          </a:xfrm>
-        </p:grpSpPr>
-        <p:sp>
-          <p:nvSpPr>
-            <p:cNvPr id="6" name="CaixaDeTexto 5"/>
-            <p:cNvSpPr txBox="1"/>
-            <p:nvPr/>
-          </p:nvSpPr>
-          <p:spPr>
-            <a:xfrm>
-              <a:off x="1989956" y="210179"/>
-              <a:ext cx="3672408" cy="1077218"/>
-            </a:xfrm>
-            <a:prstGeom prst="rect">
-              <a:avLst/>
-            </a:prstGeom>
-            <a:noFill/>
-          </p:spPr>
-          <p:txBody>
-            <a:bodyPr wrap="square" rtlCol="0">
-              <a:spAutoFit/>
-            </a:bodyPr>
-            <a:lstStyle>
-              <a:defPPr>
-                <a:defRPr lang="en-US"/>
-              </a:defPPr>
-              <a:lvl1pPr marL="0" algn="l" defTabSz="914400" rtl="0" eaLnBrk="1" latinLnBrk="0" hangingPunct="1">
-                <a:defRPr sz="1800" kern="1200">
-                  <a:solidFill>
-                    <a:schemeClr val="tx1"/>
-                  </a:solidFill>
-                  <a:latin typeface="+mn-lt"/>
-                  <a:ea typeface="+mn-ea"/>
-                  <a:cs typeface="+mn-cs"/>
-                </a:defRPr>
-              </a:lvl1pPr>
-              <a:lvl2pPr marL="457200" algn="l" defTabSz="914400" rtl="0" eaLnBrk="1" latinLnBrk="0" hangingPunct="1">
-                <a:defRPr sz="1800" kern="1200">
-                  <a:solidFill>
-                    <a:schemeClr val="tx1"/>
-                  </a:solidFill>
-                  <a:latin typeface="+mn-lt"/>
-                  <a:ea typeface="+mn-ea"/>
-                  <a:cs typeface="+mn-cs"/>
-                </a:defRPr>
-              </a:lvl2pPr>
-              <a:lvl3pPr marL="914400" algn="l" defTabSz="914400" rtl="0" eaLnBrk="1" latinLnBrk="0" hangingPunct="1">
-                <a:defRPr sz="1800" kern="1200">
-                  <a:solidFill>
-                    <a:schemeClr val="tx1"/>
-                  </a:solidFill>
-                  <a:latin typeface="+mn-lt"/>
-                  <a:ea typeface="+mn-ea"/>
-                  <a:cs typeface="+mn-cs"/>
-                </a:defRPr>
-              </a:lvl3pPr>
-              <a:lvl4pPr marL="1371600" algn="l" defTabSz="914400" rtl="0" eaLnBrk="1" latinLnBrk="0" hangingPunct="1">
-                <a:defRPr sz="1800" kern="1200">
-                  <a:solidFill>
-                    <a:schemeClr val="tx1"/>
-                  </a:solidFill>
-                  <a:latin typeface="+mn-lt"/>
-                  <a:ea typeface="+mn-ea"/>
-                  <a:cs typeface="+mn-cs"/>
-                </a:defRPr>
-              </a:lvl4pPr>
-              <a:lvl5pPr marL="1828800" algn="l" defTabSz="914400" rtl="0" eaLnBrk="1" latinLnBrk="0" hangingPunct="1">
-                <a:defRPr sz="1800" kern="1200">
-                  <a:solidFill>
-                    <a:schemeClr val="tx1"/>
-                  </a:solidFill>
-                  <a:latin typeface="+mn-lt"/>
-                  <a:ea typeface="+mn-ea"/>
-                  <a:cs typeface="+mn-cs"/>
-                </a:defRPr>
-              </a:lvl5pPr>
-              <a:lvl6pPr marL="2286000" algn="l" defTabSz="914400" rtl="0" eaLnBrk="1" latinLnBrk="0" hangingPunct="1">
-                <a:defRPr sz="1800" kern="1200">
-                  <a:solidFill>
-                    <a:schemeClr val="tx1"/>
-                  </a:solidFill>
-                  <a:latin typeface="+mn-lt"/>
-                  <a:ea typeface="+mn-ea"/>
-                  <a:cs typeface="+mn-cs"/>
-                </a:defRPr>
-              </a:lvl6pPr>
-              <a:lvl7pPr marL="2743200" algn="l" defTabSz="914400" rtl="0" eaLnBrk="1" latinLnBrk="0" hangingPunct="1">
-                <a:defRPr sz="1800" kern="1200">
-                  <a:solidFill>
-                    <a:schemeClr val="tx1"/>
-                  </a:solidFill>
-                  <a:latin typeface="+mn-lt"/>
-                  <a:ea typeface="+mn-ea"/>
-                  <a:cs typeface="+mn-cs"/>
-                </a:defRPr>
-              </a:lvl7pPr>
-              <a:lvl8pPr marL="3200400" algn="l" defTabSz="914400" rtl="0" eaLnBrk="1" latinLnBrk="0" hangingPunct="1">
-                <a:defRPr sz="1800" kern="1200">
-                  <a:solidFill>
-                    <a:schemeClr val="tx1"/>
-                  </a:solidFill>
-                  <a:latin typeface="+mn-lt"/>
-                  <a:ea typeface="+mn-ea"/>
-                  <a:cs typeface="+mn-cs"/>
-                </a:defRPr>
-              </a:lvl8pPr>
-              <a:lvl9pPr marL="3657600" algn="l" defTabSz="914400" rtl="0" eaLnBrk="1" latinLnBrk="0" hangingPunct="1">
-                <a:defRPr sz="1800" kern="1200">
-                  <a:solidFill>
-                    <a:schemeClr val="tx1"/>
-                  </a:solidFill>
-                  <a:latin typeface="+mn-lt"/>
-                  <a:ea typeface="+mn-ea"/>
-                  <a:cs typeface="+mn-cs"/>
-                </a:defRPr>
-              </a:lvl9pPr>
-            </a:lstStyle>
-            <a:p>
-              <a:r>
-                <a:rPr lang="pt-PT" sz="1600" dirty="0" smtClean="0">
-                  <a:solidFill>
-                    <a:schemeClr val="bg1">
-                      <a:lumMod val="65000"/>
-                    </a:schemeClr>
-                  </a:solidFill>
-                </a:rPr>
-                <a:t>Universidade do Minho</a:t>
-              </a:r>
-              <a:r>
-                <a:rPr lang="pt-PT" sz="1600" dirty="0">
-                  <a:solidFill>
-                    <a:schemeClr val="bg1">
-                      <a:lumMod val="65000"/>
-                    </a:schemeClr>
-                  </a:solidFill>
-                </a:rPr>
-                <a:t/>
-              </a:r>
-              <a:br>
-                <a:rPr lang="pt-PT" sz="1600" dirty="0">
-                  <a:solidFill>
-                    <a:schemeClr val="bg1">
-                      <a:lumMod val="65000"/>
-                    </a:schemeClr>
-                  </a:solidFill>
-                </a:rPr>
-              </a:br>
-              <a:r>
-                <a:rPr lang="pt-PT" sz="1600" dirty="0" smtClean="0">
-                  <a:solidFill>
-                    <a:schemeClr val="bg1">
-                      <a:lumMod val="65000"/>
-                    </a:schemeClr>
-                  </a:solidFill>
-                </a:rPr>
-                <a:t>Licenciatura em Engenharia Informática</a:t>
-              </a:r>
-            </a:p>
-            <a:p>
-              <a:r>
-                <a:rPr lang="pt-PT" sz="1600" dirty="0" smtClean="0">
-                  <a:solidFill>
-                    <a:schemeClr val="bg1">
-                      <a:lumMod val="65000"/>
-                    </a:schemeClr>
-                  </a:solidFill>
-                </a:rPr>
-                <a:t>Laboratórios de Informática IV</a:t>
-              </a:r>
-              <a:endParaRPr lang="pt-PT" sz="1600" dirty="0">
-                <a:solidFill>
-                  <a:schemeClr val="bg1">
-                    <a:lumMod val="65000"/>
-                  </a:schemeClr>
-                </a:solidFill>
-              </a:endParaRPr>
-            </a:p>
-          </p:txBody>
-        </p:sp>
-        <p:pic>
-          <p:nvPicPr>
-            <p:cNvPr id="7" name="Imagem 6"/>
-            <p:cNvPicPr>
-              <a:picLocks noChangeAspect="1"/>
-            </p:cNvPicPr>
-            <p:nvPr/>
-          </p:nvPicPr>
-          <p:blipFill>
-            <a:blip r:embed="rId2" cstate="print">
-              <a:extLst>
-                <a:ext uri="{28A0092B-C50C-407E-A947-70E740481C1C}">
-                  <a14:useLocalDpi xmlns:a14="http://schemas.microsoft.com/office/drawing/2010/main" val="0"/>
-                </a:ext>
-              </a:extLst>
-            </a:blip>
-            <a:stretch>
-              <a:fillRect/>
-            </a:stretch>
-          </p:blipFill>
-          <p:spPr>
-            <a:xfrm>
-              <a:off x="131873" y="218460"/>
-              <a:ext cx="1786076" cy="884108"/>
-            </a:xfrm>
-            <a:prstGeom prst="rect">
-              <a:avLst/>
-            </a:prstGeom>
-          </p:spPr>
-        </p:pic>
-      </p:grpSp>
-    </p:spTree>
-    <p:extLst>
-      <p:ext uri="{BB962C8B-B14F-4D97-AF65-F5344CB8AC3E}">
-        <p14:creationId xmlns:p14="http://schemas.microsoft.com/office/powerpoint/2010/main" val="1556375556"/>
-      </p:ext>
-    </p:extLst>
-  </p:cSld>
-  <p:clrMapOvr>
-    <a:masterClrMapping/>
-  </p:clrMapOvr>
-</p:sld>
-</file>
-
-<file path=ppt/slides/slide2.xml><?xml version="1.0" encoding="utf-8"?>
-<p:sld xmlns:a="http://schemas.openxmlformats.org/drawingml/2006/main" xmlns:r="http://schemas.openxmlformats.org/officeDocument/2006/relationships" xmlns:p="http://schemas.openxmlformats.org/presentationml/2006/main">
-  <p:cSld>
-    <p:spTree>
-      <p:nvGrpSpPr>
-        <p:cNvPr id="1" name=""/>
-        <p:cNvGrpSpPr/>
-        <p:nvPr/>
-      </p:nvGrpSpPr>
-      <p:grpSpPr>
-        <a:xfrm>
-          <a:off x="0" y="0"/>
-          <a:ext cx="0" cy="0"/>
-          <a:chOff x="0" y="0"/>
-          <a:chExt cx="0" cy="0"/>
-        </a:xfrm>
-      </p:grpSpPr>
-      <p:sp>
-        <p:nvSpPr>
-          <p:cNvPr id="2" name="Título 1"/>
-          <p:cNvSpPr>
-            <a:spLocks noGrp="1"/>
-          </p:cNvSpPr>
-          <p:nvPr>
-            <p:ph type="title"/>
-          </p:nvPr>
-        </p:nvSpPr>
-        <p:spPr>
-          <a:xfrm>
-            <a:off x="395536" y="1213813"/>
-            <a:ext cx="8352928" cy="1143000"/>
-          </a:xfrm>
-        </p:spPr>
-        <p:txBody>
-          <a:bodyPr/>
-          <a:lstStyle/>
-          <a:p>
-            <a:pPr algn="l"/>
-            <a:r>
-              <a:rPr lang="pt-PT" b="1" dirty="0" smtClean="0">
-                <a:solidFill>
-                  <a:schemeClr val="bg2"/>
-                </a:solidFill>
-              </a:rPr>
-              <a:t>Estrutura da Apresentação</a:t>
-            </a:r>
-            <a:endParaRPr lang="pt-PT" b="1" dirty="0">
-              <a:solidFill>
-                <a:schemeClr val="bg2"/>
-              </a:solidFill>
-            </a:endParaRPr>
-          </a:p>
-        </p:txBody>
-      </p:sp>
-      <p:sp>
-        <p:nvSpPr>
-          <p:cNvPr id="3" name="Marcador de Posição de Conteúdo 2"/>
-          <p:cNvSpPr>
-            <a:spLocks noGrp="1"/>
-          </p:cNvSpPr>
-          <p:nvPr>
-            <p:ph idx="1"/>
-          </p:nvPr>
-        </p:nvSpPr>
-        <p:spPr>
-          <a:xfrm>
-            <a:off x="395536" y="2420888"/>
-            <a:ext cx="7498080" cy="3096344"/>
-          </a:xfrm>
-        </p:spPr>
-        <p:txBody>
-          <a:bodyPr>
-            <a:normAutofit lnSpcReduction="10000"/>
-          </a:bodyPr>
-          <a:lstStyle/>
-          <a:p>
-            <a:pPr algn="just">
-              <a:lnSpc>
-                <a:spcPct val="150000"/>
-              </a:lnSpc>
-              <a:buBlip>
-                <a:blip r:embed="rId2"/>
-              </a:buBlip>
-            </a:pPr>
-            <a:r>
-              <a:rPr lang="pt-PT" sz="2000" dirty="0" smtClean="0">
-                <a:latin typeface="Calibri (corpo)"/>
-              </a:rPr>
-              <a:t>Caso de estudo</a:t>
-            </a:r>
-          </a:p>
-          <a:p>
-            <a:pPr algn="just">
-              <a:lnSpc>
-                <a:spcPct val="150000"/>
-              </a:lnSpc>
-              <a:buBlip>
-                <a:blip r:embed="rId2"/>
-              </a:buBlip>
-            </a:pPr>
-            <a:r>
-              <a:rPr lang="pt-PT" sz="2000" dirty="0" smtClean="0">
-                <a:latin typeface="Calibri (corpo)"/>
-              </a:rPr>
-              <a:t>Modelo de Domínio</a:t>
-            </a:r>
-          </a:p>
-          <a:p>
-            <a:pPr algn="just">
-              <a:lnSpc>
-                <a:spcPct val="150000"/>
-              </a:lnSpc>
-              <a:buBlip>
-                <a:blip r:embed="rId2"/>
-              </a:buBlip>
-            </a:pPr>
-            <a:r>
-              <a:rPr lang="pt-PT" sz="2000" dirty="0" smtClean="0">
-                <a:latin typeface="Calibri (corpo)"/>
-              </a:rPr>
-              <a:t>Diagramas de Use </a:t>
-            </a:r>
-            <a:r>
-              <a:rPr lang="pt-PT" sz="2000" dirty="0" smtClean="0">
-                <a:latin typeface="Calibri (corpo)"/>
-              </a:rPr>
-              <a:t>Case</a:t>
-            </a:r>
-          </a:p>
-          <a:p>
-            <a:pPr algn="just">
-              <a:lnSpc>
-                <a:spcPct val="150000"/>
-              </a:lnSpc>
-              <a:buBlip>
-                <a:blip r:embed="rId2"/>
-              </a:buBlip>
-            </a:pPr>
-            <a:r>
-              <a:rPr lang="pt-PT" sz="2000" dirty="0" smtClean="0">
-                <a:latin typeface="Calibri (corpo)"/>
-              </a:rPr>
-              <a:t>Diagrama de Sequência</a:t>
-            </a:r>
-            <a:endParaRPr lang="pt-PT" sz="2000" dirty="0" smtClean="0">
-              <a:latin typeface="Calibri (corpo)"/>
-            </a:endParaRPr>
-          </a:p>
-          <a:p>
-            <a:pPr algn="just">
-              <a:lnSpc>
-                <a:spcPct val="150000"/>
-              </a:lnSpc>
-              <a:buBlip>
-                <a:blip r:embed="rId2"/>
-              </a:buBlip>
-            </a:pPr>
-            <a:r>
-              <a:rPr lang="pt-PT" sz="2000" dirty="0" smtClean="0">
-                <a:latin typeface="Calibri (corpo)"/>
-              </a:rPr>
-              <a:t>Esquema Concetual da Base de Dados</a:t>
-            </a:r>
-          </a:p>
-          <a:p>
-            <a:pPr algn="just">
-              <a:lnSpc>
-                <a:spcPct val="150000"/>
-              </a:lnSpc>
-              <a:buBlip>
-                <a:blip r:embed="rId2"/>
-              </a:buBlip>
-            </a:pPr>
-            <a:r>
-              <a:rPr lang="pt-PT" sz="2000" dirty="0" smtClean="0">
-                <a:latin typeface="Calibri (corpo)"/>
-              </a:rPr>
-              <a:t>Esquema Lógico da Base de Dados</a:t>
-            </a:r>
-          </a:p>
-          <a:p>
-            <a:pPr marL="82296" indent="0">
-              <a:buNone/>
-            </a:pPr>
-            <a:endParaRPr lang="pt-PT" sz="2000" dirty="0" smtClean="0">
-              <a:latin typeface="Calibri (corpo)"/>
-            </a:endParaRPr>
-          </a:p>
-          <a:p>
-            <a:pPr>
-              <a:buBlip>
-                <a:blip r:embed="rId2"/>
-              </a:buBlip>
-            </a:pPr>
-            <a:endParaRPr lang="pt-PT" sz="2000" dirty="0">
-              <a:latin typeface="Calibri (corpo)"/>
-            </a:endParaRPr>
-          </a:p>
-        </p:txBody>
-      </p:sp>
-      <p:grpSp>
-        <p:nvGrpSpPr>
-          <p:cNvPr id="4" name="Grupo 3"/>
-          <p:cNvGrpSpPr/>
-          <p:nvPr/>
-        </p:nvGrpSpPr>
-        <p:grpSpPr>
-          <a:xfrm>
-            <a:off x="172933" y="160419"/>
-            <a:ext cx="5212826" cy="1077218"/>
-            <a:chOff x="131873" y="210179"/>
-            <a:chExt cx="5530491" cy="1077218"/>
-          </a:xfrm>
-        </p:grpSpPr>
-        <p:sp>
-          <p:nvSpPr>
-            <p:cNvPr id="5" name="CaixaDeTexto 5"/>
-            <p:cNvSpPr txBox="1"/>
-            <p:nvPr/>
-          </p:nvSpPr>
-          <p:spPr>
-            <a:xfrm>
-              <a:off x="1989956" y="210179"/>
-              <a:ext cx="3672408" cy="1077218"/>
-            </a:xfrm>
-            <a:prstGeom prst="rect">
-              <a:avLst/>
-            </a:prstGeom>
-            <a:noFill/>
-          </p:spPr>
-          <p:txBody>
-            <a:bodyPr wrap="square" rtlCol="0">
-              <a:spAutoFit/>
-            </a:bodyPr>
-            <a:lstStyle>
-              <a:defPPr>
-                <a:defRPr lang="en-US"/>
-              </a:defPPr>
-              <a:lvl1pPr marL="0" algn="l" defTabSz="914400" rtl="0" eaLnBrk="1" latinLnBrk="0" hangingPunct="1">
-                <a:defRPr sz="1800" kern="1200">
-                  <a:solidFill>
-                    <a:schemeClr val="tx1"/>
-                  </a:solidFill>
-                  <a:latin typeface="+mn-lt"/>
-                  <a:ea typeface="+mn-ea"/>
-                  <a:cs typeface="+mn-cs"/>
-                </a:defRPr>
-              </a:lvl1pPr>
-              <a:lvl2pPr marL="457200" algn="l" defTabSz="914400" rtl="0" eaLnBrk="1" latinLnBrk="0" hangingPunct="1">
-                <a:defRPr sz="1800" kern="1200">
-                  <a:solidFill>
-                    <a:schemeClr val="tx1"/>
-                  </a:solidFill>
-                  <a:latin typeface="+mn-lt"/>
-                  <a:ea typeface="+mn-ea"/>
-                  <a:cs typeface="+mn-cs"/>
-                </a:defRPr>
-              </a:lvl2pPr>
-              <a:lvl3pPr marL="914400" algn="l" defTabSz="914400" rtl="0" eaLnBrk="1" latinLnBrk="0" hangingPunct="1">
-                <a:defRPr sz="1800" kern="1200">
-                  <a:solidFill>
-                    <a:schemeClr val="tx1"/>
-                  </a:solidFill>
-                  <a:latin typeface="+mn-lt"/>
-                  <a:ea typeface="+mn-ea"/>
-                  <a:cs typeface="+mn-cs"/>
-                </a:defRPr>
-              </a:lvl3pPr>
-              <a:lvl4pPr marL="1371600" algn="l" defTabSz="914400" rtl="0" eaLnBrk="1" latinLnBrk="0" hangingPunct="1">
-                <a:defRPr sz="1800" kern="1200">
-                  <a:solidFill>
-                    <a:schemeClr val="tx1"/>
-                  </a:solidFill>
-                  <a:latin typeface="+mn-lt"/>
-                  <a:ea typeface="+mn-ea"/>
-                  <a:cs typeface="+mn-cs"/>
-                </a:defRPr>
-              </a:lvl4pPr>
-              <a:lvl5pPr marL="1828800" algn="l" defTabSz="914400" rtl="0" eaLnBrk="1" latinLnBrk="0" hangingPunct="1">
-                <a:defRPr sz="1800" kern="1200">
-                  <a:solidFill>
-                    <a:schemeClr val="tx1"/>
-                  </a:solidFill>
-                  <a:latin typeface="+mn-lt"/>
-                  <a:ea typeface="+mn-ea"/>
-                  <a:cs typeface="+mn-cs"/>
-                </a:defRPr>
-              </a:lvl5pPr>
-              <a:lvl6pPr marL="2286000" algn="l" defTabSz="914400" rtl="0" eaLnBrk="1" latinLnBrk="0" hangingPunct="1">
-                <a:defRPr sz="1800" kern="1200">
-                  <a:solidFill>
-                    <a:schemeClr val="tx1"/>
-                  </a:solidFill>
-                  <a:latin typeface="+mn-lt"/>
-                  <a:ea typeface="+mn-ea"/>
-                  <a:cs typeface="+mn-cs"/>
-                </a:defRPr>
-              </a:lvl6pPr>
-              <a:lvl7pPr marL="2743200" algn="l" defTabSz="914400" rtl="0" eaLnBrk="1" latinLnBrk="0" hangingPunct="1">
-                <a:defRPr sz="1800" kern="1200">
-                  <a:solidFill>
-                    <a:schemeClr val="tx1"/>
-                  </a:solidFill>
-                  <a:latin typeface="+mn-lt"/>
-                  <a:ea typeface="+mn-ea"/>
-                  <a:cs typeface="+mn-cs"/>
-                </a:defRPr>
-              </a:lvl7pPr>
-              <a:lvl8pPr marL="3200400" algn="l" defTabSz="914400" rtl="0" eaLnBrk="1" latinLnBrk="0" hangingPunct="1">
-                <a:defRPr sz="1800" kern="1200">
-                  <a:solidFill>
-                    <a:schemeClr val="tx1"/>
-                  </a:solidFill>
-                  <a:latin typeface="+mn-lt"/>
-                  <a:ea typeface="+mn-ea"/>
-                  <a:cs typeface="+mn-cs"/>
-                </a:defRPr>
-              </a:lvl8pPr>
-              <a:lvl9pPr marL="3657600" algn="l" defTabSz="914400" rtl="0" eaLnBrk="1" latinLnBrk="0" hangingPunct="1">
-                <a:defRPr sz="1800" kern="1200">
-                  <a:solidFill>
-                    <a:schemeClr val="tx1"/>
-                  </a:solidFill>
-                  <a:latin typeface="+mn-lt"/>
-                  <a:ea typeface="+mn-ea"/>
-                  <a:cs typeface="+mn-cs"/>
-                </a:defRPr>
-              </a:lvl9pPr>
-            </a:lstStyle>
-            <a:p>
-              <a:r>
-                <a:rPr lang="pt-PT" sz="1600" dirty="0" smtClean="0">
-                  <a:solidFill>
-                    <a:schemeClr val="bg1">
-                      <a:lumMod val="65000"/>
-                    </a:schemeClr>
-                  </a:solidFill>
-                </a:rPr>
-                <a:t>Universidade do Minho</a:t>
-              </a:r>
-              <a:r>
-                <a:rPr lang="pt-PT" sz="1600" dirty="0">
-                  <a:solidFill>
-                    <a:schemeClr val="bg1">
-                      <a:lumMod val="65000"/>
-                    </a:schemeClr>
-                  </a:solidFill>
-                </a:rPr>
-                <a:t/>
-              </a:r>
-              <a:br>
-                <a:rPr lang="pt-PT" sz="1600" dirty="0">
-                  <a:solidFill>
-                    <a:schemeClr val="bg1">
-                      <a:lumMod val="65000"/>
-                    </a:schemeClr>
-                  </a:solidFill>
-                </a:rPr>
-              </a:br>
-              <a:r>
-                <a:rPr lang="pt-PT" sz="1600" dirty="0" smtClean="0">
-                  <a:solidFill>
-                    <a:schemeClr val="bg1">
-                      <a:lumMod val="65000"/>
-                    </a:schemeClr>
-                  </a:solidFill>
-                </a:rPr>
-                <a:t>Licenciatura em Engenharia Informática</a:t>
-              </a:r>
-            </a:p>
-            <a:p>
-              <a:r>
-                <a:rPr lang="pt-PT" sz="1600" dirty="0" smtClean="0">
-                  <a:solidFill>
-                    <a:schemeClr val="bg1">
-                      <a:lumMod val="65000"/>
-                    </a:schemeClr>
-                  </a:solidFill>
-                </a:rPr>
-                <a:t>Laboratórios de Informática IV</a:t>
-              </a:r>
-              <a:endParaRPr lang="pt-PT" sz="1600" dirty="0">
-                <a:solidFill>
-                  <a:schemeClr val="bg1">
-                    <a:lumMod val="65000"/>
-                  </a:schemeClr>
-                </a:solidFill>
-              </a:endParaRPr>
-            </a:p>
-          </p:txBody>
-        </p:sp>
-        <p:pic>
-          <p:nvPicPr>
-            <p:cNvPr id="6" name="Imagem 5"/>
-            <p:cNvPicPr>
-              <a:picLocks noChangeAspect="1"/>
-            </p:cNvPicPr>
-            <p:nvPr/>
-          </p:nvPicPr>
-          <p:blipFill>
-            <a:blip r:embed="rId3" cstate="print">
-              <a:extLst>
-                <a:ext uri="{28A0092B-C50C-407E-A947-70E740481C1C}">
-                  <a14:useLocalDpi xmlns:a14="http://schemas.microsoft.com/office/drawing/2010/main" val="0"/>
-                </a:ext>
-              </a:extLst>
-            </a:blip>
-            <a:stretch>
-              <a:fillRect/>
-            </a:stretch>
-          </p:blipFill>
-          <p:spPr>
-            <a:xfrm>
-              <a:off x="131873" y="218460"/>
-              <a:ext cx="1786076" cy="884108"/>
-            </a:xfrm>
-            <a:prstGeom prst="rect">
-              <a:avLst/>
-            </a:prstGeom>
-          </p:spPr>
-        </p:pic>
-      </p:grpSp>
-    </p:spTree>
-    <p:extLst>
-      <p:ext uri="{BB962C8B-B14F-4D97-AF65-F5344CB8AC3E}">
-        <p14:creationId xmlns:p14="http://schemas.microsoft.com/office/powerpoint/2010/main" val="236119830"/>
-      </p:ext>
-    </p:extLst>
-  </p:cSld>
-  <p:clrMapOvr>
-    <a:masterClrMapping/>
-  </p:clrMapOvr>
-  <p:timing>
-    <p:tnLst>
-      <p:par>
-        <p:cTn id="1" dur="indefinite" restart="never" nodeType="tmRoot"/>
-      </p:par>
-    </p:tnLst>
-  </p:timing>
-</p:sld>
-</file>
-
-<file path=ppt/slides/slide20.xml><?xml version="1.0" encoding="utf-8"?>
-<p:sld xmlns:a="http://schemas.openxmlformats.org/drawingml/2006/main" xmlns:r="http://schemas.openxmlformats.org/officeDocument/2006/relationships" xmlns:p="http://schemas.openxmlformats.org/presentationml/2006/main">
-  <p:cSld>
-    <p:spTree>
-      <p:nvGrpSpPr>
-        <p:cNvPr id="1" name=""/>
-        <p:cNvGrpSpPr/>
-        <p:nvPr/>
-      </p:nvGrpSpPr>
-      <p:grpSpPr>
-        <a:xfrm>
-          <a:off x="0" y="0"/>
-          <a:ext cx="0" cy="0"/>
-          <a:chOff x="0" y="0"/>
-          <a:chExt cx="0" cy="0"/>
-        </a:xfrm>
-      </p:grpSpPr>
-      <p:pic>
-        <p:nvPicPr>
-          <p:cNvPr id="8" name="Marcador de Posição de Conteúdo 7"/>
-          <p:cNvPicPr>
-            <a:picLocks noGrp="1" noChangeAspect="1"/>
-          </p:cNvPicPr>
-          <p:nvPr>
-            <p:ph idx="1"/>
-          </p:nvPr>
-        </p:nvPicPr>
-        <p:blipFill>
-          <a:blip r:embed="rId2">
-            <a:extLst>
-              <a:ext uri="{28A0092B-C50C-407E-A947-70E740481C1C}">
-                <a14:useLocalDpi xmlns:a14="http://schemas.microsoft.com/office/drawing/2010/main" val="0"/>
-              </a:ext>
-            </a:extLst>
-          </a:blip>
-          <a:stretch>
-            <a:fillRect/>
-          </a:stretch>
-        </p:blipFill>
-        <p:spPr>
-          <a:xfrm>
-            <a:off x="263144" y="1916832"/>
-            <a:ext cx="8648982" cy="3961314"/>
-          </a:xfrm>
-        </p:spPr>
-      </p:pic>
-      <p:grpSp>
-        <p:nvGrpSpPr>
-          <p:cNvPr id="5" name="Grupo 4"/>
-          <p:cNvGrpSpPr/>
-          <p:nvPr/>
-        </p:nvGrpSpPr>
-        <p:grpSpPr>
-          <a:xfrm>
-            <a:off x="234524" y="160419"/>
-            <a:ext cx="5212826" cy="1077218"/>
-            <a:chOff x="131873" y="210179"/>
-            <a:chExt cx="5530491" cy="1077218"/>
-          </a:xfrm>
-        </p:grpSpPr>
-        <p:sp>
-          <p:nvSpPr>
-            <p:cNvPr id="6" name="CaixaDeTexto 5"/>
-            <p:cNvSpPr txBox="1"/>
-            <p:nvPr/>
-          </p:nvSpPr>
-          <p:spPr>
-            <a:xfrm>
-              <a:off x="1989956" y="210179"/>
-              <a:ext cx="3672408" cy="1077218"/>
-            </a:xfrm>
-            <a:prstGeom prst="rect">
-              <a:avLst/>
-            </a:prstGeom>
-            <a:noFill/>
-          </p:spPr>
-          <p:txBody>
-            <a:bodyPr wrap="square" rtlCol="0">
-              <a:spAutoFit/>
-            </a:bodyPr>
-            <a:lstStyle>
-              <a:defPPr>
-                <a:defRPr lang="en-US"/>
-              </a:defPPr>
-              <a:lvl1pPr marL="0" algn="l" defTabSz="914400" rtl="0" eaLnBrk="1" latinLnBrk="0" hangingPunct="1">
-                <a:defRPr sz="1800" kern="1200">
-                  <a:solidFill>
-                    <a:schemeClr val="tx1"/>
-                  </a:solidFill>
-                  <a:latin typeface="+mn-lt"/>
-                  <a:ea typeface="+mn-ea"/>
-                  <a:cs typeface="+mn-cs"/>
-                </a:defRPr>
-              </a:lvl1pPr>
-              <a:lvl2pPr marL="457200" algn="l" defTabSz="914400" rtl="0" eaLnBrk="1" latinLnBrk="0" hangingPunct="1">
-                <a:defRPr sz="1800" kern="1200">
-                  <a:solidFill>
-                    <a:schemeClr val="tx1"/>
-                  </a:solidFill>
-                  <a:latin typeface="+mn-lt"/>
-                  <a:ea typeface="+mn-ea"/>
-                  <a:cs typeface="+mn-cs"/>
-                </a:defRPr>
-              </a:lvl2pPr>
-              <a:lvl3pPr marL="914400" algn="l" defTabSz="914400" rtl="0" eaLnBrk="1" latinLnBrk="0" hangingPunct="1">
-                <a:defRPr sz="1800" kern="1200">
-                  <a:solidFill>
-                    <a:schemeClr val="tx1"/>
-                  </a:solidFill>
-                  <a:latin typeface="+mn-lt"/>
-                  <a:ea typeface="+mn-ea"/>
-                  <a:cs typeface="+mn-cs"/>
-                </a:defRPr>
-              </a:lvl3pPr>
-              <a:lvl4pPr marL="1371600" algn="l" defTabSz="914400" rtl="0" eaLnBrk="1" latinLnBrk="0" hangingPunct="1">
-                <a:defRPr sz="1800" kern="1200">
-                  <a:solidFill>
-                    <a:schemeClr val="tx1"/>
-                  </a:solidFill>
-                  <a:latin typeface="+mn-lt"/>
-                  <a:ea typeface="+mn-ea"/>
-                  <a:cs typeface="+mn-cs"/>
-                </a:defRPr>
-              </a:lvl4pPr>
-              <a:lvl5pPr marL="1828800" algn="l" defTabSz="914400" rtl="0" eaLnBrk="1" latinLnBrk="0" hangingPunct="1">
-                <a:defRPr sz="1800" kern="1200">
-                  <a:solidFill>
-                    <a:schemeClr val="tx1"/>
-                  </a:solidFill>
-                  <a:latin typeface="+mn-lt"/>
-                  <a:ea typeface="+mn-ea"/>
-                  <a:cs typeface="+mn-cs"/>
-                </a:defRPr>
-              </a:lvl5pPr>
-              <a:lvl6pPr marL="2286000" algn="l" defTabSz="914400" rtl="0" eaLnBrk="1" latinLnBrk="0" hangingPunct="1">
-                <a:defRPr sz="1800" kern="1200">
-                  <a:solidFill>
-                    <a:schemeClr val="tx1"/>
-                  </a:solidFill>
-                  <a:latin typeface="+mn-lt"/>
-                  <a:ea typeface="+mn-ea"/>
-                  <a:cs typeface="+mn-cs"/>
-                </a:defRPr>
-              </a:lvl6pPr>
-              <a:lvl7pPr marL="2743200" algn="l" defTabSz="914400" rtl="0" eaLnBrk="1" latinLnBrk="0" hangingPunct="1">
-                <a:defRPr sz="1800" kern="1200">
-                  <a:solidFill>
-                    <a:schemeClr val="tx1"/>
-                  </a:solidFill>
-                  <a:latin typeface="+mn-lt"/>
-                  <a:ea typeface="+mn-ea"/>
-                  <a:cs typeface="+mn-cs"/>
-                </a:defRPr>
-              </a:lvl7pPr>
-              <a:lvl8pPr marL="3200400" algn="l" defTabSz="914400" rtl="0" eaLnBrk="1" latinLnBrk="0" hangingPunct="1">
-                <a:defRPr sz="1800" kern="1200">
-                  <a:solidFill>
-                    <a:schemeClr val="tx1"/>
-                  </a:solidFill>
-                  <a:latin typeface="+mn-lt"/>
-                  <a:ea typeface="+mn-ea"/>
-                  <a:cs typeface="+mn-cs"/>
-                </a:defRPr>
-              </a:lvl8pPr>
-              <a:lvl9pPr marL="3657600" algn="l" defTabSz="914400" rtl="0" eaLnBrk="1" latinLnBrk="0" hangingPunct="1">
-                <a:defRPr sz="1800" kern="1200">
-                  <a:solidFill>
-                    <a:schemeClr val="tx1"/>
-                  </a:solidFill>
-                  <a:latin typeface="+mn-lt"/>
-                  <a:ea typeface="+mn-ea"/>
-                  <a:cs typeface="+mn-cs"/>
-                </a:defRPr>
-              </a:lvl9pPr>
-            </a:lstStyle>
-            <a:p>
-              <a:r>
-                <a:rPr lang="pt-PT" sz="1600" dirty="0" smtClean="0">
-                  <a:solidFill>
-                    <a:schemeClr val="bg1">
-                      <a:lumMod val="65000"/>
-                    </a:schemeClr>
-                  </a:solidFill>
-                </a:rPr>
-                <a:t>Universidade do Minho</a:t>
-              </a:r>
-              <a:r>
-                <a:rPr lang="pt-PT" sz="1600" dirty="0">
-                  <a:solidFill>
-                    <a:schemeClr val="bg1">
-                      <a:lumMod val="65000"/>
-                    </a:schemeClr>
-                  </a:solidFill>
-                </a:rPr>
-                <a:t/>
-              </a:r>
-              <a:br>
-                <a:rPr lang="pt-PT" sz="1600" dirty="0">
-                  <a:solidFill>
-                    <a:schemeClr val="bg1">
-                      <a:lumMod val="65000"/>
-                    </a:schemeClr>
-                  </a:solidFill>
-                </a:rPr>
-              </a:br>
-              <a:r>
-                <a:rPr lang="pt-PT" sz="1600" dirty="0" smtClean="0">
-                  <a:solidFill>
-                    <a:schemeClr val="bg1">
-                      <a:lumMod val="65000"/>
-                    </a:schemeClr>
-                  </a:solidFill>
-                </a:rPr>
-                <a:t>Licenciatura em Engenharia Informática</a:t>
-              </a:r>
-            </a:p>
-            <a:p>
-              <a:r>
-                <a:rPr lang="pt-PT" sz="1600" dirty="0" smtClean="0">
-                  <a:solidFill>
-                    <a:schemeClr val="bg1">
-                      <a:lumMod val="65000"/>
-                    </a:schemeClr>
-                  </a:solidFill>
-                </a:rPr>
-                <a:t>Laboratórios de Informática IV</a:t>
-              </a:r>
-              <a:endParaRPr lang="pt-PT" sz="1600" dirty="0">
-                <a:solidFill>
-                  <a:schemeClr val="bg1">
-                    <a:lumMod val="65000"/>
-                  </a:schemeClr>
-                </a:solidFill>
-              </a:endParaRPr>
-            </a:p>
-          </p:txBody>
-        </p:sp>
-        <p:pic>
-          <p:nvPicPr>
-            <p:cNvPr id="7" name="Imagem 6"/>
-            <p:cNvPicPr>
-              <a:picLocks noChangeAspect="1"/>
-            </p:cNvPicPr>
-            <p:nvPr/>
-          </p:nvPicPr>
-          <p:blipFill>
-            <a:blip r:embed="rId3" cstate="print">
-              <a:extLst>
-                <a:ext uri="{28A0092B-C50C-407E-A947-70E740481C1C}">
-                  <a14:useLocalDpi xmlns:a14="http://schemas.microsoft.com/office/drawing/2010/main" val="0"/>
-                </a:ext>
-              </a:extLst>
-            </a:blip>
-            <a:stretch>
-              <a:fillRect/>
-            </a:stretch>
-          </p:blipFill>
-          <p:spPr>
-            <a:xfrm>
-              <a:off x="131873" y="218460"/>
-              <a:ext cx="1786076" cy="884108"/>
-            </a:xfrm>
-            <a:prstGeom prst="rect">
-              <a:avLst/>
-            </a:prstGeom>
-          </p:spPr>
-        </p:pic>
-      </p:grpSp>
-    </p:spTree>
-    <p:extLst>
-      <p:ext uri="{BB962C8B-B14F-4D97-AF65-F5344CB8AC3E}">
-        <p14:creationId xmlns:p14="http://schemas.microsoft.com/office/powerpoint/2010/main" val="1602695016"/>
-      </p:ext>
-    </p:extLst>
-  </p:cSld>
-  <p:clrMapOvr>
-    <a:masterClrMapping/>
-  </p:clrMapOvr>
-  <p:timing>
-    <p:tnLst>
-      <p:par>
-        <p:cTn id="1" dur="indefinite" restart="never" nodeType="tmRoot"/>
-      </p:par>
-    </p:tnLst>
-  </p:timing>
-</p:sld>
-</file>
-
-<file path=ppt/slides/slide21.xml><?xml version="1.0" encoding="utf-8"?>
 <p:sld xmlns:a="http://schemas.openxmlformats.org/drawingml/2006/main" xmlns:r="http://schemas.openxmlformats.org/officeDocument/2006/relationships" xmlns:p="http://schemas.openxmlformats.org/presentationml/2006/main">
   <p:cSld>
     <p:spTree>
@@ -14989,7 +13981,15 @@
             </a:r>
             <a:r>
               <a:rPr lang="pt-PT" dirty="0"/>
-              <a:t>(1) – (N) Utilizador </a:t>
+              <a:t>(1) – </a:t>
+            </a:r>
+            <a:r>
+              <a:rPr lang="pt-PT" dirty="0" smtClean="0"/>
+              <a:t>(1) </a:t>
+            </a:r>
+            <a:r>
+              <a:rPr lang="pt-PT" dirty="0"/>
+              <a:t>Utilizador </a:t>
             </a:r>
             <a:endParaRPr lang="pt-PT" dirty="0" smtClean="0"/>
           </a:p>
@@ -15403,17 +14403,1385 @@
     </p:spTree>
     <p:extLst>
       <p:ext uri="{BB962C8B-B14F-4D97-AF65-F5344CB8AC3E}">
-        <p14:creationId xmlns:p14="http://schemas.microsoft.com/office/powerpoint/2010/main" val="335497300"/>
+        <p14:creationId xmlns:p14="http://schemas.microsoft.com/office/powerpoint/2010/main" val="2023359082"/>
       </p:ext>
     </p:extLst>
   </p:cSld>
   <p:clrMapOvr>
     <a:masterClrMapping/>
   </p:clrMapOvr>
+  <p:timing>
+    <p:tnLst>
+      <p:par>
+        <p:cTn id="1" dur="indefinite" restart="never" nodeType="tmRoot"/>
+      </p:par>
+    </p:tnLst>
+  </p:timing>
+</p:sld>
+</file>
+
+<file path=ppt/slides/slide2.xml><?xml version="1.0" encoding="utf-8"?>
+<p:sld xmlns:a="http://schemas.openxmlformats.org/drawingml/2006/main" xmlns:r="http://schemas.openxmlformats.org/officeDocument/2006/relationships" xmlns:p="http://schemas.openxmlformats.org/presentationml/2006/main">
+  <p:cSld>
+    <p:spTree>
+      <p:nvGrpSpPr>
+        <p:cNvPr id="1" name=""/>
+        <p:cNvGrpSpPr/>
+        <p:nvPr/>
+      </p:nvGrpSpPr>
+      <p:grpSpPr>
+        <a:xfrm>
+          <a:off x="0" y="0"/>
+          <a:ext cx="0" cy="0"/>
+          <a:chOff x="0" y="0"/>
+          <a:chExt cx="0" cy="0"/>
+        </a:xfrm>
+      </p:grpSpPr>
+      <p:sp>
+        <p:nvSpPr>
+          <p:cNvPr id="2" name="Título 1"/>
+          <p:cNvSpPr>
+            <a:spLocks noGrp="1"/>
+          </p:cNvSpPr>
+          <p:nvPr>
+            <p:ph type="title"/>
+          </p:nvPr>
+        </p:nvSpPr>
+        <p:spPr>
+          <a:xfrm>
+            <a:off x="395536" y="1213813"/>
+            <a:ext cx="8352928" cy="1143000"/>
+          </a:xfrm>
+        </p:spPr>
+        <p:txBody>
+          <a:bodyPr/>
+          <a:lstStyle/>
+          <a:p>
+            <a:pPr algn="l"/>
+            <a:r>
+              <a:rPr lang="pt-PT" b="1" dirty="0" smtClean="0">
+                <a:solidFill>
+                  <a:schemeClr val="bg2"/>
+                </a:solidFill>
+              </a:rPr>
+              <a:t>Estrutura da Apresentação</a:t>
+            </a:r>
+            <a:endParaRPr lang="pt-PT" b="1" dirty="0">
+              <a:solidFill>
+                <a:schemeClr val="bg2"/>
+              </a:solidFill>
+            </a:endParaRPr>
+          </a:p>
+        </p:txBody>
+      </p:sp>
+      <p:sp>
+        <p:nvSpPr>
+          <p:cNvPr id="3" name="Marcador de Posição de Conteúdo 2"/>
+          <p:cNvSpPr>
+            <a:spLocks noGrp="1"/>
+          </p:cNvSpPr>
+          <p:nvPr>
+            <p:ph idx="1"/>
+          </p:nvPr>
+        </p:nvSpPr>
+        <p:spPr>
+          <a:xfrm>
+            <a:off x="395536" y="2420888"/>
+            <a:ext cx="7498080" cy="3096344"/>
+          </a:xfrm>
+        </p:spPr>
+        <p:txBody>
+          <a:bodyPr>
+            <a:normAutofit fontScale="92500" lnSpcReduction="20000"/>
+          </a:bodyPr>
+          <a:lstStyle/>
+          <a:p>
+            <a:pPr algn="just">
+              <a:lnSpc>
+                <a:spcPct val="150000"/>
+              </a:lnSpc>
+              <a:buBlip>
+                <a:blip r:embed="rId2"/>
+              </a:buBlip>
+            </a:pPr>
+            <a:r>
+              <a:rPr lang="pt-PT" sz="2000" dirty="0" smtClean="0">
+                <a:latin typeface="Calibri (corpo)"/>
+              </a:rPr>
+              <a:t>Caso de estudo</a:t>
+            </a:r>
+          </a:p>
+          <a:p>
+            <a:pPr algn="just">
+              <a:lnSpc>
+                <a:spcPct val="150000"/>
+              </a:lnSpc>
+              <a:buBlip>
+                <a:blip r:embed="rId2"/>
+              </a:buBlip>
+            </a:pPr>
+            <a:r>
+              <a:rPr lang="pt-PT" sz="2000" dirty="0" smtClean="0">
+                <a:latin typeface="Calibri (corpo)"/>
+              </a:rPr>
+              <a:t>Modelo de </a:t>
+            </a:r>
+            <a:r>
+              <a:rPr lang="pt-PT" sz="2000" dirty="0" smtClean="0">
+                <a:latin typeface="Calibri (corpo)"/>
+              </a:rPr>
+              <a:t>Domínio</a:t>
+            </a:r>
+          </a:p>
+          <a:p>
+            <a:pPr algn="just">
+              <a:lnSpc>
+                <a:spcPct val="150000"/>
+              </a:lnSpc>
+              <a:buBlip>
+                <a:blip r:embed="rId2"/>
+              </a:buBlip>
+            </a:pPr>
+            <a:r>
+              <a:rPr lang="pt-PT" sz="2000" dirty="0" smtClean="0">
+                <a:latin typeface="Calibri (corpo)"/>
+              </a:rPr>
+              <a:t>Diagrama de Classes</a:t>
+            </a:r>
+            <a:endParaRPr lang="pt-PT" sz="2000" dirty="0" smtClean="0">
+              <a:latin typeface="Calibri (corpo)"/>
+            </a:endParaRPr>
+          </a:p>
+          <a:p>
+            <a:pPr algn="just">
+              <a:lnSpc>
+                <a:spcPct val="150000"/>
+              </a:lnSpc>
+              <a:buBlip>
+                <a:blip r:embed="rId2"/>
+              </a:buBlip>
+            </a:pPr>
+            <a:r>
+              <a:rPr lang="pt-PT" sz="2000" dirty="0" smtClean="0">
+                <a:latin typeface="Calibri (corpo)"/>
+              </a:rPr>
+              <a:t>Diagramas de Use Case</a:t>
+            </a:r>
+          </a:p>
+          <a:p>
+            <a:pPr algn="just">
+              <a:lnSpc>
+                <a:spcPct val="150000"/>
+              </a:lnSpc>
+              <a:buBlip>
+                <a:blip r:embed="rId2"/>
+              </a:buBlip>
+            </a:pPr>
+            <a:r>
+              <a:rPr lang="pt-PT" sz="2000" dirty="0" smtClean="0">
+                <a:latin typeface="Calibri (corpo)"/>
+              </a:rPr>
+              <a:t>Diagrama de Sequência</a:t>
+            </a:r>
+          </a:p>
+          <a:p>
+            <a:pPr algn="just">
+              <a:lnSpc>
+                <a:spcPct val="150000"/>
+              </a:lnSpc>
+              <a:buBlip>
+                <a:blip r:embed="rId2"/>
+              </a:buBlip>
+            </a:pPr>
+            <a:r>
+              <a:rPr lang="pt-PT" sz="2000" dirty="0" smtClean="0">
+                <a:latin typeface="Calibri (corpo)"/>
+              </a:rPr>
+              <a:t>Esquema Concetual da Base de Dados</a:t>
+            </a:r>
+          </a:p>
+          <a:p>
+            <a:pPr algn="just">
+              <a:lnSpc>
+                <a:spcPct val="150000"/>
+              </a:lnSpc>
+              <a:buBlip>
+                <a:blip r:embed="rId2"/>
+              </a:buBlip>
+            </a:pPr>
+            <a:r>
+              <a:rPr lang="pt-PT" sz="2000" dirty="0" smtClean="0">
+                <a:latin typeface="Calibri (corpo)"/>
+              </a:rPr>
+              <a:t>Esquema Lógico da Base de Dados</a:t>
+            </a:r>
+          </a:p>
+          <a:p>
+            <a:pPr marL="82296" indent="0">
+              <a:buNone/>
+            </a:pPr>
+            <a:endParaRPr lang="pt-PT" sz="2000" dirty="0" smtClean="0">
+              <a:latin typeface="Calibri (corpo)"/>
+            </a:endParaRPr>
+          </a:p>
+        </p:txBody>
+      </p:sp>
+      <p:grpSp>
+        <p:nvGrpSpPr>
+          <p:cNvPr id="4" name="Grupo 3"/>
+          <p:cNvGrpSpPr/>
+          <p:nvPr/>
+        </p:nvGrpSpPr>
+        <p:grpSpPr>
+          <a:xfrm>
+            <a:off x="172933" y="160419"/>
+            <a:ext cx="5212826" cy="1077218"/>
+            <a:chOff x="131873" y="210179"/>
+            <a:chExt cx="5530491" cy="1077218"/>
+          </a:xfrm>
+        </p:grpSpPr>
+        <p:sp>
+          <p:nvSpPr>
+            <p:cNvPr id="5" name="CaixaDeTexto 5"/>
+            <p:cNvSpPr txBox="1"/>
+            <p:nvPr/>
+          </p:nvSpPr>
+          <p:spPr>
+            <a:xfrm>
+              <a:off x="1989956" y="210179"/>
+              <a:ext cx="3672408" cy="1077218"/>
+            </a:xfrm>
+            <a:prstGeom prst="rect">
+              <a:avLst/>
+            </a:prstGeom>
+            <a:noFill/>
+          </p:spPr>
+          <p:txBody>
+            <a:bodyPr wrap="square" rtlCol="0">
+              <a:spAutoFit/>
+            </a:bodyPr>
+            <a:lstStyle>
+              <a:defPPr>
+                <a:defRPr lang="en-US"/>
+              </a:defPPr>
+              <a:lvl1pPr marL="0" algn="l" defTabSz="914400" rtl="0" eaLnBrk="1" latinLnBrk="0" hangingPunct="1">
+                <a:defRPr sz="1800" kern="1200">
+                  <a:solidFill>
+                    <a:schemeClr val="tx1"/>
+                  </a:solidFill>
+                  <a:latin typeface="+mn-lt"/>
+                  <a:ea typeface="+mn-ea"/>
+                  <a:cs typeface="+mn-cs"/>
+                </a:defRPr>
+              </a:lvl1pPr>
+              <a:lvl2pPr marL="457200" algn="l" defTabSz="914400" rtl="0" eaLnBrk="1" latinLnBrk="0" hangingPunct="1">
+                <a:defRPr sz="1800" kern="1200">
+                  <a:solidFill>
+                    <a:schemeClr val="tx1"/>
+                  </a:solidFill>
+                  <a:latin typeface="+mn-lt"/>
+                  <a:ea typeface="+mn-ea"/>
+                  <a:cs typeface="+mn-cs"/>
+                </a:defRPr>
+              </a:lvl2pPr>
+              <a:lvl3pPr marL="914400" algn="l" defTabSz="914400" rtl="0" eaLnBrk="1" latinLnBrk="0" hangingPunct="1">
+                <a:defRPr sz="1800" kern="1200">
+                  <a:solidFill>
+                    <a:schemeClr val="tx1"/>
+                  </a:solidFill>
+                  <a:latin typeface="+mn-lt"/>
+                  <a:ea typeface="+mn-ea"/>
+                  <a:cs typeface="+mn-cs"/>
+                </a:defRPr>
+              </a:lvl3pPr>
+              <a:lvl4pPr marL="1371600" algn="l" defTabSz="914400" rtl="0" eaLnBrk="1" latinLnBrk="0" hangingPunct="1">
+                <a:defRPr sz="1800" kern="1200">
+                  <a:solidFill>
+                    <a:schemeClr val="tx1"/>
+                  </a:solidFill>
+                  <a:latin typeface="+mn-lt"/>
+                  <a:ea typeface="+mn-ea"/>
+                  <a:cs typeface="+mn-cs"/>
+                </a:defRPr>
+              </a:lvl4pPr>
+              <a:lvl5pPr marL="1828800" algn="l" defTabSz="914400" rtl="0" eaLnBrk="1" latinLnBrk="0" hangingPunct="1">
+                <a:defRPr sz="1800" kern="1200">
+                  <a:solidFill>
+                    <a:schemeClr val="tx1"/>
+                  </a:solidFill>
+                  <a:latin typeface="+mn-lt"/>
+                  <a:ea typeface="+mn-ea"/>
+                  <a:cs typeface="+mn-cs"/>
+                </a:defRPr>
+              </a:lvl5pPr>
+              <a:lvl6pPr marL="2286000" algn="l" defTabSz="914400" rtl="0" eaLnBrk="1" latinLnBrk="0" hangingPunct="1">
+                <a:defRPr sz="1800" kern="1200">
+                  <a:solidFill>
+                    <a:schemeClr val="tx1"/>
+                  </a:solidFill>
+                  <a:latin typeface="+mn-lt"/>
+                  <a:ea typeface="+mn-ea"/>
+                  <a:cs typeface="+mn-cs"/>
+                </a:defRPr>
+              </a:lvl6pPr>
+              <a:lvl7pPr marL="2743200" algn="l" defTabSz="914400" rtl="0" eaLnBrk="1" latinLnBrk="0" hangingPunct="1">
+                <a:defRPr sz="1800" kern="1200">
+                  <a:solidFill>
+                    <a:schemeClr val="tx1"/>
+                  </a:solidFill>
+                  <a:latin typeface="+mn-lt"/>
+                  <a:ea typeface="+mn-ea"/>
+                  <a:cs typeface="+mn-cs"/>
+                </a:defRPr>
+              </a:lvl7pPr>
+              <a:lvl8pPr marL="3200400" algn="l" defTabSz="914400" rtl="0" eaLnBrk="1" latinLnBrk="0" hangingPunct="1">
+                <a:defRPr sz="1800" kern="1200">
+                  <a:solidFill>
+                    <a:schemeClr val="tx1"/>
+                  </a:solidFill>
+                  <a:latin typeface="+mn-lt"/>
+                  <a:ea typeface="+mn-ea"/>
+                  <a:cs typeface="+mn-cs"/>
+                </a:defRPr>
+              </a:lvl8pPr>
+              <a:lvl9pPr marL="3657600" algn="l" defTabSz="914400" rtl="0" eaLnBrk="1" latinLnBrk="0" hangingPunct="1">
+                <a:defRPr sz="1800" kern="1200">
+                  <a:solidFill>
+                    <a:schemeClr val="tx1"/>
+                  </a:solidFill>
+                  <a:latin typeface="+mn-lt"/>
+                  <a:ea typeface="+mn-ea"/>
+                  <a:cs typeface="+mn-cs"/>
+                </a:defRPr>
+              </a:lvl9pPr>
+            </a:lstStyle>
+            <a:p>
+              <a:r>
+                <a:rPr lang="pt-PT" sz="1600" dirty="0" smtClean="0">
+                  <a:solidFill>
+                    <a:schemeClr val="bg1">
+                      <a:lumMod val="65000"/>
+                    </a:schemeClr>
+                  </a:solidFill>
+                </a:rPr>
+                <a:t>Universidade do Minho</a:t>
+              </a:r>
+              <a:r>
+                <a:rPr lang="pt-PT" sz="1600" dirty="0">
+                  <a:solidFill>
+                    <a:schemeClr val="bg1">
+                      <a:lumMod val="65000"/>
+                    </a:schemeClr>
+                  </a:solidFill>
+                </a:rPr>
+                <a:t/>
+              </a:r>
+              <a:br>
+                <a:rPr lang="pt-PT" sz="1600" dirty="0">
+                  <a:solidFill>
+                    <a:schemeClr val="bg1">
+                      <a:lumMod val="65000"/>
+                    </a:schemeClr>
+                  </a:solidFill>
+                </a:rPr>
+              </a:br>
+              <a:r>
+                <a:rPr lang="pt-PT" sz="1600" dirty="0" smtClean="0">
+                  <a:solidFill>
+                    <a:schemeClr val="bg1">
+                      <a:lumMod val="65000"/>
+                    </a:schemeClr>
+                  </a:solidFill>
+                </a:rPr>
+                <a:t>Licenciatura em Engenharia Informática</a:t>
+              </a:r>
+            </a:p>
+            <a:p>
+              <a:r>
+                <a:rPr lang="pt-PT" sz="1600" dirty="0" smtClean="0">
+                  <a:solidFill>
+                    <a:schemeClr val="bg1">
+                      <a:lumMod val="65000"/>
+                    </a:schemeClr>
+                  </a:solidFill>
+                </a:rPr>
+                <a:t>Laboratórios de Informática IV</a:t>
+              </a:r>
+              <a:endParaRPr lang="pt-PT" sz="1600" dirty="0">
+                <a:solidFill>
+                  <a:schemeClr val="bg1">
+                    <a:lumMod val="65000"/>
+                  </a:schemeClr>
+                </a:solidFill>
+              </a:endParaRPr>
+            </a:p>
+          </p:txBody>
+        </p:sp>
+        <p:pic>
+          <p:nvPicPr>
+            <p:cNvPr id="6" name="Imagem 5"/>
+            <p:cNvPicPr>
+              <a:picLocks noChangeAspect="1"/>
+            </p:cNvPicPr>
+            <p:nvPr/>
+          </p:nvPicPr>
+          <p:blipFill>
+            <a:blip r:embed="rId3" cstate="print">
+              <a:extLst>
+                <a:ext uri="{28A0092B-C50C-407E-A947-70E740481C1C}">
+                  <a14:useLocalDpi xmlns:a14="http://schemas.microsoft.com/office/drawing/2010/main" val="0"/>
+                </a:ext>
+              </a:extLst>
+            </a:blip>
+            <a:stretch>
+              <a:fillRect/>
+            </a:stretch>
+          </p:blipFill>
+          <p:spPr>
+            <a:xfrm>
+              <a:off x="131873" y="218460"/>
+              <a:ext cx="1786076" cy="884108"/>
+            </a:xfrm>
+            <a:prstGeom prst="rect">
+              <a:avLst/>
+            </a:prstGeom>
+          </p:spPr>
+        </p:pic>
+      </p:grpSp>
+    </p:spTree>
+    <p:extLst>
+      <p:ext uri="{BB962C8B-B14F-4D97-AF65-F5344CB8AC3E}">
+        <p14:creationId xmlns:p14="http://schemas.microsoft.com/office/powerpoint/2010/main" val="236119830"/>
+      </p:ext>
+    </p:extLst>
+  </p:cSld>
+  <p:clrMapOvr>
+    <a:masterClrMapping/>
+  </p:clrMapOvr>
+  <p:timing>
+    <p:tnLst>
+      <p:par>
+        <p:cTn id="1" dur="indefinite" restart="never" nodeType="tmRoot"/>
+      </p:par>
+    </p:tnLst>
+  </p:timing>
+</p:sld>
+</file>
+
+<file path=ppt/slides/slide20.xml><?xml version="1.0" encoding="utf-8"?>
+<p:sld xmlns:a="http://schemas.openxmlformats.org/drawingml/2006/main" xmlns:r="http://schemas.openxmlformats.org/officeDocument/2006/relationships" xmlns:p="http://schemas.openxmlformats.org/presentationml/2006/main">
+  <p:cSld>
+    <p:spTree>
+      <p:nvGrpSpPr>
+        <p:cNvPr id="1" name=""/>
+        <p:cNvGrpSpPr/>
+        <p:nvPr/>
+      </p:nvGrpSpPr>
+      <p:grpSpPr>
+        <a:xfrm>
+          <a:off x="0" y="0"/>
+          <a:ext cx="0" cy="0"/>
+          <a:chOff x="0" y="0"/>
+          <a:chExt cx="0" cy="0"/>
+        </a:xfrm>
+      </p:grpSpPr>
+      <p:sp>
+        <p:nvSpPr>
+          <p:cNvPr id="4" name="Título 1"/>
+          <p:cNvSpPr>
+            <a:spLocks noGrp="1"/>
+          </p:cNvSpPr>
+          <p:nvPr>
+            <p:ph type="title"/>
+          </p:nvPr>
+        </p:nvSpPr>
+        <p:spPr>
+          <a:xfrm>
+            <a:off x="395536" y="908720"/>
+            <a:ext cx="8352928" cy="1143000"/>
+          </a:xfrm>
+        </p:spPr>
+        <p:txBody>
+          <a:bodyPr>
+            <a:normAutofit fontScale="90000"/>
+          </a:bodyPr>
+          <a:lstStyle/>
+          <a:p>
+            <a:pPr algn="l"/>
+            <a:r>
+              <a:rPr lang="pt-PT" b="1" dirty="0" smtClean="0">
+                <a:solidFill>
+                  <a:schemeClr val="bg2"/>
+                </a:solidFill>
+              </a:rPr>
+              <a:t>Esquema Concetual da Base de Dados</a:t>
+            </a:r>
+            <a:endParaRPr lang="pt-PT" b="1" dirty="0">
+              <a:solidFill>
+                <a:schemeClr val="bg2"/>
+              </a:solidFill>
+            </a:endParaRPr>
+          </a:p>
+        </p:txBody>
+      </p:sp>
+      <p:grpSp>
+        <p:nvGrpSpPr>
+          <p:cNvPr id="5" name="Grupo 4"/>
+          <p:cNvGrpSpPr/>
+          <p:nvPr/>
+        </p:nvGrpSpPr>
+        <p:grpSpPr>
+          <a:xfrm>
+            <a:off x="234524" y="160419"/>
+            <a:ext cx="5212826" cy="1077218"/>
+            <a:chOff x="131873" y="210179"/>
+            <a:chExt cx="5530491" cy="1077218"/>
+          </a:xfrm>
+        </p:grpSpPr>
+        <p:sp>
+          <p:nvSpPr>
+            <p:cNvPr id="6" name="CaixaDeTexto 5"/>
+            <p:cNvSpPr txBox="1"/>
+            <p:nvPr/>
+          </p:nvSpPr>
+          <p:spPr>
+            <a:xfrm>
+              <a:off x="1989956" y="210179"/>
+              <a:ext cx="3672408" cy="1077218"/>
+            </a:xfrm>
+            <a:prstGeom prst="rect">
+              <a:avLst/>
+            </a:prstGeom>
+            <a:noFill/>
+          </p:spPr>
+          <p:txBody>
+            <a:bodyPr wrap="square" rtlCol="0">
+              <a:spAutoFit/>
+            </a:bodyPr>
+            <a:lstStyle>
+              <a:defPPr>
+                <a:defRPr lang="en-US"/>
+              </a:defPPr>
+              <a:lvl1pPr marL="0" algn="l" defTabSz="914400" rtl="0" eaLnBrk="1" latinLnBrk="0" hangingPunct="1">
+                <a:defRPr sz="1800" kern="1200">
+                  <a:solidFill>
+                    <a:schemeClr val="tx1"/>
+                  </a:solidFill>
+                  <a:latin typeface="+mn-lt"/>
+                  <a:ea typeface="+mn-ea"/>
+                  <a:cs typeface="+mn-cs"/>
+                </a:defRPr>
+              </a:lvl1pPr>
+              <a:lvl2pPr marL="457200" algn="l" defTabSz="914400" rtl="0" eaLnBrk="1" latinLnBrk="0" hangingPunct="1">
+                <a:defRPr sz="1800" kern="1200">
+                  <a:solidFill>
+                    <a:schemeClr val="tx1"/>
+                  </a:solidFill>
+                  <a:latin typeface="+mn-lt"/>
+                  <a:ea typeface="+mn-ea"/>
+                  <a:cs typeface="+mn-cs"/>
+                </a:defRPr>
+              </a:lvl2pPr>
+              <a:lvl3pPr marL="914400" algn="l" defTabSz="914400" rtl="0" eaLnBrk="1" latinLnBrk="0" hangingPunct="1">
+                <a:defRPr sz="1800" kern="1200">
+                  <a:solidFill>
+                    <a:schemeClr val="tx1"/>
+                  </a:solidFill>
+                  <a:latin typeface="+mn-lt"/>
+                  <a:ea typeface="+mn-ea"/>
+                  <a:cs typeface="+mn-cs"/>
+                </a:defRPr>
+              </a:lvl3pPr>
+              <a:lvl4pPr marL="1371600" algn="l" defTabSz="914400" rtl="0" eaLnBrk="1" latinLnBrk="0" hangingPunct="1">
+                <a:defRPr sz="1800" kern="1200">
+                  <a:solidFill>
+                    <a:schemeClr val="tx1"/>
+                  </a:solidFill>
+                  <a:latin typeface="+mn-lt"/>
+                  <a:ea typeface="+mn-ea"/>
+                  <a:cs typeface="+mn-cs"/>
+                </a:defRPr>
+              </a:lvl4pPr>
+              <a:lvl5pPr marL="1828800" algn="l" defTabSz="914400" rtl="0" eaLnBrk="1" latinLnBrk="0" hangingPunct="1">
+                <a:defRPr sz="1800" kern="1200">
+                  <a:solidFill>
+                    <a:schemeClr val="tx1"/>
+                  </a:solidFill>
+                  <a:latin typeface="+mn-lt"/>
+                  <a:ea typeface="+mn-ea"/>
+                  <a:cs typeface="+mn-cs"/>
+                </a:defRPr>
+              </a:lvl5pPr>
+              <a:lvl6pPr marL="2286000" algn="l" defTabSz="914400" rtl="0" eaLnBrk="1" latinLnBrk="0" hangingPunct="1">
+                <a:defRPr sz="1800" kern="1200">
+                  <a:solidFill>
+                    <a:schemeClr val="tx1"/>
+                  </a:solidFill>
+                  <a:latin typeface="+mn-lt"/>
+                  <a:ea typeface="+mn-ea"/>
+                  <a:cs typeface="+mn-cs"/>
+                </a:defRPr>
+              </a:lvl6pPr>
+              <a:lvl7pPr marL="2743200" algn="l" defTabSz="914400" rtl="0" eaLnBrk="1" latinLnBrk="0" hangingPunct="1">
+                <a:defRPr sz="1800" kern="1200">
+                  <a:solidFill>
+                    <a:schemeClr val="tx1"/>
+                  </a:solidFill>
+                  <a:latin typeface="+mn-lt"/>
+                  <a:ea typeface="+mn-ea"/>
+                  <a:cs typeface="+mn-cs"/>
+                </a:defRPr>
+              </a:lvl7pPr>
+              <a:lvl8pPr marL="3200400" algn="l" defTabSz="914400" rtl="0" eaLnBrk="1" latinLnBrk="0" hangingPunct="1">
+                <a:defRPr sz="1800" kern="1200">
+                  <a:solidFill>
+                    <a:schemeClr val="tx1"/>
+                  </a:solidFill>
+                  <a:latin typeface="+mn-lt"/>
+                  <a:ea typeface="+mn-ea"/>
+                  <a:cs typeface="+mn-cs"/>
+                </a:defRPr>
+              </a:lvl8pPr>
+              <a:lvl9pPr marL="3657600" algn="l" defTabSz="914400" rtl="0" eaLnBrk="1" latinLnBrk="0" hangingPunct="1">
+                <a:defRPr sz="1800" kern="1200">
+                  <a:solidFill>
+                    <a:schemeClr val="tx1"/>
+                  </a:solidFill>
+                  <a:latin typeface="+mn-lt"/>
+                  <a:ea typeface="+mn-ea"/>
+                  <a:cs typeface="+mn-cs"/>
+                </a:defRPr>
+              </a:lvl9pPr>
+            </a:lstStyle>
+            <a:p>
+              <a:r>
+                <a:rPr lang="pt-PT" sz="1600" dirty="0" smtClean="0">
+                  <a:solidFill>
+                    <a:schemeClr val="bg1">
+                      <a:lumMod val="65000"/>
+                    </a:schemeClr>
+                  </a:solidFill>
+                </a:rPr>
+                <a:t>Universidade do Minho</a:t>
+              </a:r>
+              <a:r>
+                <a:rPr lang="pt-PT" sz="1600" dirty="0">
+                  <a:solidFill>
+                    <a:schemeClr val="bg1">
+                      <a:lumMod val="65000"/>
+                    </a:schemeClr>
+                  </a:solidFill>
+                </a:rPr>
+                <a:t/>
+              </a:r>
+              <a:br>
+                <a:rPr lang="pt-PT" sz="1600" dirty="0">
+                  <a:solidFill>
+                    <a:schemeClr val="bg1">
+                      <a:lumMod val="65000"/>
+                    </a:schemeClr>
+                  </a:solidFill>
+                </a:rPr>
+              </a:br>
+              <a:r>
+                <a:rPr lang="pt-PT" sz="1600" dirty="0" smtClean="0">
+                  <a:solidFill>
+                    <a:schemeClr val="bg1">
+                      <a:lumMod val="65000"/>
+                    </a:schemeClr>
+                  </a:solidFill>
+                </a:rPr>
+                <a:t>Licenciatura em Engenharia Informática</a:t>
+              </a:r>
+            </a:p>
+            <a:p>
+              <a:r>
+                <a:rPr lang="pt-PT" sz="1600" dirty="0" smtClean="0">
+                  <a:solidFill>
+                    <a:schemeClr val="bg1">
+                      <a:lumMod val="65000"/>
+                    </a:schemeClr>
+                  </a:solidFill>
+                </a:rPr>
+                <a:t>Laboratórios de Informática IV</a:t>
+              </a:r>
+              <a:endParaRPr lang="pt-PT" sz="1600" dirty="0">
+                <a:solidFill>
+                  <a:schemeClr val="bg1">
+                    <a:lumMod val="65000"/>
+                  </a:schemeClr>
+                </a:solidFill>
+              </a:endParaRPr>
+            </a:p>
+          </p:txBody>
+        </p:sp>
+        <p:pic>
+          <p:nvPicPr>
+            <p:cNvPr id="7" name="Imagem 6"/>
+            <p:cNvPicPr>
+              <a:picLocks noChangeAspect="1"/>
+            </p:cNvPicPr>
+            <p:nvPr/>
+          </p:nvPicPr>
+          <p:blipFill>
+            <a:blip r:embed="rId2" cstate="print">
+              <a:extLst>
+                <a:ext uri="{28A0092B-C50C-407E-A947-70E740481C1C}">
+                  <a14:useLocalDpi xmlns:a14="http://schemas.microsoft.com/office/drawing/2010/main" val="0"/>
+                </a:ext>
+              </a:extLst>
+            </a:blip>
+            <a:stretch>
+              <a:fillRect/>
+            </a:stretch>
+          </p:blipFill>
+          <p:spPr>
+            <a:xfrm>
+              <a:off x="131873" y="218460"/>
+              <a:ext cx="1786076" cy="884108"/>
+            </a:xfrm>
+            <a:prstGeom prst="rect">
+              <a:avLst/>
+            </a:prstGeom>
+          </p:spPr>
+        </p:pic>
+      </p:grpSp>
+      <p:pic>
+        <p:nvPicPr>
+          <p:cNvPr id="3" name="Marcador de Posição de Conteúdo 2"/>
+          <p:cNvPicPr>
+            <a:picLocks noGrp="1" noChangeAspect="1"/>
+          </p:cNvPicPr>
+          <p:nvPr>
+            <p:ph idx="1"/>
+          </p:nvPr>
+        </p:nvPicPr>
+        <p:blipFill>
+          <a:blip r:embed="rId3">
+            <a:extLst>
+              <a:ext uri="{28A0092B-C50C-407E-A947-70E740481C1C}">
+                <a14:useLocalDpi xmlns:a14="http://schemas.microsoft.com/office/drawing/2010/main" val="0"/>
+              </a:ext>
+            </a:extLst>
+          </a:blip>
+          <a:stretch>
+            <a:fillRect/>
+          </a:stretch>
+        </p:blipFill>
+        <p:spPr>
+          <a:xfrm>
+            <a:off x="827584" y="1844824"/>
+            <a:ext cx="7344816" cy="4246126"/>
+          </a:xfrm>
+        </p:spPr>
+      </p:pic>
+    </p:spTree>
+    <p:extLst>
+      <p:ext uri="{BB962C8B-B14F-4D97-AF65-F5344CB8AC3E}">
+        <p14:creationId xmlns:p14="http://schemas.microsoft.com/office/powerpoint/2010/main" val="140176210"/>
+      </p:ext>
+    </p:extLst>
+  </p:cSld>
+  <p:clrMapOvr>
+    <a:masterClrMapping/>
+  </p:clrMapOvr>
+  <p:timing>
+    <p:tnLst>
+      <p:par>
+        <p:cTn id="1" dur="indefinite" restart="never" nodeType="tmRoot"/>
+      </p:par>
+    </p:tnLst>
+  </p:timing>
+</p:sld>
+</file>
+
+<file path=ppt/slides/slide21.xml><?xml version="1.0" encoding="utf-8"?>
+<p:sld xmlns:a="http://schemas.openxmlformats.org/drawingml/2006/main" xmlns:r="http://schemas.openxmlformats.org/officeDocument/2006/relationships" xmlns:p="http://schemas.openxmlformats.org/presentationml/2006/main">
+  <p:cSld>
+    <p:spTree>
+      <p:nvGrpSpPr>
+        <p:cNvPr id="1" name=""/>
+        <p:cNvGrpSpPr/>
+        <p:nvPr/>
+      </p:nvGrpSpPr>
+      <p:grpSpPr>
+        <a:xfrm>
+          <a:off x="0" y="0"/>
+          <a:ext cx="0" cy="0"/>
+          <a:chOff x="0" y="0"/>
+          <a:chExt cx="0" cy="0"/>
+        </a:xfrm>
+      </p:grpSpPr>
+      <p:sp>
+        <p:nvSpPr>
+          <p:cNvPr id="4" name="Título 1"/>
+          <p:cNvSpPr>
+            <a:spLocks noGrp="1"/>
+          </p:cNvSpPr>
+          <p:nvPr>
+            <p:ph type="title"/>
+          </p:nvPr>
+        </p:nvSpPr>
+        <p:spPr>
+          <a:xfrm>
+            <a:off x="395536" y="1052808"/>
+            <a:ext cx="8352928" cy="4968480"/>
+          </a:xfrm>
+        </p:spPr>
+        <p:txBody>
+          <a:bodyPr>
+            <a:normAutofit/>
+          </a:bodyPr>
+          <a:lstStyle/>
+          <a:p>
+            <a:pPr algn="l"/>
+            <a:r>
+              <a:rPr lang="pt-PT" sz="9600" b="1" dirty="0" smtClean="0">
+                <a:solidFill>
+                  <a:schemeClr val="bg2"/>
+                </a:solidFill>
+              </a:rPr>
+              <a:t>Modelo Lógico da Base de Dados</a:t>
+            </a:r>
+            <a:endParaRPr lang="pt-PT" sz="9600" b="1" dirty="0">
+              <a:solidFill>
+                <a:schemeClr val="bg2"/>
+              </a:solidFill>
+            </a:endParaRPr>
+          </a:p>
+        </p:txBody>
+      </p:sp>
+      <p:grpSp>
+        <p:nvGrpSpPr>
+          <p:cNvPr id="5" name="Grupo 4"/>
+          <p:cNvGrpSpPr/>
+          <p:nvPr/>
+        </p:nvGrpSpPr>
+        <p:grpSpPr>
+          <a:xfrm>
+            <a:off x="234524" y="160419"/>
+            <a:ext cx="5212826" cy="1077218"/>
+            <a:chOff x="131873" y="210179"/>
+            <a:chExt cx="5530491" cy="1077218"/>
+          </a:xfrm>
+        </p:grpSpPr>
+        <p:sp>
+          <p:nvSpPr>
+            <p:cNvPr id="6" name="CaixaDeTexto 5"/>
+            <p:cNvSpPr txBox="1"/>
+            <p:nvPr/>
+          </p:nvSpPr>
+          <p:spPr>
+            <a:xfrm>
+              <a:off x="1989956" y="210179"/>
+              <a:ext cx="3672408" cy="1077218"/>
+            </a:xfrm>
+            <a:prstGeom prst="rect">
+              <a:avLst/>
+            </a:prstGeom>
+            <a:noFill/>
+          </p:spPr>
+          <p:txBody>
+            <a:bodyPr wrap="square" rtlCol="0">
+              <a:spAutoFit/>
+            </a:bodyPr>
+            <a:lstStyle>
+              <a:defPPr>
+                <a:defRPr lang="en-US"/>
+              </a:defPPr>
+              <a:lvl1pPr marL="0" algn="l" defTabSz="914400" rtl="0" eaLnBrk="1" latinLnBrk="0" hangingPunct="1">
+                <a:defRPr sz="1800" kern="1200">
+                  <a:solidFill>
+                    <a:schemeClr val="tx1"/>
+                  </a:solidFill>
+                  <a:latin typeface="+mn-lt"/>
+                  <a:ea typeface="+mn-ea"/>
+                  <a:cs typeface="+mn-cs"/>
+                </a:defRPr>
+              </a:lvl1pPr>
+              <a:lvl2pPr marL="457200" algn="l" defTabSz="914400" rtl="0" eaLnBrk="1" latinLnBrk="0" hangingPunct="1">
+                <a:defRPr sz="1800" kern="1200">
+                  <a:solidFill>
+                    <a:schemeClr val="tx1"/>
+                  </a:solidFill>
+                  <a:latin typeface="+mn-lt"/>
+                  <a:ea typeface="+mn-ea"/>
+                  <a:cs typeface="+mn-cs"/>
+                </a:defRPr>
+              </a:lvl2pPr>
+              <a:lvl3pPr marL="914400" algn="l" defTabSz="914400" rtl="0" eaLnBrk="1" latinLnBrk="0" hangingPunct="1">
+                <a:defRPr sz="1800" kern="1200">
+                  <a:solidFill>
+                    <a:schemeClr val="tx1"/>
+                  </a:solidFill>
+                  <a:latin typeface="+mn-lt"/>
+                  <a:ea typeface="+mn-ea"/>
+                  <a:cs typeface="+mn-cs"/>
+                </a:defRPr>
+              </a:lvl3pPr>
+              <a:lvl4pPr marL="1371600" algn="l" defTabSz="914400" rtl="0" eaLnBrk="1" latinLnBrk="0" hangingPunct="1">
+                <a:defRPr sz="1800" kern="1200">
+                  <a:solidFill>
+                    <a:schemeClr val="tx1"/>
+                  </a:solidFill>
+                  <a:latin typeface="+mn-lt"/>
+                  <a:ea typeface="+mn-ea"/>
+                  <a:cs typeface="+mn-cs"/>
+                </a:defRPr>
+              </a:lvl4pPr>
+              <a:lvl5pPr marL="1828800" algn="l" defTabSz="914400" rtl="0" eaLnBrk="1" latinLnBrk="0" hangingPunct="1">
+                <a:defRPr sz="1800" kern="1200">
+                  <a:solidFill>
+                    <a:schemeClr val="tx1"/>
+                  </a:solidFill>
+                  <a:latin typeface="+mn-lt"/>
+                  <a:ea typeface="+mn-ea"/>
+                  <a:cs typeface="+mn-cs"/>
+                </a:defRPr>
+              </a:lvl5pPr>
+              <a:lvl6pPr marL="2286000" algn="l" defTabSz="914400" rtl="0" eaLnBrk="1" latinLnBrk="0" hangingPunct="1">
+                <a:defRPr sz="1800" kern="1200">
+                  <a:solidFill>
+                    <a:schemeClr val="tx1"/>
+                  </a:solidFill>
+                  <a:latin typeface="+mn-lt"/>
+                  <a:ea typeface="+mn-ea"/>
+                  <a:cs typeface="+mn-cs"/>
+                </a:defRPr>
+              </a:lvl6pPr>
+              <a:lvl7pPr marL="2743200" algn="l" defTabSz="914400" rtl="0" eaLnBrk="1" latinLnBrk="0" hangingPunct="1">
+                <a:defRPr sz="1800" kern="1200">
+                  <a:solidFill>
+                    <a:schemeClr val="tx1"/>
+                  </a:solidFill>
+                  <a:latin typeface="+mn-lt"/>
+                  <a:ea typeface="+mn-ea"/>
+                  <a:cs typeface="+mn-cs"/>
+                </a:defRPr>
+              </a:lvl7pPr>
+              <a:lvl8pPr marL="3200400" algn="l" defTabSz="914400" rtl="0" eaLnBrk="1" latinLnBrk="0" hangingPunct="1">
+                <a:defRPr sz="1800" kern="1200">
+                  <a:solidFill>
+                    <a:schemeClr val="tx1"/>
+                  </a:solidFill>
+                  <a:latin typeface="+mn-lt"/>
+                  <a:ea typeface="+mn-ea"/>
+                  <a:cs typeface="+mn-cs"/>
+                </a:defRPr>
+              </a:lvl8pPr>
+              <a:lvl9pPr marL="3657600" algn="l" defTabSz="914400" rtl="0" eaLnBrk="1" latinLnBrk="0" hangingPunct="1">
+                <a:defRPr sz="1800" kern="1200">
+                  <a:solidFill>
+                    <a:schemeClr val="tx1"/>
+                  </a:solidFill>
+                  <a:latin typeface="+mn-lt"/>
+                  <a:ea typeface="+mn-ea"/>
+                  <a:cs typeface="+mn-cs"/>
+                </a:defRPr>
+              </a:lvl9pPr>
+            </a:lstStyle>
+            <a:p>
+              <a:r>
+                <a:rPr lang="pt-PT" sz="1600" dirty="0" smtClean="0">
+                  <a:solidFill>
+                    <a:schemeClr val="bg1">
+                      <a:lumMod val="65000"/>
+                    </a:schemeClr>
+                  </a:solidFill>
+                </a:rPr>
+                <a:t>Universidade do Minho</a:t>
+              </a:r>
+              <a:r>
+                <a:rPr lang="pt-PT" sz="1600" dirty="0">
+                  <a:solidFill>
+                    <a:schemeClr val="bg1">
+                      <a:lumMod val="65000"/>
+                    </a:schemeClr>
+                  </a:solidFill>
+                </a:rPr>
+                <a:t/>
+              </a:r>
+              <a:br>
+                <a:rPr lang="pt-PT" sz="1600" dirty="0">
+                  <a:solidFill>
+                    <a:schemeClr val="bg1">
+                      <a:lumMod val="65000"/>
+                    </a:schemeClr>
+                  </a:solidFill>
+                </a:rPr>
+              </a:br>
+              <a:r>
+                <a:rPr lang="pt-PT" sz="1600" dirty="0" smtClean="0">
+                  <a:solidFill>
+                    <a:schemeClr val="bg1">
+                      <a:lumMod val="65000"/>
+                    </a:schemeClr>
+                  </a:solidFill>
+                </a:rPr>
+                <a:t>Licenciatura em Engenharia Informática</a:t>
+              </a:r>
+            </a:p>
+            <a:p>
+              <a:r>
+                <a:rPr lang="pt-PT" sz="1600" dirty="0" smtClean="0">
+                  <a:solidFill>
+                    <a:schemeClr val="bg1">
+                      <a:lumMod val="65000"/>
+                    </a:schemeClr>
+                  </a:solidFill>
+                </a:rPr>
+                <a:t>Laboratórios de Informática IV</a:t>
+              </a:r>
+              <a:endParaRPr lang="pt-PT" sz="1600" dirty="0">
+                <a:solidFill>
+                  <a:schemeClr val="bg1">
+                    <a:lumMod val="65000"/>
+                  </a:schemeClr>
+                </a:solidFill>
+              </a:endParaRPr>
+            </a:p>
+          </p:txBody>
+        </p:sp>
+        <p:pic>
+          <p:nvPicPr>
+            <p:cNvPr id="7" name="Imagem 6"/>
+            <p:cNvPicPr>
+              <a:picLocks noChangeAspect="1"/>
+            </p:cNvPicPr>
+            <p:nvPr/>
+          </p:nvPicPr>
+          <p:blipFill>
+            <a:blip r:embed="rId2" cstate="print">
+              <a:extLst>
+                <a:ext uri="{28A0092B-C50C-407E-A947-70E740481C1C}">
+                  <a14:useLocalDpi xmlns:a14="http://schemas.microsoft.com/office/drawing/2010/main" val="0"/>
+                </a:ext>
+              </a:extLst>
+            </a:blip>
+            <a:stretch>
+              <a:fillRect/>
+            </a:stretch>
+          </p:blipFill>
+          <p:spPr>
+            <a:xfrm>
+              <a:off x="131873" y="218460"/>
+              <a:ext cx="1786076" cy="884108"/>
+            </a:xfrm>
+            <a:prstGeom prst="rect">
+              <a:avLst/>
+            </a:prstGeom>
+          </p:spPr>
+        </p:pic>
+      </p:grpSp>
+    </p:spTree>
+    <p:extLst>
+      <p:ext uri="{BB962C8B-B14F-4D97-AF65-F5344CB8AC3E}">
+        <p14:creationId xmlns:p14="http://schemas.microsoft.com/office/powerpoint/2010/main" val="1556375556"/>
+      </p:ext>
+    </p:extLst>
+  </p:cSld>
+  <p:clrMapOvr>
+    <a:masterClrMapping/>
+  </p:clrMapOvr>
+  <p:timing>
+    <p:tnLst>
+      <p:par>
+        <p:cTn id="1" dur="indefinite" restart="never" nodeType="tmRoot"/>
+      </p:par>
+    </p:tnLst>
+  </p:timing>
 </p:sld>
 </file>
 
 <file path=ppt/slides/slide22.xml><?xml version="1.0" encoding="utf-8"?>
+<p:sld xmlns:a="http://schemas.openxmlformats.org/drawingml/2006/main" xmlns:r="http://schemas.openxmlformats.org/officeDocument/2006/relationships" xmlns:p="http://schemas.openxmlformats.org/presentationml/2006/main">
+  <p:cSld>
+    <p:spTree>
+      <p:nvGrpSpPr>
+        <p:cNvPr id="1" name=""/>
+        <p:cNvGrpSpPr/>
+        <p:nvPr/>
+      </p:nvGrpSpPr>
+      <p:grpSpPr>
+        <a:xfrm>
+          <a:off x="0" y="0"/>
+          <a:ext cx="0" cy="0"/>
+          <a:chOff x="0" y="0"/>
+          <a:chExt cx="0" cy="0"/>
+        </a:xfrm>
+      </p:grpSpPr>
+      <p:pic>
+        <p:nvPicPr>
+          <p:cNvPr id="8" name="Marcador de Posição de Conteúdo 7"/>
+          <p:cNvPicPr>
+            <a:picLocks noGrp="1" noChangeAspect="1"/>
+          </p:cNvPicPr>
+          <p:nvPr>
+            <p:ph idx="1"/>
+          </p:nvPr>
+        </p:nvPicPr>
+        <p:blipFill>
+          <a:blip r:embed="rId2">
+            <a:extLst>
+              <a:ext uri="{28A0092B-C50C-407E-A947-70E740481C1C}">
+                <a14:useLocalDpi xmlns:a14="http://schemas.microsoft.com/office/drawing/2010/main" val="0"/>
+              </a:ext>
+            </a:extLst>
+          </a:blip>
+          <a:stretch>
+            <a:fillRect/>
+          </a:stretch>
+        </p:blipFill>
+        <p:spPr>
+          <a:xfrm>
+            <a:off x="263144" y="1916832"/>
+            <a:ext cx="8648982" cy="3961314"/>
+          </a:xfrm>
+        </p:spPr>
+      </p:pic>
+      <p:grpSp>
+        <p:nvGrpSpPr>
+          <p:cNvPr id="5" name="Grupo 4"/>
+          <p:cNvGrpSpPr/>
+          <p:nvPr/>
+        </p:nvGrpSpPr>
+        <p:grpSpPr>
+          <a:xfrm>
+            <a:off x="234524" y="160419"/>
+            <a:ext cx="5212826" cy="1077218"/>
+            <a:chOff x="131873" y="210179"/>
+            <a:chExt cx="5530491" cy="1077218"/>
+          </a:xfrm>
+        </p:grpSpPr>
+        <p:sp>
+          <p:nvSpPr>
+            <p:cNvPr id="6" name="CaixaDeTexto 5"/>
+            <p:cNvSpPr txBox="1"/>
+            <p:nvPr/>
+          </p:nvSpPr>
+          <p:spPr>
+            <a:xfrm>
+              <a:off x="1989956" y="210179"/>
+              <a:ext cx="3672408" cy="1077218"/>
+            </a:xfrm>
+            <a:prstGeom prst="rect">
+              <a:avLst/>
+            </a:prstGeom>
+            <a:noFill/>
+          </p:spPr>
+          <p:txBody>
+            <a:bodyPr wrap="square" rtlCol="0">
+              <a:spAutoFit/>
+            </a:bodyPr>
+            <a:lstStyle>
+              <a:defPPr>
+                <a:defRPr lang="en-US"/>
+              </a:defPPr>
+              <a:lvl1pPr marL="0" algn="l" defTabSz="914400" rtl="0" eaLnBrk="1" latinLnBrk="0" hangingPunct="1">
+                <a:defRPr sz="1800" kern="1200">
+                  <a:solidFill>
+                    <a:schemeClr val="tx1"/>
+                  </a:solidFill>
+                  <a:latin typeface="+mn-lt"/>
+                  <a:ea typeface="+mn-ea"/>
+                  <a:cs typeface="+mn-cs"/>
+                </a:defRPr>
+              </a:lvl1pPr>
+              <a:lvl2pPr marL="457200" algn="l" defTabSz="914400" rtl="0" eaLnBrk="1" latinLnBrk="0" hangingPunct="1">
+                <a:defRPr sz="1800" kern="1200">
+                  <a:solidFill>
+                    <a:schemeClr val="tx1"/>
+                  </a:solidFill>
+                  <a:latin typeface="+mn-lt"/>
+                  <a:ea typeface="+mn-ea"/>
+                  <a:cs typeface="+mn-cs"/>
+                </a:defRPr>
+              </a:lvl2pPr>
+              <a:lvl3pPr marL="914400" algn="l" defTabSz="914400" rtl="0" eaLnBrk="1" latinLnBrk="0" hangingPunct="1">
+                <a:defRPr sz="1800" kern="1200">
+                  <a:solidFill>
+                    <a:schemeClr val="tx1"/>
+                  </a:solidFill>
+                  <a:latin typeface="+mn-lt"/>
+                  <a:ea typeface="+mn-ea"/>
+                  <a:cs typeface="+mn-cs"/>
+                </a:defRPr>
+              </a:lvl3pPr>
+              <a:lvl4pPr marL="1371600" algn="l" defTabSz="914400" rtl="0" eaLnBrk="1" latinLnBrk="0" hangingPunct="1">
+                <a:defRPr sz="1800" kern="1200">
+                  <a:solidFill>
+                    <a:schemeClr val="tx1"/>
+                  </a:solidFill>
+                  <a:latin typeface="+mn-lt"/>
+                  <a:ea typeface="+mn-ea"/>
+                  <a:cs typeface="+mn-cs"/>
+                </a:defRPr>
+              </a:lvl4pPr>
+              <a:lvl5pPr marL="1828800" algn="l" defTabSz="914400" rtl="0" eaLnBrk="1" latinLnBrk="0" hangingPunct="1">
+                <a:defRPr sz="1800" kern="1200">
+                  <a:solidFill>
+                    <a:schemeClr val="tx1"/>
+                  </a:solidFill>
+                  <a:latin typeface="+mn-lt"/>
+                  <a:ea typeface="+mn-ea"/>
+                  <a:cs typeface="+mn-cs"/>
+                </a:defRPr>
+              </a:lvl5pPr>
+              <a:lvl6pPr marL="2286000" algn="l" defTabSz="914400" rtl="0" eaLnBrk="1" latinLnBrk="0" hangingPunct="1">
+                <a:defRPr sz="1800" kern="1200">
+                  <a:solidFill>
+                    <a:schemeClr val="tx1"/>
+                  </a:solidFill>
+                  <a:latin typeface="+mn-lt"/>
+                  <a:ea typeface="+mn-ea"/>
+                  <a:cs typeface="+mn-cs"/>
+                </a:defRPr>
+              </a:lvl6pPr>
+              <a:lvl7pPr marL="2743200" algn="l" defTabSz="914400" rtl="0" eaLnBrk="1" latinLnBrk="0" hangingPunct="1">
+                <a:defRPr sz="1800" kern="1200">
+                  <a:solidFill>
+                    <a:schemeClr val="tx1"/>
+                  </a:solidFill>
+                  <a:latin typeface="+mn-lt"/>
+                  <a:ea typeface="+mn-ea"/>
+                  <a:cs typeface="+mn-cs"/>
+                </a:defRPr>
+              </a:lvl7pPr>
+              <a:lvl8pPr marL="3200400" algn="l" defTabSz="914400" rtl="0" eaLnBrk="1" latinLnBrk="0" hangingPunct="1">
+                <a:defRPr sz="1800" kern="1200">
+                  <a:solidFill>
+                    <a:schemeClr val="tx1"/>
+                  </a:solidFill>
+                  <a:latin typeface="+mn-lt"/>
+                  <a:ea typeface="+mn-ea"/>
+                  <a:cs typeface="+mn-cs"/>
+                </a:defRPr>
+              </a:lvl8pPr>
+              <a:lvl9pPr marL="3657600" algn="l" defTabSz="914400" rtl="0" eaLnBrk="1" latinLnBrk="0" hangingPunct="1">
+                <a:defRPr sz="1800" kern="1200">
+                  <a:solidFill>
+                    <a:schemeClr val="tx1"/>
+                  </a:solidFill>
+                  <a:latin typeface="+mn-lt"/>
+                  <a:ea typeface="+mn-ea"/>
+                  <a:cs typeface="+mn-cs"/>
+                </a:defRPr>
+              </a:lvl9pPr>
+            </a:lstStyle>
+            <a:p>
+              <a:r>
+                <a:rPr lang="pt-PT" sz="1600" dirty="0" smtClean="0">
+                  <a:solidFill>
+                    <a:schemeClr val="bg1">
+                      <a:lumMod val="65000"/>
+                    </a:schemeClr>
+                  </a:solidFill>
+                </a:rPr>
+                <a:t>Universidade do Minho</a:t>
+              </a:r>
+              <a:r>
+                <a:rPr lang="pt-PT" sz="1600" dirty="0">
+                  <a:solidFill>
+                    <a:schemeClr val="bg1">
+                      <a:lumMod val="65000"/>
+                    </a:schemeClr>
+                  </a:solidFill>
+                </a:rPr>
+                <a:t/>
+              </a:r>
+              <a:br>
+                <a:rPr lang="pt-PT" sz="1600" dirty="0">
+                  <a:solidFill>
+                    <a:schemeClr val="bg1">
+                      <a:lumMod val="65000"/>
+                    </a:schemeClr>
+                  </a:solidFill>
+                </a:rPr>
+              </a:br>
+              <a:r>
+                <a:rPr lang="pt-PT" sz="1600" dirty="0" smtClean="0">
+                  <a:solidFill>
+                    <a:schemeClr val="bg1">
+                      <a:lumMod val="65000"/>
+                    </a:schemeClr>
+                  </a:solidFill>
+                </a:rPr>
+                <a:t>Licenciatura em Engenharia Informática</a:t>
+              </a:r>
+            </a:p>
+            <a:p>
+              <a:r>
+                <a:rPr lang="pt-PT" sz="1600" dirty="0" smtClean="0">
+                  <a:solidFill>
+                    <a:schemeClr val="bg1">
+                      <a:lumMod val="65000"/>
+                    </a:schemeClr>
+                  </a:solidFill>
+                </a:rPr>
+                <a:t>Laboratórios de Informática IV</a:t>
+              </a:r>
+              <a:endParaRPr lang="pt-PT" sz="1600" dirty="0">
+                <a:solidFill>
+                  <a:schemeClr val="bg1">
+                    <a:lumMod val="65000"/>
+                  </a:schemeClr>
+                </a:solidFill>
+              </a:endParaRPr>
+            </a:p>
+          </p:txBody>
+        </p:sp>
+        <p:pic>
+          <p:nvPicPr>
+            <p:cNvPr id="7" name="Imagem 6"/>
+            <p:cNvPicPr>
+              <a:picLocks noChangeAspect="1"/>
+            </p:cNvPicPr>
+            <p:nvPr/>
+          </p:nvPicPr>
+          <p:blipFill>
+            <a:blip r:embed="rId3" cstate="print">
+              <a:extLst>
+                <a:ext uri="{28A0092B-C50C-407E-A947-70E740481C1C}">
+                  <a14:useLocalDpi xmlns:a14="http://schemas.microsoft.com/office/drawing/2010/main" val="0"/>
+                </a:ext>
+              </a:extLst>
+            </a:blip>
+            <a:stretch>
+              <a:fillRect/>
+            </a:stretch>
+          </p:blipFill>
+          <p:spPr>
+            <a:xfrm>
+              <a:off x="131873" y="218460"/>
+              <a:ext cx="1786076" cy="884108"/>
+            </a:xfrm>
+            <a:prstGeom prst="rect">
+              <a:avLst/>
+            </a:prstGeom>
+          </p:spPr>
+        </p:pic>
+      </p:grpSp>
+    </p:spTree>
+    <p:extLst>
+      <p:ext uri="{BB962C8B-B14F-4D97-AF65-F5344CB8AC3E}">
+        <p14:creationId xmlns:p14="http://schemas.microsoft.com/office/powerpoint/2010/main" val="1602695016"/>
+      </p:ext>
+    </p:extLst>
+  </p:cSld>
+  <p:clrMapOvr>
+    <a:masterClrMapping/>
+  </p:clrMapOvr>
+  <p:timing>
+    <p:tnLst>
+      <p:par>
+        <p:cTn id="1" dur="indefinite" restart="never" nodeType="tmRoot"/>
+      </p:par>
+    </p:tnLst>
+  </p:timing>
+</p:sld>
+</file>
+
+<file path=ppt/slides/slide23.xml><?xml version="1.0" encoding="utf-8"?>
 <p:sld xmlns:a="http://schemas.openxmlformats.org/drawingml/2006/main" xmlns:r="http://schemas.openxmlformats.org/officeDocument/2006/relationships" xmlns:p="http://schemas.openxmlformats.org/presentationml/2006/main">
   <p:cSld>
     <p:spTree>
@@ -16397,35 +16765,6 @@
           <a:chExt cx="0" cy="0"/>
         </a:xfrm>
       </p:grpSpPr>
-      <p:pic>
-        <p:nvPicPr>
-          <p:cNvPr id="4" name="Marcador de Posição de Conteúdo 3"/>
-          <p:cNvPicPr>
-            <a:picLocks noGrp="1" noChangeAspect="1"/>
-          </p:cNvPicPr>
-          <p:nvPr>
-            <p:ph idx="1"/>
-          </p:nvPr>
-        </p:nvPicPr>
-        <p:blipFill>
-          <a:blip r:embed="rId2">
-            <a:extLst>
-              <a:ext uri="{28A0092B-C50C-407E-A947-70E740481C1C}">
-                <a14:useLocalDpi xmlns:a14="http://schemas.microsoft.com/office/drawing/2010/main" val="0"/>
-              </a:ext>
-            </a:extLst>
-          </a:blip>
-          <a:stretch>
-            <a:fillRect/>
-          </a:stretch>
-        </p:blipFill>
-        <p:spPr>
-          <a:xfrm>
-            <a:off x="179512" y="1976369"/>
-            <a:ext cx="8577746" cy="4889862"/>
-          </a:xfrm>
-        </p:spPr>
-      </p:pic>
       <p:sp>
         <p:nvSpPr>
           <p:cNvPr id="8" name="Título 1"/>
@@ -16663,6 +17002,360 @@
             <p:nvPr/>
           </p:nvPicPr>
           <p:blipFill>
+            <a:blip r:embed="rId2" cstate="print">
+              <a:extLst>
+                <a:ext uri="{28A0092B-C50C-407E-A947-70E740481C1C}">
+                  <a14:useLocalDpi xmlns:a14="http://schemas.microsoft.com/office/drawing/2010/main" val="0"/>
+                </a:ext>
+              </a:extLst>
+            </a:blip>
+            <a:stretch>
+              <a:fillRect/>
+            </a:stretch>
+          </p:blipFill>
+          <p:spPr>
+            <a:xfrm>
+              <a:off x="131873" y="218460"/>
+              <a:ext cx="1786076" cy="884108"/>
+            </a:xfrm>
+            <a:prstGeom prst="rect">
+              <a:avLst/>
+            </a:prstGeom>
+          </p:spPr>
+        </p:pic>
+      </p:grpSp>
+      <p:pic>
+        <p:nvPicPr>
+          <p:cNvPr id="3" name="Marcador de Posição de Conteúdo 2"/>
+          <p:cNvPicPr>
+            <a:picLocks noGrp="1" noChangeAspect="1"/>
+          </p:cNvPicPr>
+          <p:nvPr>
+            <p:ph idx="1"/>
+          </p:nvPr>
+        </p:nvPicPr>
+        <p:blipFill>
+          <a:blip r:embed="rId3">
+            <a:extLst>
+              <a:ext uri="{28A0092B-C50C-407E-A947-70E740481C1C}">
+                <a14:useLocalDpi xmlns:a14="http://schemas.microsoft.com/office/drawing/2010/main" val="0"/>
+              </a:ext>
+            </a:extLst>
+          </a:blip>
+          <a:stretch>
+            <a:fillRect/>
+          </a:stretch>
+        </p:blipFill>
+        <p:spPr>
+          <a:xfrm>
+            <a:off x="899592" y="2060848"/>
+            <a:ext cx="7372170" cy="4183210"/>
+          </a:xfrm>
+        </p:spPr>
+      </p:pic>
+    </p:spTree>
+    <p:extLst>
+      <p:ext uri="{BB962C8B-B14F-4D97-AF65-F5344CB8AC3E}">
+        <p14:creationId xmlns:p14="http://schemas.microsoft.com/office/powerpoint/2010/main" val="3838440189"/>
+      </p:ext>
+    </p:extLst>
+  </p:cSld>
+  <p:clrMapOvr>
+    <a:masterClrMapping/>
+  </p:clrMapOvr>
+  <p:timing>
+    <p:tnLst>
+      <p:par>
+        <p:cTn id="1" dur="indefinite" restart="never" nodeType="tmRoot"/>
+      </p:par>
+    </p:tnLst>
+  </p:timing>
+</p:sld>
+</file>
+
+<file path=ppt/slides/slide5.xml><?xml version="1.0" encoding="utf-8"?>
+<p:sld xmlns:a="http://schemas.openxmlformats.org/drawingml/2006/main" xmlns:r="http://schemas.openxmlformats.org/officeDocument/2006/relationships" xmlns:p="http://schemas.openxmlformats.org/presentationml/2006/main">
+  <p:cSld>
+    <p:spTree>
+      <p:nvGrpSpPr>
+        <p:cNvPr id="1" name=""/>
+        <p:cNvGrpSpPr/>
+        <p:nvPr/>
+      </p:nvGrpSpPr>
+      <p:grpSpPr>
+        <a:xfrm>
+          <a:off x="0" y="0"/>
+          <a:ext cx="0" cy="0"/>
+          <a:chOff x="0" y="0"/>
+          <a:chExt cx="0" cy="0"/>
+        </a:xfrm>
+      </p:grpSpPr>
+      <p:pic>
+        <p:nvPicPr>
+          <p:cNvPr id="8" name="Marcador de Posição de Conteúdo 7"/>
+          <p:cNvPicPr>
+            <a:picLocks noGrp="1" noChangeAspect="1"/>
+          </p:cNvPicPr>
+          <p:nvPr>
+            <p:ph idx="1"/>
+          </p:nvPr>
+        </p:nvPicPr>
+        <p:blipFill>
+          <a:blip r:embed="rId2">
+            <a:extLst>
+              <a:ext uri="{28A0092B-C50C-407E-A947-70E740481C1C}">
+                <a14:useLocalDpi xmlns:a14="http://schemas.microsoft.com/office/drawing/2010/main" val="0"/>
+              </a:ext>
+            </a:extLst>
+          </a:blip>
+          <a:stretch>
+            <a:fillRect/>
+          </a:stretch>
+        </p:blipFill>
+        <p:spPr>
+          <a:xfrm>
+            <a:off x="207541" y="2132856"/>
+            <a:ext cx="8836618" cy="3740150"/>
+          </a:xfrm>
+        </p:spPr>
+      </p:pic>
+      <p:sp>
+        <p:nvSpPr>
+          <p:cNvPr id="4" name="Título 1"/>
+          <p:cNvSpPr>
+            <a:spLocks noGrp="1"/>
+          </p:cNvSpPr>
+          <p:nvPr>
+            <p:ph type="title"/>
+          </p:nvPr>
+        </p:nvSpPr>
+        <p:spPr>
+          <a:xfrm>
+            <a:off x="395536" y="908720"/>
+            <a:ext cx="8352928" cy="1143000"/>
+          </a:xfrm>
+        </p:spPr>
+        <p:txBody>
+          <a:bodyPr/>
+          <a:lstStyle/>
+          <a:p>
+            <a:pPr algn="l"/>
+            <a:r>
+              <a:rPr lang="pt-PT" b="1" dirty="0" smtClean="0">
+                <a:solidFill>
+                  <a:schemeClr val="bg2"/>
+                </a:solidFill>
+              </a:rPr>
+              <a:t>Diagrama de Classes</a:t>
+            </a:r>
+            <a:endParaRPr lang="pt-PT" b="1" dirty="0">
+              <a:solidFill>
+                <a:schemeClr val="bg2"/>
+              </a:solidFill>
+            </a:endParaRPr>
+          </a:p>
+        </p:txBody>
+      </p:sp>
+      <p:grpSp>
+        <p:nvGrpSpPr>
+          <p:cNvPr id="5" name="Grupo 4"/>
+          <p:cNvGrpSpPr/>
+          <p:nvPr/>
+        </p:nvGrpSpPr>
+        <p:grpSpPr>
+          <a:xfrm>
+            <a:off x="234524" y="160419"/>
+            <a:ext cx="5212826" cy="1077218"/>
+            <a:chOff x="131873" y="210179"/>
+            <a:chExt cx="5530491" cy="1077218"/>
+          </a:xfrm>
+        </p:grpSpPr>
+        <p:sp>
+          <p:nvSpPr>
+            <p:cNvPr id="6" name="CaixaDeTexto 5"/>
+            <p:cNvSpPr txBox="1"/>
+            <p:nvPr/>
+          </p:nvSpPr>
+          <p:spPr>
+            <a:xfrm>
+              <a:off x="1989956" y="210179"/>
+              <a:ext cx="3672408" cy="1077218"/>
+            </a:xfrm>
+            <a:prstGeom prst="rect">
+              <a:avLst/>
+            </a:prstGeom>
+            <a:noFill/>
+          </p:spPr>
+          <p:txBody>
+            <a:bodyPr wrap="square" rtlCol="0">
+              <a:spAutoFit/>
+            </a:bodyPr>
+            <a:lstStyle>
+              <a:defPPr>
+                <a:defRPr lang="en-US"/>
+              </a:defPPr>
+              <a:lvl1pPr marL="0" algn="l" defTabSz="914400" rtl="0" eaLnBrk="1" latinLnBrk="0" hangingPunct="1">
+                <a:defRPr sz="1800" kern="1200">
+                  <a:solidFill>
+                    <a:schemeClr val="tx1"/>
+                  </a:solidFill>
+                  <a:latin typeface="+mn-lt"/>
+                  <a:ea typeface="+mn-ea"/>
+                  <a:cs typeface="+mn-cs"/>
+                </a:defRPr>
+              </a:lvl1pPr>
+              <a:lvl2pPr marL="457200" algn="l" defTabSz="914400" rtl="0" eaLnBrk="1" latinLnBrk="0" hangingPunct="1">
+                <a:defRPr sz="1800" kern="1200">
+                  <a:solidFill>
+                    <a:schemeClr val="tx1"/>
+                  </a:solidFill>
+                  <a:latin typeface="+mn-lt"/>
+                  <a:ea typeface="+mn-ea"/>
+                  <a:cs typeface="+mn-cs"/>
+                </a:defRPr>
+              </a:lvl2pPr>
+              <a:lvl3pPr marL="914400" algn="l" defTabSz="914400" rtl="0" eaLnBrk="1" latinLnBrk="0" hangingPunct="1">
+                <a:defRPr sz="1800" kern="1200">
+                  <a:solidFill>
+                    <a:schemeClr val="tx1"/>
+                  </a:solidFill>
+                  <a:latin typeface="+mn-lt"/>
+                  <a:ea typeface="+mn-ea"/>
+                  <a:cs typeface="+mn-cs"/>
+                </a:defRPr>
+              </a:lvl3pPr>
+              <a:lvl4pPr marL="1371600" algn="l" defTabSz="914400" rtl="0" eaLnBrk="1" latinLnBrk="0" hangingPunct="1">
+                <a:defRPr sz="1800" kern="1200">
+                  <a:solidFill>
+                    <a:schemeClr val="tx1"/>
+                  </a:solidFill>
+                  <a:latin typeface="+mn-lt"/>
+                  <a:ea typeface="+mn-ea"/>
+                  <a:cs typeface="+mn-cs"/>
+                </a:defRPr>
+              </a:lvl4pPr>
+              <a:lvl5pPr marL="1828800" algn="l" defTabSz="914400" rtl="0" eaLnBrk="1" latinLnBrk="0" hangingPunct="1">
+                <a:defRPr sz="1800" kern="1200">
+                  <a:solidFill>
+                    <a:schemeClr val="tx1"/>
+                  </a:solidFill>
+                  <a:latin typeface="+mn-lt"/>
+                  <a:ea typeface="+mn-ea"/>
+                  <a:cs typeface="+mn-cs"/>
+                </a:defRPr>
+              </a:lvl5pPr>
+              <a:lvl6pPr marL="2286000" algn="l" defTabSz="914400" rtl="0" eaLnBrk="1" latinLnBrk="0" hangingPunct="1">
+                <a:defRPr sz="1800" kern="1200">
+                  <a:solidFill>
+                    <a:schemeClr val="tx1"/>
+                  </a:solidFill>
+                  <a:latin typeface="+mn-lt"/>
+                  <a:ea typeface="+mn-ea"/>
+                  <a:cs typeface="+mn-cs"/>
+                </a:defRPr>
+              </a:lvl6pPr>
+              <a:lvl7pPr marL="2743200" algn="l" defTabSz="914400" rtl="0" eaLnBrk="1" latinLnBrk="0" hangingPunct="1">
+                <a:defRPr sz="1800" kern="1200">
+                  <a:solidFill>
+                    <a:schemeClr val="tx1"/>
+                  </a:solidFill>
+                  <a:latin typeface="+mn-lt"/>
+                  <a:ea typeface="+mn-ea"/>
+                  <a:cs typeface="+mn-cs"/>
+                </a:defRPr>
+              </a:lvl7pPr>
+              <a:lvl8pPr marL="3200400" algn="l" defTabSz="914400" rtl="0" eaLnBrk="1" latinLnBrk="0" hangingPunct="1">
+                <a:defRPr sz="1800" kern="1200">
+                  <a:solidFill>
+                    <a:schemeClr val="tx1"/>
+                  </a:solidFill>
+                  <a:latin typeface="+mn-lt"/>
+                  <a:ea typeface="+mn-ea"/>
+                  <a:cs typeface="+mn-cs"/>
+                </a:defRPr>
+              </a:lvl8pPr>
+              <a:lvl9pPr marL="3657600" algn="l" defTabSz="914400" rtl="0" eaLnBrk="1" latinLnBrk="0" hangingPunct="1">
+                <a:defRPr sz="1800" kern="1200">
+                  <a:solidFill>
+                    <a:schemeClr val="tx1"/>
+                  </a:solidFill>
+                  <a:latin typeface="+mn-lt"/>
+                  <a:ea typeface="+mn-ea"/>
+                  <a:cs typeface="+mn-cs"/>
+                </a:defRPr>
+              </a:lvl9pPr>
+            </a:lstStyle>
+            <a:p>
+              <a:r>
+                <a:rPr lang="pt-PT" sz="1600" dirty="0" smtClean="0">
+                  <a:solidFill>
+                    <a:schemeClr val="bg1">
+                      <a:lumMod val="65000"/>
+                    </a:schemeClr>
+                  </a:solidFill>
+                </a:rPr>
+                <a:t>Universidade do Minho</a:t>
+              </a:r>
+              <a:r>
+                <a:rPr lang="pt-PT" sz="1600" dirty="0">
+                  <a:solidFill>
+                    <a:schemeClr val="bg1">
+                      <a:lumMod val="65000"/>
+                    </a:schemeClr>
+                  </a:solidFill>
+                </a:rPr>
+                <a:t/>
+              </a:r>
+              <a:br>
+                <a:rPr lang="pt-PT" sz="1600" dirty="0">
+                  <a:solidFill>
+                    <a:schemeClr val="bg1">
+                      <a:lumMod val="65000"/>
+                    </a:schemeClr>
+                  </a:solidFill>
+                </a:rPr>
+              </a:br>
+              <a:r>
+                <a:rPr lang="pt-PT" sz="1600" dirty="0" smtClean="0">
+                  <a:solidFill>
+                    <a:schemeClr val="bg1">
+                      <a:lumMod val="65000"/>
+                    </a:schemeClr>
+                  </a:solidFill>
+                </a:rPr>
+                <a:t>Licenciatura em Engenharia Informática</a:t>
+              </a:r>
+            </a:p>
+            <a:p>
+              <a:r>
+                <a:rPr lang="pt-PT" sz="1600" dirty="0" smtClean="0">
+                  <a:solidFill>
+                    <a:schemeClr val="bg1">
+                      <a:lumMod val="65000"/>
+                    </a:schemeClr>
+                  </a:solidFill>
+                </a:rPr>
+                <a:t>Laboratórios de Informática IV</a:t>
+              </a:r>
+              <a:endParaRPr lang="pt-PT" sz="1600" dirty="0">
+                <a:solidFill>
+                  <a:schemeClr val="bg1">
+                    <a:lumMod val="65000"/>
+                  </a:schemeClr>
+                </a:solidFill>
+              </a:endParaRPr>
+            </a:p>
+          </p:txBody>
+        </p:sp>
+        <p:pic>
+          <p:nvPicPr>
+            <p:cNvPr id="7" name="Imagem 6"/>
+            <p:cNvPicPr>
+              <a:picLocks noChangeAspect="1"/>
+            </p:cNvPicPr>
+            <p:nvPr/>
+          </p:nvPicPr>
+          <p:blipFill>
             <a:blip r:embed="rId3" cstate="print">
               <a:extLst>
                 <a:ext uri="{28A0092B-C50C-407E-A947-70E740481C1C}">
@@ -16688,7 +17381,7 @@
     </p:spTree>
     <p:extLst>
       <p:ext uri="{BB962C8B-B14F-4D97-AF65-F5344CB8AC3E}">
-        <p14:creationId xmlns:p14="http://schemas.microsoft.com/office/powerpoint/2010/main" val="3838440189"/>
+        <p14:creationId xmlns:p14="http://schemas.microsoft.com/office/powerpoint/2010/main" val="2802685085"/>
       </p:ext>
     </p:extLst>
   </p:cSld>
@@ -16705,7 +17398,7 @@
 </p:sld>
 </file>
 
-<file path=ppt/slides/slide5.xml><?xml version="1.0" encoding="utf-8"?>
+<file path=ppt/slides/slide6.xml><?xml version="1.0" encoding="utf-8"?>
 <p:sld xmlns:a="http://schemas.openxmlformats.org/drawingml/2006/main" xmlns:r="http://schemas.openxmlformats.org/officeDocument/2006/relationships" xmlns:p="http://schemas.openxmlformats.org/presentationml/2006/main">
   <p:cSld>
     <p:spTree>
@@ -17003,7 +17696,7 @@
 </p:sld>
 </file>
 
-<file path=ppt/slides/slide6.xml><?xml version="1.0" encoding="utf-8"?>
+<file path=ppt/slides/slide7.xml><?xml version="1.0" encoding="utf-8"?>
 <p:sld xmlns:a="http://schemas.openxmlformats.org/drawingml/2006/main" xmlns:r="http://schemas.openxmlformats.org/officeDocument/2006/relationships" xmlns:p="http://schemas.openxmlformats.org/presentationml/2006/main">
   <p:cSld>
     <p:spTree>
@@ -17342,7 +18035,7 @@
 </p:sld>
 </file>
 
-<file path=ppt/slides/slide7.xml><?xml version="1.0" encoding="utf-8"?>
+<file path=ppt/slides/slide8.xml><?xml version="1.0" encoding="utf-8"?>
 <p:sld xmlns:a="http://schemas.openxmlformats.org/drawingml/2006/main" xmlns:r="http://schemas.openxmlformats.org/officeDocument/2006/relationships" xmlns:p="http://schemas.openxmlformats.org/presentationml/2006/main">
   <p:cSld>
     <p:spTree>
@@ -17667,7 +18360,7 @@
 </p:sld>
 </file>
 
-<file path=ppt/slides/slide8.xml><?xml version="1.0" encoding="utf-8"?>
+<file path=ppt/slides/slide9.xml><?xml version="1.0" encoding="utf-8"?>
 <p:sld xmlns:a="http://schemas.openxmlformats.org/drawingml/2006/main" xmlns:r="http://schemas.openxmlformats.org/officeDocument/2006/relationships" xmlns:p="http://schemas.openxmlformats.org/presentationml/2006/main">
   <p:cSld>
     <p:spTree>
@@ -17976,331 +18669,6 @@
     <p:extLst>
       <p:ext uri="{BB962C8B-B14F-4D97-AF65-F5344CB8AC3E}">
         <p14:creationId xmlns:p14="http://schemas.microsoft.com/office/powerpoint/2010/main" val="4172999441"/>
-      </p:ext>
-    </p:extLst>
-  </p:cSld>
-  <p:clrMapOvr>
-    <a:masterClrMapping/>
-  </p:clrMapOvr>
-  <p:timing>
-    <p:tnLst>
-      <p:par>
-        <p:cTn id="1" dur="indefinite" restart="never" nodeType="tmRoot"/>
-      </p:par>
-    </p:tnLst>
-  </p:timing>
-</p:sld>
-</file>
-
-<file path=ppt/slides/slide9.xml><?xml version="1.0" encoding="utf-8"?>
-<p:sld xmlns:a="http://schemas.openxmlformats.org/drawingml/2006/main" xmlns:r="http://schemas.openxmlformats.org/officeDocument/2006/relationships" xmlns:p="http://schemas.openxmlformats.org/presentationml/2006/main">
-  <p:cSld>
-    <p:spTree>
-      <p:nvGrpSpPr>
-        <p:cNvPr id="1" name=""/>
-        <p:cNvGrpSpPr/>
-        <p:nvPr/>
-      </p:nvGrpSpPr>
-      <p:grpSpPr>
-        <a:xfrm>
-          <a:off x="0" y="0"/>
-          <a:ext cx="0" cy="0"/>
-          <a:chOff x="0" y="0"/>
-          <a:chExt cx="0" cy="0"/>
-        </a:xfrm>
-      </p:grpSpPr>
-      <p:pic>
-        <p:nvPicPr>
-          <p:cNvPr id="8" name="Marcador de Posição de Conteúdo 7"/>
-          <p:cNvPicPr>
-            <a:picLocks noGrp="1" noChangeAspect="1"/>
-          </p:cNvPicPr>
-          <p:nvPr>
-            <p:ph idx="1"/>
-          </p:nvPr>
-        </p:nvPicPr>
-        <p:blipFill>
-          <a:blip r:embed="rId2">
-            <a:extLst>
-              <a:ext uri="{28A0092B-C50C-407E-A947-70E740481C1C}">
-                <a14:useLocalDpi xmlns:a14="http://schemas.microsoft.com/office/drawing/2010/main" val="0"/>
-              </a:ext>
-            </a:extLst>
-          </a:blip>
-          <a:stretch>
-            <a:fillRect/>
-          </a:stretch>
-        </p:blipFill>
-        <p:spPr>
-          <a:xfrm>
-            <a:off x="2195736" y="1916832"/>
-            <a:ext cx="5232417" cy="4680520"/>
-          </a:xfrm>
-        </p:spPr>
-      </p:pic>
-      <p:sp>
-        <p:nvSpPr>
-          <p:cNvPr id="4" name="Título 1"/>
-          <p:cNvSpPr>
-            <a:spLocks noGrp="1"/>
-          </p:cNvSpPr>
-          <p:nvPr>
-            <p:ph type="title"/>
-          </p:nvPr>
-        </p:nvSpPr>
-        <p:spPr>
-          <a:xfrm>
-            <a:off x="395536" y="1052808"/>
-            <a:ext cx="8352928" cy="1143000"/>
-          </a:xfrm>
-        </p:spPr>
-        <p:txBody>
-          <a:bodyPr/>
-          <a:lstStyle/>
-          <a:p>
-            <a:pPr algn="l"/>
-            <a:r>
-              <a:rPr lang="pt-PT" b="1" dirty="0" smtClean="0">
-                <a:solidFill>
-                  <a:schemeClr val="bg2"/>
-                </a:solidFill>
-              </a:rPr>
-              <a:t>UC- Aulas</a:t>
-            </a:r>
-            <a:endParaRPr lang="pt-PT" b="1" dirty="0">
-              <a:solidFill>
-                <a:schemeClr val="bg2"/>
-              </a:solidFill>
-            </a:endParaRPr>
-          </a:p>
-        </p:txBody>
-      </p:sp>
-      <p:grpSp>
-        <p:nvGrpSpPr>
-          <p:cNvPr id="5" name="Grupo 4"/>
-          <p:cNvGrpSpPr/>
-          <p:nvPr/>
-        </p:nvGrpSpPr>
-        <p:grpSpPr>
-          <a:xfrm>
-            <a:off x="234524" y="160419"/>
-            <a:ext cx="5212826" cy="1077218"/>
-            <a:chOff x="131873" y="210179"/>
-            <a:chExt cx="5530491" cy="1077218"/>
-          </a:xfrm>
-        </p:grpSpPr>
-        <p:sp>
-          <p:nvSpPr>
-            <p:cNvPr id="6" name="CaixaDeTexto 5"/>
-            <p:cNvSpPr txBox="1"/>
-            <p:nvPr/>
-          </p:nvSpPr>
-          <p:spPr>
-            <a:xfrm>
-              <a:off x="1989956" y="210179"/>
-              <a:ext cx="3672408" cy="1077218"/>
-            </a:xfrm>
-            <a:prstGeom prst="rect">
-              <a:avLst/>
-            </a:prstGeom>
-            <a:noFill/>
-          </p:spPr>
-          <p:txBody>
-            <a:bodyPr wrap="square" rtlCol="0">
-              <a:spAutoFit/>
-            </a:bodyPr>
-            <a:lstStyle>
-              <a:defPPr>
-                <a:defRPr lang="en-US"/>
-              </a:defPPr>
-              <a:lvl1pPr marL="0" algn="l" defTabSz="914400" rtl="0" eaLnBrk="1" latinLnBrk="0" hangingPunct="1">
-                <a:defRPr sz="1800" kern="1200">
-                  <a:solidFill>
-                    <a:schemeClr val="tx1"/>
-                  </a:solidFill>
-                  <a:latin typeface="+mn-lt"/>
-                  <a:ea typeface="+mn-ea"/>
-                  <a:cs typeface="+mn-cs"/>
-                </a:defRPr>
-              </a:lvl1pPr>
-              <a:lvl2pPr marL="457200" algn="l" defTabSz="914400" rtl="0" eaLnBrk="1" latinLnBrk="0" hangingPunct="1">
-                <a:defRPr sz="1800" kern="1200">
-                  <a:solidFill>
-                    <a:schemeClr val="tx1"/>
-                  </a:solidFill>
-                  <a:latin typeface="+mn-lt"/>
-                  <a:ea typeface="+mn-ea"/>
-                  <a:cs typeface="+mn-cs"/>
-                </a:defRPr>
-              </a:lvl2pPr>
-              <a:lvl3pPr marL="914400" algn="l" defTabSz="914400" rtl="0" eaLnBrk="1" latinLnBrk="0" hangingPunct="1">
-                <a:defRPr sz="1800" kern="1200">
-                  <a:solidFill>
-                    <a:schemeClr val="tx1"/>
-                  </a:solidFill>
-                  <a:latin typeface="+mn-lt"/>
-                  <a:ea typeface="+mn-ea"/>
-                  <a:cs typeface="+mn-cs"/>
-                </a:defRPr>
-              </a:lvl3pPr>
-              <a:lvl4pPr marL="1371600" algn="l" defTabSz="914400" rtl="0" eaLnBrk="1" latinLnBrk="0" hangingPunct="1">
-                <a:defRPr sz="1800" kern="1200">
-                  <a:solidFill>
-                    <a:schemeClr val="tx1"/>
-                  </a:solidFill>
-                  <a:latin typeface="+mn-lt"/>
-                  <a:ea typeface="+mn-ea"/>
-                  <a:cs typeface="+mn-cs"/>
-                </a:defRPr>
-              </a:lvl4pPr>
-              <a:lvl5pPr marL="1828800" algn="l" defTabSz="914400" rtl="0" eaLnBrk="1" latinLnBrk="0" hangingPunct="1">
-                <a:defRPr sz="1800" kern="1200">
-                  <a:solidFill>
-                    <a:schemeClr val="tx1"/>
-                  </a:solidFill>
-                  <a:latin typeface="+mn-lt"/>
-                  <a:ea typeface="+mn-ea"/>
-                  <a:cs typeface="+mn-cs"/>
-                </a:defRPr>
-              </a:lvl5pPr>
-              <a:lvl6pPr marL="2286000" algn="l" defTabSz="914400" rtl="0" eaLnBrk="1" latinLnBrk="0" hangingPunct="1">
-                <a:defRPr sz="1800" kern="1200">
-                  <a:solidFill>
-                    <a:schemeClr val="tx1"/>
-                  </a:solidFill>
-                  <a:latin typeface="+mn-lt"/>
-                  <a:ea typeface="+mn-ea"/>
-                  <a:cs typeface="+mn-cs"/>
-                </a:defRPr>
-              </a:lvl6pPr>
-              <a:lvl7pPr marL="2743200" algn="l" defTabSz="914400" rtl="0" eaLnBrk="1" latinLnBrk="0" hangingPunct="1">
-                <a:defRPr sz="1800" kern="1200">
-                  <a:solidFill>
-                    <a:schemeClr val="tx1"/>
-                  </a:solidFill>
-                  <a:latin typeface="+mn-lt"/>
-                  <a:ea typeface="+mn-ea"/>
-                  <a:cs typeface="+mn-cs"/>
-                </a:defRPr>
-              </a:lvl7pPr>
-              <a:lvl8pPr marL="3200400" algn="l" defTabSz="914400" rtl="0" eaLnBrk="1" latinLnBrk="0" hangingPunct="1">
-                <a:defRPr sz="1800" kern="1200">
-                  <a:solidFill>
-                    <a:schemeClr val="tx1"/>
-                  </a:solidFill>
-                  <a:latin typeface="+mn-lt"/>
-                  <a:ea typeface="+mn-ea"/>
-                  <a:cs typeface="+mn-cs"/>
-                </a:defRPr>
-              </a:lvl8pPr>
-              <a:lvl9pPr marL="3657600" algn="l" defTabSz="914400" rtl="0" eaLnBrk="1" latinLnBrk="0" hangingPunct="1">
-                <a:defRPr sz="1800" kern="1200">
-                  <a:solidFill>
-                    <a:schemeClr val="tx1"/>
-                  </a:solidFill>
-                  <a:latin typeface="+mn-lt"/>
-                  <a:ea typeface="+mn-ea"/>
-                  <a:cs typeface="+mn-cs"/>
-                </a:defRPr>
-              </a:lvl9pPr>
-            </a:lstStyle>
-            <a:p>
-              <a:r>
-                <a:rPr lang="pt-PT" sz="1600" dirty="0" smtClean="0">
-                  <a:solidFill>
-                    <a:schemeClr val="bg1">
-                      <a:lumMod val="65000"/>
-                    </a:schemeClr>
-                  </a:solidFill>
-                </a:rPr>
-                <a:t>Universidade do Minho</a:t>
-              </a:r>
-              <a:r>
-                <a:rPr lang="pt-PT" sz="1600" dirty="0">
-                  <a:solidFill>
-                    <a:schemeClr val="bg1">
-                      <a:lumMod val="65000"/>
-                    </a:schemeClr>
-                  </a:solidFill>
-                </a:rPr>
-                <a:t/>
-              </a:r>
-              <a:br>
-                <a:rPr lang="pt-PT" sz="1600" dirty="0">
-                  <a:solidFill>
-                    <a:schemeClr val="bg1">
-                      <a:lumMod val="65000"/>
-                    </a:schemeClr>
-                  </a:solidFill>
-                </a:rPr>
-              </a:br>
-              <a:r>
-                <a:rPr lang="pt-PT" sz="1600" dirty="0" smtClean="0">
-                  <a:solidFill>
-                    <a:schemeClr val="bg1">
-                      <a:lumMod val="65000"/>
-                    </a:schemeClr>
-                  </a:solidFill>
-                </a:rPr>
-                <a:t>Licenciatura em Engenharia Informática</a:t>
-              </a:r>
-            </a:p>
-            <a:p>
-              <a:r>
-                <a:rPr lang="pt-PT" sz="1600" dirty="0" smtClean="0">
-                  <a:solidFill>
-                    <a:schemeClr val="bg1">
-                      <a:lumMod val="65000"/>
-                    </a:schemeClr>
-                  </a:solidFill>
-                </a:rPr>
-                <a:t>Laboratórios de Informática IV</a:t>
-              </a:r>
-              <a:endParaRPr lang="pt-PT" sz="1600" dirty="0">
-                <a:solidFill>
-                  <a:schemeClr val="bg1">
-                    <a:lumMod val="65000"/>
-                  </a:schemeClr>
-                </a:solidFill>
-              </a:endParaRPr>
-            </a:p>
-          </p:txBody>
-        </p:sp>
-        <p:pic>
-          <p:nvPicPr>
-            <p:cNvPr id="7" name="Imagem 6"/>
-            <p:cNvPicPr>
-              <a:picLocks noChangeAspect="1"/>
-            </p:cNvPicPr>
-            <p:nvPr/>
-          </p:nvPicPr>
-          <p:blipFill>
-            <a:blip r:embed="rId3" cstate="print">
-              <a:extLst>
-                <a:ext uri="{28A0092B-C50C-407E-A947-70E740481C1C}">
-                  <a14:useLocalDpi xmlns:a14="http://schemas.microsoft.com/office/drawing/2010/main" val="0"/>
-                </a:ext>
-              </a:extLst>
-            </a:blip>
-            <a:stretch>
-              <a:fillRect/>
-            </a:stretch>
-          </p:blipFill>
-          <p:spPr>
-            <a:xfrm>
-              <a:off x="131873" y="218460"/>
-              <a:ext cx="1786076" cy="884108"/>
-            </a:xfrm>
-            <a:prstGeom prst="rect">
-              <a:avLst/>
-            </a:prstGeom>
-          </p:spPr>
-        </p:pic>
-      </p:grpSp>
-    </p:spTree>
-    <p:extLst>
-      <p:ext uri="{BB962C8B-B14F-4D97-AF65-F5344CB8AC3E}">
-        <p14:creationId xmlns:p14="http://schemas.microsoft.com/office/powerpoint/2010/main" val="3508037308"/>
       </p:ext>
     </p:extLst>
   </p:cSld>

--- a/2ª Fase/Aprsentação_Fase2.pptx
+++ b/2ª Fase/Aprsentação_Fase2.pptx
@@ -132,6 +132,22 @@
       </a:defRPr>
     </a:lvl9pPr>
   </p:defaultTextStyle>
+  <p:extLst>
+    <p:ext uri="{EFAFB233-063F-42B5-8137-9DF3F51BA10A}">
+      <p15:sldGuideLst xmlns:p15="http://schemas.microsoft.com/office/powerpoint/2012/main">
+        <p15:guide id="1" orient="horz" pos="2160">
+          <p15:clr>
+            <a:srgbClr val="A4A3A4"/>
+          </p15:clr>
+        </p15:guide>
+        <p15:guide id="2" pos="2880">
+          <p15:clr>
+            <a:srgbClr val="A4A3A4"/>
+          </p15:clr>
+        </p15:guide>
+      </p15:sldGuideLst>
+    </p:ext>
+  </p:extLst>
 </p:presentation>
 </file>
 
@@ -6751,7 +6767,7 @@
           <a:p>
             <a:fld id="{9E656CAA-4C92-427E-BB78-1EED404C9FE2}" type="datetimeFigureOut">
               <a:rPr lang="pt-PT" smtClean="0"/>
-              <a:t>08-05-2015</a:t>
+              <a:t>08/05/2015</a:t>
             </a:fld>
             <a:endParaRPr lang="pt-PT"/>
           </a:p>
@@ -6917,7 +6933,7 @@
           <a:p>
             <a:fld id="{364034B3-BB78-49DF-99BF-04DE0DB16737}" type="datetimeFigureOut">
               <a:rPr lang="pt-PT" smtClean="0"/>
-              <a:t>08-05-2015</a:t>
+              <a:t>08/05/2015</a:t>
             </a:fld>
             <a:endParaRPr lang="pt-PT"/>
           </a:p>
@@ -7573,7 +7589,7 @@
           <a:p>
             <a:fld id="{FD361C49-D18D-43BB-9D84-0FD5C228A1E4}" type="datetimeFigureOut">
               <a:rPr lang="pt-PT" smtClean="0"/>
-              <a:t>08-05-2015</a:t>
+              <a:t>08/05/2015</a:t>
             </a:fld>
             <a:endParaRPr lang="pt-PT"/>
           </a:p>
@@ -7631,6 +7647,18 @@
   <p:clrMapOvr>
     <a:masterClrMapping/>
   </p:clrMapOvr>
+  <mc:AlternateContent xmlns:mc="http://schemas.openxmlformats.org/markup-compatibility/2006">
+    <mc:Choice xmlns:p14="http://schemas.microsoft.com/office/powerpoint/2010/main" Requires="p14">
+      <p:transition spd="med" p14:dur="700">
+        <p:fade/>
+      </p:transition>
+    </mc:Choice>
+    <mc:Fallback>
+      <p:transition spd="med">
+        <p:fade/>
+      </p:transition>
+    </mc:Fallback>
+  </mc:AlternateContent>
 </p:sldLayout>
 </file>
 
@@ -7743,7 +7771,7 @@
           <a:p>
             <a:fld id="{FD361C49-D18D-43BB-9D84-0FD5C228A1E4}" type="datetimeFigureOut">
               <a:rPr lang="pt-PT" smtClean="0"/>
-              <a:t>08-05-2015</a:t>
+              <a:t>08/05/2015</a:t>
             </a:fld>
             <a:endParaRPr lang="pt-PT"/>
           </a:p>
@@ -7801,6 +7829,18 @@
   <p:clrMapOvr>
     <a:masterClrMapping/>
   </p:clrMapOvr>
+  <mc:AlternateContent xmlns:mc="http://schemas.openxmlformats.org/markup-compatibility/2006">
+    <mc:Choice xmlns:p14="http://schemas.microsoft.com/office/powerpoint/2010/main" Requires="p14">
+      <p:transition spd="med" p14:dur="700">
+        <p:fade/>
+      </p:transition>
+    </mc:Choice>
+    <mc:Fallback>
+      <p:transition spd="med">
+        <p:fade/>
+      </p:transition>
+    </mc:Fallback>
+  </mc:AlternateContent>
 </p:sldLayout>
 </file>
 
@@ -7923,7 +7963,7 @@
           <a:p>
             <a:fld id="{FD361C49-D18D-43BB-9D84-0FD5C228A1E4}" type="datetimeFigureOut">
               <a:rPr lang="pt-PT" smtClean="0"/>
-              <a:t>08-05-2015</a:t>
+              <a:t>08/05/2015</a:t>
             </a:fld>
             <a:endParaRPr lang="pt-PT"/>
           </a:p>
@@ -7981,6 +8021,18 @@
   <p:clrMapOvr>
     <a:masterClrMapping/>
   </p:clrMapOvr>
+  <mc:AlternateContent xmlns:mc="http://schemas.openxmlformats.org/markup-compatibility/2006">
+    <mc:Choice xmlns:p14="http://schemas.microsoft.com/office/powerpoint/2010/main" Requires="p14">
+      <p:transition spd="med" p14:dur="700">
+        <p:fade/>
+      </p:transition>
+    </mc:Choice>
+    <mc:Fallback>
+      <p:transition spd="med">
+        <p:fade/>
+      </p:transition>
+    </mc:Fallback>
+  </mc:AlternateContent>
 </p:sldLayout>
 </file>
 
@@ -8093,7 +8145,7 @@
           <a:p>
             <a:fld id="{FD361C49-D18D-43BB-9D84-0FD5C228A1E4}" type="datetimeFigureOut">
               <a:rPr lang="pt-PT" smtClean="0"/>
-              <a:t>08-05-2015</a:t>
+              <a:t>08/05/2015</a:t>
             </a:fld>
             <a:endParaRPr lang="pt-PT"/>
           </a:p>
@@ -8151,6 +8203,18 @@
   <p:clrMapOvr>
     <a:masterClrMapping/>
   </p:clrMapOvr>
+  <mc:AlternateContent xmlns:mc="http://schemas.openxmlformats.org/markup-compatibility/2006">
+    <mc:Choice xmlns:p14="http://schemas.microsoft.com/office/powerpoint/2010/main" Requires="p14">
+      <p:transition spd="med" p14:dur="700">
+        <p:fade/>
+      </p:transition>
+    </mc:Choice>
+    <mc:Fallback>
+      <p:transition spd="med">
+        <p:fade/>
+      </p:transition>
+    </mc:Fallback>
+  </mc:AlternateContent>
 </p:sldLayout>
 </file>
 
@@ -8339,7 +8403,7 @@
           <a:p>
             <a:fld id="{FD361C49-D18D-43BB-9D84-0FD5C228A1E4}" type="datetimeFigureOut">
               <a:rPr lang="pt-PT" smtClean="0"/>
-              <a:t>08-05-2015</a:t>
+              <a:t>08/05/2015</a:t>
             </a:fld>
             <a:endParaRPr lang="pt-PT"/>
           </a:p>
@@ -8397,6 +8461,18 @@
   <p:clrMapOvr>
     <a:masterClrMapping/>
   </p:clrMapOvr>
+  <mc:AlternateContent xmlns:mc="http://schemas.openxmlformats.org/markup-compatibility/2006">
+    <mc:Choice xmlns:p14="http://schemas.microsoft.com/office/powerpoint/2010/main" Requires="p14">
+      <p:transition spd="med" p14:dur="700">
+        <p:fade/>
+      </p:transition>
+    </mc:Choice>
+    <mc:Fallback>
+      <p:transition spd="med">
+        <p:fade/>
+      </p:transition>
+    </mc:Fallback>
+  </mc:AlternateContent>
 </p:sldLayout>
 </file>
 
@@ -8627,7 +8703,7 @@
           <a:p>
             <a:fld id="{FD361C49-D18D-43BB-9D84-0FD5C228A1E4}" type="datetimeFigureOut">
               <a:rPr lang="pt-PT" smtClean="0"/>
-              <a:t>08-05-2015</a:t>
+              <a:t>08/05/2015</a:t>
             </a:fld>
             <a:endParaRPr lang="pt-PT"/>
           </a:p>
@@ -8685,6 +8761,18 @@
   <p:clrMapOvr>
     <a:masterClrMapping/>
   </p:clrMapOvr>
+  <mc:AlternateContent xmlns:mc="http://schemas.openxmlformats.org/markup-compatibility/2006">
+    <mc:Choice xmlns:p14="http://schemas.microsoft.com/office/powerpoint/2010/main" Requires="p14">
+      <p:transition spd="med" p14:dur="700">
+        <p:fade/>
+      </p:transition>
+    </mc:Choice>
+    <mc:Fallback>
+      <p:transition spd="med">
+        <p:fade/>
+      </p:transition>
+    </mc:Fallback>
+  </mc:AlternateContent>
 </p:sldLayout>
 </file>
 
@@ -9049,7 +9137,7 @@
           <a:p>
             <a:fld id="{FD361C49-D18D-43BB-9D84-0FD5C228A1E4}" type="datetimeFigureOut">
               <a:rPr lang="pt-PT" smtClean="0"/>
-              <a:t>08-05-2015</a:t>
+              <a:t>08/05/2015</a:t>
             </a:fld>
             <a:endParaRPr lang="pt-PT"/>
           </a:p>
@@ -9107,6 +9195,18 @@
   <p:clrMapOvr>
     <a:masterClrMapping/>
   </p:clrMapOvr>
+  <mc:AlternateContent xmlns:mc="http://schemas.openxmlformats.org/markup-compatibility/2006">
+    <mc:Choice xmlns:p14="http://schemas.microsoft.com/office/powerpoint/2010/main" Requires="p14">
+      <p:transition spd="med" p14:dur="700">
+        <p:fade/>
+      </p:transition>
+    </mc:Choice>
+    <mc:Fallback>
+      <p:transition spd="med">
+        <p:fade/>
+      </p:transition>
+    </mc:Fallback>
+  </mc:AlternateContent>
 </p:sldLayout>
 </file>
 
@@ -9167,7 +9267,7 @@
           <a:p>
             <a:fld id="{FD361C49-D18D-43BB-9D84-0FD5C228A1E4}" type="datetimeFigureOut">
               <a:rPr lang="pt-PT" smtClean="0"/>
-              <a:t>08-05-2015</a:t>
+              <a:t>08/05/2015</a:t>
             </a:fld>
             <a:endParaRPr lang="pt-PT"/>
           </a:p>
@@ -9225,6 +9325,18 @@
   <p:clrMapOvr>
     <a:masterClrMapping/>
   </p:clrMapOvr>
+  <mc:AlternateContent xmlns:mc="http://schemas.openxmlformats.org/markup-compatibility/2006">
+    <mc:Choice xmlns:p14="http://schemas.microsoft.com/office/powerpoint/2010/main" Requires="p14">
+      <p:transition spd="med" p14:dur="700">
+        <p:fade/>
+      </p:transition>
+    </mc:Choice>
+    <mc:Fallback>
+      <p:transition spd="med">
+        <p:fade/>
+      </p:transition>
+    </mc:Fallback>
+  </mc:AlternateContent>
 </p:sldLayout>
 </file>
 
@@ -9262,7 +9374,7 @@
           <a:p>
             <a:fld id="{FD361C49-D18D-43BB-9D84-0FD5C228A1E4}" type="datetimeFigureOut">
               <a:rPr lang="pt-PT" smtClean="0"/>
-              <a:t>08-05-2015</a:t>
+              <a:t>08/05/2015</a:t>
             </a:fld>
             <a:endParaRPr lang="pt-PT"/>
           </a:p>
@@ -9320,6 +9432,18 @@
   <p:clrMapOvr>
     <a:masterClrMapping/>
   </p:clrMapOvr>
+  <mc:AlternateContent xmlns:mc="http://schemas.openxmlformats.org/markup-compatibility/2006">
+    <mc:Choice xmlns:p14="http://schemas.microsoft.com/office/powerpoint/2010/main" Requires="p14">
+      <p:transition spd="med" p14:dur="700">
+        <p:fade/>
+      </p:transition>
+    </mc:Choice>
+    <mc:Fallback>
+      <p:transition spd="med">
+        <p:fade/>
+      </p:transition>
+    </mc:Fallback>
+  </mc:AlternateContent>
 </p:sldLayout>
 </file>
 
@@ -9539,7 +9663,7 @@
           <a:p>
             <a:fld id="{FD361C49-D18D-43BB-9D84-0FD5C228A1E4}" type="datetimeFigureOut">
               <a:rPr lang="pt-PT" smtClean="0"/>
-              <a:t>08-05-2015</a:t>
+              <a:t>08/05/2015</a:t>
             </a:fld>
             <a:endParaRPr lang="pt-PT"/>
           </a:p>
@@ -9597,6 +9721,18 @@
   <p:clrMapOvr>
     <a:masterClrMapping/>
   </p:clrMapOvr>
+  <mc:AlternateContent xmlns:mc="http://schemas.openxmlformats.org/markup-compatibility/2006">
+    <mc:Choice xmlns:p14="http://schemas.microsoft.com/office/powerpoint/2010/main" Requires="p14">
+      <p:transition spd="med" p14:dur="700">
+        <p:fade/>
+      </p:transition>
+    </mc:Choice>
+    <mc:Fallback>
+      <p:transition spd="med">
+        <p:fade/>
+      </p:transition>
+    </mc:Fallback>
+  </mc:AlternateContent>
 </p:sldLayout>
 </file>
 
@@ -9792,7 +9928,7 @@
           <a:p>
             <a:fld id="{FD361C49-D18D-43BB-9D84-0FD5C228A1E4}" type="datetimeFigureOut">
               <a:rPr lang="pt-PT" smtClean="0"/>
-              <a:t>08-05-2015</a:t>
+              <a:t>08/05/2015</a:t>
             </a:fld>
             <a:endParaRPr lang="pt-PT"/>
           </a:p>
@@ -9850,6 +9986,18 @@
   <p:clrMapOvr>
     <a:masterClrMapping/>
   </p:clrMapOvr>
+  <mc:AlternateContent xmlns:mc="http://schemas.openxmlformats.org/markup-compatibility/2006">
+    <mc:Choice xmlns:p14="http://schemas.microsoft.com/office/powerpoint/2010/main" Requires="p14">
+      <p:transition spd="med" p14:dur="700">
+        <p:fade/>
+      </p:transition>
+    </mc:Choice>
+    <mc:Fallback>
+      <p:transition spd="med">
+        <p:fade/>
+      </p:transition>
+    </mc:Fallback>
+  </mc:AlternateContent>
 </p:sldLayout>
 </file>
 
@@ -10005,7 +10153,7 @@
           <a:p>
             <a:fld id="{FD361C49-D18D-43BB-9D84-0FD5C228A1E4}" type="datetimeFigureOut">
               <a:rPr lang="pt-PT" smtClean="0"/>
-              <a:t>08-05-2015</a:t>
+              <a:t>08/05/2015</a:t>
             </a:fld>
             <a:endParaRPr lang="pt-PT"/>
           </a:p>
@@ -10110,6 +10258,18 @@
     <p:sldLayoutId id="2147483778" r:id="rId10"/>
     <p:sldLayoutId id="2147483779" r:id="rId11"/>
   </p:sldLayoutIdLst>
+  <mc:AlternateContent xmlns:mc="http://schemas.openxmlformats.org/markup-compatibility/2006">
+    <mc:Choice xmlns:p14="http://schemas.microsoft.com/office/powerpoint/2010/main" Requires="p14">
+      <p:transition spd="med" p14:dur="700">
+        <p:fade/>
+      </p:transition>
+    </mc:Choice>
+    <mc:Fallback>
+      <p:transition spd="med">
+        <p:fade/>
+      </p:transition>
+    </mc:Fallback>
+  </mc:AlternateContent>
   <p:txStyles>
     <p:titleStyle>
       <a:lvl1pPr algn="ctr" defTabSz="914400" rtl="0" eaLnBrk="1" latinLnBrk="0" hangingPunct="1">
@@ -10978,6 +11138,18 @@
   <p:clrMapOvr>
     <a:masterClrMapping/>
   </p:clrMapOvr>
+  <mc:AlternateContent xmlns:mc="http://schemas.openxmlformats.org/markup-compatibility/2006">
+    <mc:Choice xmlns:p14="http://schemas.microsoft.com/office/powerpoint/2010/main" Requires="p14">
+      <p:transition spd="med" p14:dur="700">
+        <p:fade/>
+      </p:transition>
+    </mc:Choice>
+    <mc:Fallback>
+      <p:transition spd="med">
+        <p:fade/>
+      </p:transition>
+    </mc:Fallback>
+  </mc:AlternateContent>
   <p:timing>
     <p:tnLst>
       <p:par>
@@ -11303,6 +11475,18 @@
   <p:clrMapOvr>
     <a:masterClrMapping/>
   </p:clrMapOvr>
+  <mc:AlternateContent xmlns:mc="http://schemas.openxmlformats.org/markup-compatibility/2006">
+    <mc:Choice xmlns:p14="http://schemas.microsoft.com/office/powerpoint/2010/main" Requires="p14">
+      <p:transition spd="med" p14:dur="700">
+        <p:fade/>
+      </p:transition>
+    </mc:Choice>
+    <mc:Fallback>
+      <p:transition spd="med">
+        <p:fade/>
+      </p:transition>
+    </mc:Fallback>
+  </mc:AlternateContent>
   <p:timing>
     <p:tnLst>
       <p:par>
@@ -11628,6 +11812,18 @@
   <p:clrMapOvr>
     <a:masterClrMapping/>
   </p:clrMapOvr>
+  <mc:AlternateContent xmlns:mc="http://schemas.openxmlformats.org/markup-compatibility/2006">
+    <mc:Choice xmlns:p14="http://schemas.microsoft.com/office/powerpoint/2010/main" Requires="p14">
+      <p:transition spd="med" p14:dur="700">
+        <p:fade/>
+      </p:transition>
+    </mc:Choice>
+    <mc:Fallback>
+      <p:transition spd="med">
+        <p:fade/>
+      </p:transition>
+    </mc:Fallback>
+  </mc:AlternateContent>
   <p:timing>
     <p:tnLst>
       <p:par>
@@ -11953,6 +12149,18 @@
   <p:clrMapOvr>
     <a:masterClrMapping/>
   </p:clrMapOvr>
+  <mc:AlternateContent xmlns:mc="http://schemas.openxmlformats.org/markup-compatibility/2006">
+    <mc:Choice xmlns:p14="http://schemas.microsoft.com/office/powerpoint/2010/main" Requires="p14">
+      <p:transition spd="med" p14:dur="700">
+        <p:fade/>
+      </p:transition>
+    </mc:Choice>
+    <mc:Fallback>
+      <p:transition spd="med">
+        <p:fade/>
+      </p:transition>
+    </mc:Fallback>
+  </mc:AlternateContent>
   <p:timing>
     <p:tnLst>
       <p:par>
@@ -12278,6 +12486,18 @@
   <p:clrMapOvr>
     <a:masterClrMapping/>
   </p:clrMapOvr>
+  <mc:AlternateContent xmlns:mc="http://schemas.openxmlformats.org/markup-compatibility/2006">
+    <mc:Choice xmlns:p14="http://schemas.microsoft.com/office/powerpoint/2010/main" Requires="p14">
+      <p:transition spd="med" p14:dur="700">
+        <p:fade/>
+      </p:transition>
+    </mc:Choice>
+    <mc:Fallback>
+      <p:transition spd="med">
+        <p:fade/>
+      </p:transition>
+    </mc:Fallback>
+  </mc:AlternateContent>
   <p:timing>
     <p:tnLst>
       <p:par>
@@ -12605,6 +12825,18 @@
   <p:clrMapOvr>
     <a:masterClrMapping/>
   </p:clrMapOvr>
+  <mc:AlternateContent xmlns:mc="http://schemas.openxmlformats.org/markup-compatibility/2006">
+    <mc:Choice xmlns:p14="http://schemas.microsoft.com/office/powerpoint/2010/main" Requires="p14">
+      <p:transition spd="med" p14:dur="700">
+        <p:fade/>
+      </p:transition>
+    </mc:Choice>
+    <mc:Fallback>
+      <p:transition spd="med">
+        <p:fade/>
+      </p:transition>
+    </mc:Fallback>
+  </mc:AlternateContent>
   <p:timing>
     <p:tnLst>
       <p:par>
@@ -12911,6 +13143,18 @@
   <p:clrMapOvr>
     <a:masterClrMapping/>
   </p:clrMapOvr>
+  <mc:AlternateContent xmlns:mc="http://schemas.openxmlformats.org/markup-compatibility/2006">
+    <mc:Choice xmlns:p14="http://schemas.microsoft.com/office/powerpoint/2010/main" Requires="p14">
+      <p:transition spd="med" p14:dur="700">
+        <p:fade/>
+      </p:transition>
+    </mc:Choice>
+    <mc:Fallback>
+      <p:transition spd="med">
+        <p:fade/>
+      </p:transition>
+    </mc:Fallback>
+  </mc:AlternateContent>
   <p:timing>
     <p:tnLst>
       <p:par>
@@ -13238,6 +13482,18 @@
   <p:clrMapOvr>
     <a:masterClrMapping/>
   </p:clrMapOvr>
+  <mc:AlternateContent xmlns:mc="http://schemas.openxmlformats.org/markup-compatibility/2006">
+    <mc:Choice xmlns:p14="http://schemas.microsoft.com/office/powerpoint/2010/main" Requires="p14">
+      <p:transition spd="med" p14:dur="700">
+        <p:fade/>
+      </p:transition>
+    </mc:Choice>
+    <mc:Fallback>
+      <p:transition spd="med">
+        <p:fade/>
+      </p:transition>
+    </mc:Fallback>
+  </mc:AlternateContent>
   <p:timing>
     <p:tnLst>
       <p:par>
@@ -13536,6 +13792,18 @@
   <p:clrMapOvr>
     <a:masterClrMapping/>
   </p:clrMapOvr>
+  <mc:AlternateContent xmlns:mc="http://schemas.openxmlformats.org/markup-compatibility/2006">
+    <mc:Choice xmlns:p14="http://schemas.microsoft.com/office/powerpoint/2010/main" Requires="p14">
+      <p:transition spd="med" p14:dur="700">
+        <p:fade/>
+      </p:transition>
+    </mc:Choice>
+    <mc:Fallback>
+      <p:transition spd="med">
+        <p:fade/>
+      </p:transition>
+    </mc:Fallback>
+  </mc:AlternateContent>
   <p:timing>
     <p:tnLst>
       <p:par>
@@ -13875,6 +14143,18 @@
   <p:clrMapOvr>
     <a:masterClrMapping/>
   </p:clrMapOvr>
+  <mc:AlternateContent xmlns:mc="http://schemas.openxmlformats.org/markup-compatibility/2006">
+    <mc:Choice xmlns:p14="http://schemas.microsoft.com/office/powerpoint/2010/main" Requires="p14">
+      <p:transition spd="med" p14:dur="700">
+        <p:fade/>
+      </p:transition>
+    </mc:Choice>
+    <mc:Fallback>
+      <p:transition spd="med">
+        <p:fade/>
+      </p:transition>
+    </mc:Fallback>
+  </mc:AlternateContent>
   <p:timing>
     <p:tnLst>
       <p:par>
@@ -14410,6 +14690,18 @@
   <p:clrMapOvr>
     <a:masterClrMapping/>
   </p:clrMapOvr>
+  <mc:AlternateContent xmlns:mc="http://schemas.openxmlformats.org/markup-compatibility/2006">
+    <mc:Choice xmlns:p14="http://schemas.microsoft.com/office/powerpoint/2010/main" Requires="p14">
+      <p:transition spd="med" p14:dur="700">
+        <p:fade/>
+      </p:transition>
+    </mc:Choice>
+    <mc:Fallback>
+      <p:transition spd="med">
+        <p:fade/>
+      </p:transition>
+    </mc:Fallback>
+  </mc:AlternateContent>
   <p:timing>
     <p:tnLst>
       <p:par>
@@ -14524,13 +14816,7 @@
               <a:rPr lang="pt-PT" sz="2000" dirty="0" smtClean="0">
                 <a:latin typeface="Calibri (corpo)"/>
               </a:rPr>
-              <a:t>Modelo de </a:t>
-            </a:r>
-            <a:r>
-              <a:rPr lang="pt-PT" sz="2000" dirty="0" smtClean="0">
-                <a:latin typeface="Calibri (corpo)"/>
-              </a:rPr>
-              <a:t>Domínio</a:t>
+              <a:t>Modelo de Domínio</a:t>
             </a:r>
           </a:p>
           <a:p>
@@ -14548,9 +14834,6 @@
               </a:rPr>
               <a:t>Diagrama de Classes</a:t>
             </a:r>
-            <a:endParaRPr lang="pt-PT" sz="2000" dirty="0" smtClean="0">
-              <a:latin typeface="Calibri (corpo)"/>
-            </a:endParaRPr>
           </a:p>
           <a:p>
             <a:pPr algn="just">
@@ -14858,6 +15141,18 @@
   <p:clrMapOvr>
     <a:masterClrMapping/>
   </p:clrMapOvr>
+  <mc:AlternateContent xmlns:mc="http://schemas.openxmlformats.org/markup-compatibility/2006">
+    <mc:Choice xmlns:p14="http://schemas.microsoft.com/office/powerpoint/2010/main" Requires="p14">
+      <p:transition spd="med" p14:dur="700">
+        <p:fade/>
+      </p:transition>
+    </mc:Choice>
+    <mc:Fallback>
+      <p:transition spd="med">
+        <p:fade/>
+      </p:transition>
+    </mc:Fallback>
+  </mc:AlternateContent>
   <p:timing>
     <p:tnLst>
       <p:par>
@@ -15185,6 +15480,18 @@
   <p:clrMapOvr>
     <a:masterClrMapping/>
   </p:clrMapOvr>
+  <mc:AlternateContent xmlns:mc="http://schemas.openxmlformats.org/markup-compatibility/2006">
+    <mc:Choice xmlns:p14="http://schemas.microsoft.com/office/powerpoint/2010/main" Requires="p14">
+      <p:transition spd="med" p14:dur="700">
+        <p:fade/>
+      </p:transition>
+    </mc:Choice>
+    <mc:Fallback>
+      <p:transition spd="med">
+        <p:fade/>
+      </p:transition>
+    </mc:Fallback>
+  </mc:AlternateContent>
   <p:timing>
     <p:tnLst>
       <p:par>
@@ -15483,6 +15790,18 @@
   <p:clrMapOvr>
     <a:masterClrMapping/>
   </p:clrMapOvr>
+  <mc:AlternateContent xmlns:mc="http://schemas.openxmlformats.org/markup-compatibility/2006">
+    <mc:Choice xmlns:p14="http://schemas.microsoft.com/office/powerpoint/2010/main" Requires="p14">
+      <p:transition spd="med" p14:dur="700">
+        <p:fade/>
+      </p:transition>
+    </mc:Choice>
+    <mc:Fallback>
+      <p:transition spd="med">
+        <p:fade/>
+      </p:transition>
+    </mc:Fallback>
+  </mc:AlternateContent>
   <p:timing>
     <p:tnLst>
       <p:par>
@@ -15771,6 +16090,18 @@
   <p:clrMapOvr>
     <a:masterClrMapping/>
   </p:clrMapOvr>
+  <mc:AlternateContent xmlns:mc="http://schemas.openxmlformats.org/markup-compatibility/2006">
+    <mc:Choice xmlns:p14="http://schemas.microsoft.com/office/powerpoint/2010/main" Requires="p14">
+      <p:transition spd="med" p14:dur="700">
+        <p:fade/>
+      </p:transition>
+    </mc:Choice>
+    <mc:Fallback>
+      <p:transition spd="med">
+        <p:fade/>
+      </p:transition>
+    </mc:Fallback>
+  </mc:AlternateContent>
   <p:timing>
     <p:tnLst>
       <p:par>
@@ -16396,6 +16727,18 @@
   <p:clrMapOvr>
     <a:masterClrMapping/>
   </p:clrMapOvr>
+  <mc:AlternateContent xmlns:mc="http://schemas.openxmlformats.org/markup-compatibility/2006">
+    <mc:Choice xmlns:p14="http://schemas.microsoft.com/office/powerpoint/2010/main" Requires="p14">
+      <p:transition spd="med" p14:dur="700">
+        <p:fade/>
+      </p:transition>
+    </mc:Choice>
+    <mc:Fallback>
+      <p:transition spd="med">
+        <p:fade/>
+      </p:transition>
+    </mc:Fallback>
+  </mc:AlternateContent>
   <p:timing>
     <p:tnLst>
       <p:par>
@@ -16738,6 +17081,18 @@
   <p:clrMapOvr>
     <a:masterClrMapping/>
   </p:clrMapOvr>
+  <mc:AlternateContent xmlns:mc="http://schemas.openxmlformats.org/markup-compatibility/2006">
+    <mc:Choice xmlns:p14="http://schemas.microsoft.com/office/powerpoint/2010/main" Requires="p14">
+      <p:transition spd="med" p14:dur="700">
+        <p:fade/>
+      </p:transition>
+    </mc:Choice>
+    <mc:Fallback>
+      <p:transition spd="med">
+        <p:fade/>
+      </p:transition>
+    </mc:Fallback>
+  </mc:AlternateContent>
   <p:timing>
     <p:tnLst>
       <p:par>
@@ -17063,6 +17418,18 @@
   <p:clrMapOvr>
     <a:masterClrMapping/>
   </p:clrMapOvr>
+  <mc:AlternateContent xmlns:mc="http://schemas.openxmlformats.org/markup-compatibility/2006">
+    <mc:Choice xmlns:p14="http://schemas.microsoft.com/office/powerpoint/2010/main" Requires="p14">
+      <p:transition spd="med" p14:dur="700">
+        <p:fade/>
+      </p:transition>
+    </mc:Choice>
+    <mc:Fallback>
+      <p:transition spd="med">
+        <p:fade/>
+      </p:transition>
+    </mc:Fallback>
+  </mc:AlternateContent>
   <p:timing>
     <p:tnLst>
       <p:par>
@@ -17388,6 +17755,18 @@
   <p:clrMapOvr>
     <a:masterClrMapping/>
   </p:clrMapOvr>
+  <mc:AlternateContent xmlns:mc="http://schemas.openxmlformats.org/markup-compatibility/2006">
+    <mc:Choice xmlns:p14="http://schemas.microsoft.com/office/powerpoint/2010/main" Requires="p14">
+      <p:transition spd="med" p14:dur="700">
+        <p:fade/>
+      </p:transition>
+    </mc:Choice>
+    <mc:Fallback>
+      <p:transition spd="med">
+        <p:fade/>
+      </p:transition>
+    </mc:Fallback>
+  </mc:AlternateContent>
   <p:timing>
     <p:tnLst>
       <p:par>
@@ -17686,6 +18065,18 @@
   <p:clrMapOvr>
     <a:masterClrMapping/>
   </p:clrMapOvr>
+  <mc:AlternateContent xmlns:mc="http://schemas.openxmlformats.org/markup-compatibility/2006">
+    <mc:Choice xmlns:p14="http://schemas.microsoft.com/office/powerpoint/2010/main" Requires="p14">
+      <p:transition spd="med" p14:dur="700">
+        <p:fade/>
+      </p:transition>
+    </mc:Choice>
+    <mc:Fallback>
+      <p:transition spd="med">
+        <p:fade/>
+      </p:transition>
+    </mc:Fallback>
+  </mc:AlternateContent>
   <p:timing>
     <p:tnLst>
       <p:par>
@@ -18025,6 +18416,18 @@
   <p:clrMapOvr>
     <a:masterClrMapping/>
   </p:clrMapOvr>
+  <mc:AlternateContent xmlns:mc="http://schemas.openxmlformats.org/markup-compatibility/2006">
+    <mc:Choice xmlns:p14="http://schemas.microsoft.com/office/powerpoint/2010/main" Requires="p14">
+      <p:transition spd="med" p14:dur="700">
+        <p:fade/>
+      </p:transition>
+    </mc:Choice>
+    <mc:Fallback>
+      <p:transition spd="med">
+        <p:fade/>
+      </p:transition>
+    </mc:Fallback>
+  </mc:AlternateContent>
   <p:timing>
     <p:tnLst>
       <p:par>
@@ -18350,6 +18753,18 @@
   <p:clrMapOvr>
     <a:masterClrMapping/>
   </p:clrMapOvr>
+  <mc:AlternateContent xmlns:mc="http://schemas.openxmlformats.org/markup-compatibility/2006">
+    <mc:Choice xmlns:p14="http://schemas.microsoft.com/office/powerpoint/2010/main" Requires="p14">
+      <p:transition spd="med" p14:dur="700">
+        <p:fade/>
+      </p:transition>
+    </mc:Choice>
+    <mc:Fallback>
+      <p:transition spd="med">
+        <p:fade/>
+      </p:transition>
+    </mc:Fallback>
+  </mc:AlternateContent>
   <p:timing>
     <p:tnLst>
       <p:par>
@@ -18675,6 +19090,18 @@
   <p:clrMapOvr>
     <a:masterClrMapping/>
   </p:clrMapOvr>
+  <mc:AlternateContent xmlns:mc="http://schemas.openxmlformats.org/markup-compatibility/2006">
+    <mc:Choice xmlns:p14="http://schemas.microsoft.com/office/powerpoint/2010/main" Requires="p14">
+      <p:transition spd="med" p14:dur="700">
+        <p:fade/>
+      </p:transition>
+    </mc:Choice>
+    <mc:Fallback>
+      <p:transition spd="med">
+        <p:fade/>
+      </p:transition>
+    </mc:Fallback>
+  </mc:AlternateContent>
   <p:timing>
     <p:tnLst>
       <p:par>
